--- a/week_6/For_Zak.pptx
+++ b/week_6/For_Zak.pptx
@@ -5,21 +5,27 @@
     <p:sldMasterId id="2147483648" r:id="rId1"/>
   </p:sldMasterIdLst>
   <p:notesMasterIdLst>
-    <p:notesMasterId r:id="rId14"/>
+    <p:notesMasterId r:id="rId20"/>
   </p:notesMasterIdLst>
   <p:sldIdLst>
     <p:sldId id="256" r:id="rId2"/>
     <p:sldId id="257" r:id="rId3"/>
     <p:sldId id="258" r:id="rId4"/>
-    <p:sldId id="259" r:id="rId5"/>
-    <p:sldId id="268" r:id="rId6"/>
-    <p:sldId id="262" r:id="rId7"/>
-    <p:sldId id="263" r:id="rId8"/>
-    <p:sldId id="265" r:id="rId9"/>
-    <p:sldId id="267" r:id="rId10"/>
-    <p:sldId id="260" r:id="rId11"/>
-    <p:sldId id="261" r:id="rId12"/>
-    <p:sldId id="269" r:id="rId13"/>
+    <p:sldId id="268" r:id="rId5"/>
+    <p:sldId id="262" r:id="rId6"/>
+    <p:sldId id="270" r:id="rId7"/>
+    <p:sldId id="280" r:id="rId8"/>
+    <p:sldId id="271" r:id="rId9"/>
+    <p:sldId id="273" r:id="rId10"/>
+    <p:sldId id="267" r:id="rId11"/>
+    <p:sldId id="259" r:id="rId12"/>
+    <p:sldId id="260" r:id="rId13"/>
+    <p:sldId id="261" r:id="rId14"/>
+    <p:sldId id="277" r:id="rId15"/>
+    <p:sldId id="275" r:id="rId16"/>
+    <p:sldId id="278" r:id="rId17"/>
+    <p:sldId id="279" r:id="rId18"/>
+    <p:sldId id="281" r:id="rId19"/>
   </p:sldIdLst>
   <p:sldSz cx="12192000" cy="6858000"/>
   <p:notesSz cx="6858000" cy="9144000"/>
@@ -118,6 +124,11 @@
       </a:defRPr>
     </a:lvl9pPr>
   </p:defaultTextStyle>
+  <p:extLst>
+    <p:ext uri="{EFAFB233-063F-42B5-8137-9DF3F51BA10A}">
+      <p15:sldGuideLst xmlns:p15="http://schemas.microsoft.com/office/powerpoint/2012/main"/>
+    </p:ext>
+  </p:extLst>
 </p:presentation>
 </file>
 
@@ -203,7 +214,7 @@
           <a:p>
             <a:fld id="{13D166E5-CA32-C14C-AC86-25EE605CA0B9}" type="datetimeFigureOut">
               <a:rPr lang="en-US" smtClean="0"/>
-              <a:t>7/22/16</a:t>
+              <a:t>7/23/16</a:t>
             </a:fld>
             <a:endParaRPr lang="en-US"/>
           </a:p>
@@ -517,7 +528,11 @@
           <a:p>
             <a:r>
               <a:rPr lang="en-US" dirty="0" smtClean="0"/>
-              <a:t>1000G </a:t>
+              <a:t>Basically an overview of the app.</a:t>
+            </a:r>
+            <a:r>
+              <a:rPr lang="en-US" baseline="0" dirty="0" smtClean="0"/>
+              <a:t> I was planning to show it to him after this slide.</a:t>
             </a:r>
             <a:endParaRPr lang="en-US" dirty="0"/>
           </a:p>
@@ -538,9 +553,9 @@
           <a:bodyPr/>
           <a:lstStyle/>
           <a:p>
-            <a:fld id="{0F7EF5EC-725D-DA48-9BAD-19B6E5F87FE7}" type="slidenum">
+            <a:fld id="{C2698728-EB87-E34E-977D-E3392FB2F7C3}" type="slidenum">
               <a:rPr lang="en-US" smtClean="0"/>
-              <a:t>5</a:t>
+              <a:t>2</a:t>
             </a:fld>
             <a:endParaRPr lang="en-US"/>
           </a:p>
@@ -549,7 +564,91 @@
     </p:spTree>
     <p:extLst>
       <p:ext uri="{BB962C8B-B14F-4D97-AF65-F5344CB8AC3E}">
-        <p14:creationId xmlns:p14="http://schemas.microsoft.com/office/powerpoint/2010/main" val="1591556655"/>
+        <p14:creationId xmlns:p14="http://schemas.microsoft.com/office/powerpoint/2010/main" val="53323952"/>
+      </p:ext>
+    </p:extLst>
+  </p:cSld>
+  <p:clrMapOvr>
+    <a:masterClrMapping/>
+  </p:clrMapOvr>
+</p:notes>
+</file>
+
+<file path=ppt/notesSlides/notesSlide10.xml><?xml version="1.0" encoding="utf-8"?>
+<p:notes xmlns:a="http://schemas.openxmlformats.org/drawingml/2006/main" xmlns:r="http://schemas.openxmlformats.org/officeDocument/2006/relationships" xmlns:p="http://schemas.openxmlformats.org/presentationml/2006/main">
+  <p:cSld>
+    <p:spTree>
+      <p:nvGrpSpPr>
+        <p:cNvPr id="1" name=""/>
+        <p:cNvGrpSpPr/>
+        <p:nvPr/>
+      </p:nvGrpSpPr>
+      <p:grpSpPr>
+        <a:xfrm>
+          <a:off x="0" y="0"/>
+          <a:ext cx="0" cy="0"/>
+          <a:chOff x="0" y="0"/>
+          <a:chExt cx="0" cy="0"/>
+        </a:xfrm>
+      </p:grpSpPr>
+      <p:sp>
+        <p:nvSpPr>
+          <p:cNvPr id="2" name="Slide Image Placeholder 1"/>
+          <p:cNvSpPr>
+            <a:spLocks noGrp="1" noRot="1" noChangeAspect="1"/>
+          </p:cNvSpPr>
+          <p:nvPr>
+            <p:ph type="sldImg"/>
+          </p:nvPr>
+        </p:nvSpPr>
+        <p:spPr/>
+      </p:sp>
+      <p:sp>
+        <p:nvSpPr>
+          <p:cNvPr id="3" name="Notes Placeholder 2"/>
+          <p:cNvSpPr>
+            <a:spLocks noGrp="1"/>
+          </p:cNvSpPr>
+          <p:nvPr>
+            <p:ph type="body" idx="1"/>
+          </p:nvPr>
+        </p:nvSpPr>
+        <p:spPr/>
+        <p:txBody>
+          <a:bodyPr/>
+          <a:lstStyle/>
+          <a:p>
+            <a:endParaRPr lang="en-US" dirty="0"/>
+          </a:p>
+        </p:txBody>
+      </p:sp>
+      <p:sp>
+        <p:nvSpPr>
+          <p:cNvPr id="4" name="Slide Number Placeholder 3"/>
+          <p:cNvSpPr>
+            <a:spLocks noGrp="1"/>
+          </p:cNvSpPr>
+          <p:nvPr>
+            <p:ph type="sldNum" sz="quarter" idx="10"/>
+          </p:nvPr>
+        </p:nvSpPr>
+        <p:spPr/>
+        <p:txBody>
+          <a:bodyPr/>
+          <a:lstStyle/>
+          <a:p>
+            <a:fld id="{C2698728-EB87-E34E-977D-E3392FB2F7C3}" type="slidenum">
+              <a:rPr lang="en-US" smtClean="0"/>
+              <a:t>14</a:t>
+            </a:fld>
+            <a:endParaRPr lang="en-US"/>
+          </a:p>
+        </p:txBody>
+      </p:sp>
+    </p:spTree>
+    <p:extLst>
+      <p:ext uri="{BB962C8B-B14F-4D97-AF65-F5344CB8AC3E}">
+        <p14:creationId xmlns:p14="http://schemas.microsoft.com/office/powerpoint/2010/main" val="879789078"/>
       </p:ext>
     </p:extLst>
   </p:cSld>
@@ -603,6 +702,14 @@
           <a:bodyPr/>
           <a:lstStyle/>
           <a:p>
+            <a:r>
+              <a:rPr lang="en-US" dirty="0" smtClean="0"/>
+              <a:t>Briefly</a:t>
+            </a:r>
+            <a:r>
+              <a:rPr lang="en-US" baseline="0" dirty="0" smtClean="0"/>
+              <a:t> cover runtime. </a:t>
+            </a:r>
             <a:endParaRPr lang="en-US" dirty="0"/>
           </a:p>
         </p:txBody>
@@ -622,7 +729,456 @@
           <a:bodyPr/>
           <a:lstStyle/>
           <a:p>
+            <a:fld id="{C2698728-EB87-E34E-977D-E3392FB2F7C3}" type="slidenum">
+              <a:rPr lang="en-US" smtClean="0"/>
+              <a:t>3</a:t>
+            </a:fld>
+            <a:endParaRPr lang="en-US"/>
+          </a:p>
+        </p:txBody>
+      </p:sp>
+    </p:spTree>
+    <p:extLst>
+      <p:ext uri="{BB962C8B-B14F-4D97-AF65-F5344CB8AC3E}">
+        <p14:creationId xmlns:p14="http://schemas.microsoft.com/office/powerpoint/2010/main" val="499974354"/>
+      </p:ext>
+    </p:extLst>
+  </p:cSld>
+  <p:clrMapOvr>
+    <a:masterClrMapping/>
+  </p:clrMapOvr>
+</p:notes>
+</file>
+
+<file path=ppt/notesSlides/notesSlide3.xml><?xml version="1.0" encoding="utf-8"?>
+<p:notes xmlns:a="http://schemas.openxmlformats.org/drawingml/2006/main" xmlns:r="http://schemas.openxmlformats.org/officeDocument/2006/relationships" xmlns:p="http://schemas.openxmlformats.org/presentationml/2006/main">
+  <p:cSld>
+    <p:spTree>
+      <p:nvGrpSpPr>
+        <p:cNvPr id="1" name=""/>
+        <p:cNvGrpSpPr/>
+        <p:nvPr/>
+      </p:nvGrpSpPr>
+      <p:grpSpPr>
+        <a:xfrm>
+          <a:off x="0" y="0"/>
+          <a:ext cx="0" cy="0"/>
+          <a:chOff x="0" y="0"/>
+          <a:chExt cx="0" cy="0"/>
+        </a:xfrm>
+      </p:grpSpPr>
+      <p:sp>
+        <p:nvSpPr>
+          <p:cNvPr id="2" name="Slide Image Placeholder 1"/>
+          <p:cNvSpPr>
+            <a:spLocks noGrp="1" noRot="1" noChangeAspect="1"/>
+          </p:cNvSpPr>
+          <p:nvPr>
+            <p:ph type="sldImg"/>
+          </p:nvPr>
+        </p:nvSpPr>
+        <p:spPr/>
+      </p:sp>
+      <p:sp>
+        <p:nvSpPr>
+          <p:cNvPr id="3" name="Notes Placeholder 2"/>
+          <p:cNvSpPr>
+            <a:spLocks noGrp="1"/>
+          </p:cNvSpPr>
+          <p:nvPr>
+            <p:ph type="body" idx="1"/>
+          </p:nvPr>
+        </p:nvSpPr>
+        <p:spPr/>
+        <p:txBody>
+          <a:bodyPr/>
+          <a:lstStyle/>
+          <a:p>
+            <a:endParaRPr lang="en-US" dirty="0"/>
+          </a:p>
+        </p:txBody>
+      </p:sp>
+      <p:sp>
+        <p:nvSpPr>
+          <p:cNvPr id="4" name="Slide Number Placeholder 3"/>
+          <p:cNvSpPr>
+            <a:spLocks noGrp="1"/>
+          </p:cNvSpPr>
+          <p:nvPr>
+            <p:ph type="sldNum" sz="quarter" idx="10"/>
+          </p:nvPr>
+        </p:nvSpPr>
+        <p:spPr/>
+        <p:txBody>
+          <a:bodyPr/>
+          <a:lstStyle/>
+          <a:p>
             <a:fld id="{0F7EF5EC-725D-DA48-9BAD-19B6E5F87FE7}" type="slidenum">
+              <a:rPr lang="en-US" smtClean="0"/>
+              <a:t>4</a:t>
+            </a:fld>
+            <a:endParaRPr lang="en-US"/>
+          </a:p>
+        </p:txBody>
+      </p:sp>
+    </p:spTree>
+    <p:extLst>
+      <p:ext uri="{BB962C8B-B14F-4D97-AF65-F5344CB8AC3E}">
+        <p14:creationId xmlns:p14="http://schemas.microsoft.com/office/powerpoint/2010/main" val="1591556655"/>
+      </p:ext>
+    </p:extLst>
+  </p:cSld>
+  <p:clrMapOvr>
+    <a:masterClrMapping/>
+  </p:clrMapOvr>
+</p:notes>
+</file>
+
+<file path=ppt/notesSlides/notesSlide4.xml><?xml version="1.0" encoding="utf-8"?>
+<p:notes xmlns:a="http://schemas.openxmlformats.org/drawingml/2006/main" xmlns:r="http://schemas.openxmlformats.org/officeDocument/2006/relationships" xmlns:p="http://schemas.openxmlformats.org/presentationml/2006/main">
+  <p:cSld>
+    <p:spTree>
+      <p:nvGrpSpPr>
+        <p:cNvPr id="1" name=""/>
+        <p:cNvGrpSpPr/>
+        <p:nvPr/>
+      </p:nvGrpSpPr>
+      <p:grpSpPr>
+        <a:xfrm>
+          <a:off x="0" y="0"/>
+          <a:ext cx="0" cy="0"/>
+          <a:chOff x="0" y="0"/>
+          <a:chExt cx="0" cy="0"/>
+        </a:xfrm>
+      </p:grpSpPr>
+      <p:sp>
+        <p:nvSpPr>
+          <p:cNvPr id="2" name="Slide Image Placeholder 1"/>
+          <p:cNvSpPr>
+            <a:spLocks noGrp="1" noRot="1" noChangeAspect="1"/>
+          </p:cNvSpPr>
+          <p:nvPr>
+            <p:ph type="sldImg"/>
+          </p:nvPr>
+        </p:nvSpPr>
+        <p:spPr/>
+      </p:sp>
+      <p:sp>
+        <p:nvSpPr>
+          <p:cNvPr id="3" name="Notes Placeholder 2"/>
+          <p:cNvSpPr>
+            <a:spLocks noGrp="1"/>
+          </p:cNvSpPr>
+          <p:nvPr>
+            <p:ph type="body" idx="1"/>
+          </p:nvPr>
+        </p:nvSpPr>
+        <p:spPr/>
+        <p:txBody>
+          <a:bodyPr/>
+          <a:lstStyle/>
+          <a:p>
+            <a:endParaRPr lang="en-US" dirty="0"/>
+          </a:p>
+        </p:txBody>
+      </p:sp>
+      <p:sp>
+        <p:nvSpPr>
+          <p:cNvPr id="4" name="Slide Number Placeholder 3"/>
+          <p:cNvSpPr>
+            <a:spLocks noGrp="1"/>
+          </p:cNvSpPr>
+          <p:nvPr>
+            <p:ph type="sldNum" sz="quarter" idx="10"/>
+          </p:nvPr>
+        </p:nvSpPr>
+        <p:spPr/>
+        <p:txBody>
+          <a:bodyPr/>
+          <a:lstStyle/>
+          <a:p>
+            <a:fld id="{C2698728-EB87-E34E-977D-E3392FB2F7C3}" type="slidenum">
+              <a:rPr lang="en-US" smtClean="0"/>
+              <a:t>5</a:t>
+            </a:fld>
+            <a:endParaRPr lang="en-US"/>
+          </a:p>
+        </p:txBody>
+      </p:sp>
+    </p:spTree>
+    <p:extLst>
+      <p:ext uri="{BB962C8B-B14F-4D97-AF65-F5344CB8AC3E}">
+        <p14:creationId xmlns:p14="http://schemas.microsoft.com/office/powerpoint/2010/main" val="836589483"/>
+      </p:ext>
+    </p:extLst>
+  </p:cSld>
+  <p:clrMapOvr>
+    <a:masterClrMapping/>
+  </p:clrMapOvr>
+</p:notes>
+</file>
+
+<file path=ppt/notesSlides/notesSlide5.xml><?xml version="1.0" encoding="utf-8"?>
+<p:notes xmlns:a="http://schemas.openxmlformats.org/drawingml/2006/main" xmlns:r="http://schemas.openxmlformats.org/officeDocument/2006/relationships" xmlns:p="http://schemas.openxmlformats.org/presentationml/2006/main">
+  <p:cSld>
+    <p:spTree>
+      <p:nvGrpSpPr>
+        <p:cNvPr id="1" name=""/>
+        <p:cNvGrpSpPr/>
+        <p:nvPr/>
+      </p:nvGrpSpPr>
+      <p:grpSpPr>
+        <a:xfrm>
+          <a:off x="0" y="0"/>
+          <a:ext cx="0" cy="0"/>
+          <a:chOff x="0" y="0"/>
+          <a:chExt cx="0" cy="0"/>
+        </a:xfrm>
+      </p:grpSpPr>
+      <p:sp>
+        <p:nvSpPr>
+          <p:cNvPr id="2" name="Slide Image Placeholder 1"/>
+          <p:cNvSpPr>
+            <a:spLocks noGrp="1" noRot="1" noChangeAspect="1"/>
+          </p:cNvSpPr>
+          <p:nvPr>
+            <p:ph type="sldImg"/>
+          </p:nvPr>
+        </p:nvSpPr>
+        <p:spPr/>
+      </p:sp>
+      <p:sp>
+        <p:nvSpPr>
+          <p:cNvPr id="3" name="Notes Placeholder 2"/>
+          <p:cNvSpPr>
+            <a:spLocks noGrp="1"/>
+          </p:cNvSpPr>
+          <p:nvPr>
+            <p:ph type="body" idx="1"/>
+          </p:nvPr>
+        </p:nvSpPr>
+        <p:spPr/>
+        <p:txBody>
+          <a:bodyPr/>
+          <a:lstStyle/>
+          <a:p>
+            <a:endParaRPr lang="en-US" dirty="0"/>
+          </a:p>
+        </p:txBody>
+      </p:sp>
+      <p:sp>
+        <p:nvSpPr>
+          <p:cNvPr id="4" name="Slide Number Placeholder 3"/>
+          <p:cNvSpPr>
+            <a:spLocks noGrp="1"/>
+          </p:cNvSpPr>
+          <p:nvPr>
+            <p:ph type="sldNum" sz="quarter" idx="10"/>
+          </p:nvPr>
+        </p:nvSpPr>
+        <p:spPr/>
+        <p:txBody>
+          <a:bodyPr/>
+          <a:lstStyle/>
+          <a:p>
+            <a:fld id="{C2698728-EB87-E34E-977D-E3392FB2F7C3}" type="slidenum">
+              <a:rPr lang="en-US" smtClean="0"/>
+              <a:t>7</a:t>
+            </a:fld>
+            <a:endParaRPr lang="en-US"/>
+          </a:p>
+        </p:txBody>
+      </p:sp>
+    </p:spTree>
+    <p:extLst>
+      <p:ext uri="{BB962C8B-B14F-4D97-AF65-F5344CB8AC3E}">
+        <p14:creationId xmlns:p14="http://schemas.microsoft.com/office/powerpoint/2010/main" val="1396267005"/>
+      </p:ext>
+    </p:extLst>
+  </p:cSld>
+  <p:clrMapOvr>
+    <a:masterClrMapping/>
+  </p:clrMapOvr>
+</p:notes>
+</file>
+
+<file path=ppt/notesSlides/notesSlide6.xml><?xml version="1.0" encoding="utf-8"?>
+<p:notes xmlns:a="http://schemas.openxmlformats.org/drawingml/2006/main" xmlns:r="http://schemas.openxmlformats.org/officeDocument/2006/relationships" xmlns:p="http://schemas.openxmlformats.org/presentationml/2006/main">
+  <p:cSld>
+    <p:spTree>
+      <p:nvGrpSpPr>
+        <p:cNvPr id="1" name=""/>
+        <p:cNvGrpSpPr/>
+        <p:nvPr/>
+      </p:nvGrpSpPr>
+      <p:grpSpPr>
+        <a:xfrm>
+          <a:off x="0" y="0"/>
+          <a:ext cx="0" cy="0"/>
+          <a:chOff x="0" y="0"/>
+          <a:chExt cx="0" cy="0"/>
+        </a:xfrm>
+      </p:grpSpPr>
+      <p:sp>
+        <p:nvSpPr>
+          <p:cNvPr id="2" name="Slide Image Placeholder 1"/>
+          <p:cNvSpPr>
+            <a:spLocks noGrp="1" noRot="1" noChangeAspect="1"/>
+          </p:cNvSpPr>
+          <p:nvPr>
+            <p:ph type="sldImg"/>
+          </p:nvPr>
+        </p:nvSpPr>
+        <p:spPr/>
+      </p:sp>
+      <p:sp>
+        <p:nvSpPr>
+          <p:cNvPr id="3" name="Notes Placeholder 2"/>
+          <p:cNvSpPr>
+            <a:spLocks noGrp="1"/>
+          </p:cNvSpPr>
+          <p:nvPr>
+            <p:ph type="body" idx="1"/>
+          </p:nvPr>
+        </p:nvSpPr>
+        <p:spPr/>
+        <p:txBody>
+          <a:bodyPr/>
+          <a:lstStyle/>
+          <a:p>
+            <a:r>
+              <a:rPr lang="en-US" dirty="0" smtClean="0"/>
+              <a:t>For example: MYBPC3 is 1/50,</a:t>
+            </a:r>
+            <a:r>
+              <a:rPr lang="en-US" baseline="0" dirty="0" smtClean="0"/>
+              <a:t> but prevalence of HCM is 1/500. </a:t>
+            </a:r>
+            <a:br>
+              <a:rPr lang="en-US" baseline="0" dirty="0" smtClean="0"/>
+            </a:br>
+            <a:r>
+              <a:rPr lang="en-US" baseline="0" dirty="0" smtClean="0"/>
+              <a:t>SCN5A mutations are in ½ of the population (?!?!)</a:t>
+            </a:r>
+            <a:endParaRPr lang="en-US" dirty="0"/>
+          </a:p>
+        </p:txBody>
+      </p:sp>
+      <p:sp>
+        <p:nvSpPr>
+          <p:cNvPr id="4" name="Slide Number Placeholder 3"/>
+          <p:cNvSpPr>
+            <a:spLocks noGrp="1"/>
+          </p:cNvSpPr>
+          <p:nvPr>
+            <p:ph type="sldNum" sz="quarter" idx="10"/>
+          </p:nvPr>
+        </p:nvSpPr>
+        <p:spPr/>
+        <p:txBody>
+          <a:bodyPr/>
+          <a:lstStyle/>
+          <a:p>
+            <a:fld id="{C2698728-EB87-E34E-977D-E3392FB2F7C3}" type="slidenum">
+              <a:rPr lang="en-US" smtClean="0"/>
+              <a:t>8</a:t>
+            </a:fld>
+            <a:endParaRPr lang="en-US"/>
+          </a:p>
+        </p:txBody>
+      </p:sp>
+    </p:spTree>
+    <p:extLst>
+      <p:ext uri="{BB962C8B-B14F-4D97-AF65-F5344CB8AC3E}">
+        <p14:creationId xmlns:p14="http://schemas.microsoft.com/office/powerpoint/2010/main" val="984003872"/>
+      </p:ext>
+    </p:extLst>
+  </p:cSld>
+  <p:clrMapOvr>
+    <a:masterClrMapping/>
+  </p:clrMapOvr>
+</p:notes>
+</file>
+
+<file path=ppt/notesSlides/notesSlide7.xml><?xml version="1.0" encoding="utf-8"?>
+<p:notes xmlns:a="http://schemas.openxmlformats.org/drawingml/2006/main" xmlns:r="http://schemas.openxmlformats.org/officeDocument/2006/relationships" xmlns:p="http://schemas.openxmlformats.org/presentationml/2006/main">
+  <p:cSld>
+    <p:spTree>
+      <p:nvGrpSpPr>
+        <p:cNvPr id="1" name=""/>
+        <p:cNvGrpSpPr/>
+        <p:nvPr/>
+      </p:nvGrpSpPr>
+      <p:grpSpPr>
+        <a:xfrm>
+          <a:off x="0" y="0"/>
+          <a:ext cx="0" cy="0"/>
+          <a:chOff x="0" y="0"/>
+          <a:chExt cx="0" cy="0"/>
+        </a:xfrm>
+      </p:grpSpPr>
+      <p:sp>
+        <p:nvSpPr>
+          <p:cNvPr id="2" name="Slide Image Placeholder 1"/>
+          <p:cNvSpPr>
+            <a:spLocks noGrp="1" noRot="1" noChangeAspect="1"/>
+          </p:cNvSpPr>
+          <p:nvPr>
+            <p:ph type="sldImg"/>
+          </p:nvPr>
+        </p:nvSpPr>
+        <p:spPr/>
+      </p:sp>
+      <p:sp>
+        <p:nvSpPr>
+          <p:cNvPr id="3" name="Notes Placeholder 2"/>
+          <p:cNvSpPr>
+            <a:spLocks noGrp="1"/>
+          </p:cNvSpPr>
+          <p:nvPr>
+            <p:ph type="body" idx="1"/>
+          </p:nvPr>
+        </p:nvSpPr>
+        <p:spPr/>
+        <p:txBody>
+          <a:bodyPr/>
+          <a:lstStyle/>
+          <a:p>
+            <a:r>
+              <a:rPr lang="en-US" dirty="0" smtClean="0"/>
+              <a:t>Left: fraction</a:t>
+            </a:r>
+            <a:r>
+              <a:rPr lang="en-US" baseline="0" dirty="0" smtClean="0"/>
+              <a:t> of people in each population that carry at least 1 variant for all pathogenic ACMG genes. </a:t>
+            </a:r>
+          </a:p>
+          <a:p>
+            <a:r>
+              <a:rPr lang="en-US" baseline="0" dirty="0" smtClean="0"/>
+              <a:t>Right: mean number of variants total. </a:t>
+            </a:r>
+            <a:endParaRPr lang="en-US" dirty="0"/>
+          </a:p>
+        </p:txBody>
+      </p:sp>
+      <p:sp>
+        <p:nvSpPr>
+          <p:cNvPr id="4" name="Slide Number Placeholder 3"/>
+          <p:cNvSpPr>
+            <a:spLocks noGrp="1"/>
+          </p:cNvSpPr>
+          <p:nvPr>
+            <p:ph type="sldNum" sz="quarter" idx="10"/>
+          </p:nvPr>
+        </p:nvSpPr>
+        <p:spPr/>
+        <p:txBody>
+          <a:bodyPr/>
+          <a:lstStyle/>
+          <a:p>
+            <a:fld id="{C2698728-EB87-E34E-977D-E3392FB2F7C3}" type="slidenum">
               <a:rPr lang="en-US" smtClean="0"/>
               <a:t>9</a:t>
             </a:fld>
@@ -633,7 +1189,179 @@
     </p:spTree>
     <p:extLst>
       <p:ext uri="{BB962C8B-B14F-4D97-AF65-F5344CB8AC3E}">
+        <p14:creationId xmlns:p14="http://schemas.microsoft.com/office/powerpoint/2010/main" val="1214229951"/>
+      </p:ext>
+    </p:extLst>
+  </p:cSld>
+  <p:clrMapOvr>
+    <a:masterClrMapping/>
+  </p:clrMapOvr>
+</p:notes>
+</file>
+
+<file path=ppt/notesSlides/notesSlide8.xml><?xml version="1.0" encoding="utf-8"?>
+<p:notes xmlns:a="http://schemas.openxmlformats.org/drawingml/2006/main" xmlns:r="http://schemas.openxmlformats.org/officeDocument/2006/relationships" xmlns:p="http://schemas.openxmlformats.org/presentationml/2006/main">
+  <p:cSld>
+    <p:spTree>
+      <p:nvGrpSpPr>
+        <p:cNvPr id="1" name=""/>
+        <p:cNvGrpSpPr/>
+        <p:nvPr/>
+      </p:nvGrpSpPr>
+      <p:grpSpPr>
+        <a:xfrm>
+          <a:off x="0" y="0"/>
+          <a:ext cx="0" cy="0"/>
+          <a:chOff x="0" y="0"/>
+          <a:chExt cx="0" cy="0"/>
+        </a:xfrm>
+      </p:grpSpPr>
+      <p:sp>
+        <p:nvSpPr>
+          <p:cNvPr id="2" name="Slide Image Placeholder 1"/>
+          <p:cNvSpPr>
+            <a:spLocks noGrp="1" noRot="1" noChangeAspect="1"/>
+          </p:cNvSpPr>
+          <p:nvPr>
+            <p:ph type="sldImg"/>
+          </p:nvPr>
+        </p:nvSpPr>
+        <p:spPr/>
+      </p:sp>
+      <p:sp>
+        <p:nvSpPr>
+          <p:cNvPr id="3" name="Notes Placeholder 2"/>
+          <p:cNvSpPr>
+            <a:spLocks noGrp="1"/>
+          </p:cNvSpPr>
+          <p:nvPr>
+            <p:ph type="body" idx="1"/>
+          </p:nvPr>
+        </p:nvSpPr>
+        <p:spPr/>
+        <p:txBody>
+          <a:bodyPr/>
+          <a:lstStyle/>
+          <a:p>
+            <a:endParaRPr lang="en-US" dirty="0"/>
+          </a:p>
+        </p:txBody>
+      </p:sp>
+      <p:sp>
+        <p:nvSpPr>
+          <p:cNvPr id="4" name="Slide Number Placeholder 3"/>
+          <p:cNvSpPr>
+            <a:spLocks noGrp="1"/>
+          </p:cNvSpPr>
+          <p:nvPr>
+            <p:ph type="sldNum" sz="quarter" idx="10"/>
+          </p:nvPr>
+        </p:nvSpPr>
+        <p:spPr/>
+        <p:txBody>
+          <a:bodyPr/>
+          <a:lstStyle/>
+          <a:p>
+            <a:fld id="{0F7EF5EC-725D-DA48-9BAD-19B6E5F87FE7}" type="slidenum">
+              <a:rPr lang="en-US" smtClean="0"/>
+              <a:t>10</a:t>
+            </a:fld>
+            <a:endParaRPr lang="en-US"/>
+          </a:p>
+        </p:txBody>
+      </p:sp>
+    </p:spTree>
+    <p:extLst>
+      <p:ext uri="{BB962C8B-B14F-4D97-AF65-F5344CB8AC3E}">
         <p14:creationId xmlns:p14="http://schemas.microsoft.com/office/powerpoint/2010/main" val="214795439"/>
+      </p:ext>
+    </p:extLst>
+  </p:cSld>
+  <p:clrMapOvr>
+    <a:masterClrMapping/>
+  </p:clrMapOvr>
+</p:notes>
+</file>
+
+<file path=ppt/notesSlides/notesSlide9.xml><?xml version="1.0" encoding="utf-8"?>
+<p:notes xmlns:a="http://schemas.openxmlformats.org/drawingml/2006/main" xmlns:r="http://schemas.openxmlformats.org/officeDocument/2006/relationships" xmlns:p="http://schemas.openxmlformats.org/presentationml/2006/main">
+  <p:cSld>
+    <p:spTree>
+      <p:nvGrpSpPr>
+        <p:cNvPr id="1" name=""/>
+        <p:cNvGrpSpPr/>
+        <p:nvPr/>
+      </p:nvGrpSpPr>
+      <p:grpSpPr>
+        <a:xfrm>
+          <a:off x="0" y="0"/>
+          <a:ext cx="0" cy="0"/>
+          <a:chOff x="0" y="0"/>
+          <a:chExt cx="0" cy="0"/>
+        </a:xfrm>
+      </p:grpSpPr>
+      <p:sp>
+        <p:nvSpPr>
+          <p:cNvPr id="2" name="Slide Image Placeholder 1"/>
+          <p:cNvSpPr>
+            <a:spLocks noGrp="1" noRot="1" noChangeAspect="1"/>
+          </p:cNvSpPr>
+          <p:nvPr>
+            <p:ph type="sldImg"/>
+          </p:nvPr>
+        </p:nvSpPr>
+        <p:spPr/>
+      </p:sp>
+      <p:sp>
+        <p:nvSpPr>
+          <p:cNvPr id="3" name="Notes Placeholder 2"/>
+          <p:cNvSpPr>
+            <a:spLocks noGrp="1"/>
+          </p:cNvSpPr>
+          <p:nvPr>
+            <p:ph type="body" idx="1"/>
+          </p:nvPr>
+        </p:nvSpPr>
+        <p:spPr/>
+        <p:txBody>
+          <a:bodyPr/>
+          <a:lstStyle/>
+          <a:p>
+            <a:r>
+              <a:rPr lang="en-US" dirty="0" smtClean="0"/>
+              <a:t>Haven’t actually put these together yet!!!!!</a:t>
+            </a:r>
+            <a:endParaRPr lang="en-US" dirty="0"/>
+          </a:p>
+        </p:txBody>
+      </p:sp>
+      <p:sp>
+        <p:nvSpPr>
+          <p:cNvPr id="4" name="Slide Number Placeholder 3"/>
+          <p:cNvSpPr>
+            <a:spLocks noGrp="1"/>
+          </p:cNvSpPr>
+          <p:nvPr>
+            <p:ph type="sldNum" sz="quarter" idx="10"/>
+          </p:nvPr>
+        </p:nvSpPr>
+        <p:spPr/>
+        <p:txBody>
+          <a:bodyPr/>
+          <a:lstStyle/>
+          <a:p>
+            <a:fld id="{C2698728-EB87-E34E-977D-E3392FB2F7C3}" type="slidenum">
+              <a:rPr lang="en-US" smtClean="0"/>
+              <a:t>11</a:t>
+            </a:fld>
+            <a:endParaRPr lang="en-US"/>
+          </a:p>
+        </p:txBody>
+      </p:sp>
+    </p:spTree>
+    <p:extLst>
+      <p:ext uri="{BB962C8B-B14F-4D97-AF65-F5344CB8AC3E}">
+        <p14:creationId xmlns:p14="http://schemas.microsoft.com/office/powerpoint/2010/main" val="615904070"/>
       </p:ext>
     </p:extLst>
   </p:cSld>
@@ -813,7 +1541,7 @@
           <a:p>
             <a:fld id="{48A87A34-81AB-432B-8DAE-1953F412C126}" type="datetimeFigureOut">
               <a:rPr lang="en-US" dirty="0"/>
-              <a:t>7/22/16</a:t>
+              <a:t>7/23/16</a:t>
             </a:fld>
             <a:endParaRPr lang="en-US" dirty="0"/>
           </a:p>
@@ -1075,7 +1803,7 @@
           <a:p>
             <a:fld id="{48A87A34-81AB-432B-8DAE-1953F412C126}" type="datetimeFigureOut">
               <a:rPr lang="en-US" dirty="0"/>
-              <a:t>7/22/16</a:t>
+              <a:t>7/23/16</a:t>
             </a:fld>
             <a:endParaRPr lang="en-US" dirty="0"/>
           </a:p>
@@ -1302,7 +2030,7 @@
             <a:fld id="{48A87A34-81AB-432B-8DAE-1953F412C126}" type="datetimeFigureOut">
               <a:rPr lang="en-US" dirty="0"/>
               <a:pPr/>
-              <a:t>7/22/16</a:t>
+              <a:t>7/23/16</a:t>
             </a:fld>
             <a:endParaRPr lang="en-US" dirty="0"/>
           </a:p>
@@ -1608,7 +2336,7 @@
             <a:fld id="{48A87A34-81AB-432B-8DAE-1953F412C126}" type="datetimeFigureOut">
               <a:rPr lang="en-US" dirty="0"/>
               <a:pPr/>
-              <a:t>7/22/16</a:t>
+              <a:t>7/23/16</a:t>
             </a:fld>
             <a:endParaRPr lang="en-US" dirty="0"/>
           </a:p>
@@ -2077,7 +2805,7 @@
             <a:fld id="{48A87A34-81AB-432B-8DAE-1953F412C126}" type="datetimeFigureOut">
               <a:rPr lang="en-US" dirty="0"/>
               <a:pPr/>
-              <a:t>7/22/16</a:t>
+              <a:t>7/23/16</a:t>
             </a:fld>
             <a:endParaRPr lang="en-US" dirty="0"/>
           </a:p>
@@ -2619,7 +3347,7 @@
           <a:p>
             <a:fld id="{48A87A34-81AB-432B-8DAE-1953F412C126}" type="datetimeFigureOut">
               <a:rPr lang="en-US" dirty="0"/>
-              <a:t>7/22/16</a:t>
+              <a:t>7/23/16</a:t>
             </a:fld>
             <a:endParaRPr lang="en-US" dirty="0"/>
           </a:p>
@@ -3388,7 +4116,7 @@
           <a:p>
             <a:fld id="{48A87A34-81AB-432B-8DAE-1953F412C126}" type="datetimeFigureOut">
               <a:rPr lang="en-US" dirty="0"/>
-              <a:t>7/22/16</a:t>
+              <a:t>7/23/16</a:t>
             </a:fld>
             <a:endParaRPr lang="en-US" dirty="0"/>
           </a:p>
@@ -3558,7 +4286,7 @@
           <a:p>
             <a:fld id="{48A87A34-81AB-432B-8DAE-1953F412C126}" type="datetimeFigureOut">
               <a:rPr lang="en-US" dirty="0"/>
-              <a:t>7/22/16</a:t>
+              <a:t>7/23/16</a:t>
             </a:fld>
             <a:endParaRPr lang="en-US" dirty="0"/>
           </a:p>
@@ -3777,7 +4505,7 @@
             <a:fld id="{48A87A34-81AB-432B-8DAE-1953F412C126}" type="datetimeFigureOut">
               <a:rPr lang="en-US" dirty="0"/>
               <a:pPr/>
-              <a:t>7/22/16</a:t>
+              <a:t>7/23/16</a:t>
             </a:fld>
             <a:endParaRPr lang="en-US" dirty="0"/>
           </a:p>
@@ -3952,7 +4680,7 @@
           <a:p>
             <a:fld id="{48A87A34-81AB-432B-8DAE-1953F412C126}" type="datetimeFigureOut">
               <a:rPr lang="en-US" dirty="0"/>
-              <a:t>7/22/16</a:t>
+              <a:t>7/23/16</a:t>
             </a:fld>
             <a:endParaRPr lang="en-US" dirty="0"/>
           </a:p>
@@ -4237,7 +4965,7 @@
             <a:fld id="{48A87A34-81AB-432B-8DAE-1953F412C126}" type="datetimeFigureOut">
               <a:rPr lang="en-US" dirty="0"/>
               <a:pPr/>
-              <a:t>7/22/16</a:t>
+              <a:t>7/23/16</a:t>
             </a:fld>
             <a:endParaRPr lang="en-US" dirty="0"/>
           </a:p>
@@ -4474,7 +5202,7 @@
           <a:p>
             <a:fld id="{48A87A34-81AB-432B-8DAE-1953F412C126}" type="datetimeFigureOut">
               <a:rPr lang="en-US" dirty="0"/>
-              <a:t>7/22/16</a:t>
+              <a:t>7/23/16</a:t>
             </a:fld>
             <a:endParaRPr lang="en-US" dirty="0"/>
           </a:p>
@@ -4848,7 +5576,7 @@
           <a:p>
             <a:fld id="{48A87A34-81AB-432B-8DAE-1953F412C126}" type="datetimeFigureOut">
               <a:rPr lang="en-US" dirty="0"/>
-              <a:t>7/22/16</a:t>
+              <a:t>7/23/16</a:t>
             </a:fld>
             <a:endParaRPr lang="en-US" dirty="0"/>
           </a:p>
@@ -4961,7 +5689,7 @@
           <a:p>
             <a:fld id="{48A87A34-81AB-432B-8DAE-1953F412C126}" type="datetimeFigureOut">
               <a:rPr lang="en-US" dirty="0"/>
-              <a:t>7/22/16</a:t>
+              <a:t>7/23/16</a:t>
             </a:fld>
             <a:endParaRPr lang="en-US" dirty="0"/>
           </a:p>
@@ -5051,7 +5779,7 @@
           <a:p>
             <a:fld id="{48A87A34-81AB-432B-8DAE-1953F412C126}" type="datetimeFigureOut">
               <a:rPr lang="en-US" dirty="0"/>
-              <a:t>7/22/16</a:t>
+              <a:t>7/23/16</a:t>
             </a:fld>
             <a:endParaRPr lang="en-US" dirty="0"/>
           </a:p>
@@ -5295,7 +6023,7 @@
           <a:p>
             <a:fld id="{48A87A34-81AB-432B-8DAE-1953F412C126}" type="datetimeFigureOut">
               <a:rPr lang="en-US" dirty="0"/>
-              <a:t>7/22/16</a:t>
+              <a:t>7/23/16</a:t>
             </a:fld>
             <a:endParaRPr lang="en-US" dirty="0"/>
           </a:p>
@@ -5547,7 +6275,7 @@
           <a:p>
             <a:fld id="{48A87A34-81AB-432B-8DAE-1953F412C126}" type="datetimeFigureOut">
               <a:rPr lang="en-US" dirty="0"/>
-              <a:t>7/22/16</a:t>
+              <a:t>7/23/16</a:t>
             </a:fld>
             <a:endParaRPr lang="en-US" dirty="0"/>
           </a:p>
@@ -5786,7 +6514,7 @@
             <a:fld id="{48A87A34-81AB-432B-8DAE-1953F412C126}" type="datetimeFigureOut">
               <a:rPr lang="en-US" dirty="0"/>
               <a:pPr/>
-              <a:t>7/22/16</a:t>
+              <a:t>7/23/16</a:t>
             </a:fld>
             <a:endParaRPr lang="en-US" dirty="0"/>
           </a:p>
@@ -6203,7 +6931,12 @@
             <p:ph type="ctrTitle"/>
           </p:nvPr>
         </p:nvSpPr>
-        <p:spPr/>
+        <p:spPr>
+          <a:xfrm>
+            <a:off x="1616149" y="1622651"/>
+            <a:ext cx="9448800" cy="1825096"/>
+          </a:xfrm>
+        </p:spPr>
         <p:txBody>
           <a:bodyPr/>
           <a:lstStyle/>
@@ -6226,7 +6959,12 @@
             <p:ph type="subTitle" idx="1"/>
           </p:nvPr>
         </p:nvSpPr>
-        <p:spPr/>
+        <p:spPr>
+          <a:xfrm>
+            <a:off x="1616149" y="3451447"/>
+            <a:ext cx="9448800" cy="685800"/>
+          </a:xfrm>
+        </p:spPr>
         <p:txBody>
           <a:bodyPr/>
           <a:lstStyle/>
@@ -6253,7 +6991,7 @@
 </file>
 
 <file path=ppt/slides/slide10.xml><?xml version="1.0" encoding="utf-8"?>
-<p:sld xmlns:a="http://schemas.openxmlformats.org/drawingml/2006/main" xmlns:r="http://schemas.openxmlformats.org/officeDocument/2006/relationships" xmlns:p="http://schemas.openxmlformats.org/presentationml/2006/main">
+<p:sld xmlns:a="http://schemas.openxmlformats.org/drawingml/2006/main" xmlns:r="http://schemas.openxmlformats.org/officeDocument/2006/relationships" xmlns:p="http://schemas.openxmlformats.org/presentationml/2006/main" show="0">
   <p:cSld>
     <p:spTree>
       <p:nvGrpSpPr>
@@ -6269,2284 +7007,6 @@
           <a:chExt cx="0" cy="0"/>
         </a:xfrm>
       </p:grpSpPr>
-      <p:pic>
-        <p:nvPicPr>
-          <p:cNvPr id="6" name="Content Placeholder 5"/>
-          <p:cNvPicPr>
-            <a:picLocks noGrp="1" noChangeAspect="1"/>
-          </p:cNvPicPr>
-          <p:nvPr>
-            <p:ph idx="1"/>
-          </p:nvPr>
-        </p:nvPicPr>
-        <p:blipFill>
-          <a:blip r:embed="rId2"/>
-          <a:stretch>
-            <a:fillRect/>
-          </a:stretch>
-        </p:blipFill>
-        <p:spPr>
-          <a:xfrm>
-            <a:off x="414820" y="2118216"/>
-            <a:ext cx="8597900" cy="2184400"/>
-          </a:xfrm>
-          <a:prstGeom prst="rect">
-            <a:avLst/>
-          </a:prstGeom>
-          <a:ln>
-            <a:solidFill>
-              <a:schemeClr val="accent1"/>
-            </a:solidFill>
-          </a:ln>
-        </p:spPr>
-      </p:pic>
-      <p:pic>
-        <p:nvPicPr>
-          <p:cNvPr id="8" name="Picture 7"/>
-          <p:cNvPicPr>
-            <a:picLocks noChangeAspect="1"/>
-          </p:cNvPicPr>
-          <p:nvPr/>
-        </p:nvPicPr>
-        <p:blipFill rotWithShape="1">
-          <a:blip r:embed="rId3"/>
-          <a:srcRect t="30561"/>
-          <a:stretch/>
-        </p:blipFill>
-        <p:spPr>
-          <a:xfrm>
-            <a:off x="8477038" y="2503405"/>
-            <a:ext cx="3308055" cy="2263205"/>
-          </a:xfrm>
-          <a:prstGeom prst="rect">
-            <a:avLst/>
-          </a:prstGeom>
-          <a:ln>
-            <a:solidFill>
-              <a:schemeClr val="accent1"/>
-            </a:solidFill>
-          </a:ln>
-        </p:spPr>
-      </p:pic>
-      <p:pic>
-        <p:nvPicPr>
-          <p:cNvPr id="14" name="Picture 13"/>
-          <p:cNvPicPr>
-            <a:picLocks noChangeAspect="1"/>
-          </p:cNvPicPr>
-          <p:nvPr/>
-        </p:nvPicPr>
-        <p:blipFill>
-          <a:blip r:embed="rId4"/>
-          <a:stretch>
-            <a:fillRect/>
-          </a:stretch>
-        </p:blipFill>
-        <p:spPr>
-          <a:xfrm>
-            <a:off x="3719334" y="4235669"/>
-            <a:ext cx="8185000" cy="1598539"/>
-          </a:xfrm>
-          <a:prstGeom prst="rect">
-            <a:avLst/>
-          </a:prstGeom>
-          <a:ln>
-            <a:solidFill>
-              <a:schemeClr val="accent1"/>
-            </a:solidFill>
-          </a:ln>
-        </p:spPr>
-      </p:pic>
-      <p:sp>
-        <p:nvSpPr>
-          <p:cNvPr id="2" name="Title 1"/>
-          <p:cNvSpPr>
-            <a:spLocks noGrp="1"/>
-          </p:cNvSpPr>
-          <p:nvPr>
-            <p:ph type="title"/>
-          </p:nvPr>
-        </p:nvSpPr>
-        <p:spPr>
-          <a:xfrm>
-            <a:off x="3086986" y="584663"/>
-            <a:ext cx="8610600" cy="1293028"/>
-          </a:xfrm>
-        </p:spPr>
-        <p:txBody>
-          <a:bodyPr>
-            <a:normAutofit fontScale="90000"/>
-          </a:bodyPr>
-          <a:lstStyle/>
-          <a:p>
-            <a:r>
-              <a:rPr lang="en-US" dirty="0" smtClean="0"/>
-              <a:t>Estimates of Prevalence are Uncertain and Highly Variable</a:t>
-            </a:r>
-            <a:endParaRPr lang="en-US" dirty="0"/>
-          </a:p>
-        </p:txBody>
-      </p:sp>
-      <p:pic>
-        <p:nvPicPr>
-          <p:cNvPr id="7" name="Picture 6"/>
-          <p:cNvPicPr>
-            <a:picLocks noChangeAspect="1"/>
-          </p:cNvPicPr>
-          <p:nvPr/>
-        </p:nvPicPr>
-        <p:blipFill>
-          <a:blip r:embed="rId5"/>
-          <a:stretch>
-            <a:fillRect/>
-          </a:stretch>
-        </p:blipFill>
-        <p:spPr>
-          <a:xfrm>
-            <a:off x="329761" y="5043002"/>
-            <a:ext cx="7113034" cy="1451155"/>
-          </a:xfrm>
-          <a:prstGeom prst="rect">
-            <a:avLst/>
-          </a:prstGeom>
-          <a:ln>
-            <a:solidFill>
-              <a:schemeClr val="accent1"/>
-            </a:solidFill>
-          </a:ln>
-        </p:spPr>
-      </p:pic>
-      <p:sp>
-        <p:nvSpPr>
-          <p:cNvPr id="9" name="Frame 8"/>
-          <p:cNvSpPr/>
-          <p:nvPr/>
-        </p:nvSpPr>
-        <p:spPr>
-          <a:xfrm>
-            <a:off x="8508937" y="3559815"/>
-            <a:ext cx="2478717" cy="463994"/>
-          </a:xfrm>
-          <a:prstGeom prst="frame">
-            <a:avLst/>
-          </a:prstGeom>
-        </p:spPr>
-        <p:style>
-          <a:lnRef idx="2">
-            <a:schemeClr val="accent1">
-              <a:shade val="50000"/>
-            </a:schemeClr>
-          </a:lnRef>
-          <a:fillRef idx="1">
-            <a:schemeClr val="accent1"/>
-          </a:fillRef>
-          <a:effectRef idx="0">
-            <a:schemeClr val="accent1"/>
-          </a:effectRef>
-          <a:fontRef idx="minor">
-            <a:schemeClr val="lt1"/>
-          </a:fontRef>
-        </p:style>
-        <p:txBody>
-          <a:bodyPr rtlCol="0" anchor="ctr"/>
-          <a:lstStyle/>
-          <a:p>
-            <a:pPr algn="ctr"/>
-            <a:endParaRPr lang="en-US">
-              <a:solidFill>
-                <a:schemeClr val="tx1"/>
-              </a:solidFill>
-            </a:endParaRPr>
-          </a:p>
-        </p:txBody>
-      </p:sp>
-      <p:sp>
-        <p:nvSpPr>
-          <p:cNvPr id="10" name="Frame 9"/>
-          <p:cNvSpPr/>
-          <p:nvPr/>
-        </p:nvSpPr>
-        <p:spPr>
-          <a:xfrm>
-            <a:off x="3903778" y="6088780"/>
-            <a:ext cx="3063854" cy="332282"/>
-          </a:xfrm>
-          <a:prstGeom prst="frame">
-            <a:avLst/>
-          </a:prstGeom>
-        </p:spPr>
-        <p:style>
-          <a:lnRef idx="2">
-            <a:schemeClr val="accent1">
-              <a:shade val="50000"/>
-            </a:schemeClr>
-          </a:lnRef>
-          <a:fillRef idx="1">
-            <a:schemeClr val="accent1"/>
-          </a:fillRef>
-          <a:effectRef idx="0">
-            <a:schemeClr val="accent1"/>
-          </a:effectRef>
-          <a:fontRef idx="minor">
-            <a:schemeClr val="lt1"/>
-          </a:fontRef>
-        </p:style>
-        <p:txBody>
-          <a:bodyPr rtlCol="0" anchor="ctr"/>
-          <a:lstStyle/>
-          <a:p>
-            <a:pPr algn="ctr"/>
-            <a:endParaRPr lang="en-US">
-              <a:solidFill>
-                <a:schemeClr val="tx1"/>
-              </a:solidFill>
-            </a:endParaRPr>
-          </a:p>
-        </p:txBody>
-      </p:sp>
-      <p:sp>
-        <p:nvSpPr>
-          <p:cNvPr id="11" name="Frame 10"/>
-          <p:cNvSpPr/>
-          <p:nvPr/>
-        </p:nvSpPr>
-        <p:spPr>
-          <a:xfrm>
-            <a:off x="964025" y="2147971"/>
-            <a:ext cx="3172044" cy="414720"/>
-          </a:xfrm>
-          <a:prstGeom prst="frame">
-            <a:avLst/>
-          </a:prstGeom>
-        </p:spPr>
-        <p:style>
-          <a:lnRef idx="2">
-            <a:schemeClr val="accent1">
-              <a:shade val="50000"/>
-            </a:schemeClr>
-          </a:lnRef>
-          <a:fillRef idx="1">
-            <a:schemeClr val="accent1"/>
-          </a:fillRef>
-          <a:effectRef idx="0">
-            <a:schemeClr val="accent1"/>
-          </a:effectRef>
-          <a:fontRef idx="minor">
-            <a:schemeClr val="lt1"/>
-          </a:fontRef>
-        </p:style>
-        <p:txBody>
-          <a:bodyPr rtlCol="0" anchor="ctr"/>
-          <a:lstStyle/>
-          <a:p>
-            <a:pPr algn="ctr"/>
-            <a:endParaRPr lang="en-US">
-              <a:solidFill>
-                <a:schemeClr val="tx1"/>
-              </a:solidFill>
-            </a:endParaRPr>
-          </a:p>
-        </p:txBody>
-      </p:sp>
-      <p:sp>
-        <p:nvSpPr>
-          <p:cNvPr id="12" name="Frame 11"/>
-          <p:cNvSpPr/>
-          <p:nvPr/>
-        </p:nvSpPr>
-        <p:spPr>
-          <a:xfrm>
-            <a:off x="425453" y="2608738"/>
-            <a:ext cx="4518690" cy="414720"/>
-          </a:xfrm>
-          <a:prstGeom prst="frame">
-            <a:avLst/>
-          </a:prstGeom>
-        </p:spPr>
-        <p:style>
-          <a:lnRef idx="2">
-            <a:schemeClr val="accent1">
-              <a:shade val="50000"/>
-            </a:schemeClr>
-          </a:lnRef>
-          <a:fillRef idx="1">
-            <a:schemeClr val="accent1"/>
-          </a:fillRef>
-          <a:effectRef idx="0">
-            <a:schemeClr val="accent1"/>
-          </a:effectRef>
-          <a:fontRef idx="minor">
-            <a:schemeClr val="lt1"/>
-          </a:fontRef>
-        </p:style>
-        <p:txBody>
-          <a:bodyPr rtlCol="0" anchor="ctr"/>
-          <a:lstStyle/>
-          <a:p>
-            <a:pPr algn="ctr"/>
-            <a:endParaRPr lang="en-US">
-              <a:solidFill>
-                <a:schemeClr val="tx1"/>
-              </a:solidFill>
-            </a:endParaRPr>
-          </a:p>
-        </p:txBody>
-      </p:sp>
-      <p:pic>
-        <p:nvPicPr>
-          <p:cNvPr id="5" name="Picture 4"/>
-          <p:cNvPicPr>
-            <a:picLocks noChangeAspect="1"/>
-          </p:cNvPicPr>
-          <p:nvPr/>
-        </p:nvPicPr>
-        <p:blipFill>
-          <a:blip r:embed="rId6"/>
-          <a:stretch>
-            <a:fillRect/>
-          </a:stretch>
-        </p:blipFill>
-        <p:spPr>
-          <a:xfrm>
-            <a:off x="671256" y="3354939"/>
-            <a:ext cx="3036201" cy="1761460"/>
-          </a:xfrm>
-          <a:prstGeom prst="rect">
-            <a:avLst/>
-          </a:prstGeom>
-          <a:ln>
-            <a:solidFill>
-              <a:schemeClr val="accent1"/>
-            </a:solidFill>
-          </a:ln>
-        </p:spPr>
-      </p:pic>
-      <p:sp>
-        <p:nvSpPr>
-          <p:cNvPr id="13" name="Frame 12"/>
-          <p:cNvSpPr/>
-          <p:nvPr/>
-        </p:nvSpPr>
-        <p:spPr>
-          <a:xfrm>
-            <a:off x="2512928" y="4719210"/>
-            <a:ext cx="1173263" cy="337018"/>
-          </a:xfrm>
-          <a:prstGeom prst="frame">
-            <a:avLst/>
-          </a:prstGeom>
-        </p:spPr>
-        <p:style>
-          <a:lnRef idx="2">
-            <a:schemeClr val="accent1">
-              <a:shade val="50000"/>
-            </a:schemeClr>
-          </a:lnRef>
-          <a:fillRef idx="1">
-            <a:schemeClr val="accent1"/>
-          </a:fillRef>
-          <a:effectRef idx="0">
-            <a:schemeClr val="accent1"/>
-          </a:effectRef>
-          <a:fontRef idx="minor">
-            <a:schemeClr val="lt1"/>
-          </a:fontRef>
-        </p:style>
-        <p:txBody>
-          <a:bodyPr rtlCol="0" anchor="ctr"/>
-          <a:lstStyle/>
-          <a:p>
-            <a:pPr algn="ctr"/>
-            <a:endParaRPr lang="en-US">
-              <a:solidFill>
-                <a:schemeClr val="tx1"/>
-              </a:solidFill>
-            </a:endParaRPr>
-          </a:p>
-        </p:txBody>
-      </p:sp>
-      <p:sp>
-        <p:nvSpPr>
-          <p:cNvPr id="16" name="Frame 15"/>
-          <p:cNvSpPr/>
-          <p:nvPr/>
-        </p:nvSpPr>
-        <p:spPr>
-          <a:xfrm>
-            <a:off x="7652348" y="4978470"/>
-            <a:ext cx="3735122" cy="463994"/>
-          </a:xfrm>
-          <a:prstGeom prst="frame">
-            <a:avLst/>
-          </a:prstGeom>
-        </p:spPr>
-        <p:style>
-          <a:lnRef idx="2">
-            <a:schemeClr val="accent1">
-              <a:shade val="50000"/>
-            </a:schemeClr>
-          </a:lnRef>
-          <a:fillRef idx="1">
-            <a:schemeClr val="accent1"/>
-          </a:fillRef>
-          <a:effectRef idx="0">
-            <a:schemeClr val="accent1"/>
-          </a:effectRef>
-          <a:fontRef idx="minor">
-            <a:schemeClr val="lt1"/>
-          </a:fontRef>
-        </p:style>
-        <p:txBody>
-          <a:bodyPr rtlCol="0" anchor="ctr"/>
-          <a:lstStyle/>
-          <a:p>
-            <a:pPr algn="ctr"/>
-            <a:endParaRPr lang="en-US">
-              <a:solidFill>
-                <a:schemeClr val="tx1"/>
-              </a:solidFill>
-            </a:endParaRPr>
-          </a:p>
-        </p:txBody>
-      </p:sp>
-      <p:sp>
-        <p:nvSpPr>
-          <p:cNvPr id="17" name="Frame 16"/>
-          <p:cNvSpPr/>
-          <p:nvPr/>
-        </p:nvSpPr>
-        <p:spPr>
-          <a:xfrm>
-            <a:off x="3726389" y="4641452"/>
-            <a:ext cx="1217751" cy="337018"/>
-          </a:xfrm>
-          <a:prstGeom prst="frame">
-            <a:avLst/>
-          </a:prstGeom>
-        </p:spPr>
-        <p:style>
-          <a:lnRef idx="2">
-            <a:schemeClr val="accent1">
-              <a:shade val="50000"/>
-            </a:schemeClr>
-          </a:lnRef>
-          <a:fillRef idx="1">
-            <a:schemeClr val="accent1"/>
-          </a:fillRef>
-          <a:effectRef idx="0">
-            <a:schemeClr val="accent1"/>
-          </a:effectRef>
-          <a:fontRef idx="minor">
-            <a:schemeClr val="lt1"/>
-          </a:fontRef>
-        </p:style>
-        <p:txBody>
-          <a:bodyPr rtlCol="0" anchor="ctr"/>
-          <a:lstStyle/>
-          <a:p>
-            <a:pPr algn="ctr"/>
-            <a:endParaRPr lang="en-US">
-              <a:solidFill>
-                <a:schemeClr val="tx1"/>
-              </a:solidFill>
-            </a:endParaRPr>
-          </a:p>
-        </p:txBody>
-      </p:sp>
-    </p:spTree>
-    <p:extLst>
-      <p:ext uri="{BB962C8B-B14F-4D97-AF65-F5344CB8AC3E}">
-        <p14:creationId xmlns:p14="http://schemas.microsoft.com/office/powerpoint/2010/main" val="1508425454"/>
-      </p:ext>
-    </p:extLst>
-  </p:cSld>
-  <p:clrMapOvr>
-    <a:masterClrMapping/>
-  </p:clrMapOvr>
-</p:sld>
-</file>
-
-<file path=ppt/slides/slide11.xml><?xml version="1.0" encoding="utf-8"?>
-<p:sld xmlns:a="http://schemas.openxmlformats.org/drawingml/2006/main" xmlns:r="http://schemas.openxmlformats.org/officeDocument/2006/relationships" xmlns:p="http://schemas.openxmlformats.org/presentationml/2006/main">
-  <p:cSld>
-    <p:spTree>
-      <p:nvGrpSpPr>
-        <p:cNvPr id="1" name=""/>
-        <p:cNvGrpSpPr/>
-        <p:nvPr/>
-      </p:nvGrpSpPr>
-      <p:grpSpPr>
-        <a:xfrm>
-          <a:off x="0" y="0"/>
-          <a:ext cx="0" cy="0"/>
-          <a:chOff x="0" y="0"/>
-          <a:chExt cx="0" cy="0"/>
-        </a:xfrm>
-      </p:grpSpPr>
-      <p:sp>
-        <p:nvSpPr>
-          <p:cNvPr id="2" name="Title 1"/>
-          <p:cNvSpPr>
-            <a:spLocks noGrp="1"/>
-          </p:cNvSpPr>
-          <p:nvPr>
-            <p:ph type="title"/>
-          </p:nvPr>
-        </p:nvSpPr>
-        <p:spPr/>
-        <p:txBody>
-          <a:bodyPr/>
-          <a:lstStyle/>
-          <a:p>
-            <a:r>
-              <a:rPr lang="en-US" dirty="0" smtClean="0"/>
-              <a:t>We try anyway</a:t>
-            </a:r>
-            <a:endParaRPr lang="en-US" dirty="0"/>
-          </a:p>
-        </p:txBody>
-      </p:sp>
-      <p:pic>
-        <p:nvPicPr>
-          <p:cNvPr id="8" name="Picture 7"/>
-          <p:cNvPicPr>
-            <a:picLocks noChangeAspect="1"/>
-          </p:cNvPicPr>
-          <p:nvPr/>
-        </p:nvPicPr>
-        <p:blipFill>
-          <a:blip r:embed="rId2"/>
-          <a:stretch>
-            <a:fillRect/>
-          </a:stretch>
-        </p:blipFill>
-        <p:spPr>
-          <a:xfrm>
-            <a:off x="675168" y="2525237"/>
-            <a:ext cx="10823464" cy="2748515"/>
-          </a:xfrm>
-          <a:prstGeom prst="rect">
-            <a:avLst/>
-          </a:prstGeom>
-        </p:spPr>
-      </p:pic>
-      <p:pic>
-        <p:nvPicPr>
-          <p:cNvPr id="9" name="Picture 8"/>
-          <p:cNvPicPr>
-            <a:picLocks noChangeAspect="1"/>
-          </p:cNvPicPr>
-          <p:nvPr/>
-        </p:nvPicPr>
-        <p:blipFill>
-          <a:blip r:embed="rId3"/>
-          <a:stretch>
-            <a:fillRect/>
-          </a:stretch>
-        </p:blipFill>
-        <p:spPr>
-          <a:xfrm>
-            <a:off x="675168" y="2152401"/>
-            <a:ext cx="10823464" cy="293550"/>
-          </a:xfrm>
-          <a:prstGeom prst="rect">
-            <a:avLst/>
-          </a:prstGeom>
-        </p:spPr>
-      </p:pic>
-    </p:spTree>
-    <p:extLst>
-      <p:ext uri="{BB962C8B-B14F-4D97-AF65-F5344CB8AC3E}">
-        <p14:creationId xmlns:p14="http://schemas.microsoft.com/office/powerpoint/2010/main" val="1308711200"/>
-      </p:ext>
-    </p:extLst>
-  </p:cSld>
-  <p:clrMapOvr>
-    <a:masterClrMapping/>
-  </p:clrMapOvr>
-</p:sld>
-</file>
-
-<file path=ppt/slides/slide12.xml><?xml version="1.0" encoding="utf-8"?>
-<p:sld xmlns:a="http://schemas.openxmlformats.org/drawingml/2006/main" xmlns:r="http://schemas.openxmlformats.org/officeDocument/2006/relationships" xmlns:p="http://schemas.openxmlformats.org/presentationml/2006/main">
-  <p:cSld>
-    <p:spTree>
-      <p:nvGrpSpPr>
-        <p:cNvPr id="1" name=""/>
-        <p:cNvGrpSpPr/>
-        <p:nvPr/>
-      </p:nvGrpSpPr>
-      <p:grpSpPr>
-        <a:xfrm>
-          <a:off x="0" y="0"/>
-          <a:ext cx="0" cy="0"/>
-          <a:chOff x="0" y="0"/>
-          <a:chExt cx="0" cy="0"/>
-        </a:xfrm>
-      </p:grpSpPr>
-      <p:sp>
-        <p:nvSpPr>
-          <p:cNvPr id="2" name="Title 1"/>
-          <p:cNvSpPr>
-            <a:spLocks noGrp="1"/>
-          </p:cNvSpPr>
-          <p:nvPr>
-            <p:ph type="title"/>
-          </p:nvPr>
-        </p:nvSpPr>
-        <p:spPr/>
-        <p:txBody>
-          <a:bodyPr/>
-          <a:lstStyle/>
-          <a:p>
-            <a:r>
-              <a:rPr lang="en-US" dirty="0" smtClean="0"/>
-              <a:t>Combining 1000 genomes with </a:t>
-            </a:r>
-            <a:r>
-              <a:rPr lang="en-US" dirty="0" err="1" smtClean="0"/>
-              <a:t>Exac</a:t>
-            </a:r>
-            <a:r>
-              <a:rPr lang="en-US" dirty="0" smtClean="0"/>
-              <a:t> + </a:t>
-            </a:r>
-            <a:r>
-              <a:rPr lang="en-US" dirty="0" err="1" smtClean="0"/>
-              <a:t>esp</a:t>
-            </a:r>
-            <a:r>
-              <a:rPr lang="en-US" dirty="0" smtClean="0"/>
-              <a:t> + </a:t>
-            </a:r>
-            <a:r>
-              <a:rPr lang="en-US" dirty="0" err="1" smtClean="0"/>
-              <a:t>ClinVar</a:t>
-            </a:r>
-            <a:endParaRPr lang="en-US" dirty="0"/>
-          </a:p>
-        </p:txBody>
-      </p:sp>
-      <p:sp>
-        <p:nvSpPr>
-          <p:cNvPr id="3" name="Content Placeholder 2"/>
-          <p:cNvSpPr>
-            <a:spLocks noGrp="1"/>
-          </p:cNvSpPr>
-          <p:nvPr>
-            <p:ph idx="1"/>
-          </p:nvPr>
-        </p:nvSpPr>
-        <p:spPr/>
-        <p:txBody>
-          <a:bodyPr/>
-          <a:lstStyle/>
-          <a:p>
-            <a:endParaRPr lang="en-US" dirty="0"/>
-          </a:p>
-        </p:txBody>
-      </p:sp>
-    </p:spTree>
-    <p:extLst>
-      <p:ext uri="{BB962C8B-B14F-4D97-AF65-F5344CB8AC3E}">
-        <p14:creationId xmlns:p14="http://schemas.microsoft.com/office/powerpoint/2010/main" val="99692116"/>
-      </p:ext>
-    </p:extLst>
-  </p:cSld>
-  <p:clrMapOvr>
-    <a:masterClrMapping/>
-  </p:clrMapOvr>
-</p:sld>
-</file>
-
-<file path=ppt/slides/slide2.xml><?xml version="1.0" encoding="utf-8"?>
-<p:sld xmlns:a="http://schemas.openxmlformats.org/drawingml/2006/main" xmlns:r="http://schemas.openxmlformats.org/officeDocument/2006/relationships" xmlns:p="http://schemas.openxmlformats.org/presentationml/2006/main">
-  <p:cSld>
-    <p:spTree>
-      <p:nvGrpSpPr>
-        <p:cNvPr id="1" name=""/>
-        <p:cNvGrpSpPr/>
-        <p:nvPr/>
-      </p:nvGrpSpPr>
-      <p:grpSpPr>
-        <a:xfrm>
-          <a:off x="0" y="0"/>
-          <a:ext cx="0" cy="0"/>
-          <a:chOff x="0" y="0"/>
-          <a:chExt cx="0" cy="0"/>
-        </a:xfrm>
-      </p:grpSpPr>
-      <p:sp>
-        <p:nvSpPr>
-          <p:cNvPr id="2" name="Title 1"/>
-          <p:cNvSpPr>
-            <a:spLocks noGrp="1"/>
-          </p:cNvSpPr>
-          <p:nvPr>
-            <p:ph type="title"/>
-          </p:nvPr>
-        </p:nvSpPr>
-        <p:spPr/>
-        <p:txBody>
-          <a:bodyPr/>
-          <a:lstStyle/>
-          <a:p>
-            <a:r>
-              <a:rPr lang="en-US" dirty="0" smtClean="0"/>
-              <a:t>ACMG Incidentalome App</a:t>
-            </a:r>
-            <a:endParaRPr lang="en-US" dirty="0"/>
-          </a:p>
-        </p:txBody>
-      </p:sp>
-      <p:sp>
-        <p:nvSpPr>
-          <p:cNvPr id="3" name="Content Placeholder 2"/>
-          <p:cNvSpPr>
-            <a:spLocks noGrp="1"/>
-          </p:cNvSpPr>
-          <p:nvPr>
-            <p:ph idx="1"/>
-          </p:nvPr>
-        </p:nvSpPr>
-        <p:spPr>
-          <a:xfrm>
-            <a:off x="685800" y="1864950"/>
-            <a:ext cx="10820400" cy="4599645"/>
-          </a:xfrm>
-        </p:spPr>
-        <p:txBody>
-          <a:bodyPr>
-            <a:normAutofit/>
-          </a:bodyPr>
-          <a:lstStyle/>
-          <a:p>
-            <a:r>
-              <a:rPr lang="en-US" sz="2400" dirty="0" smtClean="0">
-                <a:solidFill>
-                  <a:srgbClr val="FF0000"/>
-                </a:solidFill>
-              </a:rPr>
-              <a:t>User inputs list of genes:</a:t>
-            </a:r>
-          </a:p>
-          <a:p>
-            <a:pPr lvl="1"/>
-            <a:r>
-              <a:rPr lang="en-US" dirty="0" smtClean="0"/>
-              <a:t>Option 1: manual entry</a:t>
-            </a:r>
-          </a:p>
-          <a:p>
-            <a:pPr lvl="1"/>
-            <a:r>
-              <a:rPr lang="en-US" dirty="0" smtClean="0"/>
-              <a:t>Option 2: upload </a:t>
-            </a:r>
-            <a:r>
-              <a:rPr lang="en-US" dirty="0" err="1" smtClean="0"/>
-              <a:t>RData</a:t>
-            </a:r>
-            <a:r>
-              <a:rPr lang="en-US" dirty="0" smtClean="0"/>
-              <a:t> file from previous run</a:t>
-            </a:r>
-          </a:p>
-          <a:p>
-            <a:pPr lvl="1"/>
-            <a:r>
-              <a:rPr lang="en-US" dirty="0" smtClean="0"/>
-              <a:t>Option 3: scrape ACMG genes from </a:t>
-            </a:r>
-            <a:r>
-              <a:rPr lang="en-US" dirty="0" err="1" smtClean="0"/>
-              <a:t>ClinVar</a:t>
-            </a:r>
-            <a:r>
-              <a:rPr lang="en-US" dirty="0" smtClean="0"/>
-              <a:t> website or HCM panel from LMM</a:t>
-            </a:r>
-          </a:p>
-          <a:p>
-            <a:r>
-              <a:rPr lang="en-US" sz="2400" dirty="0" smtClean="0">
-                <a:solidFill>
-                  <a:srgbClr val="FF0000"/>
-                </a:solidFill>
-              </a:rPr>
-              <a:t>App downloads </a:t>
-            </a:r>
-            <a:r>
-              <a:rPr lang="en-US" sz="2400" dirty="0">
-                <a:solidFill>
-                  <a:srgbClr val="FF0000"/>
-                </a:solidFill>
-              </a:rPr>
-              <a:t>VCF files from 1000 genomes and generates plots: </a:t>
-            </a:r>
-          </a:p>
-          <a:p>
-            <a:pPr lvl="1"/>
-            <a:r>
-              <a:rPr lang="en-US" dirty="0" smtClean="0"/>
-              <a:t>Number of variants by population and by gene length.</a:t>
-            </a:r>
-          </a:p>
-          <a:p>
-            <a:pPr lvl="1"/>
-            <a:r>
-              <a:rPr lang="en-US" dirty="0" smtClean="0"/>
-              <a:t>Fraction of population with some variant.</a:t>
-            </a:r>
-          </a:p>
-          <a:p>
-            <a:r>
-              <a:rPr lang="en-US" sz="2400" dirty="0" smtClean="0">
-                <a:solidFill>
-                  <a:srgbClr val="FF0000"/>
-                </a:solidFill>
-              </a:rPr>
-              <a:t>Options for downloading plots and </a:t>
-            </a:r>
-            <a:r>
-              <a:rPr lang="en-US" sz="2400" dirty="0" err="1" smtClean="0">
-                <a:solidFill>
-                  <a:srgbClr val="FF0000"/>
-                </a:solidFill>
-              </a:rPr>
-              <a:t>Rdata</a:t>
-            </a:r>
-            <a:endParaRPr lang="en-US" sz="2400" dirty="0" smtClean="0">
-              <a:solidFill>
-                <a:srgbClr val="FF0000"/>
-              </a:solidFill>
-            </a:endParaRPr>
-          </a:p>
-          <a:p>
-            <a:r>
-              <a:rPr lang="en-US" sz="2400" dirty="0" smtClean="0">
-                <a:solidFill>
-                  <a:srgbClr val="FF0000"/>
-                </a:solidFill>
-              </a:rPr>
-              <a:t>Notifies user of failed downloads and omits these genes from analysis</a:t>
-            </a:r>
-          </a:p>
-          <a:p>
-            <a:endParaRPr lang="en-US" sz="2400" dirty="0">
-              <a:solidFill>
-                <a:srgbClr val="FF0000"/>
-              </a:solidFill>
-            </a:endParaRPr>
-          </a:p>
-          <a:p>
-            <a:endParaRPr lang="en-US" sz="2400" dirty="0">
-              <a:solidFill>
-                <a:srgbClr val="FF0000"/>
-              </a:solidFill>
-            </a:endParaRPr>
-          </a:p>
-          <a:p>
-            <a:endParaRPr lang="en-US" dirty="0"/>
-          </a:p>
-        </p:txBody>
-      </p:sp>
-    </p:spTree>
-    <p:extLst>
-      <p:ext uri="{BB962C8B-B14F-4D97-AF65-F5344CB8AC3E}">
-        <p14:creationId xmlns:p14="http://schemas.microsoft.com/office/powerpoint/2010/main" val="1286193782"/>
-      </p:ext>
-    </p:extLst>
-  </p:cSld>
-  <p:clrMapOvr>
-    <a:masterClrMapping/>
-  </p:clrMapOvr>
-</p:sld>
-</file>
-
-<file path=ppt/slides/slide3.xml><?xml version="1.0" encoding="utf-8"?>
-<p:sld xmlns:a="http://schemas.openxmlformats.org/drawingml/2006/main" xmlns:r="http://schemas.openxmlformats.org/officeDocument/2006/relationships" xmlns:p="http://schemas.openxmlformats.org/presentationml/2006/main">
-  <p:cSld>
-    <p:spTree>
-      <p:nvGrpSpPr>
-        <p:cNvPr id="1" name=""/>
-        <p:cNvGrpSpPr/>
-        <p:nvPr/>
-      </p:nvGrpSpPr>
-      <p:grpSpPr>
-        <a:xfrm>
-          <a:off x="0" y="0"/>
-          <a:ext cx="0" cy="0"/>
-          <a:chOff x="0" y="0"/>
-          <a:chExt cx="0" cy="0"/>
-        </a:xfrm>
-      </p:grpSpPr>
-      <p:sp>
-        <p:nvSpPr>
-          <p:cNvPr id="2" name="Title 1"/>
-          <p:cNvSpPr>
-            <a:spLocks noGrp="1"/>
-          </p:cNvSpPr>
-          <p:nvPr>
-            <p:ph type="title"/>
-          </p:nvPr>
-        </p:nvSpPr>
-        <p:spPr>
-          <a:xfrm>
-            <a:off x="2895600" y="551722"/>
-            <a:ext cx="8610600" cy="1293028"/>
-          </a:xfrm>
-        </p:spPr>
-        <p:txBody>
-          <a:bodyPr/>
-          <a:lstStyle/>
-          <a:p>
-            <a:r>
-              <a:rPr lang="en-US" dirty="0" smtClean="0"/>
-              <a:t>ACMG App Runtime</a:t>
-            </a:r>
-            <a:endParaRPr lang="en-US" dirty="0"/>
-          </a:p>
-        </p:txBody>
-      </p:sp>
-      <p:pic>
-        <p:nvPicPr>
-          <p:cNvPr id="5" name="Content Placeholder 4"/>
-          <p:cNvPicPr>
-            <a:picLocks noGrp="1" noChangeAspect="1"/>
-          </p:cNvPicPr>
-          <p:nvPr>
-            <p:ph idx="1"/>
-          </p:nvPr>
-        </p:nvPicPr>
-        <p:blipFill>
-          <a:blip r:embed="rId2">
-            <a:extLst>
-              <a:ext uri="{28A0092B-C50C-407E-A947-70E740481C1C}">
-                <a14:useLocalDpi xmlns:a14="http://schemas.microsoft.com/office/drawing/2010/main" val="0"/>
-              </a:ext>
-            </a:extLst>
-          </a:blip>
-          <a:stretch>
-            <a:fillRect/>
-          </a:stretch>
-        </p:blipFill>
-        <p:spPr>
-          <a:xfrm>
-            <a:off x="6581265" y="1844750"/>
-            <a:ext cx="4813582" cy="4230688"/>
-          </a:xfrm>
-        </p:spPr>
-      </p:pic>
-      <p:pic>
-        <p:nvPicPr>
-          <p:cNvPr id="6" name="Picture 5"/>
-          <p:cNvPicPr>
-            <a:picLocks noChangeAspect="1"/>
-          </p:cNvPicPr>
-          <p:nvPr/>
-        </p:nvPicPr>
-        <p:blipFill rotWithShape="1">
-          <a:blip r:embed="rId3"/>
-          <a:srcRect b="14963"/>
-          <a:stretch/>
-        </p:blipFill>
-        <p:spPr>
-          <a:xfrm>
-            <a:off x="724638" y="2980756"/>
-            <a:ext cx="5255677" cy="1282900"/>
-          </a:xfrm>
-          <a:prstGeom prst="rect">
-            <a:avLst/>
-          </a:prstGeom>
-        </p:spPr>
-      </p:pic>
-      <p:pic>
-        <p:nvPicPr>
-          <p:cNvPr id="7" name="Picture 6"/>
-          <p:cNvPicPr>
-            <a:picLocks noChangeAspect="1"/>
-          </p:cNvPicPr>
-          <p:nvPr/>
-        </p:nvPicPr>
-        <p:blipFill>
-          <a:blip r:embed="rId4"/>
-          <a:stretch>
-            <a:fillRect/>
-          </a:stretch>
-        </p:blipFill>
-        <p:spPr>
-          <a:xfrm>
-            <a:off x="724638" y="1844750"/>
-            <a:ext cx="5261493" cy="890184"/>
-          </a:xfrm>
-          <a:prstGeom prst="rect">
-            <a:avLst/>
-          </a:prstGeom>
-        </p:spPr>
-      </p:pic>
-      <p:sp>
-        <p:nvSpPr>
-          <p:cNvPr id="8" name="Rectangle 7"/>
-          <p:cNvSpPr/>
-          <p:nvPr/>
-        </p:nvSpPr>
-        <p:spPr>
-          <a:xfrm>
-            <a:off x="304476" y="4436323"/>
-            <a:ext cx="6096000" cy="1754326"/>
-          </a:xfrm>
-          <a:prstGeom prst="rect">
-            <a:avLst/>
-          </a:prstGeom>
-        </p:spPr>
-        <p:txBody>
-          <a:bodyPr>
-            <a:spAutoFit/>
-          </a:bodyPr>
-          <a:lstStyle/>
-          <a:p>
-            <a:r>
-              <a:rPr lang="en-US" sz="2800" dirty="0">
-                <a:solidFill>
-                  <a:srgbClr val="FF0000"/>
-                </a:solidFill>
-              </a:rPr>
-              <a:t>Runtime: 15-22 seconds per </a:t>
-            </a:r>
-            <a:r>
-              <a:rPr lang="en-US" sz="2800" dirty="0" smtClean="0">
-                <a:solidFill>
-                  <a:srgbClr val="FF0000"/>
-                </a:solidFill>
-              </a:rPr>
-              <a:t>gene </a:t>
-            </a:r>
-            <a:endParaRPr lang="en-US" sz="2800" dirty="0">
-              <a:solidFill>
-                <a:srgbClr val="FF0000"/>
-              </a:solidFill>
-            </a:endParaRPr>
-          </a:p>
-          <a:p>
-            <a:pPr lvl="1"/>
-            <a:r>
-              <a:rPr lang="en-US" sz="2000" dirty="0" smtClean="0"/>
-              <a:t>1. Depends </a:t>
-            </a:r>
-            <a:r>
-              <a:rPr lang="en-US" sz="2000" dirty="0"/>
-              <a:t>on gene </a:t>
-            </a:r>
-            <a:r>
-              <a:rPr lang="en-US" sz="2000" dirty="0" smtClean="0"/>
-              <a:t>length.</a:t>
-            </a:r>
-            <a:endParaRPr lang="en-US" sz="2000" dirty="0"/>
-          </a:p>
-          <a:p>
-            <a:pPr lvl="1"/>
-            <a:r>
-              <a:rPr lang="en-US" sz="2000" dirty="0" smtClean="0"/>
-              <a:t>2. 100 </a:t>
-            </a:r>
-            <a:r>
-              <a:rPr lang="en-US" sz="2000" dirty="0"/>
-              <a:t>random genes in 25 </a:t>
-            </a:r>
-            <a:r>
-              <a:rPr lang="en-US" sz="2000" dirty="0" smtClean="0"/>
-              <a:t>minutes.</a:t>
-            </a:r>
-            <a:endParaRPr lang="en-US" sz="2000" dirty="0"/>
-          </a:p>
-          <a:p>
-            <a:pPr lvl="1"/>
-            <a:r>
-              <a:rPr lang="en-US" sz="2000" dirty="0" smtClean="0"/>
-              <a:t>3. Plot </a:t>
-            </a:r>
-            <a:r>
-              <a:rPr lang="en-US" sz="2000" dirty="0"/>
-              <a:t>generation takes &lt;1 </a:t>
-            </a:r>
-            <a:r>
-              <a:rPr lang="en-US" sz="2000" dirty="0" smtClean="0"/>
-              <a:t>sec / gene </a:t>
-            </a:r>
-            <a:br>
-              <a:rPr lang="en-US" sz="2000" dirty="0" smtClean="0"/>
-            </a:br>
-            <a:r>
-              <a:rPr lang="en-US" sz="2000" dirty="0" smtClean="0"/>
-              <a:t>with </a:t>
-            </a:r>
-            <a:r>
-              <a:rPr lang="en-US" sz="2000" dirty="0" err="1"/>
-              <a:t>Rdata</a:t>
-            </a:r>
-            <a:r>
-              <a:rPr lang="en-US" sz="2000" dirty="0"/>
-              <a:t> upload.</a:t>
-            </a:r>
-          </a:p>
-        </p:txBody>
-      </p:sp>
-    </p:spTree>
-    <p:extLst>
-      <p:ext uri="{BB962C8B-B14F-4D97-AF65-F5344CB8AC3E}">
-        <p14:creationId xmlns:p14="http://schemas.microsoft.com/office/powerpoint/2010/main" val="852935010"/>
-      </p:ext>
-    </p:extLst>
-  </p:cSld>
-  <p:clrMapOvr>
-    <a:masterClrMapping/>
-  </p:clrMapOvr>
-</p:sld>
-</file>
-
-<file path=ppt/slides/slide4.xml><?xml version="1.0" encoding="utf-8"?>
-<p:sld xmlns:a="http://schemas.openxmlformats.org/drawingml/2006/main" xmlns:r="http://schemas.openxmlformats.org/officeDocument/2006/relationships" xmlns:p="http://schemas.openxmlformats.org/presentationml/2006/main">
-  <p:cSld>
-    <p:spTree>
-      <p:nvGrpSpPr>
-        <p:cNvPr id="1" name=""/>
-        <p:cNvGrpSpPr/>
-        <p:nvPr/>
-      </p:nvGrpSpPr>
-      <p:grpSpPr>
-        <a:xfrm>
-          <a:off x="0" y="0"/>
-          <a:ext cx="0" cy="0"/>
-          <a:chOff x="0" y="0"/>
-          <a:chExt cx="0" cy="0"/>
-        </a:xfrm>
-      </p:grpSpPr>
-      <p:sp>
-        <p:nvSpPr>
-          <p:cNvPr id="2" name="Title 1"/>
-          <p:cNvSpPr>
-            <a:spLocks noGrp="1"/>
-          </p:cNvSpPr>
-          <p:nvPr>
-            <p:ph type="title"/>
-          </p:nvPr>
-        </p:nvSpPr>
-        <p:spPr>
-          <a:xfrm>
-            <a:off x="2895600" y="238061"/>
-            <a:ext cx="8610600" cy="1293028"/>
-          </a:xfrm>
-        </p:spPr>
-        <p:txBody>
-          <a:bodyPr/>
-          <a:lstStyle/>
-          <a:p>
-            <a:r>
-              <a:rPr lang="en-US" dirty="0" smtClean="0"/>
-              <a:t>ACMG Incidentalome</a:t>
-            </a:r>
-            <a:endParaRPr lang="en-US" dirty="0"/>
-          </a:p>
-        </p:txBody>
-      </p:sp>
-      <mc:AlternateContent xmlns:mc="http://schemas.openxmlformats.org/markup-compatibility/2006">
-        <mc:Choice xmlns:a14="http://schemas.microsoft.com/office/drawing/2010/main" Requires="a14">
-          <p:sp>
-            <p:nvSpPr>
-              <p:cNvPr id="3" name="Content Placeholder 2"/>
-              <p:cNvSpPr>
-                <a:spLocks noGrp="1"/>
-              </p:cNvSpPr>
-              <p:nvPr>
-                <p:ph idx="1"/>
-              </p:nvPr>
-            </p:nvSpPr>
-            <p:spPr>
-              <a:xfrm>
-                <a:off x="685800" y="1531089"/>
-                <a:ext cx="10820400" cy="4922874"/>
-              </a:xfrm>
-            </p:spPr>
-            <p:txBody>
-              <a:bodyPr>
-                <a:normAutofit/>
-              </a:bodyPr>
-              <a:lstStyle/>
-              <a:p>
-                <a:r>
-                  <a:rPr lang="en-US" sz="2800" dirty="0" smtClean="0">
-                    <a:latin typeface="+mj-lt"/>
-                    <a:ea typeface="Cambria Math" charset="0"/>
-                    <a:cs typeface="Cambria Math" charset="0"/>
-                  </a:rPr>
-                  <a:t>Raj and I are interested in the value of current pathogenicity ratings in </a:t>
-                </a:r>
-                <a:r>
-                  <a:rPr lang="en-US" sz="2800" dirty="0" err="1" smtClean="0">
-                    <a:latin typeface="+mj-lt"/>
-                    <a:ea typeface="Cambria Math" charset="0"/>
-                    <a:cs typeface="Cambria Math" charset="0"/>
-                  </a:rPr>
-                  <a:t>ClinVar</a:t>
-                </a:r>
-                <a:r>
-                  <a:rPr lang="en-US" sz="2800" dirty="0" smtClean="0">
-                    <a:latin typeface="+mj-lt"/>
-                    <a:ea typeface="Cambria Math" charset="0"/>
-                    <a:cs typeface="Cambria Math" charset="0"/>
-                  </a:rPr>
-                  <a:t> for the ACMG genes (actionable in genetic testing situations). </a:t>
-                </a:r>
-              </a:p>
-              <a:p>
-                <a:r>
-                  <a:rPr lang="en-US" sz="2800" dirty="0" smtClean="0">
-                    <a:latin typeface="Cambria Math" charset="0"/>
-                    <a:ea typeface="Cambria Math" charset="0"/>
-                    <a:cs typeface="Cambria Math" charset="0"/>
-                  </a:rPr>
-                  <a:t>Penetrance </a:t>
-                </a:r>
-                <a:r>
-                  <a:rPr lang="en-US" sz="2800" dirty="0">
-                    <a:latin typeface="Cambria Math" charset="0"/>
-                    <a:ea typeface="Cambria Math" charset="0"/>
-                    <a:cs typeface="Cambria Math" charset="0"/>
-                  </a:rPr>
-                  <a:t>= </a:t>
-                </a:r>
-                <a14:m>
-                  <m:oMath xmlns:m="http://schemas.openxmlformats.org/officeDocument/2006/math">
-                    <m:r>
-                      <a:rPr lang="en-US" sz="2800" i="1">
-                        <a:latin typeface="Cambria Math" charset="0"/>
-                        <a:ea typeface="Cambria Math" charset="0"/>
-                        <a:cs typeface="Cambria Math" charset="0"/>
-                      </a:rPr>
-                      <m:t>𝑃</m:t>
-                    </m:r>
-                    <m:d>
-                      <m:dPr>
-                        <m:ctrlPr>
-                          <a:rPr lang="en-US" sz="2800" i="1">
-                            <a:latin typeface="Cambria Math" charset="0"/>
-                            <a:ea typeface="Cambria Math" charset="0"/>
-                            <a:cs typeface="Cambria Math" charset="0"/>
-                          </a:rPr>
-                        </m:ctrlPr>
-                      </m:dPr>
-                      <m:e>
-                        <m:r>
-                          <a:rPr lang="en-US" sz="2800" i="1">
-                            <a:latin typeface="Cambria Math" charset="0"/>
-                            <a:ea typeface="Cambria Math" charset="0"/>
-                            <a:cs typeface="Cambria Math" charset="0"/>
-                          </a:rPr>
-                          <m:t>𝐷</m:t>
-                        </m:r>
-                      </m:e>
-                      <m:e>
-                        <m:r>
-                          <a:rPr lang="en-US" sz="2800" i="1">
-                            <a:latin typeface="Cambria Math" charset="0"/>
-                            <a:ea typeface="Cambria Math" charset="0"/>
-                            <a:cs typeface="Cambria Math" charset="0"/>
-                          </a:rPr>
-                          <m:t>𝑉</m:t>
-                        </m:r>
-                      </m:e>
-                    </m:d>
-                    <m:r>
-                      <a:rPr lang="en-US" sz="2800" b="0" i="1" smtClean="0">
-                        <a:latin typeface="+mj-lt"/>
-                        <a:ea typeface="Cambria Math" charset="0"/>
-                        <a:cs typeface="Cambria Math" charset="0"/>
-                      </a:rPr>
-                      <m:t>=</m:t>
-                    </m:r>
-                    <m:f>
-                      <m:fPr>
-                        <m:ctrlPr>
-                          <a:rPr lang="en-US" sz="2800" b="0" i="1" smtClean="0">
-                            <a:latin typeface="+mj-lt"/>
-                            <a:ea typeface="Cambria Math" charset="0"/>
-                            <a:cs typeface="Cambria Math" charset="0"/>
-                          </a:rPr>
-                        </m:ctrlPr>
-                      </m:fPr>
-                      <m:num>
-                        <m:r>
-                          <a:rPr lang="en-US" sz="2800" b="0" i="1" smtClean="0">
-                            <a:latin typeface="+mj-lt"/>
-                            <a:ea typeface="Cambria Math" charset="0"/>
-                            <a:cs typeface="Cambria Math" charset="0"/>
-                          </a:rPr>
-                          <m:t>𝑃</m:t>
-                        </m:r>
-                        <m:d>
-                          <m:dPr>
-                            <m:ctrlPr>
-                              <a:rPr lang="en-US" sz="2800" b="0" i="1" smtClean="0">
-                                <a:latin typeface="+mj-lt"/>
-                                <a:ea typeface="Cambria Math" charset="0"/>
-                                <a:cs typeface="Cambria Math" charset="0"/>
-                              </a:rPr>
-                            </m:ctrlPr>
-                          </m:dPr>
-                          <m:e>
-                            <m:r>
-                              <a:rPr lang="en-US" sz="2800" b="0" i="1" smtClean="0">
-                                <a:latin typeface="+mj-lt"/>
-                                <a:ea typeface="Cambria Math" charset="0"/>
-                                <a:cs typeface="Cambria Math" charset="0"/>
-                              </a:rPr>
-                              <m:t>𝐷</m:t>
-                            </m:r>
-                          </m:e>
-                        </m:d>
-                        <m:r>
-                          <a:rPr lang="en-US" sz="2800" b="0" i="1" smtClean="0">
-                            <a:latin typeface="+mj-lt"/>
-                            <a:ea typeface="Cambria Math" charset="0"/>
-                            <a:cs typeface="Cambria Math" charset="0"/>
-                          </a:rPr>
-                          <m:t>∗</m:t>
-                        </m:r>
-                        <m:r>
-                          <a:rPr lang="en-US" sz="2800" b="0" i="1" smtClean="0">
-                            <a:latin typeface="+mj-lt"/>
-                            <a:ea typeface="Cambria Math" charset="0"/>
-                            <a:cs typeface="Cambria Math" charset="0"/>
-                          </a:rPr>
-                          <m:t>𝑃</m:t>
-                        </m:r>
-                        <m:r>
-                          <a:rPr lang="en-US" sz="2800" b="0" i="1" smtClean="0">
-                            <a:latin typeface="+mj-lt"/>
-                            <a:ea typeface="Cambria Math" charset="0"/>
-                            <a:cs typeface="Cambria Math" charset="0"/>
-                          </a:rPr>
-                          <m:t>(</m:t>
-                        </m:r>
-                        <m:r>
-                          <a:rPr lang="en-US" sz="2800" b="0" i="1" smtClean="0">
-                            <a:latin typeface="+mj-lt"/>
-                            <a:ea typeface="Cambria Math" charset="0"/>
-                            <a:cs typeface="Cambria Math" charset="0"/>
-                          </a:rPr>
-                          <m:t>𝑉</m:t>
-                        </m:r>
-                        <m:r>
-                          <a:rPr lang="en-US" sz="2800" b="0" i="1" smtClean="0">
-                            <a:latin typeface="+mj-lt"/>
-                            <a:ea typeface="Cambria Math" charset="0"/>
-                            <a:cs typeface="Cambria Math" charset="0"/>
-                          </a:rPr>
-                          <m:t>|</m:t>
-                        </m:r>
-                        <m:r>
-                          <a:rPr lang="en-US" sz="2800" b="0" i="1" smtClean="0">
-                            <a:latin typeface="+mj-lt"/>
-                            <a:ea typeface="Cambria Math" charset="0"/>
-                            <a:cs typeface="Cambria Math" charset="0"/>
-                          </a:rPr>
-                          <m:t>𝐷</m:t>
-                        </m:r>
-                        <m:r>
-                          <a:rPr lang="en-US" sz="2800" b="0" i="1" smtClean="0">
-                            <a:latin typeface="+mj-lt"/>
-                            <a:ea typeface="Cambria Math" charset="0"/>
-                            <a:cs typeface="Cambria Math" charset="0"/>
-                          </a:rPr>
-                          <m:t>)</m:t>
-                        </m:r>
-                      </m:num>
-                      <m:den>
-                        <m:r>
-                          <a:rPr lang="en-US" sz="2800" b="0" i="1" smtClean="0">
-                            <a:latin typeface="+mj-lt"/>
-                            <a:ea typeface="Cambria Math" charset="0"/>
-                            <a:cs typeface="Cambria Math" charset="0"/>
-                          </a:rPr>
-                          <m:t>𝑃</m:t>
-                        </m:r>
-                        <m:d>
-                          <m:dPr>
-                            <m:ctrlPr>
-                              <a:rPr lang="en-US" sz="2800" b="0" i="1" smtClean="0">
-                                <a:latin typeface="+mj-lt"/>
-                                <a:ea typeface="Cambria Math" charset="0"/>
-                                <a:cs typeface="Cambria Math" charset="0"/>
-                              </a:rPr>
-                            </m:ctrlPr>
-                          </m:dPr>
-                          <m:e>
-                            <m:r>
-                              <a:rPr lang="en-US" sz="2800" b="0" i="1" smtClean="0">
-                                <a:latin typeface="+mj-lt"/>
-                                <a:ea typeface="Cambria Math" charset="0"/>
-                                <a:cs typeface="Cambria Math" charset="0"/>
-                              </a:rPr>
-                              <m:t>𝑉</m:t>
-                            </m:r>
-                          </m:e>
-                        </m:d>
-                      </m:den>
-                    </m:f>
-                  </m:oMath>
-                </a14:m>
-                <a:r>
-                  <a:rPr lang="en-US" sz="2800" dirty="0" smtClean="0">
-                    <a:latin typeface="+mj-lt"/>
-                    <a:ea typeface="Cambria Math" charset="0"/>
-                    <a:cs typeface="Cambria Math" charset="0"/>
-                  </a:rPr>
-                  <a:t>= </a:t>
-                </a:r>
-                <a14:m>
-                  <m:oMath xmlns:m="http://schemas.openxmlformats.org/officeDocument/2006/math">
-                    <m:f>
-                      <m:fPr>
-                        <m:ctrlPr>
-                          <a:rPr lang="en-US" sz="2800" i="1">
-                            <a:latin typeface="Cambria Math" charset="0"/>
-                            <a:ea typeface="Cambria Math" charset="0"/>
-                            <a:cs typeface="Cambria Math" charset="0"/>
-                          </a:rPr>
-                        </m:ctrlPr>
-                      </m:fPr>
-                      <m:num>
-                        <m:r>
-                          <a:rPr lang="en-US" sz="2800" b="0" i="1" smtClean="0">
-                            <a:latin typeface="Cambria Math" charset="0"/>
-                            <a:ea typeface="Cambria Math" charset="0"/>
-                            <a:cs typeface="Cambria Math" charset="0"/>
-                          </a:rPr>
-                          <m:t>𝑝𝑟𝑒𝑣𝑎𝑙𝑒𝑛𝑐𝑒</m:t>
-                        </m:r>
-                        <m:r>
-                          <a:rPr lang="en-US" sz="2800" b="0" i="1" smtClean="0">
-                            <a:latin typeface="Cambria Math" charset="0"/>
-                            <a:ea typeface="Cambria Math" charset="0"/>
-                            <a:cs typeface="Cambria Math" charset="0"/>
-                          </a:rPr>
-                          <m:t> ∗ </m:t>
-                        </m:r>
-                        <m:r>
-                          <a:rPr lang="en-US" sz="2800" i="1">
-                            <a:latin typeface="Cambria Math" charset="0"/>
-                            <a:ea typeface="Cambria Math" charset="0"/>
-                            <a:cs typeface="Cambria Math" charset="0"/>
-                          </a:rPr>
-                          <m:t>𝑃</m:t>
-                        </m:r>
-                        <m:r>
-                          <a:rPr lang="en-US" sz="2800" i="1">
-                            <a:latin typeface="Cambria Math" charset="0"/>
-                            <a:ea typeface="Cambria Math" charset="0"/>
-                            <a:cs typeface="Cambria Math" charset="0"/>
-                          </a:rPr>
-                          <m:t>(</m:t>
-                        </m:r>
-                        <m:r>
-                          <a:rPr lang="en-US" sz="2800" i="1">
-                            <a:latin typeface="Cambria Math" charset="0"/>
-                            <a:ea typeface="Cambria Math" charset="0"/>
-                            <a:cs typeface="Cambria Math" charset="0"/>
-                          </a:rPr>
-                          <m:t>𝑉</m:t>
-                        </m:r>
-                        <m:r>
-                          <a:rPr lang="en-US" sz="2800" i="1">
-                            <a:latin typeface="Cambria Math" charset="0"/>
-                            <a:ea typeface="Cambria Math" charset="0"/>
-                            <a:cs typeface="Cambria Math" charset="0"/>
-                          </a:rPr>
-                          <m:t>|</m:t>
-                        </m:r>
-                        <m:r>
-                          <a:rPr lang="en-US" sz="2800" i="1">
-                            <a:latin typeface="Cambria Math" charset="0"/>
-                            <a:ea typeface="Cambria Math" charset="0"/>
-                            <a:cs typeface="Cambria Math" charset="0"/>
-                          </a:rPr>
-                          <m:t>𝐷</m:t>
-                        </m:r>
-                        <m:r>
-                          <a:rPr lang="en-US" sz="2800" i="1">
-                            <a:latin typeface="Cambria Math" charset="0"/>
-                            <a:ea typeface="Cambria Math" charset="0"/>
-                            <a:cs typeface="Cambria Math" charset="0"/>
-                          </a:rPr>
-                          <m:t>)</m:t>
-                        </m:r>
-                      </m:num>
-                      <m:den>
-                        <m:r>
-                          <a:rPr lang="en-US" sz="2800" b="0" i="1" smtClean="0">
-                            <a:latin typeface="Cambria Math" charset="0"/>
-                            <a:ea typeface="Cambria Math" charset="0"/>
-                            <a:cs typeface="Cambria Math" charset="0"/>
-                          </a:rPr>
-                          <m:t>𝑎𝑙𝑙𝑒𝑙𝑒</m:t>
-                        </m:r>
-                        <m:r>
-                          <a:rPr lang="en-US" sz="2800" b="0" i="1" smtClean="0">
-                            <a:latin typeface="Cambria Math" charset="0"/>
-                            <a:ea typeface="Cambria Math" charset="0"/>
-                            <a:cs typeface="Cambria Math" charset="0"/>
-                          </a:rPr>
-                          <m:t> .  </m:t>
-                        </m:r>
-                        <m:r>
-                          <a:rPr lang="en-US" sz="2800" b="0" i="1" smtClean="0">
-                            <a:latin typeface="Cambria Math" charset="0"/>
-                            <a:ea typeface="Cambria Math" charset="0"/>
-                            <a:cs typeface="Cambria Math" charset="0"/>
-                          </a:rPr>
-                          <m:t>𝑓𝑟𝑒𝑞𝑢𝑒𝑛𝑐𝑦</m:t>
-                        </m:r>
-                      </m:den>
-                    </m:f>
-                  </m:oMath>
-                </a14:m>
-                <a:endParaRPr lang="en-US" sz="2800" dirty="0" smtClean="0">
-                  <a:latin typeface="Cambria Math" charset="0"/>
-                  <a:ea typeface="Cambria Math" charset="0"/>
-                  <a:cs typeface="Cambria Math" charset="0"/>
-                </a:endParaRPr>
-              </a:p>
-              <a:p>
-                <a:endParaRPr lang="en-US" sz="1100" dirty="0" smtClean="0">
-                  <a:latin typeface="+mj-lt"/>
-                  <a:ea typeface="Cambria Math" charset="0"/>
-                  <a:cs typeface="Cambria Math" charset="0"/>
-                </a:endParaRPr>
-              </a:p>
-              <a:p>
-                <a:r>
-                  <a:rPr lang="en-US" sz="2800" dirty="0" smtClean="0">
-                    <a:latin typeface="+mj-lt"/>
-                    <a:ea typeface="Cambria Math" charset="0"/>
-                    <a:cs typeface="Cambria Math" charset="0"/>
-                  </a:rPr>
-                  <a:t>We need: (1) </a:t>
-                </a:r>
-                <a:r>
-                  <a:rPr lang="en-US" sz="2800" dirty="0" smtClean="0">
-                    <a:solidFill>
-                      <a:srgbClr val="0070C0"/>
-                    </a:solidFill>
-                    <a:latin typeface="+mj-lt"/>
-                    <a:ea typeface="Cambria Math" charset="0"/>
-                    <a:cs typeface="Cambria Math" charset="0"/>
-                  </a:rPr>
-                  <a:t>prevalence</a:t>
-                </a:r>
-                <a:r>
-                  <a:rPr lang="en-US" sz="2800" dirty="0" smtClean="0">
-                    <a:latin typeface="+mj-lt"/>
-                    <a:ea typeface="Cambria Math" charset="0"/>
-                    <a:cs typeface="Cambria Math" charset="0"/>
-                  </a:rPr>
-                  <a:t>, (2) </a:t>
-                </a:r>
-                <a:r>
-                  <a:rPr lang="en-US" sz="2800" dirty="0" smtClean="0">
-                    <a:solidFill>
-                      <a:srgbClr val="FFFF00"/>
-                    </a:solidFill>
-                    <a:latin typeface="+mj-lt"/>
-                    <a:ea typeface="Cambria Math" charset="0"/>
-                    <a:cs typeface="Cambria Math" charset="0"/>
-                  </a:rPr>
-                  <a:t>allele frequency</a:t>
-                </a:r>
-                <a:r>
-                  <a:rPr lang="en-US" sz="2800" dirty="0" smtClean="0">
-                    <a:latin typeface="+mj-lt"/>
-                    <a:ea typeface="Cambria Math" charset="0"/>
-                    <a:cs typeface="Cambria Math" charset="0"/>
-                  </a:rPr>
-                  <a:t>, and </a:t>
-                </a:r>
-                <a:br>
-                  <a:rPr lang="en-US" sz="2800" dirty="0" smtClean="0">
-                    <a:latin typeface="+mj-lt"/>
-                    <a:ea typeface="Cambria Math" charset="0"/>
-                    <a:cs typeface="Cambria Math" charset="0"/>
-                  </a:rPr>
-                </a:br>
-                <a:r>
-                  <a:rPr lang="en-US" sz="2800" dirty="0" smtClean="0">
-                    <a:latin typeface="+mj-lt"/>
-                    <a:ea typeface="Cambria Math" charset="0"/>
-                    <a:cs typeface="Cambria Math" charset="0"/>
-                  </a:rPr>
-                  <a:t>	           (3) </a:t>
-                </a:r>
-                <a:r>
-                  <a:rPr lang="en-US" sz="2800" dirty="0" smtClean="0">
-                    <a:solidFill>
-                      <a:srgbClr val="00B050"/>
-                    </a:solidFill>
-                    <a:latin typeface="+mj-lt"/>
-                    <a:ea typeface="Cambria Math" charset="0"/>
-                    <a:cs typeface="Cambria Math" charset="0"/>
-                  </a:rPr>
-                  <a:t>allelic heterogeneity </a:t>
-                </a:r>
-                <a:r>
-                  <a:rPr lang="en-US" sz="2800" dirty="0">
-                    <a:latin typeface="+mj-lt"/>
-                    <a:ea typeface="Cambria Math" charset="0"/>
-                    <a:cs typeface="Cambria Math" charset="0"/>
-                  </a:rPr>
-                  <a:t>=</a:t>
-                </a:r>
-                <a:r>
-                  <a:rPr lang="en-US" sz="2800" dirty="0" smtClean="0">
-                    <a:latin typeface="+mj-lt"/>
-                    <a:ea typeface="Cambria Math" charset="0"/>
-                    <a:cs typeface="Cambria Math" charset="0"/>
-                  </a:rPr>
-                  <a:t> P(V|D)</a:t>
-                </a:r>
-              </a:p>
-            </p:txBody>
-          </p:sp>
-        </mc:Choice>
-        <mc:Fallback>
-          <p:sp>
-            <p:nvSpPr>
-              <p:cNvPr id="3" name="Content Placeholder 2"/>
-              <p:cNvSpPr>
-                <a:spLocks noGrp="1" noRot="1" noChangeAspect="1" noMove="1" noResize="1" noEditPoints="1" noAdjustHandles="1" noChangeArrowheads="1" noChangeShapeType="1" noTextEdit="1"/>
-              </p:cNvSpPr>
-              <p:nvPr>
-                <p:ph idx="1"/>
-              </p:nvPr>
-            </p:nvSpPr>
-            <p:spPr>
-              <a:xfrm>
-                <a:off x="685800" y="1531089"/>
-                <a:ext cx="10820400" cy="4922874"/>
-              </a:xfrm>
-              <a:blipFill rotWithShape="0">
-                <a:blip r:embed="rId2"/>
-                <a:stretch>
-                  <a:fillRect l="-1014" t="-2104"/>
-                </a:stretch>
-              </a:blipFill>
-            </p:spPr>
-            <p:txBody>
-              <a:bodyPr/>
-              <a:lstStyle/>
-              <a:p>
-                <a:r>
-                  <a:rPr lang="en-US">
-                    <a:noFill/>
-                  </a:rPr>
-                  <a:t> </a:t>
-                </a:r>
-              </a:p>
-            </p:txBody>
-          </p:sp>
-        </mc:Fallback>
-      </mc:AlternateContent>
-    </p:spTree>
-    <p:extLst>
-      <p:ext uri="{BB962C8B-B14F-4D97-AF65-F5344CB8AC3E}">
-        <p14:creationId xmlns:p14="http://schemas.microsoft.com/office/powerpoint/2010/main" val="973280500"/>
-      </p:ext>
-    </p:extLst>
-  </p:cSld>
-  <p:clrMapOvr>
-    <a:masterClrMapping/>
-  </p:clrMapOvr>
-</p:sld>
-</file>
-
-<file path=ppt/slides/slide5.xml><?xml version="1.0" encoding="utf-8"?>
-<p:sld xmlns:a="http://schemas.openxmlformats.org/drawingml/2006/main" xmlns:r="http://schemas.openxmlformats.org/officeDocument/2006/relationships" xmlns:p="http://schemas.openxmlformats.org/presentationml/2006/main">
-  <p:cSld>
-    <p:spTree>
-      <p:nvGrpSpPr>
-        <p:cNvPr id="1" name=""/>
-        <p:cNvGrpSpPr/>
-        <p:nvPr/>
-      </p:nvGrpSpPr>
-      <p:grpSpPr>
-        <a:xfrm>
-          <a:off x="0" y="0"/>
-          <a:ext cx="0" cy="0"/>
-          <a:chOff x="0" y="0"/>
-          <a:chExt cx="0" cy="0"/>
-        </a:xfrm>
-      </p:grpSpPr>
-      <p:sp>
-        <p:nvSpPr>
-          <p:cNvPr id="2" name="Title 1"/>
-          <p:cNvSpPr>
-            <a:spLocks noGrp="1"/>
-          </p:cNvSpPr>
-          <p:nvPr>
-            <p:ph type="title"/>
-          </p:nvPr>
-        </p:nvSpPr>
-        <p:spPr>
-          <a:xfrm>
-            <a:off x="567267" y="398991"/>
-            <a:ext cx="9434689" cy="1113719"/>
-          </a:xfrm>
-        </p:spPr>
-        <p:txBody>
-          <a:bodyPr/>
-          <a:lstStyle/>
-          <a:p>
-            <a:r>
-              <a:rPr lang="en-US" dirty="0" err="1" smtClean="0"/>
-              <a:t>PopulationVariantStatus</a:t>
-            </a:r>
-            <a:endParaRPr lang="en-US" dirty="0"/>
-          </a:p>
-        </p:txBody>
-      </p:sp>
-      <p:pic>
-        <p:nvPicPr>
-          <p:cNvPr id="3" name="Picture 2"/>
-          <p:cNvPicPr>
-            <a:picLocks noChangeAspect="1"/>
-          </p:cNvPicPr>
-          <p:nvPr/>
-        </p:nvPicPr>
-        <p:blipFill>
-          <a:blip r:embed="rId3"/>
-          <a:stretch>
-            <a:fillRect/>
-          </a:stretch>
-        </p:blipFill>
-        <p:spPr>
-          <a:xfrm>
-            <a:off x="1627011" y="1608402"/>
-            <a:ext cx="9090608" cy="4451047"/>
-          </a:xfrm>
-          <a:prstGeom prst="rect">
-            <a:avLst/>
-          </a:prstGeom>
-        </p:spPr>
-      </p:pic>
-      <p:sp>
-        <p:nvSpPr>
-          <p:cNvPr id="5" name="Frame 4"/>
-          <p:cNvSpPr/>
-          <p:nvPr/>
-        </p:nvSpPr>
-        <p:spPr>
-          <a:xfrm>
-            <a:off x="10231244" y="5093210"/>
-            <a:ext cx="401314" cy="659004"/>
-          </a:xfrm>
-          <a:prstGeom prst="frame">
-            <a:avLst>
-              <a:gd name="adj1" fmla="val 9851"/>
-            </a:avLst>
-          </a:prstGeom>
-        </p:spPr>
-        <p:style>
-          <a:lnRef idx="2">
-            <a:schemeClr val="accent1">
-              <a:shade val="50000"/>
-            </a:schemeClr>
-          </a:lnRef>
-          <a:fillRef idx="1">
-            <a:schemeClr val="accent1"/>
-          </a:fillRef>
-          <a:effectRef idx="0">
-            <a:schemeClr val="accent1"/>
-          </a:effectRef>
-          <a:fontRef idx="minor">
-            <a:schemeClr val="lt1"/>
-          </a:fontRef>
-        </p:style>
-        <p:txBody>
-          <a:bodyPr rtlCol="0" anchor="ctr"/>
-          <a:lstStyle/>
-          <a:p>
-            <a:pPr algn="ctr"/>
-            <a:endParaRPr lang="en-US">
-              <a:solidFill>
-                <a:schemeClr val="tx1"/>
-              </a:solidFill>
-            </a:endParaRPr>
-          </a:p>
-        </p:txBody>
-      </p:sp>
-    </p:spTree>
-    <p:extLst>
-      <p:ext uri="{BB962C8B-B14F-4D97-AF65-F5344CB8AC3E}">
-        <p14:creationId xmlns:p14="http://schemas.microsoft.com/office/powerpoint/2010/main" val="767117028"/>
-      </p:ext>
-    </p:extLst>
-  </p:cSld>
-  <p:clrMapOvr>
-    <a:masterClrMapping/>
-  </p:clrMapOvr>
-  <p:timing>
-    <p:tnLst>
-      <p:par>
-        <p:cTn id="1" dur="indefinite" restart="never" nodeType="tmRoot"/>
-      </p:par>
-    </p:tnLst>
-  </p:timing>
-</p:sld>
-</file>
-
-<file path=ppt/slides/slide6.xml><?xml version="1.0" encoding="utf-8"?>
-<p:sld xmlns:a="http://schemas.openxmlformats.org/drawingml/2006/main" xmlns:r="http://schemas.openxmlformats.org/officeDocument/2006/relationships" xmlns:p="http://schemas.openxmlformats.org/presentationml/2006/main">
-  <p:cSld>
-    <p:spTree>
-      <p:nvGrpSpPr>
-        <p:cNvPr id="1" name=""/>
-        <p:cNvGrpSpPr/>
-        <p:nvPr/>
-      </p:nvGrpSpPr>
-      <p:grpSpPr>
-        <a:xfrm>
-          <a:off x="0" y="0"/>
-          <a:ext cx="0" cy="0"/>
-          <a:chOff x="0" y="0"/>
-          <a:chExt cx="0" cy="0"/>
-        </a:xfrm>
-      </p:grpSpPr>
-      <p:pic>
-        <p:nvPicPr>
-          <p:cNvPr id="4" name="Content Placeholder 3"/>
-          <p:cNvPicPr>
-            <a:picLocks noGrp="1" noChangeAspect="1"/>
-          </p:cNvPicPr>
-          <p:nvPr>
-            <p:ph idx="1"/>
-          </p:nvPr>
-        </p:nvPicPr>
-        <p:blipFill>
-          <a:blip r:embed="rId2"/>
-          <a:stretch>
-            <a:fillRect/>
-          </a:stretch>
-        </p:blipFill>
-        <p:spPr>
-          <a:xfrm>
-            <a:off x="574373" y="509712"/>
-            <a:ext cx="5595996" cy="2877925"/>
-          </a:xfrm>
-          <a:prstGeom prst="rect">
-            <a:avLst/>
-          </a:prstGeom>
-        </p:spPr>
-      </p:pic>
-      <p:pic>
-        <p:nvPicPr>
-          <p:cNvPr id="5" name="Picture 4"/>
-          <p:cNvPicPr>
-            <a:picLocks noChangeAspect="1"/>
-          </p:cNvPicPr>
-          <p:nvPr/>
-        </p:nvPicPr>
-        <p:blipFill>
-          <a:blip r:embed="rId3"/>
-          <a:stretch>
-            <a:fillRect/>
-          </a:stretch>
-        </p:blipFill>
-        <p:spPr>
-          <a:xfrm>
-            <a:off x="574373" y="3550757"/>
-            <a:ext cx="5595996" cy="2939948"/>
-          </a:xfrm>
-          <a:prstGeom prst="rect">
-            <a:avLst/>
-          </a:prstGeom>
-        </p:spPr>
-      </p:pic>
-      <p:pic>
-        <p:nvPicPr>
-          <p:cNvPr id="7" name="Picture 6"/>
-          <p:cNvPicPr>
-            <a:picLocks noChangeAspect="1"/>
-          </p:cNvPicPr>
-          <p:nvPr/>
-        </p:nvPicPr>
-        <p:blipFill>
-          <a:blip r:embed="rId4"/>
-          <a:stretch>
-            <a:fillRect/>
-          </a:stretch>
-        </p:blipFill>
-        <p:spPr>
-          <a:xfrm>
-            <a:off x="6418129" y="509712"/>
-            <a:ext cx="5487956" cy="2877925"/>
-          </a:xfrm>
-          <a:prstGeom prst="rect">
-            <a:avLst/>
-          </a:prstGeom>
-        </p:spPr>
-      </p:pic>
-      <p:pic>
-        <p:nvPicPr>
-          <p:cNvPr id="8" name="Picture 7"/>
-          <p:cNvPicPr>
-            <a:picLocks noChangeAspect="1"/>
-          </p:cNvPicPr>
-          <p:nvPr/>
-        </p:nvPicPr>
-        <p:blipFill>
-          <a:blip r:embed="rId5"/>
-          <a:stretch>
-            <a:fillRect/>
-          </a:stretch>
-        </p:blipFill>
-        <p:spPr>
-          <a:xfrm>
-            <a:off x="6418130" y="3550757"/>
-            <a:ext cx="5487955" cy="2939948"/>
-          </a:xfrm>
-          <a:prstGeom prst="rect">
-            <a:avLst/>
-          </a:prstGeom>
-        </p:spPr>
-      </p:pic>
-      <p:pic>
-        <p:nvPicPr>
-          <p:cNvPr id="6" name="Picture 5"/>
-          <p:cNvPicPr>
-            <a:picLocks noChangeAspect="1"/>
-          </p:cNvPicPr>
-          <p:nvPr/>
-        </p:nvPicPr>
-        <p:blipFill>
-          <a:blip r:embed="rId6"/>
-          <a:stretch>
-            <a:fillRect/>
-          </a:stretch>
-        </p:blipFill>
-        <p:spPr>
-          <a:xfrm>
-            <a:off x="9162107" y="3905683"/>
-            <a:ext cx="2574504" cy="486644"/>
-          </a:xfrm>
-          <a:prstGeom prst="rect">
-            <a:avLst/>
-          </a:prstGeom>
-        </p:spPr>
-      </p:pic>
-      <p:sp>
-        <p:nvSpPr>
-          <p:cNvPr id="9" name="Frame 8"/>
-          <p:cNvSpPr/>
-          <p:nvPr/>
-        </p:nvSpPr>
-        <p:spPr>
-          <a:xfrm>
-            <a:off x="5847927" y="2856829"/>
-            <a:ext cx="246184" cy="413909"/>
-          </a:xfrm>
-          <a:prstGeom prst="frame">
-            <a:avLst/>
-          </a:prstGeom>
-        </p:spPr>
-        <p:style>
-          <a:lnRef idx="2">
-            <a:schemeClr val="accent1">
-              <a:shade val="50000"/>
-            </a:schemeClr>
-          </a:lnRef>
-          <a:fillRef idx="1">
-            <a:schemeClr val="accent1"/>
-          </a:fillRef>
-          <a:effectRef idx="0">
-            <a:schemeClr val="accent1"/>
-          </a:effectRef>
-          <a:fontRef idx="minor">
-            <a:schemeClr val="lt1"/>
-          </a:fontRef>
-        </p:style>
-        <p:txBody>
-          <a:bodyPr rtlCol="0" anchor="ctr"/>
-          <a:lstStyle/>
-          <a:p>
-            <a:pPr algn="ctr"/>
-            <a:endParaRPr lang="en-US">
-              <a:solidFill>
-                <a:schemeClr val="tx1"/>
-              </a:solidFill>
-            </a:endParaRPr>
-          </a:p>
-        </p:txBody>
-      </p:sp>
-    </p:spTree>
-    <p:extLst>
-      <p:ext uri="{BB962C8B-B14F-4D97-AF65-F5344CB8AC3E}">
-        <p14:creationId xmlns:p14="http://schemas.microsoft.com/office/powerpoint/2010/main" val="1757300091"/>
-      </p:ext>
-    </p:extLst>
-  </p:cSld>
-  <p:clrMapOvr>
-    <a:masterClrMapping/>
-  </p:clrMapOvr>
-  <p:timing>
-    <p:tnLst>
-      <p:par>
-        <p:cTn id="1" dur="indefinite" restart="never" nodeType="tmRoot"/>
-      </p:par>
-    </p:tnLst>
-  </p:timing>
-</p:sld>
-</file>
-
-<file path=ppt/slides/slide7.xml><?xml version="1.0" encoding="utf-8"?>
-<p:sld xmlns:a="http://schemas.openxmlformats.org/drawingml/2006/main" xmlns:r="http://schemas.openxmlformats.org/officeDocument/2006/relationships" xmlns:p="http://schemas.openxmlformats.org/presentationml/2006/main">
-  <p:cSld>
-    <p:spTree>
-      <p:nvGrpSpPr>
-        <p:cNvPr id="1" name=""/>
-        <p:cNvGrpSpPr/>
-        <p:nvPr/>
-      </p:nvGrpSpPr>
-      <p:grpSpPr>
-        <a:xfrm>
-          <a:off x="0" y="0"/>
-          <a:ext cx="0" cy="0"/>
-          <a:chOff x="0" y="0"/>
-          <a:chExt cx="0" cy="0"/>
-        </a:xfrm>
-      </p:grpSpPr>
-      <p:sp>
-        <p:nvSpPr>
-          <p:cNvPr id="2" name="Title 1"/>
-          <p:cNvSpPr>
-            <a:spLocks noGrp="1"/>
-          </p:cNvSpPr>
-          <p:nvPr>
-            <p:ph type="title"/>
-          </p:nvPr>
-        </p:nvSpPr>
-        <p:spPr/>
-        <p:txBody>
-          <a:bodyPr/>
-          <a:lstStyle/>
-          <a:p>
-            <a:r>
-              <a:rPr lang="en-US" dirty="0"/>
-              <a:t>Around </a:t>
-            </a:r>
-            <a:r>
-              <a:rPr lang="en-US" dirty="0" smtClean="0"/>
-              <a:t>35 nucleotides per variant</a:t>
-            </a:r>
-            <a:endParaRPr lang="en-US" dirty="0"/>
-          </a:p>
-        </p:txBody>
-      </p:sp>
-      <p:pic>
-        <p:nvPicPr>
-          <p:cNvPr id="5" name="Content Placeholder 4"/>
-          <p:cNvPicPr>
-            <a:picLocks noGrp="1" noChangeAspect="1"/>
-          </p:cNvPicPr>
-          <p:nvPr>
-            <p:ph idx="1"/>
-          </p:nvPr>
-        </p:nvPicPr>
-        <p:blipFill>
-          <a:blip r:embed="rId2"/>
-          <a:stretch>
-            <a:fillRect/>
-          </a:stretch>
-        </p:blipFill>
-        <p:spPr>
-          <a:xfrm>
-            <a:off x="838200" y="1506311"/>
-            <a:ext cx="8102600" cy="4799382"/>
-          </a:xfrm>
-          <a:prstGeom prst="rect">
-            <a:avLst/>
-          </a:prstGeom>
-        </p:spPr>
-      </p:pic>
-    </p:spTree>
-    <p:extLst>
-      <p:ext uri="{BB962C8B-B14F-4D97-AF65-F5344CB8AC3E}">
-        <p14:creationId xmlns:p14="http://schemas.microsoft.com/office/powerpoint/2010/main" val="1215989932"/>
-      </p:ext>
-    </p:extLst>
-  </p:cSld>
-  <p:clrMapOvr>
-    <a:masterClrMapping/>
-  </p:clrMapOvr>
-  <p:timing>
-    <p:tnLst>
-      <p:par>
-        <p:cTn id="1" dur="indefinite" restart="never" nodeType="tmRoot"/>
-      </p:par>
-    </p:tnLst>
-  </p:timing>
-</p:sld>
-</file>
-
-<file path=ppt/slides/slide8.xml><?xml version="1.0" encoding="utf-8"?>
-<p:sld xmlns:a="http://schemas.openxmlformats.org/drawingml/2006/main" xmlns:r="http://schemas.openxmlformats.org/officeDocument/2006/relationships" xmlns:p="http://schemas.openxmlformats.org/presentationml/2006/main">
-  <p:cSld>
-    <p:spTree>
-      <p:nvGrpSpPr>
-        <p:cNvPr id="1" name=""/>
-        <p:cNvGrpSpPr/>
-        <p:nvPr/>
-      </p:nvGrpSpPr>
-      <p:grpSpPr>
-        <a:xfrm>
-          <a:off x="0" y="0"/>
-          <a:ext cx="0" cy="0"/>
-          <a:chOff x="0" y="0"/>
-          <a:chExt cx="0" cy="0"/>
-        </a:xfrm>
-      </p:grpSpPr>
-      <p:sp>
-        <p:nvSpPr>
-          <p:cNvPr id="2" name="Title 1"/>
-          <p:cNvSpPr>
-            <a:spLocks noGrp="1"/>
-          </p:cNvSpPr>
-          <p:nvPr>
-            <p:ph type="title"/>
-          </p:nvPr>
-        </p:nvSpPr>
-        <p:spPr>
-          <a:xfrm>
-            <a:off x="1031358" y="775005"/>
-            <a:ext cx="10676860" cy="1293028"/>
-          </a:xfrm>
-        </p:spPr>
-        <p:txBody>
-          <a:bodyPr>
-            <a:normAutofit fontScale="90000"/>
-          </a:bodyPr>
-          <a:lstStyle/>
-          <a:p>
-            <a:r>
-              <a:rPr lang="en-US" dirty="0"/>
-              <a:t>allele frequencies </a:t>
-            </a:r>
-            <a:r>
-              <a:rPr lang="en-US" dirty="0" smtClean="0"/>
-              <a:t>from </a:t>
-            </a:r>
-            <a:br>
-              <a:rPr lang="en-US" dirty="0" smtClean="0"/>
-            </a:br>
-            <a:r>
-              <a:rPr lang="en-US" dirty="0" smtClean="0"/>
-              <a:t>1000G </a:t>
-            </a:r>
-            <a:r>
-              <a:rPr lang="en-US" dirty="0" smtClean="0"/>
-              <a:t>and ExAC are highly correlated</a:t>
-            </a:r>
-            <a:endParaRPr lang="en-US" dirty="0"/>
-          </a:p>
-        </p:txBody>
-      </p:sp>
-      <p:pic>
-        <p:nvPicPr>
-          <p:cNvPr id="4" name="Picture 3"/>
-          <p:cNvPicPr>
-            <a:picLocks noChangeAspect="1"/>
-          </p:cNvPicPr>
-          <p:nvPr/>
-        </p:nvPicPr>
-        <p:blipFill>
-          <a:blip r:embed="rId2"/>
-          <a:stretch>
-            <a:fillRect/>
-          </a:stretch>
-        </p:blipFill>
-        <p:spPr>
-          <a:xfrm>
-            <a:off x="2635103" y="2222315"/>
-            <a:ext cx="7924800" cy="3930098"/>
-          </a:xfrm>
-          <a:prstGeom prst="rect">
-            <a:avLst/>
-          </a:prstGeom>
-        </p:spPr>
-      </p:pic>
-    </p:spTree>
-    <p:extLst>
-      <p:ext uri="{BB962C8B-B14F-4D97-AF65-F5344CB8AC3E}">
-        <p14:creationId xmlns:p14="http://schemas.microsoft.com/office/powerpoint/2010/main" val="1624803317"/>
-      </p:ext>
-    </p:extLst>
-  </p:cSld>
-  <p:clrMapOvr>
-    <a:masterClrMapping/>
-  </p:clrMapOvr>
-  <p:timing>
-    <p:tnLst>
-      <p:par>
-        <p:cTn id="1" dur="indefinite" restart="never" nodeType="tmRoot"/>
-      </p:par>
-    </p:tnLst>
-  </p:timing>
-</p:sld>
-</file>
-
-<file path=ppt/slides/slide9.xml><?xml version="1.0" encoding="utf-8"?>
-<p:sld xmlns:a="http://schemas.openxmlformats.org/drawingml/2006/main" xmlns:r="http://schemas.openxmlformats.org/officeDocument/2006/relationships" xmlns:p="http://schemas.openxmlformats.org/presentationml/2006/main">
-  <p:cSld>
-    <p:spTree>
-      <p:nvGrpSpPr>
-        <p:cNvPr id="1" name=""/>
-        <p:cNvGrpSpPr/>
-        <p:nvPr/>
-      </p:nvGrpSpPr>
-      <p:grpSpPr>
-        <a:xfrm>
-          <a:off x="0" y="0"/>
-          <a:ext cx="0" cy="0"/>
-          <a:chOff x="0" y="0"/>
-          <a:chExt cx="0" cy="0"/>
-        </a:xfrm>
-      </p:grpSpPr>
-      <p:sp>
-        <p:nvSpPr>
-          <p:cNvPr id="2" name="Title 1"/>
-          <p:cNvSpPr>
-            <a:spLocks noGrp="1"/>
-          </p:cNvSpPr>
-          <p:nvPr>
-            <p:ph type="title"/>
-          </p:nvPr>
-        </p:nvSpPr>
-        <p:spPr>
-          <a:xfrm>
-            <a:off x="4557888" y="111390"/>
-            <a:ext cx="10515600" cy="1325563"/>
-          </a:xfrm>
-        </p:spPr>
-        <p:txBody>
-          <a:bodyPr/>
-          <a:lstStyle/>
-          <a:p>
-            <a:r>
-              <a:rPr lang="en-US" dirty="0" smtClean="0"/>
-              <a:t>SQL Tables</a:t>
-            </a:r>
-            <a:endParaRPr lang="en-US" dirty="0"/>
-          </a:p>
-        </p:txBody>
-      </p:sp>
       <p:sp>
         <p:nvSpPr>
           <p:cNvPr id="3" name="Content Placeholder 2"/>
@@ -9107,6 +7567,3582 @@
     <p:extLst>
       <p:ext uri="{BB962C8B-B14F-4D97-AF65-F5344CB8AC3E}">
         <p14:creationId xmlns:p14="http://schemas.microsoft.com/office/powerpoint/2010/main" val="506505621"/>
+      </p:ext>
+    </p:extLst>
+  </p:cSld>
+  <p:clrMapOvr>
+    <a:masterClrMapping/>
+  </p:clrMapOvr>
+  <mc:AlternateContent xmlns:mc="http://schemas.openxmlformats.org/markup-compatibility/2006">
+    <mc:Choice xmlns:p14="http://schemas.microsoft.com/office/powerpoint/2010/main" Requires="p14">
+      <p:transition spd="slow" p14:dur="2000"/>
+    </mc:Choice>
+    <mc:Fallback>
+      <p:transition spd="slow"/>
+    </mc:Fallback>
+  </mc:AlternateContent>
+</p:sld>
+</file>
+
+<file path=ppt/slides/slide11.xml><?xml version="1.0" encoding="utf-8"?>
+<p:sld xmlns:a="http://schemas.openxmlformats.org/drawingml/2006/main" xmlns:r="http://schemas.openxmlformats.org/officeDocument/2006/relationships" xmlns:p="http://schemas.openxmlformats.org/presentationml/2006/main">
+  <p:cSld>
+    <p:spTree>
+      <p:nvGrpSpPr>
+        <p:cNvPr id="1" name=""/>
+        <p:cNvGrpSpPr/>
+        <p:nvPr/>
+      </p:nvGrpSpPr>
+      <p:grpSpPr>
+        <a:xfrm>
+          <a:off x="0" y="0"/>
+          <a:ext cx="0" cy="0"/>
+          <a:chOff x="0" y="0"/>
+          <a:chExt cx="0" cy="0"/>
+        </a:xfrm>
+      </p:grpSpPr>
+      <p:sp>
+        <p:nvSpPr>
+          <p:cNvPr id="2" name="Title 1"/>
+          <p:cNvSpPr>
+            <a:spLocks noGrp="1"/>
+          </p:cNvSpPr>
+          <p:nvPr>
+            <p:ph type="title"/>
+          </p:nvPr>
+        </p:nvSpPr>
+        <p:spPr>
+          <a:xfrm>
+            <a:off x="2895600" y="238061"/>
+            <a:ext cx="8610600" cy="1293028"/>
+          </a:xfrm>
+        </p:spPr>
+        <p:txBody>
+          <a:bodyPr/>
+          <a:lstStyle/>
+          <a:p>
+            <a:r>
+              <a:rPr lang="en-US" dirty="0" smtClean="0"/>
+              <a:t>ACMG Incidentalome</a:t>
+            </a:r>
+            <a:endParaRPr lang="en-US" dirty="0"/>
+          </a:p>
+        </p:txBody>
+      </p:sp>
+      <mc:AlternateContent xmlns:mc="http://schemas.openxmlformats.org/markup-compatibility/2006" xmlns:a14="http://schemas.microsoft.com/office/drawing/2010/main">
+        <mc:Choice Requires="a14">
+          <p:sp>
+            <p:nvSpPr>
+              <p:cNvPr id="3" name="Content Placeholder 2"/>
+              <p:cNvSpPr>
+                <a:spLocks noGrp="1"/>
+              </p:cNvSpPr>
+              <p:nvPr>
+                <p:ph idx="1"/>
+              </p:nvPr>
+            </p:nvSpPr>
+            <p:spPr>
+              <a:xfrm>
+                <a:off x="685800" y="1531089"/>
+                <a:ext cx="10820400" cy="4922874"/>
+              </a:xfrm>
+            </p:spPr>
+            <p:txBody>
+              <a:bodyPr>
+                <a:normAutofit/>
+              </a:bodyPr>
+              <a:lstStyle/>
+              <a:p>
+                <a:r>
+                  <a:rPr lang="en-US" sz="2800" dirty="0" smtClean="0">
+                    <a:latin typeface="+mj-lt"/>
+                    <a:ea typeface="Cambria Math" charset="0"/>
+                    <a:cs typeface="Cambria Math" charset="0"/>
+                  </a:rPr>
+                  <a:t>Raj and I are interested in the value of current pathogenicity ratings in ClinVar for the ACMG genes (actionable in genetic testing situations). </a:t>
+                </a:r>
+                <a:br>
+                  <a:rPr lang="en-US" sz="2800" dirty="0" smtClean="0">
+                    <a:latin typeface="+mj-lt"/>
+                    <a:ea typeface="Cambria Math" charset="0"/>
+                    <a:cs typeface="Cambria Math" charset="0"/>
+                  </a:rPr>
+                </a:br>
+                <a:endParaRPr lang="en-US" sz="2800" dirty="0" smtClean="0">
+                  <a:latin typeface="+mj-lt"/>
+                  <a:ea typeface="Cambria Math" charset="0"/>
+                  <a:cs typeface="Cambria Math" charset="0"/>
+                </a:endParaRPr>
+              </a:p>
+              <a:p>
+                <a:r>
+                  <a:rPr lang="en-US" sz="2800" dirty="0" smtClean="0">
+                    <a:latin typeface="Cambria Math" charset="0"/>
+                    <a:ea typeface="Cambria Math" charset="0"/>
+                    <a:cs typeface="Cambria Math" charset="0"/>
+                  </a:rPr>
+                  <a:t>Penetrance </a:t>
+                </a:r>
+                <a:r>
+                  <a:rPr lang="en-US" sz="2800" dirty="0">
+                    <a:latin typeface="Cambria Math" charset="0"/>
+                    <a:ea typeface="Cambria Math" charset="0"/>
+                    <a:cs typeface="Cambria Math" charset="0"/>
+                  </a:rPr>
+                  <a:t>= </a:t>
+                </a:r>
+                <a14:m>
+                  <m:oMath xmlns:m="http://schemas.openxmlformats.org/officeDocument/2006/math">
+                    <m:r>
+                      <a:rPr lang="en-US" sz="2800" i="1">
+                        <a:latin typeface="Cambria Math" charset="0"/>
+                        <a:ea typeface="Cambria Math" charset="0"/>
+                        <a:cs typeface="Cambria Math" charset="0"/>
+                      </a:rPr>
+                      <m:t>𝑃</m:t>
+                    </m:r>
+                    <m:d>
+                      <m:dPr>
+                        <m:ctrlPr>
+                          <a:rPr lang="en-US" sz="2800" i="1">
+                            <a:latin typeface="Cambria Math" charset="0"/>
+                            <a:ea typeface="Cambria Math" charset="0"/>
+                            <a:cs typeface="Cambria Math" charset="0"/>
+                          </a:rPr>
+                        </m:ctrlPr>
+                      </m:dPr>
+                      <m:e>
+                        <m:r>
+                          <a:rPr lang="en-US" sz="2800" i="1">
+                            <a:latin typeface="Cambria Math" charset="0"/>
+                            <a:ea typeface="Cambria Math" charset="0"/>
+                            <a:cs typeface="Cambria Math" charset="0"/>
+                          </a:rPr>
+                          <m:t>𝐷</m:t>
+                        </m:r>
+                      </m:e>
+                      <m:e>
+                        <m:r>
+                          <a:rPr lang="en-US" sz="2800" i="1">
+                            <a:latin typeface="Cambria Math" charset="0"/>
+                            <a:ea typeface="Cambria Math" charset="0"/>
+                            <a:cs typeface="Cambria Math" charset="0"/>
+                          </a:rPr>
+                          <m:t>𝑉</m:t>
+                        </m:r>
+                      </m:e>
+                    </m:d>
+                    <m:r>
+                      <a:rPr lang="en-US" sz="2800" b="0" i="1" smtClean="0">
+                        <a:latin typeface="Cambria Math" charset="0"/>
+                        <a:ea typeface="Cambria Math" charset="0"/>
+                        <a:cs typeface="Cambria Math" charset="0"/>
+                      </a:rPr>
+                      <m:t>=</m:t>
+                    </m:r>
+                    <m:f>
+                      <m:fPr>
+                        <m:ctrlPr>
+                          <a:rPr lang="en-US" sz="2800" b="0" i="1" smtClean="0">
+                            <a:latin typeface="Cambria Math" charset="0"/>
+                            <a:ea typeface="Cambria Math" charset="0"/>
+                            <a:cs typeface="Cambria Math" charset="0"/>
+                          </a:rPr>
+                        </m:ctrlPr>
+                      </m:fPr>
+                      <m:num>
+                        <m:r>
+                          <a:rPr lang="en-US" sz="2800" b="0" i="1" smtClean="0">
+                            <a:latin typeface="Cambria Math" charset="0"/>
+                            <a:ea typeface="Cambria Math" charset="0"/>
+                            <a:cs typeface="Cambria Math" charset="0"/>
+                          </a:rPr>
+                          <m:t>𝑃</m:t>
+                        </m:r>
+                        <m:d>
+                          <m:dPr>
+                            <m:ctrlPr>
+                              <a:rPr lang="en-US" sz="2800" b="0" i="1" smtClean="0">
+                                <a:latin typeface="Cambria Math" charset="0"/>
+                                <a:ea typeface="Cambria Math" charset="0"/>
+                                <a:cs typeface="Cambria Math" charset="0"/>
+                              </a:rPr>
+                            </m:ctrlPr>
+                          </m:dPr>
+                          <m:e>
+                            <m:r>
+                              <a:rPr lang="en-US" sz="2800" b="0" i="1" smtClean="0">
+                                <a:latin typeface="Cambria Math" charset="0"/>
+                                <a:ea typeface="Cambria Math" charset="0"/>
+                                <a:cs typeface="Cambria Math" charset="0"/>
+                              </a:rPr>
+                              <m:t>𝐷</m:t>
+                            </m:r>
+                          </m:e>
+                        </m:d>
+                        <m:r>
+                          <a:rPr lang="en-US" sz="2800" b="0" i="1" smtClean="0">
+                            <a:latin typeface="Cambria Math" charset="0"/>
+                            <a:ea typeface="Cambria Math" charset="0"/>
+                            <a:cs typeface="Cambria Math" charset="0"/>
+                          </a:rPr>
+                          <m:t>∗</m:t>
+                        </m:r>
+                        <m:r>
+                          <a:rPr lang="en-US" sz="2800" b="0" i="1" smtClean="0">
+                            <a:latin typeface="Cambria Math" charset="0"/>
+                            <a:ea typeface="Cambria Math" charset="0"/>
+                            <a:cs typeface="Cambria Math" charset="0"/>
+                          </a:rPr>
+                          <m:t>𝑃</m:t>
+                        </m:r>
+                        <m:r>
+                          <a:rPr lang="en-US" sz="2800" b="0" i="1" smtClean="0">
+                            <a:latin typeface="Cambria Math" charset="0"/>
+                            <a:ea typeface="Cambria Math" charset="0"/>
+                            <a:cs typeface="Cambria Math" charset="0"/>
+                          </a:rPr>
+                          <m:t>(</m:t>
+                        </m:r>
+                        <m:r>
+                          <a:rPr lang="en-US" sz="2800" b="0" i="1" smtClean="0">
+                            <a:latin typeface="Cambria Math" charset="0"/>
+                            <a:ea typeface="Cambria Math" charset="0"/>
+                            <a:cs typeface="Cambria Math" charset="0"/>
+                          </a:rPr>
+                          <m:t>𝑉</m:t>
+                        </m:r>
+                        <m:r>
+                          <a:rPr lang="en-US" sz="2800" b="0" i="1" smtClean="0">
+                            <a:latin typeface="Cambria Math" charset="0"/>
+                            <a:ea typeface="Cambria Math" charset="0"/>
+                            <a:cs typeface="Cambria Math" charset="0"/>
+                          </a:rPr>
+                          <m:t>|</m:t>
+                        </m:r>
+                        <m:r>
+                          <a:rPr lang="en-US" sz="2800" b="0" i="1" smtClean="0">
+                            <a:latin typeface="Cambria Math" charset="0"/>
+                            <a:ea typeface="Cambria Math" charset="0"/>
+                            <a:cs typeface="Cambria Math" charset="0"/>
+                          </a:rPr>
+                          <m:t>𝐷</m:t>
+                        </m:r>
+                        <m:r>
+                          <a:rPr lang="en-US" sz="2800" b="0" i="1" smtClean="0">
+                            <a:latin typeface="Cambria Math" charset="0"/>
+                            <a:ea typeface="Cambria Math" charset="0"/>
+                            <a:cs typeface="Cambria Math" charset="0"/>
+                          </a:rPr>
+                          <m:t>)</m:t>
+                        </m:r>
+                      </m:num>
+                      <m:den>
+                        <m:r>
+                          <a:rPr lang="en-US" sz="2800" b="0" i="1" smtClean="0">
+                            <a:latin typeface="Cambria Math" charset="0"/>
+                            <a:ea typeface="Cambria Math" charset="0"/>
+                            <a:cs typeface="Cambria Math" charset="0"/>
+                          </a:rPr>
+                          <m:t>𝑃</m:t>
+                        </m:r>
+                        <m:d>
+                          <m:dPr>
+                            <m:ctrlPr>
+                              <a:rPr lang="en-US" sz="2800" b="0" i="1" smtClean="0">
+                                <a:latin typeface="Cambria Math" charset="0"/>
+                                <a:ea typeface="Cambria Math" charset="0"/>
+                                <a:cs typeface="Cambria Math" charset="0"/>
+                              </a:rPr>
+                            </m:ctrlPr>
+                          </m:dPr>
+                          <m:e>
+                            <m:r>
+                              <a:rPr lang="en-US" sz="2800" b="0" i="1" smtClean="0">
+                                <a:latin typeface="Cambria Math" charset="0"/>
+                                <a:ea typeface="Cambria Math" charset="0"/>
+                                <a:cs typeface="Cambria Math" charset="0"/>
+                              </a:rPr>
+                              <m:t>𝑉</m:t>
+                            </m:r>
+                          </m:e>
+                        </m:d>
+                      </m:den>
+                    </m:f>
+                    <m:r>
+                      <a:rPr lang="en-US" sz="2800" b="0" i="0" smtClean="0">
+                        <a:latin typeface="Cambria Math" charset="0"/>
+                        <a:ea typeface="Cambria Math" charset="0"/>
+                        <a:cs typeface="Cambria Math" charset="0"/>
+                      </a:rPr>
+                      <m:t>=</m:t>
+                    </m:r>
+                    <m:f>
+                      <m:fPr>
+                        <m:ctrlPr>
+                          <a:rPr lang="en-US" sz="2800" i="1">
+                            <a:latin typeface="Cambria Math" charset="0"/>
+                            <a:ea typeface="Cambria Math" charset="0"/>
+                            <a:cs typeface="Cambria Math" charset="0"/>
+                          </a:rPr>
+                        </m:ctrlPr>
+                      </m:fPr>
+                      <m:num>
+                        <m:r>
+                          <a:rPr lang="en-US" sz="2800" b="0" i="1" smtClean="0">
+                            <a:latin typeface="Cambria Math" charset="0"/>
+                            <a:ea typeface="Cambria Math" charset="0"/>
+                            <a:cs typeface="Cambria Math" charset="0"/>
+                          </a:rPr>
+                          <m:t>𝑝𝑟𝑒𝑣𝑎𝑙𝑒𝑛𝑐𝑒</m:t>
+                        </m:r>
+                        <m:r>
+                          <a:rPr lang="en-US" sz="2800" b="0" i="1" smtClean="0">
+                            <a:latin typeface="Cambria Math" charset="0"/>
+                            <a:ea typeface="Cambria Math" charset="0"/>
+                            <a:cs typeface="Cambria Math" charset="0"/>
+                          </a:rPr>
+                          <m:t> ∗ </m:t>
+                        </m:r>
+                        <m:r>
+                          <a:rPr lang="en-US" sz="2800" i="1">
+                            <a:latin typeface="Cambria Math" charset="0"/>
+                            <a:ea typeface="Cambria Math" charset="0"/>
+                            <a:cs typeface="Cambria Math" charset="0"/>
+                          </a:rPr>
+                          <m:t>𝑃</m:t>
+                        </m:r>
+                        <m:r>
+                          <a:rPr lang="en-US" sz="2800" i="1">
+                            <a:latin typeface="Cambria Math" charset="0"/>
+                            <a:ea typeface="Cambria Math" charset="0"/>
+                            <a:cs typeface="Cambria Math" charset="0"/>
+                          </a:rPr>
+                          <m:t>(</m:t>
+                        </m:r>
+                        <m:r>
+                          <a:rPr lang="en-US" sz="2800" i="1" smtClean="0">
+                            <a:latin typeface="Cambria Math" charset="0"/>
+                            <a:ea typeface="Cambria Math" charset="0"/>
+                            <a:cs typeface="Cambria Math" charset="0"/>
+                          </a:rPr>
+                          <m:t>𝑉</m:t>
+                        </m:r>
+                        <m:r>
+                          <a:rPr lang="en-US" sz="2800" i="1">
+                            <a:latin typeface="Cambria Math" charset="0"/>
+                            <a:ea typeface="Cambria Math" charset="0"/>
+                            <a:cs typeface="Cambria Math" charset="0"/>
+                          </a:rPr>
+                          <m:t>|</m:t>
+                        </m:r>
+                        <m:r>
+                          <a:rPr lang="en-US" sz="2800" i="1">
+                            <a:latin typeface="Cambria Math" charset="0"/>
+                            <a:ea typeface="Cambria Math" charset="0"/>
+                            <a:cs typeface="Cambria Math" charset="0"/>
+                          </a:rPr>
+                          <m:t>𝐷</m:t>
+                        </m:r>
+                        <m:r>
+                          <a:rPr lang="en-US" sz="2800" i="1">
+                            <a:latin typeface="Cambria Math" charset="0"/>
+                            <a:ea typeface="Cambria Math" charset="0"/>
+                            <a:cs typeface="Cambria Math" charset="0"/>
+                          </a:rPr>
+                          <m:t>)</m:t>
+                        </m:r>
+                      </m:num>
+                      <m:den>
+                        <m:r>
+                          <a:rPr lang="en-US" sz="2800" b="0" i="1" smtClean="0">
+                            <a:latin typeface="Cambria Math" charset="0"/>
+                            <a:ea typeface="Cambria Math" charset="0"/>
+                            <a:cs typeface="Cambria Math" charset="0"/>
+                          </a:rPr>
+                          <m:t>𝑎𝑙𝑙𝑒𝑙𝑒</m:t>
+                        </m:r>
+                        <m:r>
+                          <a:rPr lang="en-US" sz="2800" b="0" i="1" smtClean="0">
+                            <a:latin typeface="Cambria Math" charset="0"/>
+                            <a:ea typeface="Cambria Math" charset="0"/>
+                            <a:cs typeface="Cambria Math" charset="0"/>
+                          </a:rPr>
+                          <m:t> .  </m:t>
+                        </m:r>
+                        <m:r>
+                          <a:rPr lang="en-US" sz="2800" b="0" i="1" smtClean="0">
+                            <a:latin typeface="Cambria Math" charset="0"/>
+                            <a:ea typeface="Cambria Math" charset="0"/>
+                            <a:cs typeface="Cambria Math" charset="0"/>
+                          </a:rPr>
+                          <m:t>𝑓𝑟𝑒𝑞𝑢𝑒𝑛𝑐𝑦</m:t>
+                        </m:r>
+                      </m:den>
+                    </m:f>
+                  </m:oMath>
+                </a14:m>
+                <a:endParaRPr lang="en-US" sz="2800" dirty="0" smtClean="0">
+                  <a:latin typeface="Cambria Math" charset="0"/>
+                  <a:ea typeface="Cambria Math" charset="0"/>
+                  <a:cs typeface="Cambria Math" charset="0"/>
+                </a:endParaRPr>
+              </a:p>
+              <a:p>
+                <a:endParaRPr lang="en-US" sz="1100" dirty="0" smtClean="0">
+                  <a:latin typeface="+mj-lt"/>
+                  <a:ea typeface="Cambria Math" charset="0"/>
+                  <a:cs typeface="Cambria Math" charset="0"/>
+                </a:endParaRPr>
+              </a:p>
+              <a:p>
+                <a:r>
+                  <a:rPr lang="en-US" sz="2800" dirty="0" smtClean="0">
+                    <a:latin typeface="+mj-lt"/>
+                    <a:ea typeface="Cambria Math" charset="0"/>
+                    <a:cs typeface="Cambria Math" charset="0"/>
+                  </a:rPr>
+                  <a:t>We need: (1) </a:t>
+                </a:r>
+                <a:r>
+                  <a:rPr lang="en-US" sz="2800" dirty="0" smtClean="0">
+                    <a:solidFill>
+                      <a:srgbClr val="0070C0"/>
+                    </a:solidFill>
+                    <a:latin typeface="+mj-lt"/>
+                    <a:ea typeface="Cambria Math" charset="0"/>
+                    <a:cs typeface="Cambria Math" charset="0"/>
+                  </a:rPr>
+                  <a:t>prevalence</a:t>
+                </a:r>
+                <a:r>
+                  <a:rPr lang="en-US" sz="2800" dirty="0" smtClean="0">
+                    <a:latin typeface="+mj-lt"/>
+                    <a:ea typeface="Cambria Math" charset="0"/>
+                    <a:cs typeface="Cambria Math" charset="0"/>
+                  </a:rPr>
+                  <a:t>, (2) </a:t>
+                </a:r>
+                <a:r>
+                  <a:rPr lang="en-US" sz="2800" dirty="0" smtClean="0">
+                    <a:solidFill>
+                      <a:srgbClr val="FFFF00"/>
+                    </a:solidFill>
+                    <a:latin typeface="+mj-lt"/>
+                    <a:ea typeface="Cambria Math" charset="0"/>
+                    <a:cs typeface="Cambria Math" charset="0"/>
+                  </a:rPr>
+                  <a:t>allele frequency</a:t>
+                </a:r>
+                <a:r>
+                  <a:rPr lang="en-US" sz="2800" dirty="0" smtClean="0">
+                    <a:latin typeface="+mj-lt"/>
+                    <a:ea typeface="Cambria Math" charset="0"/>
+                    <a:cs typeface="Cambria Math" charset="0"/>
+                  </a:rPr>
+                  <a:t>, and </a:t>
+                </a:r>
+                <a:br>
+                  <a:rPr lang="en-US" sz="2800" dirty="0" smtClean="0">
+                    <a:latin typeface="+mj-lt"/>
+                    <a:ea typeface="Cambria Math" charset="0"/>
+                    <a:cs typeface="Cambria Math" charset="0"/>
+                  </a:rPr>
+                </a:br>
+                <a:r>
+                  <a:rPr lang="en-US" sz="2800" dirty="0" smtClean="0">
+                    <a:latin typeface="+mj-lt"/>
+                    <a:ea typeface="Cambria Math" charset="0"/>
+                    <a:cs typeface="Cambria Math" charset="0"/>
+                  </a:rPr>
+                  <a:t>	           (3) </a:t>
+                </a:r>
+                <a:r>
+                  <a:rPr lang="en-US" sz="2800" dirty="0" smtClean="0">
+                    <a:solidFill>
+                      <a:srgbClr val="00B050"/>
+                    </a:solidFill>
+                    <a:latin typeface="+mj-lt"/>
+                    <a:ea typeface="Cambria Math" charset="0"/>
+                    <a:cs typeface="Cambria Math" charset="0"/>
+                  </a:rPr>
+                  <a:t>allelic heterogeneity </a:t>
+                </a:r>
+                <a:r>
+                  <a:rPr lang="en-US" sz="2800" dirty="0">
+                    <a:latin typeface="+mj-lt"/>
+                    <a:ea typeface="Cambria Math" charset="0"/>
+                    <a:cs typeface="Cambria Math" charset="0"/>
+                  </a:rPr>
+                  <a:t>=</a:t>
+                </a:r>
+                <a:r>
+                  <a:rPr lang="en-US" sz="2800" dirty="0" smtClean="0">
+                    <a:latin typeface="+mj-lt"/>
+                    <a:ea typeface="Cambria Math" charset="0"/>
+                    <a:cs typeface="Cambria Math" charset="0"/>
+                  </a:rPr>
+                  <a:t> P(V|D)</a:t>
+                </a:r>
+              </a:p>
+            </p:txBody>
+          </p:sp>
+        </mc:Choice>
+        <mc:Fallback xmlns="">
+          <p:sp>
+            <p:nvSpPr>
+              <p:cNvPr id="3" name="Content Placeholder 2"/>
+              <p:cNvSpPr>
+                <a:spLocks noGrp="1" noRot="1" noChangeAspect="1" noMove="1" noResize="1" noEditPoints="1" noAdjustHandles="1" noChangeArrowheads="1" noChangeShapeType="1" noTextEdit="1"/>
+              </p:cNvSpPr>
+              <p:nvPr>
+                <p:ph idx="1"/>
+              </p:nvPr>
+            </p:nvSpPr>
+            <p:spPr>
+              <a:xfrm>
+                <a:off x="685800" y="1531089"/>
+                <a:ext cx="10820400" cy="4922874"/>
+              </a:xfrm>
+              <a:blipFill rotWithShape="0">
+                <a:blip r:embed="rId3"/>
+                <a:stretch>
+                  <a:fillRect l="-1014" t="-2104"/>
+                </a:stretch>
+              </a:blipFill>
+            </p:spPr>
+            <p:txBody>
+              <a:bodyPr/>
+              <a:lstStyle/>
+              <a:p>
+                <a:r>
+                  <a:rPr lang="en-US">
+                    <a:noFill/>
+                  </a:rPr>
+                  <a:t> </a:t>
+                </a:r>
+              </a:p>
+            </p:txBody>
+          </p:sp>
+        </mc:Fallback>
+      </mc:AlternateContent>
+    </p:spTree>
+    <p:extLst>
+      <p:ext uri="{BB962C8B-B14F-4D97-AF65-F5344CB8AC3E}">
+        <p14:creationId xmlns:p14="http://schemas.microsoft.com/office/powerpoint/2010/main" val="973280500"/>
+      </p:ext>
+    </p:extLst>
+  </p:cSld>
+  <p:clrMapOvr>
+    <a:masterClrMapping/>
+  </p:clrMapOvr>
+</p:sld>
+</file>
+
+<file path=ppt/slides/slide12.xml><?xml version="1.0" encoding="utf-8"?>
+<p:sld xmlns:a="http://schemas.openxmlformats.org/drawingml/2006/main" xmlns:r="http://schemas.openxmlformats.org/officeDocument/2006/relationships" xmlns:p="http://schemas.openxmlformats.org/presentationml/2006/main">
+  <p:cSld>
+    <p:spTree>
+      <p:nvGrpSpPr>
+        <p:cNvPr id="1" name=""/>
+        <p:cNvGrpSpPr/>
+        <p:nvPr/>
+      </p:nvGrpSpPr>
+      <p:grpSpPr>
+        <a:xfrm>
+          <a:off x="0" y="0"/>
+          <a:ext cx="0" cy="0"/>
+          <a:chOff x="0" y="0"/>
+          <a:chExt cx="0" cy="0"/>
+        </a:xfrm>
+      </p:grpSpPr>
+      <p:pic>
+        <p:nvPicPr>
+          <p:cNvPr id="6" name="Content Placeholder 5"/>
+          <p:cNvPicPr>
+            <a:picLocks noGrp="1" noChangeAspect="1"/>
+          </p:cNvPicPr>
+          <p:nvPr>
+            <p:ph idx="1"/>
+          </p:nvPr>
+        </p:nvPicPr>
+        <p:blipFill>
+          <a:blip r:embed="rId2"/>
+          <a:stretch>
+            <a:fillRect/>
+          </a:stretch>
+        </p:blipFill>
+        <p:spPr>
+          <a:xfrm>
+            <a:off x="414820" y="2118216"/>
+            <a:ext cx="8597900" cy="2184400"/>
+          </a:xfrm>
+          <a:prstGeom prst="rect">
+            <a:avLst/>
+          </a:prstGeom>
+          <a:ln>
+            <a:solidFill>
+              <a:schemeClr val="accent1"/>
+            </a:solidFill>
+          </a:ln>
+        </p:spPr>
+      </p:pic>
+      <p:pic>
+        <p:nvPicPr>
+          <p:cNvPr id="8" name="Picture 7"/>
+          <p:cNvPicPr>
+            <a:picLocks noChangeAspect="1"/>
+          </p:cNvPicPr>
+          <p:nvPr/>
+        </p:nvPicPr>
+        <p:blipFill rotWithShape="1">
+          <a:blip r:embed="rId3"/>
+          <a:srcRect t="30561"/>
+          <a:stretch/>
+        </p:blipFill>
+        <p:spPr>
+          <a:xfrm>
+            <a:off x="8477038" y="2503405"/>
+            <a:ext cx="3308055" cy="2263205"/>
+          </a:xfrm>
+          <a:prstGeom prst="rect">
+            <a:avLst/>
+          </a:prstGeom>
+          <a:ln>
+            <a:solidFill>
+              <a:schemeClr val="accent1"/>
+            </a:solidFill>
+          </a:ln>
+        </p:spPr>
+      </p:pic>
+      <p:pic>
+        <p:nvPicPr>
+          <p:cNvPr id="14" name="Picture 13"/>
+          <p:cNvPicPr>
+            <a:picLocks noChangeAspect="1"/>
+          </p:cNvPicPr>
+          <p:nvPr/>
+        </p:nvPicPr>
+        <p:blipFill>
+          <a:blip r:embed="rId4"/>
+          <a:stretch>
+            <a:fillRect/>
+          </a:stretch>
+        </p:blipFill>
+        <p:spPr>
+          <a:xfrm>
+            <a:off x="3719334" y="4235669"/>
+            <a:ext cx="8185000" cy="1598539"/>
+          </a:xfrm>
+          <a:prstGeom prst="rect">
+            <a:avLst/>
+          </a:prstGeom>
+          <a:ln>
+            <a:solidFill>
+              <a:schemeClr val="accent1"/>
+            </a:solidFill>
+          </a:ln>
+        </p:spPr>
+      </p:pic>
+      <p:sp>
+        <p:nvSpPr>
+          <p:cNvPr id="2" name="Title 1"/>
+          <p:cNvSpPr>
+            <a:spLocks noGrp="1"/>
+          </p:cNvSpPr>
+          <p:nvPr>
+            <p:ph type="title"/>
+          </p:nvPr>
+        </p:nvSpPr>
+        <p:spPr>
+          <a:xfrm>
+            <a:off x="3086986" y="584663"/>
+            <a:ext cx="8610600" cy="1293028"/>
+          </a:xfrm>
+        </p:spPr>
+        <p:txBody>
+          <a:bodyPr>
+            <a:normAutofit fontScale="90000"/>
+          </a:bodyPr>
+          <a:lstStyle/>
+          <a:p>
+            <a:r>
+              <a:rPr lang="en-US" dirty="0" smtClean="0"/>
+              <a:t>(1) Prevalence: Estimates are </a:t>
+            </a:r>
+            <a:r>
+              <a:rPr lang="en-US" dirty="0" smtClean="0"/>
+              <a:t>Uncertain and Highly Variable</a:t>
+            </a:r>
+            <a:endParaRPr lang="en-US" dirty="0"/>
+          </a:p>
+        </p:txBody>
+      </p:sp>
+      <p:pic>
+        <p:nvPicPr>
+          <p:cNvPr id="7" name="Picture 6"/>
+          <p:cNvPicPr>
+            <a:picLocks noChangeAspect="1"/>
+          </p:cNvPicPr>
+          <p:nvPr/>
+        </p:nvPicPr>
+        <p:blipFill>
+          <a:blip r:embed="rId5"/>
+          <a:stretch>
+            <a:fillRect/>
+          </a:stretch>
+        </p:blipFill>
+        <p:spPr>
+          <a:xfrm>
+            <a:off x="329761" y="5043002"/>
+            <a:ext cx="7113034" cy="1451155"/>
+          </a:xfrm>
+          <a:prstGeom prst="rect">
+            <a:avLst/>
+          </a:prstGeom>
+          <a:ln>
+            <a:solidFill>
+              <a:schemeClr val="accent1"/>
+            </a:solidFill>
+          </a:ln>
+        </p:spPr>
+      </p:pic>
+      <p:sp>
+        <p:nvSpPr>
+          <p:cNvPr id="9" name="Frame 8"/>
+          <p:cNvSpPr/>
+          <p:nvPr/>
+        </p:nvSpPr>
+        <p:spPr>
+          <a:xfrm>
+            <a:off x="8508937" y="3559815"/>
+            <a:ext cx="2478717" cy="463994"/>
+          </a:xfrm>
+          <a:prstGeom prst="frame">
+            <a:avLst/>
+          </a:prstGeom>
+        </p:spPr>
+        <p:style>
+          <a:lnRef idx="2">
+            <a:schemeClr val="accent1">
+              <a:shade val="50000"/>
+            </a:schemeClr>
+          </a:lnRef>
+          <a:fillRef idx="1">
+            <a:schemeClr val="accent1"/>
+          </a:fillRef>
+          <a:effectRef idx="0">
+            <a:schemeClr val="accent1"/>
+          </a:effectRef>
+          <a:fontRef idx="minor">
+            <a:schemeClr val="lt1"/>
+          </a:fontRef>
+        </p:style>
+        <p:txBody>
+          <a:bodyPr rtlCol="0" anchor="ctr"/>
+          <a:lstStyle/>
+          <a:p>
+            <a:pPr algn="ctr"/>
+            <a:endParaRPr lang="en-US">
+              <a:solidFill>
+                <a:schemeClr val="tx1"/>
+              </a:solidFill>
+            </a:endParaRPr>
+          </a:p>
+        </p:txBody>
+      </p:sp>
+      <p:sp>
+        <p:nvSpPr>
+          <p:cNvPr id="10" name="Frame 9"/>
+          <p:cNvSpPr/>
+          <p:nvPr/>
+        </p:nvSpPr>
+        <p:spPr>
+          <a:xfrm>
+            <a:off x="3903778" y="6088780"/>
+            <a:ext cx="3063854" cy="332282"/>
+          </a:xfrm>
+          <a:prstGeom prst="frame">
+            <a:avLst/>
+          </a:prstGeom>
+        </p:spPr>
+        <p:style>
+          <a:lnRef idx="2">
+            <a:schemeClr val="accent1">
+              <a:shade val="50000"/>
+            </a:schemeClr>
+          </a:lnRef>
+          <a:fillRef idx="1">
+            <a:schemeClr val="accent1"/>
+          </a:fillRef>
+          <a:effectRef idx="0">
+            <a:schemeClr val="accent1"/>
+          </a:effectRef>
+          <a:fontRef idx="minor">
+            <a:schemeClr val="lt1"/>
+          </a:fontRef>
+        </p:style>
+        <p:txBody>
+          <a:bodyPr rtlCol="0" anchor="ctr"/>
+          <a:lstStyle/>
+          <a:p>
+            <a:pPr algn="ctr"/>
+            <a:endParaRPr lang="en-US">
+              <a:solidFill>
+                <a:schemeClr val="tx1"/>
+              </a:solidFill>
+            </a:endParaRPr>
+          </a:p>
+        </p:txBody>
+      </p:sp>
+      <p:sp>
+        <p:nvSpPr>
+          <p:cNvPr id="11" name="Frame 10"/>
+          <p:cNvSpPr/>
+          <p:nvPr/>
+        </p:nvSpPr>
+        <p:spPr>
+          <a:xfrm>
+            <a:off x="964025" y="2147971"/>
+            <a:ext cx="3172044" cy="414720"/>
+          </a:xfrm>
+          <a:prstGeom prst="frame">
+            <a:avLst/>
+          </a:prstGeom>
+        </p:spPr>
+        <p:style>
+          <a:lnRef idx="2">
+            <a:schemeClr val="accent1">
+              <a:shade val="50000"/>
+            </a:schemeClr>
+          </a:lnRef>
+          <a:fillRef idx="1">
+            <a:schemeClr val="accent1"/>
+          </a:fillRef>
+          <a:effectRef idx="0">
+            <a:schemeClr val="accent1"/>
+          </a:effectRef>
+          <a:fontRef idx="minor">
+            <a:schemeClr val="lt1"/>
+          </a:fontRef>
+        </p:style>
+        <p:txBody>
+          <a:bodyPr rtlCol="0" anchor="ctr"/>
+          <a:lstStyle/>
+          <a:p>
+            <a:pPr algn="ctr"/>
+            <a:endParaRPr lang="en-US">
+              <a:solidFill>
+                <a:schemeClr val="tx1"/>
+              </a:solidFill>
+            </a:endParaRPr>
+          </a:p>
+        </p:txBody>
+      </p:sp>
+      <p:sp>
+        <p:nvSpPr>
+          <p:cNvPr id="12" name="Frame 11"/>
+          <p:cNvSpPr/>
+          <p:nvPr/>
+        </p:nvSpPr>
+        <p:spPr>
+          <a:xfrm>
+            <a:off x="425453" y="2608738"/>
+            <a:ext cx="4518690" cy="414720"/>
+          </a:xfrm>
+          <a:prstGeom prst="frame">
+            <a:avLst/>
+          </a:prstGeom>
+        </p:spPr>
+        <p:style>
+          <a:lnRef idx="2">
+            <a:schemeClr val="accent1">
+              <a:shade val="50000"/>
+            </a:schemeClr>
+          </a:lnRef>
+          <a:fillRef idx="1">
+            <a:schemeClr val="accent1"/>
+          </a:fillRef>
+          <a:effectRef idx="0">
+            <a:schemeClr val="accent1"/>
+          </a:effectRef>
+          <a:fontRef idx="minor">
+            <a:schemeClr val="lt1"/>
+          </a:fontRef>
+        </p:style>
+        <p:txBody>
+          <a:bodyPr rtlCol="0" anchor="ctr"/>
+          <a:lstStyle/>
+          <a:p>
+            <a:pPr algn="ctr"/>
+            <a:endParaRPr lang="en-US">
+              <a:solidFill>
+                <a:schemeClr val="tx1"/>
+              </a:solidFill>
+            </a:endParaRPr>
+          </a:p>
+        </p:txBody>
+      </p:sp>
+      <p:pic>
+        <p:nvPicPr>
+          <p:cNvPr id="5" name="Picture 4"/>
+          <p:cNvPicPr>
+            <a:picLocks noChangeAspect="1"/>
+          </p:cNvPicPr>
+          <p:nvPr/>
+        </p:nvPicPr>
+        <p:blipFill>
+          <a:blip r:embed="rId6"/>
+          <a:stretch>
+            <a:fillRect/>
+          </a:stretch>
+        </p:blipFill>
+        <p:spPr>
+          <a:xfrm>
+            <a:off x="671256" y="3354939"/>
+            <a:ext cx="3036201" cy="1761460"/>
+          </a:xfrm>
+          <a:prstGeom prst="rect">
+            <a:avLst/>
+          </a:prstGeom>
+          <a:ln>
+            <a:solidFill>
+              <a:schemeClr val="accent1"/>
+            </a:solidFill>
+          </a:ln>
+        </p:spPr>
+      </p:pic>
+      <p:sp>
+        <p:nvSpPr>
+          <p:cNvPr id="13" name="Frame 12"/>
+          <p:cNvSpPr/>
+          <p:nvPr/>
+        </p:nvSpPr>
+        <p:spPr>
+          <a:xfrm>
+            <a:off x="2512928" y="4719210"/>
+            <a:ext cx="1173263" cy="337018"/>
+          </a:xfrm>
+          <a:prstGeom prst="frame">
+            <a:avLst/>
+          </a:prstGeom>
+        </p:spPr>
+        <p:style>
+          <a:lnRef idx="2">
+            <a:schemeClr val="accent1">
+              <a:shade val="50000"/>
+            </a:schemeClr>
+          </a:lnRef>
+          <a:fillRef idx="1">
+            <a:schemeClr val="accent1"/>
+          </a:fillRef>
+          <a:effectRef idx="0">
+            <a:schemeClr val="accent1"/>
+          </a:effectRef>
+          <a:fontRef idx="minor">
+            <a:schemeClr val="lt1"/>
+          </a:fontRef>
+        </p:style>
+        <p:txBody>
+          <a:bodyPr rtlCol="0" anchor="ctr"/>
+          <a:lstStyle/>
+          <a:p>
+            <a:pPr algn="ctr"/>
+            <a:endParaRPr lang="en-US">
+              <a:solidFill>
+                <a:schemeClr val="tx1"/>
+              </a:solidFill>
+            </a:endParaRPr>
+          </a:p>
+        </p:txBody>
+      </p:sp>
+      <p:sp>
+        <p:nvSpPr>
+          <p:cNvPr id="16" name="Frame 15"/>
+          <p:cNvSpPr/>
+          <p:nvPr/>
+        </p:nvSpPr>
+        <p:spPr>
+          <a:xfrm>
+            <a:off x="7652348" y="4978470"/>
+            <a:ext cx="3735122" cy="463994"/>
+          </a:xfrm>
+          <a:prstGeom prst="frame">
+            <a:avLst/>
+          </a:prstGeom>
+        </p:spPr>
+        <p:style>
+          <a:lnRef idx="2">
+            <a:schemeClr val="accent1">
+              <a:shade val="50000"/>
+            </a:schemeClr>
+          </a:lnRef>
+          <a:fillRef idx="1">
+            <a:schemeClr val="accent1"/>
+          </a:fillRef>
+          <a:effectRef idx="0">
+            <a:schemeClr val="accent1"/>
+          </a:effectRef>
+          <a:fontRef idx="minor">
+            <a:schemeClr val="lt1"/>
+          </a:fontRef>
+        </p:style>
+        <p:txBody>
+          <a:bodyPr rtlCol="0" anchor="ctr"/>
+          <a:lstStyle/>
+          <a:p>
+            <a:pPr algn="ctr"/>
+            <a:endParaRPr lang="en-US">
+              <a:solidFill>
+                <a:schemeClr val="tx1"/>
+              </a:solidFill>
+            </a:endParaRPr>
+          </a:p>
+        </p:txBody>
+      </p:sp>
+      <p:sp>
+        <p:nvSpPr>
+          <p:cNvPr id="17" name="Frame 16"/>
+          <p:cNvSpPr/>
+          <p:nvPr/>
+        </p:nvSpPr>
+        <p:spPr>
+          <a:xfrm>
+            <a:off x="3726389" y="4641452"/>
+            <a:ext cx="1217751" cy="337018"/>
+          </a:xfrm>
+          <a:prstGeom prst="frame">
+            <a:avLst/>
+          </a:prstGeom>
+        </p:spPr>
+        <p:style>
+          <a:lnRef idx="2">
+            <a:schemeClr val="accent1">
+              <a:shade val="50000"/>
+            </a:schemeClr>
+          </a:lnRef>
+          <a:fillRef idx="1">
+            <a:schemeClr val="accent1"/>
+          </a:fillRef>
+          <a:effectRef idx="0">
+            <a:schemeClr val="accent1"/>
+          </a:effectRef>
+          <a:fontRef idx="minor">
+            <a:schemeClr val="lt1"/>
+          </a:fontRef>
+        </p:style>
+        <p:txBody>
+          <a:bodyPr rtlCol="0" anchor="ctr"/>
+          <a:lstStyle/>
+          <a:p>
+            <a:pPr algn="ctr"/>
+            <a:endParaRPr lang="en-US">
+              <a:solidFill>
+                <a:schemeClr val="tx1"/>
+              </a:solidFill>
+            </a:endParaRPr>
+          </a:p>
+        </p:txBody>
+      </p:sp>
+    </p:spTree>
+    <p:extLst>
+      <p:ext uri="{BB962C8B-B14F-4D97-AF65-F5344CB8AC3E}">
+        <p14:creationId xmlns:p14="http://schemas.microsoft.com/office/powerpoint/2010/main" val="1508425454"/>
+      </p:ext>
+    </p:extLst>
+  </p:cSld>
+  <p:clrMapOvr>
+    <a:masterClrMapping/>
+  </p:clrMapOvr>
+</p:sld>
+</file>
+
+<file path=ppt/slides/slide13.xml><?xml version="1.0" encoding="utf-8"?>
+<p:sld xmlns:a="http://schemas.openxmlformats.org/drawingml/2006/main" xmlns:r="http://schemas.openxmlformats.org/officeDocument/2006/relationships" xmlns:p="http://schemas.openxmlformats.org/presentationml/2006/main">
+  <p:cSld>
+    <p:spTree>
+      <p:nvGrpSpPr>
+        <p:cNvPr id="1" name=""/>
+        <p:cNvGrpSpPr/>
+        <p:nvPr/>
+      </p:nvGrpSpPr>
+      <p:grpSpPr>
+        <a:xfrm>
+          <a:off x="0" y="0"/>
+          <a:ext cx="0" cy="0"/>
+          <a:chOff x="0" y="0"/>
+          <a:chExt cx="0" cy="0"/>
+        </a:xfrm>
+      </p:grpSpPr>
+      <p:sp>
+        <p:nvSpPr>
+          <p:cNvPr id="2" name="Title 1"/>
+          <p:cNvSpPr>
+            <a:spLocks noGrp="1"/>
+          </p:cNvSpPr>
+          <p:nvPr>
+            <p:ph type="title"/>
+          </p:nvPr>
+        </p:nvSpPr>
+        <p:spPr>
+          <a:xfrm>
+            <a:off x="675168" y="1644242"/>
+            <a:ext cx="10831032" cy="1293028"/>
+          </a:xfrm>
+        </p:spPr>
+        <p:txBody>
+          <a:bodyPr/>
+          <a:lstStyle/>
+          <a:p>
+            <a:r>
+              <a:rPr lang="en-US" dirty="0" smtClean="0"/>
+              <a:t>We try </a:t>
+            </a:r>
+            <a:r>
+              <a:rPr lang="en-US" dirty="0" smtClean="0"/>
+              <a:t>anyway (</a:t>
+            </a:r>
+            <a:r>
+              <a:rPr lang="en-US" smtClean="0"/>
+              <a:t>Prevalence Estimates)</a:t>
+            </a:r>
+            <a:endParaRPr lang="en-US" dirty="0"/>
+          </a:p>
+        </p:txBody>
+      </p:sp>
+      <p:pic>
+        <p:nvPicPr>
+          <p:cNvPr id="8" name="Picture 7"/>
+          <p:cNvPicPr>
+            <a:picLocks noChangeAspect="1"/>
+          </p:cNvPicPr>
+          <p:nvPr/>
+        </p:nvPicPr>
+        <p:blipFill>
+          <a:blip r:embed="rId2"/>
+          <a:stretch>
+            <a:fillRect/>
+          </a:stretch>
+        </p:blipFill>
+        <p:spPr>
+          <a:xfrm>
+            <a:off x="675168" y="3016556"/>
+            <a:ext cx="10823464" cy="2748515"/>
+          </a:xfrm>
+          <a:prstGeom prst="rect">
+            <a:avLst/>
+          </a:prstGeom>
+        </p:spPr>
+      </p:pic>
+      <p:pic>
+        <p:nvPicPr>
+          <p:cNvPr id="9" name="Picture 8"/>
+          <p:cNvPicPr>
+            <a:picLocks noChangeAspect="1"/>
+          </p:cNvPicPr>
+          <p:nvPr/>
+        </p:nvPicPr>
+        <p:blipFill>
+          <a:blip r:embed="rId3"/>
+          <a:stretch>
+            <a:fillRect/>
+          </a:stretch>
+        </p:blipFill>
+        <p:spPr>
+          <a:xfrm>
+            <a:off x="675168" y="2643720"/>
+            <a:ext cx="10823464" cy="293550"/>
+          </a:xfrm>
+          <a:prstGeom prst="rect">
+            <a:avLst/>
+          </a:prstGeom>
+        </p:spPr>
+      </p:pic>
+    </p:spTree>
+    <p:extLst>
+      <p:ext uri="{BB962C8B-B14F-4D97-AF65-F5344CB8AC3E}">
+        <p14:creationId xmlns:p14="http://schemas.microsoft.com/office/powerpoint/2010/main" val="1308711200"/>
+      </p:ext>
+    </p:extLst>
+  </p:cSld>
+  <p:clrMapOvr>
+    <a:masterClrMapping/>
+  </p:clrMapOvr>
+</p:sld>
+</file>
+
+<file path=ppt/slides/slide14.xml><?xml version="1.0" encoding="utf-8"?>
+<p:sld xmlns:a="http://schemas.openxmlformats.org/drawingml/2006/main" xmlns:r="http://schemas.openxmlformats.org/officeDocument/2006/relationships" xmlns:p="http://schemas.openxmlformats.org/presentationml/2006/main">
+  <p:cSld>
+    <p:spTree>
+      <p:nvGrpSpPr>
+        <p:cNvPr id="1" name=""/>
+        <p:cNvGrpSpPr/>
+        <p:nvPr/>
+      </p:nvGrpSpPr>
+      <p:grpSpPr>
+        <a:xfrm>
+          <a:off x="0" y="0"/>
+          <a:ext cx="0" cy="0"/>
+          <a:chOff x="0" y="0"/>
+          <a:chExt cx="0" cy="0"/>
+        </a:xfrm>
+      </p:grpSpPr>
+      <p:sp>
+        <p:nvSpPr>
+          <p:cNvPr id="2" name="Title 1"/>
+          <p:cNvSpPr>
+            <a:spLocks noGrp="1"/>
+          </p:cNvSpPr>
+          <p:nvPr>
+            <p:ph type="title"/>
+          </p:nvPr>
+        </p:nvSpPr>
+        <p:spPr>
+          <a:xfrm>
+            <a:off x="2748323" y="323172"/>
+            <a:ext cx="8610600" cy="1293028"/>
+          </a:xfrm>
+        </p:spPr>
+        <p:txBody>
+          <a:bodyPr/>
+          <a:lstStyle/>
+          <a:p>
+            <a:r>
+              <a:rPr lang="en-US" dirty="0" smtClean="0"/>
+              <a:t>(2) Allele Frequencies</a:t>
+            </a:r>
+            <a:endParaRPr lang="en-US" dirty="0"/>
+          </a:p>
+        </p:txBody>
+      </p:sp>
+      <p:sp>
+        <p:nvSpPr>
+          <p:cNvPr id="8" name="TextBox 7"/>
+          <p:cNvSpPr txBox="1"/>
+          <p:nvPr/>
+        </p:nvSpPr>
+        <p:spPr>
+          <a:xfrm>
+            <a:off x="973078" y="1495321"/>
+            <a:ext cx="8488135" cy="2308324"/>
+          </a:xfrm>
+          <a:prstGeom prst="rect">
+            <a:avLst/>
+          </a:prstGeom>
+          <a:noFill/>
+        </p:spPr>
+        <p:txBody>
+          <a:bodyPr wrap="square" rtlCol="0">
+            <a:spAutoFit/>
+          </a:bodyPr>
+          <a:lstStyle/>
+          <a:p>
+            <a:r>
+              <a:rPr lang="en-US" sz="2400" dirty="0" smtClean="0">
+                <a:solidFill>
+                  <a:srgbClr val="FF0000"/>
+                </a:solidFill>
+              </a:rPr>
+              <a:t>Problem: </a:t>
+            </a:r>
+            <a:r>
+              <a:rPr lang="en-US" sz="2400" dirty="0" smtClean="0"/>
+              <a:t>Diverse set of names used to identify disease: </a:t>
+            </a:r>
+          </a:p>
+          <a:p>
+            <a:endParaRPr lang="en-US" sz="2400" dirty="0" smtClean="0"/>
+          </a:p>
+          <a:p>
+            <a:endParaRPr lang="en-US" sz="2400" dirty="0"/>
+          </a:p>
+          <a:p>
+            <a:endParaRPr lang="en-US" sz="2400" dirty="0" smtClean="0"/>
+          </a:p>
+          <a:p>
+            <a:r>
+              <a:rPr lang="en-US" sz="2400" dirty="0" smtClean="0"/>
+              <a:t/>
+            </a:r>
+            <a:br>
+              <a:rPr lang="en-US" sz="2400" dirty="0" smtClean="0"/>
+            </a:br>
+            <a:endParaRPr lang="en-US" sz="2400" dirty="0"/>
+          </a:p>
+        </p:txBody>
+      </p:sp>
+      <p:pic>
+        <p:nvPicPr>
+          <p:cNvPr id="9" name="Picture 8"/>
+          <p:cNvPicPr>
+            <a:picLocks noChangeAspect="1"/>
+          </p:cNvPicPr>
+          <p:nvPr/>
+        </p:nvPicPr>
+        <p:blipFill rotWithShape="1">
+          <a:blip r:embed="rId3"/>
+          <a:srcRect t="39856" b="9528"/>
+          <a:stretch/>
+        </p:blipFill>
+        <p:spPr>
+          <a:xfrm>
+            <a:off x="999638" y="1982249"/>
+            <a:ext cx="4958602" cy="1000587"/>
+          </a:xfrm>
+          <a:prstGeom prst="rect">
+            <a:avLst/>
+          </a:prstGeom>
+        </p:spPr>
+      </p:pic>
+      <p:pic>
+        <p:nvPicPr>
+          <p:cNvPr id="10" name="Picture 9"/>
+          <p:cNvPicPr>
+            <a:picLocks noChangeAspect="1"/>
+          </p:cNvPicPr>
+          <p:nvPr/>
+        </p:nvPicPr>
+        <p:blipFill rotWithShape="1">
+          <a:blip r:embed="rId4"/>
+          <a:srcRect r="59888" b="19984"/>
+          <a:stretch/>
+        </p:blipFill>
+        <p:spPr>
+          <a:xfrm>
+            <a:off x="995062" y="4344347"/>
+            <a:ext cx="4193127" cy="1032873"/>
+          </a:xfrm>
+          <a:prstGeom prst="rect">
+            <a:avLst/>
+          </a:prstGeom>
+        </p:spPr>
+      </p:pic>
+      <mc:AlternateContent xmlns:mc="http://schemas.openxmlformats.org/markup-compatibility/2006">
+        <mc:Choice xmlns:a14="http://schemas.microsoft.com/office/drawing/2010/main" Requires="a14">
+          <p:sp>
+            <p:nvSpPr>
+              <p:cNvPr id="11" name="Rectangle 10"/>
+              <p:cNvSpPr/>
+              <p:nvPr/>
+            </p:nvSpPr>
+            <p:spPr>
+              <a:xfrm>
+                <a:off x="973078" y="3152623"/>
+                <a:ext cx="9970324" cy="3416320"/>
+              </a:xfrm>
+              <a:prstGeom prst="rect">
+                <a:avLst/>
+              </a:prstGeom>
+            </p:spPr>
+            <p:txBody>
+              <a:bodyPr wrap="square">
+                <a:spAutoFit/>
+              </a:bodyPr>
+              <a:lstStyle/>
+              <a:p>
+                <a:r>
+                  <a:rPr lang="en-US" sz="2400" dirty="0">
+                    <a:solidFill>
+                      <a:srgbClr val="FF0000"/>
+                    </a:solidFill>
+                  </a:rPr>
+                  <a:t>Solution: </a:t>
+                </a:r>
+                <a:r>
+                  <a:rPr lang="en-US" sz="2400" dirty="0"/>
+                  <a:t/>
+                </a:r>
+                <a:br>
+                  <a:rPr lang="en-US" sz="2400" dirty="0"/>
+                </a:br>
+                <a:r>
+                  <a:rPr lang="en-US" sz="2400" dirty="0"/>
+                  <a:t>1. </a:t>
+                </a:r>
+                <a:r>
+                  <a:rPr lang="en-US" sz="2400" dirty="0"/>
+                  <a:t>Find patterns that uniquely indicate a disease</a:t>
+                </a:r>
+                <a:r>
+                  <a:rPr lang="en-US" sz="2400" dirty="0" smtClean="0"/>
+                  <a:t>.</a:t>
+                </a:r>
+                <a:endParaRPr lang="en-US" sz="2400" dirty="0"/>
+              </a:p>
+              <a:p>
+                <a:r>
+                  <a:rPr lang="en-US" sz="2400" dirty="0"/>
+                  <a:t>2. Use grep to match pattern in the list of disease names.</a:t>
+                </a:r>
+              </a:p>
+              <a:p>
+                <a:endParaRPr lang="en-US" sz="2400" dirty="0" smtClean="0"/>
+              </a:p>
+              <a:p>
+                <a:endParaRPr lang="en-US" sz="2400" dirty="0" smtClean="0"/>
+              </a:p>
+              <a:p>
+                <a:endParaRPr lang="en-US" sz="2400" dirty="0"/>
+              </a:p>
+              <a:p>
+                <a:r>
+                  <a:rPr lang="en-US" sz="2400" dirty="0"/>
+                  <a:t>3. Pull out allele frequencies from all variants that match.</a:t>
+                </a:r>
+                <a:br>
+                  <a:rPr lang="en-US" sz="2400" dirty="0"/>
+                </a:br>
+                <a:r>
+                  <a:rPr lang="en-US" sz="2400" dirty="0"/>
+                  <a:t>Combine them as P(variant) </a:t>
+                </a:r>
+                <a14:m>
+                  <m:oMath xmlns:m="http://schemas.openxmlformats.org/officeDocument/2006/math">
+                    <m:r>
+                      <a:rPr lang="en-US" sz="2400" i="1">
+                        <a:latin typeface="Cambria Math" charset="0"/>
+                      </a:rPr>
+                      <m:t>=1−</m:t>
+                    </m:r>
+                    <m:nary>
+                      <m:naryPr>
+                        <m:chr m:val="∏"/>
+                        <m:subHide m:val="on"/>
+                        <m:supHide m:val="on"/>
+                        <m:ctrlPr>
+                          <a:rPr lang="en-US" sz="2400" i="1">
+                            <a:latin typeface="Cambria Math" charset="0"/>
+                          </a:rPr>
+                        </m:ctrlPr>
+                      </m:naryPr>
+                      <m:sub/>
+                      <m:sup/>
+                      <m:e>
+                        <m:r>
+                          <a:rPr lang="en-US" sz="2400" i="1">
+                            <a:latin typeface="Cambria Math" charset="0"/>
+                          </a:rPr>
+                          <m:t>(1−</m:t>
+                        </m:r>
+                        <m:r>
+                          <a:rPr lang="en-US" sz="2400" i="1">
+                            <a:latin typeface="Cambria Math" charset="0"/>
+                          </a:rPr>
+                          <m:t>𝑎𝑙𝑙𝑒𝑙𝑒</m:t>
+                        </m:r>
+                        <m:r>
+                          <a:rPr lang="en-US" sz="2400" i="1">
+                            <a:latin typeface="Cambria Math" charset="0"/>
+                          </a:rPr>
+                          <m:t>.</m:t>
+                        </m:r>
+                        <m:r>
+                          <a:rPr lang="en-US" sz="2400" i="1">
+                            <a:latin typeface="Cambria Math" charset="0"/>
+                          </a:rPr>
+                          <m:t>𝑓𝑟𝑒𝑞𝑢𝑒𝑛𝑐𝑦</m:t>
+                        </m:r>
+                        <m:r>
+                          <a:rPr lang="en-US" sz="2400" i="1">
+                            <a:latin typeface="Cambria Math" charset="0"/>
+                          </a:rPr>
+                          <m:t>)</m:t>
+                        </m:r>
+                      </m:e>
+                    </m:nary>
+                  </m:oMath>
+                </a14:m>
+                <a:endParaRPr lang="en-US" sz="2400" dirty="0"/>
+              </a:p>
+              <a:p>
+                <a:pPr marL="342900" indent="-342900">
+                  <a:buAutoNum type="arabicPeriod"/>
+                </a:pPr>
+                <a:endParaRPr lang="en-US" sz="2400" dirty="0"/>
+              </a:p>
+            </p:txBody>
+          </p:sp>
+        </mc:Choice>
+        <mc:Fallback>
+          <p:sp>
+            <p:nvSpPr>
+              <p:cNvPr id="11" name="Rectangle 10"/>
+              <p:cNvSpPr>
+                <a:spLocks noRot="1" noChangeAspect="1" noMove="1" noResize="1" noEditPoints="1" noAdjustHandles="1" noChangeArrowheads="1" noChangeShapeType="1" noTextEdit="1"/>
+              </p:cNvSpPr>
+              <p:nvPr/>
+            </p:nvSpPr>
+            <p:spPr>
+              <a:xfrm>
+                <a:off x="973078" y="3152623"/>
+                <a:ext cx="9970324" cy="3416320"/>
+              </a:xfrm>
+              <a:prstGeom prst="rect">
+                <a:avLst/>
+              </a:prstGeom>
+              <a:blipFill rotWithShape="0">
+                <a:blip r:embed="rId5"/>
+                <a:stretch>
+                  <a:fillRect l="-979" t="-1604" b="-14617"/>
+                </a:stretch>
+              </a:blipFill>
+            </p:spPr>
+            <p:txBody>
+              <a:bodyPr/>
+              <a:lstStyle/>
+              <a:p>
+                <a:r>
+                  <a:rPr lang="en-US">
+                    <a:noFill/>
+                  </a:rPr>
+                  <a:t> </a:t>
+                </a:r>
+              </a:p>
+            </p:txBody>
+          </p:sp>
+        </mc:Fallback>
+      </mc:AlternateContent>
+      <p:pic>
+        <p:nvPicPr>
+          <p:cNvPr id="12" name="Picture 11"/>
+          <p:cNvPicPr>
+            <a:picLocks noChangeAspect="1"/>
+          </p:cNvPicPr>
+          <p:nvPr/>
+        </p:nvPicPr>
+        <p:blipFill rotWithShape="1">
+          <a:blip r:embed="rId4"/>
+          <a:srcRect l="65630" b="19984"/>
+          <a:stretch/>
+        </p:blipFill>
+        <p:spPr>
+          <a:xfrm>
+            <a:off x="5188189" y="4344347"/>
+            <a:ext cx="3592916" cy="1032873"/>
+          </a:xfrm>
+          <a:prstGeom prst="rect">
+            <a:avLst/>
+          </a:prstGeom>
+        </p:spPr>
+      </p:pic>
+    </p:spTree>
+    <p:extLst>
+      <p:ext uri="{BB962C8B-B14F-4D97-AF65-F5344CB8AC3E}">
+        <p14:creationId xmlns:p14="http://schemas.microsoft.com/office/powerpoint/2010/main" val="810035143"/>
+      </p:ext>
+    </p:extLst>
+  </p:cSld>
+  <p:clrMapOvr>
+    <a:masterClrMapping/>
+  </p:clrMapOvr>
+</p:sld>
+</file>
+
+<file path=ppt/slides/slide15.xml><?xml version="1.0" encoding="utf-8"?>
+<p:sld xmlns:a="http://schemas.openxmlformats.org/drawingml/2006/main" xmlns:r="http://schemas.openxmlformats.org/officeDocument/2006/relationships" xmlns:p="http://schemas.openxmlformats.org/presentationml/2006/main">
+  <p:cSld>
+    <p:spTree>
+      <p:nvGrpSpPr>
+        <p:cNvPr id="1" name=""/>
+        <p:cNvGrpSpPr/>
+        <p:nvPr/>
+      </p:nvGrpSpPr>
+      <p:grpSpPr>
+        <a:xfrm>
+          <a:off x="0" y="0"/>
+          <a:ext cx="0" cy="0"/>
+          <a:chOff x="0" y="0"/>
+          <a:chExt cx="0" cy="0"/>
+        </a:xfrm>
+      </p:grpSpPr>
+      <p:sp>
+        <p:nvSpPr>
+          <p:cNvPr id="2" name="Title 1"/>
+          <p:cNvSpPr>
+            <a:spLocks noGrp="1"/>
+          </p:cNvSpPr>
+          <p:nvPr>
+            <p:ph type="title"/>
+          </p:nvPr>
+        </p:nvSpPr>
+        <p:spPr>
+          <a:xfrm>
+            <a:off x="762664" y="412834"/>
+            <a:ext cx="4721432" cy="2264431"/>
+          </a:xfrm>
+        </p:spPr>
+        <p:txBody>
+          <a:bodyPr>
+            <a:normAutofit/>
+          </a:bodyPr>
+          <a:lstStyle/>
+          <a:p>
+            <a:r>
+              <a:rPr lang="en-US" dirty="0" smtClean="0"/>
+              <a:t>Results</a:t>
+            </a:r>
+            <a:endParaRPr lang="en-US" dirty="0"/>
+          </a:p>
+        </p:txBody>
+      </p:sp>
+      <p:pic>
+        <p:nvPicPr>
+          <p:cNvPr id="7" name="Picture 6"/>
+          <p:cNvPicPr>
+            <a:picLocks noChangeAspect="1"/>
+          </p:cNvPicPr>
+          <p:nvPr/>
+        </p:nvPicPr>
+        <p:blipFill>
+          <a:blip r:embed="rId2"/>
+          <a:stretch>
+            <a:fillRect/>
+          </a:stretch>
+        </p:blipFill>
+        <p:spPr>
+          <a:xfrm>
+            <a:off x="6136436" y="870565"/>
+            <a:ext cx="5376898" cy="5407405"/>
+          </a:xfrm>
+          <a:prstGeom prst="rect">
+            <a:avLst/>
+          </a:prstGeom>
+        </p:spPr>
+      </p:pic>
+    </p:spTree>
+    <p:extLst>
+      <p:ext uri="{BB962C8B-B14F-4D97-AF65-F5344CB8AC3E}">
+        <p14:creationId xmlns:p14="http://schemas.microsoft.com/office/powerpoint/2010/main" val="1757190020"/>
+      </p:ext>
+    </p:extLst>
+  </p:cSld>
+  <p:clrMapOvr>
+    <a:masterClrMapping/>
+  </p:clrMapOvr>
+</p:sld>
+</file>
+
+<file path=ppt/slides/slide16.xml><?xml version="1.0" encoding="utf-8"?>
+<p:sld xmlns:a="http://schemas.openxmlformats.org/drawingml/2006/main" xmlns:r="http://schemas.openxmlformats.org/officeDocument/2006/relationships" xmlns:p="http://schemas.openxmlformats.org/presentationml/2006/main">
+  <p:cSld>
+    <p:spTree>
+      <p:nvGrpSpPr>
+        <p:cNvPr id="1" name=""/>
+        <p:cNvGrpSpPr/>
+        <p:nvPr/>
+      </p:nvGrpSpPr>
+      <p:grpSpPr>
+        <a:xfrm>
+          <a:off x="0" y="0"/>
+          <a:ext cx="0" cy="0"/>
+          <a:chOff x="0" y="0"/>
+          <a:chExt cx="0" cy="0"/>
+        </a:xfrm>
+      </p:grpSpPr>
+      <p:sp>
+        <p:nvSpPr>
+          <p:cNvPr id="2" name="Title 1"/>
+          <p:cNvSpPr>
+            <a:spLocks noGrp="1"/>
+          </p:cNvSpPr>
+          <p:nvPr>
+            <p:ph type="title"/>
+          </p:nvPr>
+        </p:nvSpPr>
+        <p:spPr/>
+        <p:txBody>
+          <a:bodyPr/>
+          <a:lstStyle/>
+          <a:p>
+            <a:r>
+              <a:rPr lang="en-US" dirty="0" smtClean="0"/>
+              <a:t>Allelic heterogeneity</a:t>
+            </a:r>
+            <a:endParaRPr lang="en-US" dirty="0"/>
+          </a:p>
+        </p:txBody>
+      </p:sp>
+      <p:sp>
+        <p:nvSpPr>
+          <p:cNvPr id="8" name="Content Placeholder 7"/>
+          <p:cNvSpPr>
+            <a:spLocks noGrp="1"/>
+          </p:cNvSpPr>
+          <p:nvPr>
+            <p:ph idx="1"/>
+          </p:nvPr>
+        </p:nvSpPr>
+        <p:spPr>
+          <a:xfrm>
+            <a:off x="685800" y="2194560"/>
+            <a:ext cx="4049973" cy="4024125"/>
+          </a:xfrm>
+        </p:spPr>
+        <p:txBody>
+          <a:bodyPr/>
+          <a:lstStyle/>
+          <a:p>
+            <a:r>
+              <a:rPr lang="en-US" dirty="0" smtClean="0"/>
+              <a:t>BRCA1/BRCA2:  </a:t>
+            </a:r>
+            <a:br>
+              <a:rPr lang="en-US" dirty="0" smtClean="0"/>
+            </a:br>
+            <a:r>
+              <a:rPr lang="en-US" dirty="0" smtClean="0"/>
+              <a:t>P(variant | disease) = ~2%</a:t>
+            </a:r>
+          </a:p>
+          <a:p>
+            <a:r>
+              <a:rPr lang="en-US" dirty="0" smtClean="0"/>
+              <a:t>I’m assuming most of them are on the same order of magnitude.</a:t>
+            </a:r>
+          </a:p>
+          <a:p>
+            <a:endParaRPr lang="en-US" dirty="0"/>
+          </a:p>
+        </p:txBody>
+      </p:sp>
+      <p:pic>
+        <p:nvPicPr>
+          <p:cNvPr id="11" name="Picture 10"/>
+          <p:cNvPicPr>
+            <a:picLocks noChangeAspect="1"/>
+          </p:cNvPicPr>
+          <p:nvPr/>
+        </p:nvPicPr>
+        <p:blipFill>
+          <a:blip r:embed="rId2"/>
+          <a:stretch>
+            <a:fillRect/>
+          </a:stretch>
+        </p:blipFill>
+        <p:spPr>
+          <a:xfrm>
+            <a:off x="5214088" y="2057401"/>
+            <a:ext cx="6292112" cy="3483428"/>
+          </a:xfrm>
+          <a:prstGeom prst="rect">
+            <a:avLst/>
+          </a:prstGeom>
+        </p:spPr>
+      </p:pic>
+    </p:spTree>
+    <p:extLst>
+      <p:ext uri="{BB962C8B-B14F-4D97-AF65-F5344CB8AC3E}">
+        <p14:creationId xmlns:p14="http://schemas.microsoft.com/office/powerpoint/2010/main" val="659391565"/>
+      </p:ext>
+    </p:extLst>
+  </p:cSld>
+  <p:clrMapOvr>
+    <a:masterClrMapping/>
+  </p:clrMapOvr>
+</p:sld>
+</file>
+
+<file path=ppt/slides/slide17.xml><?xml version="1.0" encoding="utf-8"?>
+<p:sld xmlns:a="http://schemas.openxmlformats.org/drawingml/2006/main" xmlns:r="http://schemas.openxmlformats.org/officeDocument/2006/relationships" xmlns:p="http://schemas.openxmlformats.org/presentationml/2006/main">
+  <p:cSld>
+    <p:spTree>
+      <p:nvGrpSpPr>
+        <p:cNvPr id="1" name=""/>
+        <p:cNvGrpSpPr/>
+        <p:nvPr/>
+      </p:nvGrpSpPr>
+      <p:grpSpPr>
+        <a:xfrm>
+          <a:off x="0" y="0"/>
+          <a:ext cx="0" cy="0"/>
+          <a:chOff x="0" y="0"/>
+          <a:chExt cx="0" cy="0"/>
+        </a:xfrm>
+      </p:grpSpPr>
+      <p:sp>
+        <p:nvSpPr>
+          <p:cNvPr id="2" name="Title 1"/>
+          <p:cNvSpPr>
+            <a:spLocks noGrp="1"/>
+          </p:cNvSpPr>
+          <p:nvPr>
+            <p:ph type="title"/>
+          </p:nvPr>
+        </p:nvSpPr>
+        <p:spPr/>
+        <p:txBody>
+          <a:bodyPr>
+            <a:normAutofit fontScale="90000"/>
+          </a:bodyPr>
+          <a:lstStyle/>
+          <a:p>
+            <a:r>
+              <a:rPr lang="en-US" dirty="0" smtClean="0"/>
+              <a:t>Assuming Allelic heterogeneity of ~2% for all genes:</a:t>
+            </a:r>
+            <a:endParaRPr lang="en-US" dirty="0"/>
+          </a:p>
+        </p:txBody>
+      </p:sp>
+      <p:pic>
+        <p:nvPicPr>
+          <p:cNvPr id="7" name="Content Placeholder 6"/>
+          <p:cNvPicPr>
+            <a:picLocks noGrp="1" noChangeAspect="1"/>
+          </p:cNvPicPr>
+          <p:nvPr>
+            <p:ph idx="1"/>
+          </p:nvPr>
+        </p:nvPicPr>
+        <p:blipFill>
+          <a:blip r:embed="rId2"/>
+          <a:stretch>
+            <a:fillRect/>
+          </a:stretch>
+        </p:blipFill>
+        <p:spPr>
+          <a:xfrm>
+            <a:off x="6127447" y="2569029"/>
+            <a:ext cx="5507175" cy="3512685"/>
+          </a:xfrm>
+          <a:prstGeom prst="rect">
+            <a:avLst/>
+          </a:prstGeom>
+        </p:spPr>
+      </p:pic>
+      <p:pic>
+        <p:nvPicPr>
+          <p:cNvPr id="6" name="Picture 5"/>
+          <p:cNvPicPr>
+            <a:picLocks noChangeAspect="1"/>
+          </p:cNvPicPr>
+          <p:nvPr/>
+        </p:nvPicPr>
+        <p:blipFill>
+          <a:blip r:embed="rId3"/>
+          <a:stretch>
+            <a:fillRect/>
+          </a:stretch>
+        </p:blipFill>
+        <p:spPr>
+          <a:xfrm>
+            <a:off x="503361" y="2569029"/>
+            <a:ext cx="5276953" cy="3516038"/>
+          </a:xfrm>
+          <a:prstGeom prst="rect">
+            <a:avLst/>
+          </a:prstGeom>
+        </p:spPr>
+      </p:pic>
+    </p:spTree>
+    <p:extLst>
+      <p:ext uri="{BB962C8B-B14F-4D97-AF65-F5344CB8AC3E}">
+        <p14:creationId xmlns:p14="http://schemas.microsoft.com/office/powerpoint/2010/main" val="489911864"/>
+      </p:ext>
+    </p:extLst>
+  </p:cSld>
+  <p:clrMapOvr>
+    <a:masterClrMapping/>
+  </p:clrMapOvr>
+</p:sld>
+</file>
+
+<file path=ppt/slides/slide18.xml><?xml version="1.0" encoding="utf-8"?>
+<p:sld xmlns:a="http://schemas.openxmlformats.org/drawingml/2006/main" xmlns:r="http://schemas.openxmlformats.org/officeDocument/2006/relationships" xmlns:p="http://schemas.openxmlformats.org/presentationml/2006/main">
+  <p:cSld>
+    <p:spTree>
+      <p:nvGrpSpPr>
+        <p:cNvPr id="1" name=""/>
+        <p:cNvGrpSpPr/>
+        <p:nvPr/>
+      </p:nvGrpSpPr>
+      <p:grpSpPr>
+        <a:xfrm>
+          <a:off x="0" y="0"/>
+          <a:ext cx="0" cy="0"/>
+          <a:chOff x="0" y="0"/>
+          <a:chExt cx="0" cy="0"/>
+        </a:xfrm>
+      </p:grpSpPr>
+      <p:sp>
+        <p:nvSpPr>
+          <p:cNvPr id="2" name="Title 1"/>
+          <p:cNvSpPr>
+            <a:spLocks noGrp="1"/>
+          </p:cNvSpPr>
+          <p:nvPr>
+            <p:ph type="title"/>
+          </p:nvPr>
+        </p:nvSpPr>
+        <p:spPr/>
+        <p:txBody>
+          <a:bodyPr/>
+          <a:lstStyle/>
+          <a:p>
+            <a:endParaRPr lang="en-US"/>
+          </a:p>
+        </p:txBody>
+      </p:sp>
+      <p:sp>
+        <p:nvSpPr>
+          <p:cNvPr id="3" name="Content Placeholder 2"/>
+          <p:cNvSpPr>
+            <a:spLocks noGrp="1"/>
+          </p:cNvSpPr>
+          <p:nvPr>
+            <p:ph idx="1"/>
+          </p:nvPr>
+        </p:nvSpPr>
+        <p:spPr/>
+        <p:txBody>
+          <a:bodyPr/>
+          <a:lstStyle/>
+          <a:p>
+            <a:endParaRPr lang="en-US"/>
+          </a:p>
+        </p:txBody>
+      </p:sp>
+    </p:spTree>
+    <p:extLst>
+      <p:ext uri="{BB962C8B-B14F-4D97-AF65-F5344CB8AC3E}">
+        <p14:creationId xmlns:p14="http://schemas.microsoft.com/office/powerpoint/2010/main" val="1904047254"/>
+      </p:ext>
+    </p:extLst>
+  </p:cSld>
+  <p:clrMapOvr>
+    <a:masterClrMapping/>
+  </p:clrMapOvr>
+</p:sld>
+</file>
+
+<file path=ppt/slides/slide2.xml><?xml version="1.0" encoding="utf-8"?>
+<p:sld xmlns:a="http://schemas.openxmlformats.org/drawingml/2006/main" xmlns:r="http://schemas.openxmlformats.org/officeDocument/2006/relationships" xmlns:p="http://schemas.openxmlformats.org/presentationml/2006/main">
+  <p:cSld>
+    <p:spTree>
+      <p:nvGrpSpPr>
+        <p:cNvPr id="1" name=""/>
+        <p:cNvGrpSpPr/>
+        <p:nvPr/>
+      </p:nvGrpSpPr>
+      <p:grpSpPr>
+        <a:xfrm>
+          <a:off x="0" y="0"/>
+          <a:ext cx="0" cy="0"/>
+          <a:chOff x="0" y="0"/>
+          <a:chExt cx="0" cy="0"/>
+        </a:xfrm>
+      </p:grpSpPr>
+      <p:sp>
+        <p:nvSpPr>
+          <p:cNvPr id="2" name="Title 1"/>
+          <p:cNvSpPr>
+            <a:spLocks noGrp="1"/>
+          </p:cNvSpPr>
+          <p:nvPr>
+            <p:ph type="title"/>
+          </p:nvPr>
+        </p:nvSpPr>
+        <p:spPr>
+          <a:xfrm>
+            <a:off x="2431136" y="0"/>
+            <a:ext cx="8725930" cy="2757129"/>
+          </a:xfrm>
+        </p:spPr>
+        <p:txBody>
+          <a:bodyPr>
+            <a:normAutofit/>
+          </a:bodyPr>
+          <a:lstStyle/>
+          <a:p>
+            <a:r>
+              <a:rPr lang="en-US" dirty="0" smtClean="0"/>
+              <a:t>1000 genomes </a:t>
+            </a:r>
+            <a:br>
+              <a:rPr lang="en-US" dirty="0" smtClean="0"/>
+            </a:br>
+            <a:r>
+              <a:rPr lang="en-US" dirty="0" smtClean="0"/>
+              <a:t>populations </a:t>
+            </a:r>
+            <a:r>
+              <a:rPr lang="en-US" smtClean="0"/>
+              <a:t>analysis </a:t>
+            </a:r>
+            <a:br>
+              <a:rPr lang="en-US" smtClean="0"/>
+            </a:br>
+            <a:r>
+              <a:rPr lang="en-US" smtClean="0"/>
+              <a:t>shiny </a:t>
+            </a:r>
+            <a:r>
+              <a:rPr lang="en-US" dirty="0" smtClean="0"/>
+              <a:t>app</a:t>
+            </a:r>
+            <a:endParaRPr lang="en-US" dirty="0"/>
+          </a:p>
+        </p:txBody>
+      </p:sp>
+      <p:sp>
+        <p:nvSpPr>
+          <p:cNvPr id="3" name="Content Placeholder 2"/>
+          <p:cNvSpPr>
+            <a:spLocks noGrp="1"/>
+          </p:cNvSpPr>
+          <p:nvPr>
+            <p:ph idx="1"/>
+          </p:nvPr>
+        </p:nvSpPr>
+        <p:spPr>
+          <a:xfrm>
+            <a:off x="685800" y="1864950"/>
+            <a:ext cx="10820400" cy="4599645"/>
+          </a:xfrm>
+        </p:spPr>
+        <p:txBody>
+          <a:bodyPr>
+            <a:normAutofit/>
+          </a:bodyPr>
+          <a:lstStyle/>
+          <a:p>
+            <a:r>
+              <a:rPr lang="en-US" sz="2400" dirty="0" smtClean="0">
+                <a:solidFill>
+                  <a:srgbClr val="FF0000"/>
+                </a:solidFill>
+              </a:rPr>
+              <a:t>User inputs list of genes</a:t>
+            </a:r>
+            <a:r>
+              <a:rPr lang="en-US" sz="2400" dirty="0" smtClean="0">
+                <a:solidFill>
+                  <a:srgbClr val="FF0000"/>
+                </a:solidFill>
+              </a:rPr>
+              <a:t>:</a:t>
+            </a:r>
+            <a:endParaRPr lang="en-US" sz="2400" dirty="0" smtClean="0">
+              <a:solidFill>
+                <a:srgbClr val="FF0000"/>
+              </a:solidFill>
+            </a:endParaRPr>
+          </a:p>
+          <a:p>
+            <a:pPr lvl="1"/>
+            <a:r>
+              <a:rPr lang="en-US" dirty="0" smtClean="0"/>
+              <a:t>Option 1: manual entry</a:t>
+            </a:r>
+          </a:p>
+          <a:p>
+            <a:pPr lvl="1"/>
+            <a:r>
+              <a:rPr lang="en-US" dirty="0" smtClean="0"/>
+              <a:t>Option 2: upload </a:t>
+            </a:r>
+            <a:r>
+              <a:rPr lang="en-US" dirty="0" err="1" smtClean="0"/>
+              <a:t>RData</a:t>
+            </a:r>
+            <a:r>
+              <a:rPr lang="en-US" dirty="0" smtClean="0"/>
+              <a:t> file from previous run</a:t>
+            </a:r>
+          </a:p>
+          <a:p>
+            <a:pPr lvl="1"/>
+            <a:r>
+              <a:rPr lang="en-US" dirty="0" smtClean="0"/>
+              <a:t>Option 3: scrape genes listed in the ACMG recommendations </a:t>
+            </a:r>
+            <a:br>
+              <a:rPr lang="en-US" dirty="0" smtClean="0"/>
+            </a:br>
+            <a:r>
+              <a:rPr lang="en-US" dirty="0" smtClean="0"/>
+              <a:t>                 for incidental findings (56 unique) from ClinVar website </a:t>
+            </a:r>
+          </a:p>
+          <a:p>
+            <a:pPr lvl="1"/>
+            <a:r>
+              <a:rPr lang="en-US" dirty="0" smtClean="0"/>
+              <a:t>Option 4: scrape HCM panel test genes (20) from LMM website. </a:t>
+            </a:r>
+          </a:p>
+          <a:p>
+            <a:r>
+              <a:rPr lang="en-US" sz="2400" dirty="0" smtClean="0">
+                <a:solidFill>
+                  <a:srgbClr val="FF0000"/>
+                </a:solidFill>
+              </a:rPr>
+              <a:t>App downloads </a:t>
+            </a:r>
+            <a:r>
+              <a:rPr lang="en-US" sz="2400" dirty="0">
+                <a:solidFill>
+                  <a:srgbClr val="FF0000"/>
+                </a:solidFill>
+              </a:rPr>
+              <a:t>VCF files from 1000 genomes and generates plots: </a:t>
+            </a:r>
+          </a:p>
+          <a:p>
+            <a:pPr lvl="1"/>
+            <a:r>
+              <a:rPr lang="en-US" dirty="0" smtClean="0"/>
+              <a:t>Number of variants by population and by gene length.</a:t>
+            </a:r>
+          </a:p>
+          <a:p>
+            <a:pPr lvl="1"/>
+            <a:r>
+              <a:rPr lang="en-US" dirty="0" smtClean="0"/>
+              <a:t>Fraction of population with some variant.</a:t>
+            </a:r>
+          </a:p>
+          <a:p>
+            <a:r>
+              <a:rPr lang="en-US" sz="2400" dirty="0" smtClean="0">
+                <a:solidFill>
+                  <a:srgbClr val="FF0000"/>
+                </a:solidFill>
+              </a:rPr>
+              <a:t>Options for downloading plots and </a:t>
+            </a:r>
+            <a:r>
+              <a:rPr lang="en-US" sz="2400" dirty="0" err="1" smtClean="0">
+                <a:solidFill>
+                  <a:srgbClr val="FF0000"/>
+                </a:solidFill>
+              </a:rPr>
+              <a:t>Rdata</a:t>
+            </a:r>
+            <a:endParaRPr lang="en-US" sz="2400" dirty="0" smtClean="0">
+              <a:solidFill>
+                <a:srgbClr val="FF0000"/>
+              </a:solidFill>
+            </a:endParaRPr>
+          </a:p>
+          <a:p>
+            <a:r>
+              <a:rPr lang="en-US" sz="2400" dirty="0" smtClean="0">
+                <a:solidFill>
+                  <a:srgbClr val="FF0000"/>
+                </a:solidFill>
+              </a:rPr>
+              <a:t>Notifies user of failed downloads and omits failed genes from analysis</a:t>
+            </a:r>
+          </a:p>
+          <a:p>
+            <a:endParaRPr lang="en-US" sz="2400" dirty="0" smtClean="0">
+              <a:solidFill>
+                <a:srgbClr val="FF0000"/>
+              </a:solidFill>
+            </a:endParaRPr>
+          </a:p>
+          <a:p>
+            <a:endParaRPr lang="en-US" sz="2400" dirty="0">
+              <a:solidFill>
+                <a:srgbClr val="FF0000"/>
+              </a:solidFill>
+            </a:endParaRPr>
+          </a:p>
+          <a:p>
+            <a:endParaRPr lang="en-US" sz="2400" dirty="0">
+              <a:solidFill>
+                <a:srgbClr val="FF0000"/>
+              </a:solidFill>
+            </a:endParaRPr>
+          </a:p>
+          <a:p>
+            <a:endParaRPr lang="en-US" dirty="0"/>
+          </a:p>
+        </p:txBody>
+      </p:sp>
+    </p:spTree>
+    <p:extLst>
+      <p:ext uri="{BB962C8B-B14F-4D97-AF65-F5344CB8AC3E}">
+        <p14:creationId xmlns:p14="http://schemas.microsoft.com/office/powerpoint/2010/main" val="1286193782"/>
+      </p:ext>
+    </p:extLst>
+  </p:cSld>
+  <p:clrMapOvr>
+    <a:masterClrMapping/>
+  </p:clrMapOvr>
+</p:sld>
+</file>
+
+<file path=ppt/slides/slide3.xml><?xml version="1.0" encoding="utf-8"?>
+<p:sld xmlns:a="http://schemas.openxmlformats.org/drawingml/2006/main" xmlns:r="http://schemas.openxmlformats.org/officeDocument/2006/relationships" xmlns:p="http://schemas.openxmlformats.org/presentationml/2006/main">
+  <p:cSld>
+    <p:spTree>
+      <p:nvGrpSpPr>
+        <p:cNvPr id="1" name=""/>
+        <p:cNvGrpSpPr/>
+        <p:nvPr/>
+      </p:nvGrpSpPr>
+      <p:grpSpPr>
+        <a:xfrm>
+          <a:off x="0" y="0"/>
+          <a:ext cx="0" cy="0"/>
+          <a:chOff x="0" y="0"/>
+          <a:chExt cx="0" cy="0"/>
+        </a:xfrm>
+      </p:grpSpPr>
+      <p:sp>
+        <p:nvSpPr>
+          <p:cNvPr id="2" name="Title 1"/>
+          <p:cNvSpPr>
+            <a:spLocks noGrp="1"/>
+          </p:cNvSpPr>
+          <p:nvPr>
+            <p:ph type="title"/>
+          </p:nvPr>
+        </p:nvSpPr>
+        <p:spPr>
+          <a:xfrm>
+            <a:off x="2962101" y="708003"/>
+            <a:ext cx="8610600" cy="980466"/>
+          </a:xfrm>
+        </p:spPr>
+        <p:txBody>
+          <a:bodyPr/>
+          <a:lstStyle/>
+          <a:p>
+            <a:r>
+              <a:rPr lang="en-US" dirty="0" smtClean="0"/>
+              <a:t>ACMG App Runtime</a:t>
+            </a:r>
+            <a:endParaRPr lang="en-US" dirty="0"/>
+          </a:p>
+        </p:txBody>
+      </p:sp>
+      <p:pic>
+        <p:nvPicPr>
+          <p:cNvPr id="5" name="Content Placeholder 4"/>
+          <p:cNvPicPr>
+            <a:picLocks noGrp="1" noChangeAspect="1"/>
+          </p:cNvPicPr>
+          <p:nvPr>
+            <p:ph idx="1"/>
+          </p:nvPr>
+        </p:nvPicPr>
+        <p:blipFill>
+          <a:blip r:embed="rId3">
+            <a:extLst>
+              <a:ext uri="{28A0092B-C50C-407E-A947-70E740481C1C}">
+                <a14:useLocalDpi xmlns:a14="http://schemas.microsoft.com/office/drawing/2010/main" val="0"/>
+              </a:ext>
+            </a:extLst>
+          </a:blip>
+          <a:stretch>
+            <a:fillRect/>
+          </a:stretch>
+        </p:blipFill>
+        <p:spPr>
+          <a:xfrm>
+            <a:off x="6759119" y="1844750"/>
+            <a:ext cx="4813582" cy="4230688"/>
+          </a:xfrm>
+        </p:spPr>
+      </p:pic>
+      <p:pic>
+        <p:nvPicPr>
+          <p:cNvPr id="7" name="Picture 6"/>
+          <p:cNvPicPr>
+            <a:picLocks noChangeAspect="1"/>
+          </p:cNvPicPr>
+          <p:nvPr/>
+        </p:nvPicPr>
+        <p:blipFill rotWithShape="1">
+          <a:blip r:embed="rId4"/>
+          <a:srcRect t="48726"/>
+          <a:stretch/>
+        </p:blipFill>
+        <p:spPr>
+          <a:xfrm>
+            <a:off x="418881" y="1844750"/>
+            <a:ext cx="5864117" cy="508706"/>
+          </a:xfrm>
+          <a:prstGeom prst="rect">
+            <a:avLst/>
+          </a:prstGeom>
+        </p:spPr>
+      </p:pic>
+      <p:sp>
+        <p:nvSpPr>
+          <p:cNvPr id="8" name="Rectangle 7"/>
+          <p:cNvSpPr/>
+          <p:nvPr/>
+        </p:nvSpPr>
+        <p:spPr>
+          <a:xfrm>
+            <a:off x="373912" y="2666018"/>
+            <a:ext cx="6096000" cy="1754326"/>
+          </a:xfrm>
+          <a:prstGeom prst="rect">
+            <a:avLst/>
+          </a:prstGeom>
+        </p:spPr>
+        <p:txBody>
+          <a:bodyPr>
+            <a:spAutoFit/>
+          </a:bodyPr>
+          <a:lstStyle/>
+          <a:p>
+            <a:r>
+              <a:rPr lang="en-US" sz="2800" dirty="0">
+                <a:solidFill>
+                  <a:srgbClr val="FF0000"/>
+                </a:solidFill>
+              </a:rPr>
+              <a:t>Runtime: 15-22 seconds per </a:t>
+            </a:r>
+            <a:r>
+              <a:rPr lang="en-US" sz="2800" dirty="0" smtClean="0">
+                <a:solidFill>
+                  <a:srgbClr val="FF0000"/>
+                </a:solidFill>
+              </a:rPr>
+              <a:t>gene </a:t>
+            </a:r>
+            <a:endParaRPr lang="en-US" sz="2800" dirty="0">
+              <a:solidFill>
+                <a:srgbClr val="FF0000"/>
+              </a:solidFill>
+            </a:endParaRPr>
+          </a:p>
+          <a:p>
+            <a:pPr lvl="1"/>
+            <a:r>
+              <a:rPr lang="en-US" sz="2000" dirty="0" smtClean="0"/>
+              <a:t>1. Depends </a:t>
+            </a:r>
+            <a:r>
+              <a:rPr lang="en-US" sz="2000" dirty="0"/>
+              <a:t>on gene </a:t>
+            </a:r>
+            <a:r>
+              <a:rPr lang="en-US" sz="2000" dirty="0" smtClean="0"/>
+              <a:t>length.</a:t>
+            </a:r>
+            <a:endParaRPr lang="en-US" sz="2000" dirty="0"/>
+          </a:p>
+          <a:p>
+            <a:pPr lvl="1"/>
+            <a:r>
+              <a:rPr lang="en-US" sz="2000" dirty="0" smtClean="0"/>
+              <a:t>2. 100 </a:t>
+            </a:r>
+            <a:r>
+              <a:rPr lang="en-US" sz="2000" dirty="0"/>
+              <a:t>random genes in 25 </a:t>
+            </a:r>
+            <a:r>
+              <a:rPr lang="en-US" sz="2000" dirty="0" smtClean="0"/>
+              <a:t>minutes.</a:t>
+            </a:r>
+            <a:endParaRPr lang="en-US" sz="2000" dirty="0"/>
+          </a:p>
+          <a:p>
+            <a:pPr lvl="1"/>
+            <a:r>
+              <a:rPr lang="en-US" sz="2000" dirty="0" smtClean="0"/>
+              <a:t>3. Plot </a:t>
+            </a:r>
+            <a:r>
+              <a:rPr lang="en-US" sz="2000" dirty="0"/>
+              <a:t>generation takes &lt;1 </a:t>
+            </a:r>
+            <a:r>
+              <a:rPr lang="en-US" sz="2000" dirty="0" smtClean="0"/>
+              <a:t>sec / gene </a:t>
+            </a:r>
+            <a:br>
+              <a:rPr lang="en-US" sz="2000" dirty="0" smtClean="0"/>
+            </a:br>
+            <a:r>
+              <a:rPr lang="en-US" sz="2000" dirty="0" smtClean="0"/>
+              <a:t>with </a:t>
+            </a:r>
+            <a:r>
+              <a:rPr lang="en-US" sz="2000" dirty="0" err="1"/>
+              <a:t>Rdata</a:t>
+            </a:r>
+            <a:r>
+              <a:rPr lang="en-US" sz="2000" dirty="0"/>
+              <a:t> upload.</a:t>
+            </a:r>
+          </a:p>
+        </p:txBody>
+      </p:sp>
+    </p:spTree>
+    <p:extLst>
+      <p:ext uri="{BB962C8B-B14F-4D97-AF65-F5344CB8AC3E}">
+        <p14:creationId xmlns:p14="http://schemas.microsoft.com/office/powerpoint/2010/main" val="852935010"/>
+      </p:ext>
+    </p:extLst>
+  </p:cSld>
+  <p:clrMapOvr>
+    <a:masterClrMapping/>
+  </p:clrMapOvr>
+</p:sld>
+</file>
+
+<file path=ppt/slides/slide4.xml><?xml version="1.0" encoding="utf-8"?>
+<p:sld xmlns:a="http://schemas.openxmlformats.org/drawingml/2006/main" xmlns:r="http://schemas.openxmlformats.org/officeDocument/2006/relationships" xmlns:p="http://schemas.openxmlformats.org/presentationml/2006/main">
+  <p:cSld>
+    <p:spTree>
+      <p:nvGrpSpPr>
+        <p:cNvPr id="1" name=""/>
+        <p:cNvGrpSpPr/>
+        <p:nvPr/>
+      </p:nvGrpSpPr>
+      <p:grpSpPr>
+        <a:xfrm>
+          <a:off x="0" y="0"/>
+          <a:ext cx="0" cy="0"/>
+          <a:chOff x="0" y="0"/>
+          <a:chExt cx="0" cy="0"/>
+        </a:xfrm>
+      </p:grpSpPr>
+      <p:sp>
+        <p:nvSpPr>
+          <p:cNvPr id="2" name="Title 1"/>
+          <p:cNvSpPr>
+            <a:spLocks noGrp="1"/>
+          </p:cNvSpPr>
+          <p:nvPr>
+            <p:ph type="title"/>
+          </p:nvPr>
+        </p:nvSpPr>
+        <p:spPr>
+          <a:xfrm>
+            <a:off x="401190" y="806110"/>
+            <a:ext cx="11288035" cy="1113719"/>
+          </a:xfrm>
+        </p:spPr>
+        <p:txBody>
+          <a:bodyPr>
+            <a:normAutofit fontScale="90000"/>
+          </a:bodyPr>
+          <a:lstStyle/>
+          <a:p>
+            <a:r>
+              <a:rPr lang="en-US" dirty="0" smtClean="0"/>
+              <a:t>Pretty much All 1000G patients </a:t>
+            </a:r>
+            <a:br>
+              <a:rPr lang="en-US" dirty="0" smtClean="0"/>
+            </a:br>
+            <a:r>
+              <a:rPr lang="en-US" dirty="0" smtClean="0"/>
+              <a:t>have </a:t>
+            </a:r>
+            <a:r>
+              <a:rPr lang="en-US" dirty="0" smtClean="0"/>
+              <a:t>some variants </a:t>
+            </a:r>
+            <a:r>
+              <a:rPr lang="en-US" dirty="0" smtClean="0"/>
+              <a:t>in each ACMG genes</a:t>
+            </a:r>
+            <a:endParaRPr lang="en-US" dirty="0"/>
+          </a:p>
+        </p:txBody>
+      </p:sp>
+      <p:pic>
+        <p:nvPicPr>
+          <p:cNvPr id="3" name="Picture 2"/>
+          <p:cNvPicPr>
+            <a:picLocks noChangeAspect="1"/>
+          </p:cNvPicPr>
+          <p:nvPr/>
+        </p:nvPicPr>
+        <p:blipFill>
+          <a:blip r:embed="rId3"/>
+          <a:stretch>
+            <a:fillRect/>
+          </a:stretch>
+        </p:blipFill>
+        <p:spPr>
+          <a:xfrm>
+            <a:off x="3143441" y="2190816"/>
+            <a:ext cx="8403516" cy="4114625"/>
+          </a:xfrm>
+          <a:prstGeom prst="rect">
+            <a:avLst/>
+          </a:prstGeom>
+        </p:spPr>
+      </p:pic>
+      <p:sp>
+        <p:nvSpPr>
+          <p:cNvPr id="5" name="Frame 4"/>
+          <p:cNvSpPr/>
+          <p:nvPr/>
+        </p:nvSpPr>
+        <p:spPr>
+          <a:xfrm>
+            <a:off x="11088278" y="5417604"/>
+            <a:ext cx="379611" cy="616761"/>
+          </a:xfrm>
+          <a:prstGeom prst="frame">
+            <a:avLst>
+              <a:gd name="adj1" fmla="val 9851"/>
+            </a:avLst>
+          </a:prstGeom>
+        </p:spPr>
+        <p:style>
+          <a:lnRef idx="2">
+            <a:schemeClr val="accent1">
+              <a:shade val="50000"/>
+            </a:schemeClr>
+          </a:lnRef>
+          <a:fillRef idx="1">
+            <a:schemeClr val="accent1"/>
+          </a:fillRef>
+          <a:effectRef idx="0">
+            <a:schemeClr val="accent1"/>
+          </a:effectRef>
+          <a:fontRef idx="minor">
+            <a:schemeClr val="lt1"/>
+          </a:fontRef>
+        </p:style>
+        <p:txBody>
+          <a:bodyPr rtlCol="0" anchor="ctr"/>
+          <a:lstStyle/>
+          <a:p>
+            <a:pPr algn="ctr"/>
+            <a:endParaRPr lang="en-US">
+              <a:solidFill>
+                <a:schemeClr val="tx1"/>
+              </a:solidFill>
+            </a:endParaRPr>
+          </a:p>
+        </p:txBody>
+      </p:sp>
+      <p:sp>
+        <p:nvSpPr>
+          <p:cNvPr id="4" name="TextBox 3"/>
+          <p:cNvSpPr txBox="1"/>
+          <p:nvPr/>
+        </p:nvSpPr>
+        <p:spPr>
+          <a:xfrm>
+            <a:off x="284812" y="2190816"/>
+            <a:ext cx="2624436" cy="646331"/>
+          </a:xfrm>
+          <a:prstGeom prst="rect">
+            <a:avLst/>
+          </a:prstGeom>
+          <a:noFill/>
+        </p:spPr>
+        <p:txBody>
+          <a:bodyPr wrap="none" rtlCol="0">
+            <a:spAutoFit/>
+          </a:bodyPr>
+          <a:lstStyle/>
+          <a:p>
+            <a:r>
+              <a:rPr lang="en-US" dirty="0" smtClean="0"/>
+              <a:t>Doesn’t differentiate</a:t>
+            </a:r>
+            <a:br>
+              <a:rPr lang="en-US" dirty="0" smtClean="0"/>
+            </a:br>
+            <a:r>
+              <a:rPr lang="en-US" dirty="0" smtClean="0"/>
+              <a:t>benign v. pathogenic</a:t>
+            </a:r>
+            <a:endParaRPr lang="en-US" dirty="0"/>
+          </a:p>
+        </p:txBody>
+      </p:sp>
+      <p:sp>
+        <p:nvSpPr>
+          <p:cNvPr id="6" name="TextBox 5"/>
+          <p:cNvSpPr txBox="1"/>
+          <p:nvPr/>
+        </p:nvSpPr>
+        <p:spPr>
+          <a:xfrm>
+            <a:off x="284812" y="2968051"/>
+            <a:ext cx="2443398" cy="646331"/>
+          </a:xfrm>
+          <a:prstGeom prst="rect">
+            <a:avLst/>
+          </a:prstGeom>
+          <a:noFill/>
+        </p:spPr>
+        <p:txBody>
+          <a:bodyPr wrap="square" rtlCol="0">
+            <a:spAutoFit/>
+          </a:bodyPr>
+          <a:lstStyle/>
+          <a:p>
+            <a:r>
+              <a:rPr lang="en-US" dirty="0" smtClean="0"/>
+              <a:t>Exceptions: </a:t>
+            </a:r>
+            <a:br>
+              <a:rPr lang="en-US" dirty="0" smtClean="0"/>
+            </a:br>
+            <a:r>
+              <a:rPr lang="en-US" dirty="0" smtClean="0"/>
+              <a:t>the 2 shortest genes</a:t>
+            </a:r>
+            <a:endParaRPr lang="en-US" dirty="0"/>
+          </a:p>
+        </p:txBody>
+      </p:sp>
+    </p:spTree>
+    <p:extLst>
+      <p:ext uri="{BB962C8B-B14F-4D97-AF65-F5344CB8AC3E}">
+        <p14:creationId xmlns:p14="http://schemas.microsoft.com/office/powerpoint/2010/main" val="767117028"/>
+      </p:ext>
+    </p:extLst>
+  </p:cSld>
+  <p:clrMapOvr>
+    <a:masterClrMapping/>
+  </p:clrMapOvr>
+  <p:timing>
+    <p:tnLst>
+      <p:par>
+        <p:cTn id="1" dur="indefinite" restart="never" nodeType="tmRoot"/>
+      </p:par>
+    </p:tnLst>
+  </p:timing>
+</p:sld>
+</file>
+
+<file path=ppt/slides/slide5.xml><?xml version="1.0" encoding="utf-8"?>
+<p:sld xmlns:a="http://schemas.openxmlformats.org/drawingml/2006/main" xmlns:r="http://schemas.openxmlformats.org/officeDocument/2006/relationships" xmlns:p="http://schemas.openxmlformats.org/presentationml/2006/main">
+  <p:cSld>
+    <p:spTree>
+      <p:nvGrpSpPr>
+        <p:cNvPr id="1" name=""/>
+        <p:cNvGrpSpPr/>
+        <p:nvPr/>
+      </p:nvGrpSpPr>
+      <p:grpSpPr>
+        <a:xfrm>
+          <a:off x="0" y="0"/>
+          <a:ext cx="0" cy="0"/>
+          <a:chOff x="0" y="0"/>
+          <a:chExt cx="0" cy="0"/>
+        </a:xfrm>
+      </p:grpSpPr>
+      <p:pic>
+        <p:nvPicPr>
+          <p:cNvPr id="7" name="Picture 6"/>
+          <p:cNvPicPr>
+            <a:picLocks noChangeAspect="1"/>
+          </p:cNvPicPr>
+          <p:nvPr/>
+        </p:nvPicPr>
+        <p:blipFill>
+          <a:blip r:embed="rId3"/>
+          <a:stretch>
+            <a:fillRect/>
+          </a:stretch>
+        </p:blipFill>
+        <p:spPr>
+          <a:xfrm>
+            <a:off x="302482" y="2364161"/>
+            <a:ext cx="5644297" cy="3023701"/>
+          </a:xfrm>
+          <a:prstGeom prst="rect">
+            <a:avLst/>
+          </a:prstGeom>
+        </p:spPr>
+      </p:pic>
+      <p:pic>
+        <p:nvPicPr>
+          <p:cNvPr id="8" name="Picture 7"/>
+          <p:cNvPicPr>
+            <a:picLocks noChangeAspect="1"/>
+          </p:cNvPicPr>
+          <p:nvPr/>
+        </p:nvPicPr>
+        <p:blipFill>
+          <a:blip r:embed="rId4"/>
+          <a:stretch>
+            <a:fillRect/>
+          </a:stretch>
+        </p:blipFill>
+        <p:spPr>
+          <a:xfrm>
+            <a:off x="6216002" y="2364162"/>
+            <a:ext cx="5644295" cy="3023701"/>
+          </a:xfrm>
+          <a:prstGeom prst="rect">
+            <a:avLst/>
+          </a:prstGeom>
+        </p:spPr>
+      </p:pic>
+      <p:pic>
+        <p:nvPicPr>
+          <p:cNvPr id="6" name="Picture 5"/>
+          <p:cNvPicPr>
+            <a:picLocks noChangeAspect="1"/>
+          </p:cNvPicPr>
+          <p:nvPr/>
+        </p:nvPicPr>
+        <p:blipFill>
+          <a:blip r:embed="rId5"/>
+          <a:stretch>
+            <a:fillRect/>
+          </a:stretch>
+        </p:blipFill>
+        <p:spPr>
+          <a:xfrm>
+            <a:off x="9083070" y="2719090"/>
+            <a:ext cx="2574504" cy="486644"/>
+          </a:xfrm>
+          <a:prstGeom prst="rect">
+            <a:avLst/>
+          </a:prstGeom>
+        </p:spPr>
+      </p:pic>
+      <p:sp>
+        <p:nvSpPr>
+          <p:cNvPr id="10" name="Title 1"/>
+          <p:cNvSpPr>
+            <a:spLocks noGrp="1"/>
+          </p:cNvSpPr>
+          <p:nvPr>
+            <p:ph type="title"/>
+          </p:nvPr>
+        </p:nvSpPr>
+        <p:spPr>
+          <a:xfrm>
+            <a:off x="1303782" y="1366819"/>
+            <a:ext cx="11288035" cy="860990"/>
+          </a:xfrm>
+        </p:spPr>
+        <p:txBody>
+          <a:bodyPr>
+            <a:normAutofit/>
+          </a:bodyPr>
+          <a:lstStyle/>
+          <a:p>
+            <a:pPr algn="ctr"/>
+            <a:r>
+              <a:rPr lang="en-US" smtClean="0"/>
+              <a:t>Gene </a:t>
+            </a:r>
+            <a:r>
+              <a:rPr lang="en-US"/>
+              <a:t>Lengths </a:t>
+            </a:r>
+            <a:r>
+              <a:rPr lang="en-US" smtClean="0"/>
+              <a:t>~ Number </a:t>
+            </a:r>
+            <a:r>
+              <a:rPr lang="en-US"/>
+              <a:t>of variants </a:t>
+            </a:r>
+            <a:endParaRPr lang="en-US" dirty="0"/>
+          </a:p>
+        </p:txBody>
+      </p:sp>
+    </p:spTree>
+    <p:extLst>
+      <p:ext uri="{BB962C8B-B14F-4D97-AF65-F5344CB8AC3E}">
+        <p14:creationId xmlns:p14="http://schemas.microsoft.com/office/powerpoint/2010/main" val="1757300091"/>
+      </p:ext>
+    </p:extLst>
+  </p:cSld>
+  <p:clrMapOvr>
+    <a:masterClrMapping/>
+  </p:clrMapOvr>
+  <p:timing>
+    <p:tnLst>
+      <p:par>
+        <p:cTn id="1" dur="indefinite" restart="never" nodeType="tmRoot"/>
+      </p:par>
+    </p:tnLst>
+  </p:timing>
+</p:sld>
+</file>
+
+<file path=ppt/slides/slide6.xml><?xml version="1.0" encoding="utf-8"?>
+<p:sld xmlns:a="http://schemas.openxmlformats.org/drawingml/2006/main" xmlns:r="http://schemas.openxmlformats.org/officeDocument/2006/relationships" xmlns:p="http://schemas.openxmlformats.org/presentationml/2006/main">
+  <p:cSld>
+    <p:spTree>
+      <p:nvGrpSpPr>
+        <p:cNvPr id="1" name=""/>
+        <p:cNvGrpSpPr/>
+        <p:nvPr/>
+      </p:nvGrpSpPr>
+      <p:grpSpPr>
+        <a:xfrm>
+          <a:off x="0" y="0"/>
+          <a:ext cx="0" cy="0"/>
+          <a:chOff x="0" y="0"/>
+          <a:chExt cx="0" cy="0"/>
+        </a:xfrm>
+      </p:grpSpPr>
+      <p:sp>
+        <p:nvSpPr>
+          <p:cNvPr id="2" name="Title 1"/>
+          <p:cNvSpPr>
+            <a:spLocks noGrp="1"/>
+          </p:cNvSpPr>
+          <p:nvPr>
+            <p:ph type="title"/>
+          </p:nvPr>
+        </p:nvSpPr>
+        <p:spPr>
+          <a:xfrm>
+            <a:off x="3033822" y="775006"/>
+            <a:ext cx="8610600" cy="1293028"/>
+          </a:xfrm>
+        </p:spPr>
+        <p:txBody>
+          <a:bodyPr/>
+          <a:lstStyle/>
+          <a:p>
+            <a:r>
+              <a:rPr lang="en-US" dirty="0" smtClean="0"/>
+              <a:t>Joining the pathogenic Clinvar Variants with 1000G</a:t>
+            </a:r>
+            <a:endParaRPr lang="en-US" dirty="0"/>
+          </a:p>
+        </p:txBody>
+      </p:sp>
+      <p:pic>
+        <p:nvPicPr>
+          <p:cNvPr id="4" name="Content Placeholder 3"/>
+          <p:cNvPicPr>
+            <a:picLocks noGrp="1" noChangeAspect="1"/>
+          </p:cNvPicPr>
+          <p:nvPr>
+            <p:ph idx="1"/>
+          </p:nvPr>
+        </p:nvPicPr>
+        <p:blipFill>
+          <a:blip r:embed="rId2"/>
+          <a:stretch>
+            <a:fillRect/>
+          </a:stretch>
+        </p:blipFill>
+        <p:spPr>
+          <a:xfrm>
+            <a:off x="3602229" y="2264735"/>
+            <a:ext cx="8042193" cy="3955312"/>
+          </a:xfrm>
+          <a:prstGeom prst="rect">
+            <a:avLst/>
+          </a:prstGeom>
+        </p:spPr>
+      </p:pic>
+      <p:sp>
+        <p:nvSpPr>
+          <p:cNvPr id="5" name="TextBox 4"/>
+          <p:cNvSpPr txBox="1"/>
+          <p:nvPr/>
+        </p:nvSpPr>
+        <p:spPr>
+          <a:xfrm>
+            <a:off x="435935" y="2264735"/>
+            <a:ext cx="2870791" cy="3970318"/>
+          </a:xfrm>
+          <a:prstGeom prst="rect">
+            <a:avLst/>
+          </a:prstGeom>
+          <a:noFill/>
+        </p:spPr>
+        <p:txBody>
+          <a:bodyPr wrap="square" rtlCol="0">
+            <a:spAutoFit/>
+          </a:bodyPr>
+          <a:lstStyle/>
+          <a:p>
+            <a:r>
+              <a:rPr lang="en-US" dirty="0" smtClean="0">
+                <a:solidFill>
+                  <a:srgbClr val="FF0000"/>
+                </a:solidFill>
+              </a:rPr>
+              <a:t>1000 genomes: </a:t>
+            </a:r>
+            <a:r>
+              <a:rPr lang="en-US" dirty="0" smtClean="0"/>
+              <a:t/>
+            </a:r>
+            <a:br>
+              <a:rPr lang="en-US" dirty="0" smtClean="0"/>
+            </a:br>
+            <a:r>
+              <a:rPr lang="en-US" dirty="0" smtClean="0"/>
+              <a:t>139,388 unique variants</a:t>
+            </a:r>
+          </a:p>
+          <a:p>
+            <a:endParaRPr lang="en-US" dirty="0"/>
+          </a:p>
+          <a:p>
+            <a:r>
+              <a:rPr lang="en-US" dirty="0" smtClean="0">
+                <a:solidFill>
+                  <a:srgbClr val="FF0000"/>
+                </a:solidFill>
+              </a:rPr>
+              <a:t>ClinVar: </a:t>
+            </a:r>
+            <a:r>
+              <a:rPr lang="en-US" dirty="0" smtClean="0"/>
+              <a:t/>
+            </a:r>
+            <a:br>
+              <a:rPr lang="en-US" dirty="0" smtClean="0"/>
+            </a:br>
+            <a:r>
+              <a:rPr lang="en-US" dirty="0" smtClean="0"/>
+              <a:t>10,286 NON-unique pathogenic </a:t>
+            </a:r>
+            <a:r>
+              <a:rPr lang="en-US" dirty="0" smtClean="0"/>
+              <a:t>variants</a:t>
+            </a:r>
+            <a:br>
+              <a:rPr lang="en-US" dirty="0" smtClean="0"/>
+            </a:br>
+            <a:r>
+              <a:rPr lang="en-US" dirty="0" smtClean="0"/>
+              <a:t>(8,441 unique) </a:t>
+            </a:r>
+            <a:endParaRPr lang="en-US" dirty="0" smtClean="0"/>
+          </a:p>
+          <a:p>
+            <a:endParaRPr lang="en-US" dirty="0"/>
+          </a:p>
+          <a:p>
+            <a:r>
+              <a:rPr lang="en-US" dirty="0" smtClean="0">
+                <a:solidFill>
+                  <a:srgbClr val="FF0000"/>
+                </a:solidFill>
+              </a:rPr>
+              <a:t>Intersection: </a:t>
+            </a:r>
+            <a:r>
+              <a:rPr lang="en-US" dirty="0" smtClean="0"/>
+              <a:t/>
+            </a:r>
+            <a:br>
+              <a:rPr lang="en-US" dirty="0" smtClean="0"/>
+            </a:br>
+            <a:r>
+              <a:rPr lang="en-US" dirty="0" smtClean="0"/>
+              <a:t>137 unique variants </a:t>
+            </a:r>
+            <a:br>
+              <a:rPr lang="en-US" dirty="0" smtClean="0"/>
+            </a:br>
+            <a:r>
+              <a:rPr lang="en-US" dirty="0" smtClean="0"/>
+              <a:t>in both datasets, associated with </a:t>
+            </a:r>
+            <a:br>
+              <a:rPr lang="en-US" dirty="0" smtClean="0"/>
+            </a:br>
+            <a:r>
+              <a:rPr lang="en-US" dirty="0" smtClean="0"/>
+              <a:t>192 diseases</a:t>
+            </a:r>
+            <a:br>
+              <a:rPr lang="en-US" dirty="0" smtClean="0"/>
+            </a:br>
+            <a:endParaRPr lang="en-US" dirty="0"/>
+          </a:p>
+        </p:txBody>
+      </p:sp>
+      <p:sp>
+        <p:nvSpPr>
+          <p:cNvPr id="6" name="TextBox 5"/>
+          <p:cNvSpPr txBox="1"/>
+          <p:nvPr/>
+        </p:nvSpPr>
+        <p:spPr>
+          <a:xfrm>
+            <a:off x="7339122" y="2868686"/>
+            <a:ext cx="3973581" cy="923330"/>
+          </a:xfrm>
+          <a:prstGeom prst="rect">
+            <a:avLst/>
+          </a:prstGeom>
+          <a:noFill/>
+        </p:spPr>
+        <p:txBody>
+          <a:bodyPr wrap="square" rtlCol="0">
+            <a:spAutoFit/>
+          </a:bodyPr>
+          <a:lstStyle/>
+          <a:p>
+            <a:r>
+              <a:rPr lang="en-US" dirty="0" smtClean="0">
+                <a:solidFill>
+                  <a:schemeClr val="bg1"/>
+                </a:solidFill>
+              </a:rPr>
+              <a:t>37/56 have at least 1 variant</a:t>
+            </a:r>
+            <a:br>
+              <a:rPr lang="en-US" dirty="0" smtClean="0">
+                <a:solidFill>
+                  <a:schemeClr val="bg1"/>
+                </a:solidFill>
+              </a:rPr>
+            </a:br>
+            <a:r>
+              <a:rPr lang="en-US" dirty="0" smtClean="0">
+                <a:solidFill>
+                  <a:srgbClr val="FF0000"/>
+                </a:solidFill>
+              </a:rPr>
+              <a:t>19/56 are not associated with any pathogenic </a:t>
+            </a:r>
+            <a:r>
+              <a:rPr lang="en-US" dirty="0" smtClean="0">
+                <a:solidFill>
+                  <a:srgbClr val="FF0000"/>
+                </a:solidFill>
+              </a:rPr>
+              <a:t>variants in 1000G. </a:t>
+            </a:r>
+            <a:endParaRPr lang="en-US" dirty="0">
+              <a:solidFill>
+                <a:srgbClr val="FF0000"/>
+              </a:solidFill>
+            </a:endParaRPr>
+          </a:p>
+        </p:txBody>
+      </p:sp>
+      <p:cxnSp>
+        <p:nvCxnSpPr>
+          <p:cNvPr id="15" name="Straight Arrow Connector 14"/>
+          <p:cNvCxnSpPr/>
+          <p:nvPr/>
+        </p:nvCxnSpPr>
+        <p:spPr>
+          <a:xfrm flipH="1">
+            <a:off x="9175897" y="3890366"/>
+            <a:ext cx="1" cy="1319588"/>
+          </a:xfrm>
+          <a:prstGeom prst="straightConnector1">
+            <a:avLst/>
+          </a:prstGeom>
+          <a:ln>
+            <a:tailEnd type="triangle"/>
+          </a:ln>
+        </p:spPr>
+        <p:style>
+          <a:lnRef idx="1">
+            <a:schemeClr val="accent1"/>
+          </a:lnRef>
+          <a:fillRef idx="0">
+            <a:schemeClr val="accent1"/>
+          </a:fillRef>
+          <a:effectRef idx="0">
+            <a:schemeClr val="accent1"/>
+          </a:effectRef>
+          <a:fontRef idx="minor">
+            <a:schemeClr val="tx1"/>
+          </a:fontRef>
+        </p:style>
+      </p:cxnSp>
+    </p:spTree>
+    <p:extLst>
+      <p:ext uri="{BB962C8B-B14F-4D97-AF65-F5344CB8AC3E}">
+        <p14:creationId xmlns:p14="http://schemas.microsoft.com/office/powerpoint/2010/main" val="2049117130"/>
+      </p:ext>
+    </p:extLst>
+  </p:cSld>
+  <p:clrMapOvr>
+    <a:masterClrMapping/>
+  </p:clrMapOvr>
+</p:sld>
+</file>
+
+<file path=ppt/slides/slide7.xml><?xml version="1.0" encoding="utf-8"?>
+<p:sld xmlns:a="http://schemas.openxmlformats.org/drawingml/2006/main" xmlns:r="http://schemas.openxmlformats.org/officeDocument/2006/relationships" xmlns:p="http://schemas.openxmlformats.org/presentationml/2006/main">
+  <p:cSld>
+    <p:spTree>
+      <p:nvGrpSpPr>
+        <p:cNvPr id="1" name=""/>
+        <p:cNvGrpSpPr/>
+        <p:nvPr/>
+      </p:nvGrpSpPr>
+      <p:grpSpPr>
+        <a:xfrm>
+          <a:off x="0" y="0"/>
+          <a:ext cx="0" cy="0"/>
+          <a:chOff x="0" y="0"/>
+          <a:chExt cx="0" cy="0"/>
+        </a:xfrm>
+      </p:grpSpPr>
+      <p:sp>
+        <p:nvSpPr>
+          <p:cNvPr id="2" name="Title 1"/>
+          <p:cNvSpPr>
+            <a:spLocks noGrp="1"/>
+          </p:cNvSpPr>
+          <p:nvPr>
+            <p:ph type="title"/>
+          </p:nvPr>
+        </p:nvSpPr>
+        <p:spPr>
+          <a:xfrm>
+            <a:off x="52010" y="966960"/>
+            <a:ext cx="5110233" cy="2765590"/>
+          </a:xfrm>
+        </p:spPr>
+        <p:txBody>
+          <a:bodyPr>
+            <a:normAutofit/>
+          </a:bodyPr>
+          <a:lstStyle/>
+          <a:p>
+            <a:r>
+              <a:rPr lang="en-US" sz="3200" dirty="0" smtClean="0"/>
+              <a:t>137 Pathogenic </a:t>
+            </a:r>
+            <a:r>
+              <a:rPr lang="en-US" sz="3200" dirty="0" err="1" smtClean="0"/>
+              <a:t>clinvar</a:t>
+            </a:r>
+            <a:r>
+              <a:rPr lang="en-US" sz="3200" dirty="0" smtClean="0"/>
+              <a:t> Variants distributed by disease</a:t>
+            </a:r>
+            <a:endParaRPr lang="en-US" sz="3200" dirty="0"/>
+          </a:p>
+        </p:txBody>
+      </p:sp>
+      <p:sp>
+        <p:nvSpPr>
+          <p:cNvPr id="3" name="Content Placeholder 2"/>
+          <p:cNvSpPr>
+            <a:spLocks noGrp="1"/>
+          </p:cNvSpPr>
+          <p:nvPr>
+            <p:ph idx="1"/>
+          </p:nvPr>
+        </p:nvSpPr>
+        <p:spPr>
+          <a:xfrm>
+            <a:off x="202379" y="3732550"/>
+            <a:ext cx="4959864" cy="2923267"/>
+          </a:xfrm>
+        </p:spPr>
+        <p:txBody>
+          <a:bodyPr>
+            <a:normAutofit/>
+          </a:bodyPr>
+          <a:lstStyle/>
+          <a:p>
+            <a:pPr algn="r"/>
+            <a:r>
+              <a:rPr lang="en-US" sz="2400" dirty="0" smtClean="0"/>
+              <a:t>All </a:t>
+            </a:r>
+            <a:r>
+              <a:rPr lang="en-US" sz="2400" dirty="0" err="1" smtClean="0"/>
+              <a:t>clinvar</a:t>
+            </a:r>
+            <a:r>
+              <a:rPr lang="en-US" sz="2400" dirty="0" smtClean="0"/>
+              <a:t> variants were associated with either one of the 56 ACMG-relevant genes, or labeled “Unknown.” </a:t>
+            </a:r>
+          </a:p>
+          <a:p>
+            <a:pPr algn="r"/>
+            <a:r>
+              <a:rPr lang="en-US" sz="2400" dirty="0" smtClean="0"/>
+              <a:t>&gt;80% of the variants were explicitly ACMG-relevant. </a:t>
+            </a:r>
+          </a:p>
+          <a:p>
+            <a:endParaRPr lang="en-US" sz="2400" dirty="0"/>
+          </a:p>
+        </p:txBody>
+      </p:sp>
+      <p:pic>
+        <p:nvPicPr>
+          <p:cNvPr id="4" name="Picture 3"/>
+          <p:cNvPicPr>
+            <a:picLocks noChangeAspect="1"/>
+          </p:cNvPicPr>
+          <p:nvPr/>
+        </p:nvPicPr>
+        <p:blipFill>
+          <a:blip r:embed="rId3"/>
+          <a:stretch>
+            <a:fillRect/>
+          </a:stretch>
+        </p:blipFill>
+        <p:spPr>
+          <a:xfrm>
+            <a:off x="5462981" y="1088103"/>
+            <a:ext cx="6369255" cy="5049056"/>
+          </a:xfrm>
+          <a:prstGeom prst="rect">
+            <a:avLst/>
+          </a:prstGeom>
+        </p:spPr>
+      </p:pic>
+    </p:spTree>
+    <p:extLst>
+      <p:ext uri="{BB962C8B-B14F-4D97-AF65-F5344CB8AC3E}">
+        <p14:creationId xmlns:p14="http://schemas.microsoft.com/office/powerpoint/2010/main" val="1290280742"/>
+      </p:ext>
+    </p:extLst>
+  </p:cSld>
+  <p:clrMapOvr>
+    <a:masterClrMapping/>
+  </p:clrMapOvr>
+</p:sld>
+</file>
+
+<file path=ppt/slides/slide8.xml><?xml version="1.0" encoding="utf-8"?>
+<p:sld xmlns:a="http://schemas.openxmlformats.org/drawingml/2006/main" xmlns:r="http://schemas.openxmlformats.org/officeDocument/2006/relationships" xmlns:p="http://schemas.openxmlformats.org/presentationml/2006/main">
+  <p:cSld>
+    <p:spTree>
+      <p:nvGrpSpPr>
+        <p:cNvPr id="1" name=""/>
+        <p:cNvGrpSpPr/>
+        <p:nvPr/>
+      </p:nvGrpSpPr>
+      <p:grpSpPr>
+        <a:xfrm>
+          <a:off x="0" y="0"/>
+          <a:ext cx="0" cy="0"/>
+          <a:chOff x="0" y="0"/>
+          <a:chExt cx="0" cy="0"/>
+        </a:xfrm>
+      </p:grpSpPr>
+      <p:sp>
+        <p:nvSpPr>
+          <p:cNvPr id="2" name="Title 1"/>
+          <p:cNvSpPr>
+            <a:spLocks noGrp="1"/>
+          </p:cNvSpPr>
+          <p:nvPr>
+            <p:ph type="title"/>
+          </p:nvPr>
+        </p:nvSpPr>
+        <p:spPr/>
+        <p:txBody>
+          <a:bodyPr>
+            <a:normAutofit/>
+          </a:bodyPr>
+          <a:lstStyle/>
+          <a:p>
+            <a:r>
+              <a:rPr lang="en-US" dirty="0" smtClean="0"/>
+              <a:t>1000G patients with mutations</a:t>
+            </a:r>
+            <a:endParaRPr lang="en-US" dirty="0"/>
+          </a:p>
+        </p:txBody>
+      </p:sp>
+      <p:pic>
+        <p:nvPicPr>
+          <p:cNvPr id="5" name="Content Placeholder 4"/>
+          <p:cNvPicPr>
+            <a:picLocks noGrp="1" noChangeAspect="1"/>
+          </p:cNvPicPr>
+          <p:nvPr>
+            <p:ph idx="1"/>
+          </p:nvPr>
+        </p:nvPicPr>
+        <p:blipFill>
+          <a:blip r:embed="rId3"/>
+          <a:stretch>
+            <a:fillRect/>
+          </a:stretch>
+        </p:blipFill>
+        <p:spPr>
+          <a:xfrm>
+            <a:off x="3464716" y="1949011"/>
+            <a:ext cx="8341288" cy="3862342"/>
+          </a:xfrm>
+          <a:prstGeom prst="rect">
+            <a:avLst/>
+          </a:prstGeom>
+        </p:spPr>
+      </p:pic>
+      <p:sp>
+        <p:nvSpPr>
+          <p:cNvPr id="6" name="TextBox 5"/>
+          <p:cNvSpPr txBox="1"/>
+          <p:nvPr/>
+        </p:nvSpPr>
+        <p:spPr>
+          <a:xfrm>
+            <a:off x="674088" y="2521466"/>
+            <a:ext cx="2453604" cy="2031325"/>
+          </a:xfrm>
+          <a:prstGeom prst="rect">
+            <a:avLst/>
+          </a:prstGeom>
+          <a:noFill/>
+        </p:spPr>
+        <p:txBody>
+          <a:bodyPr wrap="square" rtlCol="0">
+            <a:spAutoFit/>
+          </a:bodyPr>
+          <a:lstStyle/>
+          <a:p>
+            <a:pPr algn="r"/>
+            <a:r>
+              <a:rPr lang="en-US" dirty="0" smtClean="0"/>
+              <a:t>Closely follows previous plot: </a:t>
+            </a:r>
+            <a:br>
+              <a:rPr lang="en-US" dirty="0" smtClean="0"/>
+            </a:br>
+            <a:r>
+              <a:rPr lang="en-US" dirty="0" smtClean="0"/>
+              <a:t/>
+            </a:r>
+            <a:br>
+              <a:rPr lang="en-US" dirty="0" smtClean="0"/>
+            </a:br>
+            <a:r>
+              <a:rPr lang="en-US" dirty="0" smtClean="0"/>
+              <a:t>longer gene = </a:t>
+            </a:r>
+            <a:br>
+              <a:rPr lang="en-US" dirty="0" smtClean="0"/>
+            </a:br>
+            <a:r>
+              <a:rPr lang="en-US" dirty="0" smtClean="0"/>
+              <a:t>more variants = </a:t>
+            </a:r>
+            <a:endParaRPr lang="en-US" dirty="0"/>
+          </a:p>
+          <a:p>
+            <a:pPr algn="r"/>
+            <a:r>
+              <a:rPr lang="en-US" dirty="0" smtClean="0"/>
+              <a:t>greater fraction of people with variants</a:t>
+            </a:r>
+          </a:p>
+        </p:txBody>
+      </p:sp>
+      <p:pic>
+        <p:nvPicPr>
+          <p:cNvPr id="7" name="Content Placeholder 3"/>
+          <p:cNvPicPr>
+            <a:picLocks noChangeAspect="1"/>
+          </p:cNvPicPr>
+          <p:nvPr/>
+        </p:nvPicPr>
+        <p:blipFill>
+          <a:blip r:embed="rId4"/>
+          <a:stretch>
+            <a:fillRect/>
+          </a:stretch>
+        </p:blipFill>
+        <p:spPr>
+          <a:xfrm>
+            <a:off x="337064" y="5702963"/>
+            <a:ext cx="3832003" cy="791667"/>
+          </a:xfrm>
+          <a:prstGeom prst="rect">
+            <a:avLst/>
+          </a:prstGeom>
+        </p:spPr>
+      </p:pic>
+      <p:sp>
+        <p:nvSpPr>
+          <p:cNvPr id="3" name="TextBox 2"/>
+          <p:cNvSpPr txBox="1"/>
+          <p:nvPr/>
+        </p:nvSpPr>
+        <p:spPr>
+          <a:xfrm>
+            <a:off x="4656775" y="5968325"/>
+            <a:ext cx="6849426" cy="646331"/>
+          </a:xfrm>
+          <a:prstGeom prst="rect">
+            <a:avLst/>
+          </a:prstGeom>
+          <a:noFill/>
+        </p:spPr>
+        <p:txBody>
+          <a:bodyPr wrap="square" rtlCol="0">
+            <a:spAutoFit/>
+          </a:bodyPr>
+          <a:lstStyle/>
+          <a:p>
+            <a:r>
+              <a:rPr lang="en-US" dirty="0" smtClean="0"/>
+              <a:t>SCN5A is a sodium voltage-gated channel- </a:t>
+            </a:r>
+            <a:br>
+              <a:rPr lang="en-US" dirty="0" smtClean="0"/>
+            </a:br>
+            <a:r>
+              <a:rPr lang="en-US" dirty="0" smtClean="0"/>
+              <a:t>associated with long QT syndrome and </a:t>
+            </a:r>
+            <a:r>
+              <a:rPr lang="en-US" dirty="0" err="1" smtClean="0"/>
+              <a:t>Brugada</a:t>
+            </a:r>
+            <a:r>
+              <a:rPr lang="en-US" dirty="0" smtClean="0"/>
+              <a:t> syndrome. </a:t>
+            </a:r>
+            <a:endParaRPr lang="en-US" dirty="0"/>
+          </a:p>
+        </p:txBody>
+      </p:sp>
+    </p:spTree>
+    <p:extLst>
+      <p:ext uri="{BB962C8B-B14F-4D97-AF65-F5344CB8AC3E}">
+        <p14:creationId xmlns:p14="http://schemas.microsoft.com/office/powerpoint/2010/main" val="1547523072"/>
+      </p:ext>
+    </p:extLst>
+  </p:cSld>
+  <p:clrMapOvr>
+    <a:masterClrMapping/>
+  </p:clrMapOvr>
+</p:sld>
+</file>
+
+<file path=ppt/slides/slide9.xml><?xml version="1.0" encoding="utf-8"?>
+<p:sld xmlns:a="http://schemas.openxmlformats.org/drawingml/2006/main" xmlns:r="http://schemas.openxmlformats.org/officeDocument/2006/relationships" xmlns:p="http://schemas.openxmlformats.org/presentationml/2006/main">
+  <p:cSld>
+    <p:spTree>
+      <p:nvGrpSpPr>
+        <p:cNvPr id="1" name=""/>
+        <p:cNvGrpSpPr/>
+        <p:nvPr/>
+      </p:nvGrpSpPr>
+      <p:grpSpPr>
+        <a:xfrm>
+          <a:off x="0" y="0"/>
+          <a:ext cx="0" cy="0"/>
+          <a:chOff x="0" y="0"/>
+          <a:chExt cx="0" cy="0"/>
+        </a:xfrm>
+      </p:grpSpPr>
+      <p:sp>
+        <p:nvSpPr>
+          <p:cNvPr id="2" name="Title 1"/>
+          <p:cNvSpPr>
+            <a:spLocks noGrp="1"/>
+          </p:cNvSpPr>
+          <p:nvPr>
+            <p:ph type="title"/>
+          </p:nvPr>
+        </p:nvSpPr>
+        <p:spPr>
+          <a:xfrm>
+            <a:off x="2895600" y="641543"/>
+            <a:ext cx="8610600" cy="1293028"/>
+          </a:xfrm>
+        </p:spPr>
+        <p:txBody>
+          <a:bodyPr/>
+          <a:lstStyle/>
+          <a:p>
+            <a:r>
+              <a:rPr lang="en-US" dirty="0" smtClean="0"/>
+              <a:t>1000G/Clinvar join: Population Analysis</a:t>
+            </a:r>
+            <a:endParaRPr lang="en-US" dirty="0"/>
+          </a:p>
+        </p:txBody>
+      </p:sp>
+      <p:pic>
+        <p:nvPicPr>
+          <p:cNvPr id="7" name="Picture 6"/>
+          <p:cNvPicPr>
+            <a:picLocks noChangeAspect="1"/>
+          </p:cNvPicPr>
+          <p:nvPr/>
+        </p:nvPicPr>
+        <p:blipFill>
+          <a:blip r:embed="rId3"/>
+          <a:stretch>
+            <a:fillRect/>
+          </a:stretch>
+        </p:blipFill>
+        <p:spPr>
+          <a:xfrm>
+            <a:off x="4570507" y="2057400"/>
+            <a:ext cx="6935693" cy="4193275"/>
+          </a:xfrm>
+          <a:prstGeom prst="rect">
+            <a:avLst/>
+          </a:prstGeom>
+        </p:spPr>
+      </p:pic>
+      <p:sp>
+        <p:nvSpPr>
+          <p:cNvPr id="3" name="TextBox 2"/>
+          <p:cNvSpPr txBox="1"/>
+          <p:nvPr/>
+        </p:nvSpPr>
+        <p:spPr>
+          <a:xfrm>
+            <a:off x="466977" y="2057400"/>
+            <a:ext cx="3820016" cy="2677656"/>
+          </a:xfrm>
+          <a:prstGeom prst="rect">
+            <a:avLst/>
+          </a:prstGeom>
+          <a:noFill/>
+        </p:spPr>
+        <p:txBody>
+          <a:bodyPr wrap="square" rtlCol="0">
+            <a:spAutoFit/>
+          </a:bodyPr>
+          <a:lstStyle/>
+          <a:p>
+            <a:r>
+              <a:rPr lang="en-US" sz="2400" dirty="0" smtClean="0">
+                <a:solidFill>
+                  <a:srgbClr val="FF0000"/>
+                </a:solidFill>
+              </a:rPr>
+              <a:t>50-70% </a:t>
+            </a:r>
+            <a:r>
+              <a:rPr lang="en-US" sz="2400" dirty="0" smtClean="0"/>
+              <a:t>of people would be reported as having some disorder under ACMG guidelines.</a:t>
+            </a:r>
+          </a:p>
+          <a:p>
+            <a:r>
+              <a:rPr lang="en-US" sz="2400" dirty="0" smtClean="0"/>
+              <a:t> </a:t>
+            </a:r>
+          </a:p>
+          <a:p>
+            <a:r>
+              <a:rPr lang="en-US" sz="2400" dirty="0" smtClean="0"/>
+              <a:t>These are also potential additions to the app.</a:t>
+            </a:r>
+            <a:endParaRPr lang="en-US" sz="2400" dirty="0"/>
+          </a:p>
+        </p:txBody>
+      </p:sp>
+    </p:spTree>
+    <p:extLst>
+      <p:ext uri="{BB962C8B-B14F-4D97-AF65-F5344CB8AC3E}">
+        <p14:creationId xmlns:p14="http://schemas.microsoft.com/office/powerpoint/2010/main" val="462909531"/>
       </p:ext>
     </p:extLst>
   </p:cSld>

--- a/week_6/For_Zak.pptx
+++ b/week_6/For_Zak.pptx
@@ -9,31 +9,31 @@
   </p:notesMasterIdLst>
   <p:sldIdLst>
     <p:sldId id="256" r:id="rId2"/>
-    <p:sldId id="286" r:id="rId3"/>
-    <p:sldId id="257" r:id="rId4"/>
-    <p:sldId id="258" r:id="rId5"/>
-    <p:sldId id="288" r:id="rId6"/>
-    <p:sldId id="289" r:id="rId7"/>
-    <p:sldId id="290" r:id="rId8"/>
-    <p:sldId id="291" r:id="rId9"/>
+    <p:sldId id="296" r:id="rId3"/>
+    <p:sldId id="286" r:id="rId4"/>
+    <p:sldId id="288" r:id="rId5"/>
+    <p:sldId id="289" r:id="rId6"/>
+    <p:sldId id="290" r:id="rId7"/>
+    <p:sldId id="291" r:id="rId8"/>
+    <p:sldId id="258" r:id="rId9"/>
     <p:sldId id="292" r:id="rId10"/>
     <p:sldId id="268" r:id="rId11"/>
     <p:sldId id="262" r:id="rId12"/>
     <p:sldId id="287" r:id="rId13"/>
-    <p:sldId id="280" r:id="rId14"/>
-    <p:sldId id="270" r:id="rId15"/>
+    <p:sldId id="270" r:id="rId14"/>
+    <p:sldId id="280" r:id="rId15"/>
     <p:sldId id="271" r:id="rId16"/>
-    <p:sldId id="282" r:id="rId17"/>
-    <p:sldId id="283" r:id="rId18"/>
-    <p:sldId id="285" r:id="rId19"/>
-    <p:sldId id="281" r:id="rId20"/>
-    <p:sldId id="293" r:id="rId21"/>
-    <p:sldId id="259" r:id="rId22"/>
-    <p:sldId id="260" r:id="rId23"/>
-    <p:sldId id="261" r:id="rId24"/>
-    <p:sldId id="277" r:id="rId25"/>
-    <p:sldId id="275" r:id="rId26"/>
-    <p:sldId id="295" r:id="rId27"/>
+    <p:sldId id="297" r:id="rId17"/>
+    <p:sldId id="282" r:id="rId18"/>
+    <p:sldId id="283" r:id="rId19"/>
+    <p:sldId id="285" r:id="rId20"/>
+    <p:sldId id="281" r:id="rId21"/>
+    <p:sldId id="293" r:id="rId22"/>
+    <p:sldId id="259" r:id="rId23"/>
+    <p:sldId id="260" r:id="rId24"/>
+    <p:sldId id="261" r:id="rId25"/>
+    <p:sldId id="277" r:id="rId26"/>
+    <p:sldId id="275" r:id="rId27"/>
     <p:sldId id="278" r:id="rId28"/>
     <p:sldId id="279" r:id="rId29"/>
   </p:sldIdLst>
@@ -224,7 +224,7 @@
           <a:p>
             <a:fld id="{13D166E5-CA32-C14C-AC86-25EE605CA0B9}" type="datetimeFigureOut">
               <a:rPr lang="en-US" smtClean="0"/>
-              <a:t>7/26/16</a:t>
+              <a:t>7/27/16</a:t>
             </a:fld>
             <a:endParaRPr lang="en-US"/>
           </a:p>
@@ -538,11 +538,11 @@
           <a:p>
             <a:r>
               <a:rPr lang="en-US" dirty="0" smtClean="0"/>
-              <a:t>Basically an overview of the app.</a:t>
+              <a:t>Briefly</a:t>
             </a:r>
             <a:r>
               <a:rPr lang="en-US" baseline="0" dirty="0" smtClean="0"/>
-              <a:t> I was planning to show it to him after this slide.</a:t>
+              <a:t> cover runtime. </a:t>
             </a:r>
             <a:endParaRPr lang="en-US" dirty="0"/>
           </a:p>
@@ -565,7 +565,7 @@
           <a:p>
             <a:fld id="{C2698728-EB87-E34E-977D-E3392FB2F7C3}" type="slidenum">
               <a:rPr lang="en-US" smtClean="0"/>
-              <a:t>3</a:t>
+              <a:t>8</a:t>
             </a:fld>
             <a:endParaRPr lang="en-US"/>
           </a:p>
@@ -574,7 +574,7 @@
     </p:spTree>
     <p:extLst>
       <p:ext uri="{BB962C8B-B14F-4D97-AF65-F5344CB8AC3E}">
-        <p14:creationId xmlns:p14="http://schemas.microsoft.com/office/powerpoint/2010/main" val="53323952"/>
+        <p14:creationId xmlns:p14="http://schemas.microsoft.com/office/powerpoint/2010/main" val="499974354"/>
       </p:ext>
     </p:extLst>
   </p:cSld>
@@ -649,7 +649,7 @@
           <a:p>
             <a:fld id="{C2698728-EB87-E34E-977D-E3392FB2F7C3}" type="slidenum">
               <a:rPr lang="en-US" smtClean="0"/>
-              <a:t>20</a:t>
+              <a:t>22</a:t>
             </a:fld>
             <a:endParaRPr lang="en-US"/>
           </a:p>
@@ -658,7 +658,7 @@
     </p:spTree>
     <p:extLst>
       <p:ext uri="{BB962C8B-B14F-4D97-AF65-F5344CB8AC3E}">
-        <p14:creationId xmlns:p14="http://schemas.microsoft.com/office/powerpoint/2010/main" val="280183838"/>
+        <p14:creationId xmlns:p14="http://schemas.microsoft.com/office/powerpoint/2010/main" val="615904070"/>
       </p:ext>
     </p:extLst>
   </p:cSld>
@@ -733,7 +733,7 @@
           <a:p>
             <a:fld id="{C2698728-EB87-E34E-977D-E3392FB2F7C3}" type="slidenum">
               <a:rPr lang="en-US" smtClean="0"/>
-              <a:t>21</a:t>
+              <a:t>23</a:t>
             </a:fld>
             <a:endParaRPr lang="en-US"/>
           </a:p>
@@ -742,7 +742,7 @@
     </p:spTree>
     <p:extLst>
       <p:ext uri="{BB962C8B-B14F-4D97-AF65-F5344CB8AC3E}">
-        <p14:creationId xmlns:p14="http://schemas.microsoft.com/office/powerpoint/2010/main" val="615904070"/>
+        <p14:creationId xmlns:p14="http://schemas.microsoft.com/office/powerpoint/2010/main" val="25051858"/>
       </p:ext>
     </p:extLst>
   </p:cSld>
@@ -798,7 +798,11 @@
           <a:p>
             <a:r>
               <a:rPr lang="en-US" dirty="0" smtClean="0"/>
-              <a:t>Use URLS</a:t>
+              <a:t>Describe search</a:t>
+            </a:r>
+            <a:r>
+              <a:rPr lang="en-US" baseline="0" dirty="0" smtClean="0"/>
+              <a:t> heuristic</a:t>
             </a:r>
             <a:endParaRPr lang="en-US" dirty="0"/>
           </a:p>
@@ -821,7 +825,7 @@
           <a:p>
             <a:fld id="{C2698728-EB87-E34E-977D-E3392FB2F7C3}" type="slidenum">
               <a:rPr lang="en-US" smtClean="0"/>
-              <a:t>22</a:t>
+              <a:t>24</a:t>
             </a:fld>
             <a:endParaRPr lang="en-US"/>
           </a:p>
@@ -830,7 +834,7 @@
     </p:spTree>
     <p:extLst>
       <p:ext uri="{BB962C8B-B14F-4D97-AF65-F5344CB8AC3E}">
-        <p14:creationId xmlns:p14="http://schemas.microsoft.com/office/powerpoint/2010/main" val="25051858"/>
+        <p14:creationId xmlns:p14="http://schemas.microsoft.com/office/powerpoint/2010/main" val="1754069065"/>
       </p:ext>
     </p:extLst>
   </p:cSld>
@@ -884,14 +888,6 @@
           <a:bodyPr/>
           <a:lstStyle/>
           <a:p>
-            <a:r>
-              <a:rPr lang="en-US" dirty="0" smtClean="0"/>
-              <a:t>Describe search</a:t>
-            </a:r>
-            <a:r>
-              <a:rPr lang="en-US" baseline="0" dirty="0" smtClean="0"/>
-              <a:t> heuristic</a:t>
-            </a:r>
             <a:endParaRPr lang="en-US" dirty="0"/>
           </a:p>
         </p:txBody>
@@ -913,7 +909,7 @@
           <a:p>
             <a:fld id="{C2698728-EB87-E34E-977D-E3392FB2F7C3}" type="slidenum">
               <a:rPr lang="en-US" smtClean="0"/>
-              <a:t>23</a:t>
+              <a:t>25</a:t>
             </a:fld>
             <a:endParaRPr lang="en-US"/>
           </a:p>
@@ -922,7 +918,7 @@
     </p:spTree>
     <p:extLst>
       <p:ext uri="{BB962C8B-B14F-4D97-AF65-F5344CB8AC3E}">
-        <p14:creationId xmlns:p14="http://schemas.microsoft.com/office/powerpoint/2010/main" val="1754069065"/>
+        <p14:creationId xmlns:p14="http://schemas.microsoft.com/office/powerpoint/2010/main" val="879789078"/>
       </p:ext>
     </p:extLst>
   </p:cSld>
@@ -997,91 +993,7 @@
           <a:p>
             <a:fld id="{C2698728-EB87-E34E-977D-E3392FB2F7C3}" type="slidenum">
               <a:rPr lang="en-US" smtClean="0"/>
-              <a:t>24</a:t>
-            </a:fld>
-            <a:endParaRPr lang="en-US"/>
-          </a:p>
-        </p:txBody>
-      </p:sp>
-    </p:spTree>
-    <p:extLst>
-      <p:ext uri="{BB962C8B-B14F-4D97-AF65-F5344CB8AC3E}">
-        <p14:creationId xmlns:p14="http://schemas.microsoft.com/office/powerpoint/2010/main" val="879789078"/>
-      </p:ext>
-    </p:extLst>
-  </p:cSld>
-  <p:clrMapOvr>
-    <a:masterClrMapping/>
-  </p:clrMapOvr>
-</p:notes>
-</file>
-
-<file path=ppt/notesSlides/notesSlide15.xml><?xml version="1.0" encoding="utf-8"?>
-<p:notes xmlns:a="http://schemas.openxmlformats.org/drawingml/2006/main" xmlns:r="http://schemas.openxmlformats.org/officeDocument/2006/relationships" xmlns:p="http://schemas.openxmlformats.org/presentationml/2006/main">
-  <p:cSld>
-    <p:spTree>
-      <p:nvGrpSpPr>
-        <p:cNvPr id="1" name=""/>
-        <p:cNvGrpSpPr/>
-        <p:nvPr/>
-      </p:nvGrpSpPr>
-      <p:grpSpPr>
-        <a:xfrm>
-          <a:off x="0" y="0"/>
-          <a:ext cx="0" cy="0"/>
-          <a:chOff x="0" y="0"/>
-          <a:chExt cx="0" cy="0"/>
-        </a:xfrm>
-      </p:grpSpPr>
-      <p:sp>
-        <p:nvSpPr>
-          <p:cNvPr id="2" name="Slide Image Placeholder 1"/>
-          <p:cNvSpPr>
-            <a:spLocks noGrp="1" noRot="1" noChangeAspect="1"/>
-          </p:cNvSpPr>
-          <p:nvPr>
-            <p:ph type="sldImg"/>
-          </p:nvPr>
-        </p:nvSpPr>
-        <p:spPr/>
-      </p:sp>
-      <p:sp>
-        <p:nvSpPr>
-          <p:cNvPr id="3" name="Notes Placeholder 2"/>
-          <p:cNvSpPr>
-            <a:spLocks noGrp="1"/>
-          </p:cNvSpPr>
-          <p:nvPr>
-            <p:ph type="body" idx="1"/>
-          </p:nvPr>
-        </p:nvSpPr>
-        <p:spPr/>
-        <p:txBody>
-          <a:bodyPr/>
-          <a:lstStyle/>
-          <a:p>
-            <a:endParaRPr lang="en-US" dirty="0"/>
-          </a:p>
-        </p:txBody>
-      </p:sp>
-      <p:sp>
-        <p:nvSpPr>
-          <p:cNvPr id="4" name="Slide Number Placeholder 3"/>
-          <p:cNvSpPr>
-            <a:spLocks noGrp="1"/>
-          </p:cNvSpPr>
-          <p:nvPr>
-            <p:ph type="sldNum" sz="quarter" idx="10"/>
-          </p:nvPr>
-        </p:nvSpPr>
-        <p:spPr/>
-        <p:txBody>
-          <a:bodyPr/>
-          <a:lstStyle/>
-          <a:p>
-            <a:fld id="{C2698728-EB87-E34E-977D-E3392FB2F7C3}" type="slidenum">
-              <a:rPr lang="en-US" smtClean="0"/>
-              <a:t>25</a:t>
+              <a:t>26</a:t>
             </a:fld>
             <a:endParaRPr lang="en-US"/>
           </a:p>
@@ -1100,91 +1012,7 @@
 </p:notes>
 </file>
 
-<file path=ppt/notesSlides/notesSlide16.xml><?xml version="1.0" encoding="utf-8"?>
-<p:notes xmlns:a="http://schemas.openxmlformats.org/drawingml/2006/main" xmlns:r="http://schemas.openxmlformats.org/officeDocument/2006/relationships" xmlns:p="http://schemas.openxmlformats.org/presentationml/2006/main">
-  <p:cSld>
-    <p:spTree>
-      <p:nvGrpSpPr>
-        <p:cNvPr id="1" name=""/>
-        <p:cNvGrpSpPr/>
-        <p:nvPr/>
-      </p:nvGrpSpPr>
-      <p:grpSpPr>
-        <a:xfrm>
-          <a:off x="0" y="0"/>
-          <a:ext cx="0" cy="0"/>
-          <a:chOff x="0" y="0"/>
-          <a:chExt cx="0" cy="0"/>
-        </a:xfrm>
-      </p:grpSpPr>
-      <p:sp>
-        <p:nvSpPr>
-          <p:cNvPr id="2" name="Slide Image Placeholder 1"/>
-          <p:cNvSpPr>
-            <a:spLocks noGrp="1" noRot="1" noChangeAspect="1"/>
-          </p:cNvSpPr>
-          <p:nvPr>
-            <p:ph type="sldImg"/>
-          </p:nvPr>
-        </p:nvSpPr>
-        <p:spPr/>
-      </p:sp>
-      <p:sp>
-        <p:nvSpPr>
-          <p:cNvPr id="3" name="Notes Placeholder 2"/>
-          <p:cNvSpPr>
-            <a:spLocks noGrp="1"/>
-          </p:cNvSpPr>
-          <p:nvPr>
-            <p:ph type="body" idx="1"/>
-          </p:nvPr>
-        </p:nvSpPr>
-        <p:spPr/>
-        <p:txBody>
-          <a:bodyPr/>
-          <a:lstStyle/>
-          <a:p>
-            <a:endParaRPr lang="en-US" dirty="0"/>
-          </a:p>
-        </p:txBody>
-      </p:sp>
-      <p:sp>
-        <p:nvSpPr>
-          <p:cNvPr id="4" name="Slide Number Placeholder 3"/>
-          <p:cNvSpPr>
-            <a:spLocks noGrp="1"/>
-          </p:cNvSpPr>
-          <p:nvPr>
-            <p:ph type="sldNum" sz="quarter" idx="10"/>
-          </p:nvPr>
-        </p:nvSpPr>
-        <p:spPr/>
-        <p:txBody>
-          <a:bodyPr/>
-          <a:lstStyle/>
-          <a:p>
-            <a:fld id="{C2698728-EB87-E34E-977D-E3392FB2F7C3}" type="slidenum">
-              <a:rPr lang="en-US" smtClean="0"/>
-              <a:t>26</a:t>
-            </a:fld>
-            <a:endParaRPr lang="en-US"/>
-          </a:p>
-        </p:txBody>
-      </p:sp>
-    </p:spTree>
-    <p:extLst>
-      <p:ext uri="{BB962C8B-B14F-4D97-AF65-F5344CB8AC3E}">
-        <p14:creationId xmlns:p14="http://schemas.microsoft.com/office/powerpoint/2010/main" val="743391570"/>
-      </p:ext>
-    </p:extLst>
-  </p:cSld>
-  <p:clrMapOvr>
-    <a:masterClrMapping/>
-  </p:clrMapOvr>
-</p:notes>
-</file>
-
-<file path=ppt/notesSlides/notesSlide17.xml><?xml version="1.0" encoding="utf-8"?>
+<file path=ppt/notesSlides/notesSlide15.xml><?xml version="1.0" encoding="utf-8"?>
 <p:notes xmlns:a="http://schemas.openxmlformats.org/drawingml/2006/main" xmlns:r="http://schemas.openxmlformats.org/officeDocument/2006/relationships" xmlns:p="http://schemas.openxmlformats.org/presentationml/2006/main">
   <p:cSld>
     <p:spTree>
@@ -1312,14 +1140,6 @@
           <a:bodyPr/>
           <a:lstStyle/>
           <a:p>
-            <a:r>
-              <a:rPr lang="en-US" dirty="0" smtClean="0"/>
-              <a:t>Briefly</a:t>
-            </a:r>
-            <a:r>
-              <a:rPr lang="en-US" baseline="0" dirty="0" smtClean="0"/>
-              <a:t> cover runtime. </a:t>
-            </a:r>
             <a:endParaRPr lang="en-US" dirty="0"/>
           </a:p>
         </p:txBody>
@@ -1339,9 +1159,9 @@
           <a:bodyPr/>
           <a:lstStyle/>
           <a:p>
-            <a:fld id="{C2698728-EB87-E34E-977D-E3392FB2F7C3}" type="slidenum">
+            <a:fld id="{0F7EF5EC-725D-DA48-9BAD-19B6E5F87FE7}" type="slidenum">
               <a:rPr lang="en-US" smtClean="0"/>
-              <a:t>4</a:t>
+              <a:t>10</a:t>
             </a:fld>
             <a:endParaRPr lang="en-US"/>
           </a:p>
@@ -1350,7 +1170,7 @@
     </p:spTree>
     <p:extLst>
       <p:ext uri="{BB962C8B-B14F-4D97-AF65-F5344CB8AC3E}">
-        <p14:creationId xmlns:p14="http://schemas.microsoft.com/office/powerpoint/2010/main" val="499974354"/>
+        <p14:creationId xmlns:p14="http://schemas.microsoft.com/office/powerpoint/2010/main" val="1591556655"/>
       </p:ext>
     </p:extLst>
   </p:cSld>
@@ -1404,6 +1224,14 @@
           <a:bodyPr/>
           <a:lstStyle/>
           <a:p>
+            <a:r>
+              <a:rPr lang="en-US" dirty="0" smtClean="0"/>
+              <a:t>As we’ll later show,</a:t>
+            </a:r>
+            <a:r>
+              <a:rPr lang="en-US" baseline="0" dirty="0" smtClean="0"/>
+              <a:t> the frequency of certain variants is inversely proportional to penetrance. </a:t>
+            </a:r>
             <a:endParaRPr lang="en-US" dirty="0"/>
           </a:p>
         </p:txBody>
@@ -1423,9 +1251,9 @@
           <a:bodyPr/>
           <a:lstStyle/>
           <a:p>
-            <a:fld id="{0F7EF5EC-725D-DA48-9BAD-19B6E5F87FE7}" type="slidenum">
+            <a:fld id="{C2698728-EB87-E34E-977D-E3392FB2F7C3}" type="slidenum">
               <a:rPr lang="en-US" smtClean="0"/>
-              <a:t>10</a:t>
+              <a:t>11</a:t>
             </a:fld>
             <a:endParaRPr lang="en-US"/>
           </a:p>
@@ -1434,7 +1262,7 @@
     </p:spTree>
     <p:extLst>
       <p:ext uri="{BB962C8B-B14F-4D97-AF65-F5344CB8AC3E}">
-        <p14:creationId xmlns:p14="http://schemas.microsoft.com/office/powerpoint/2010/main" val="1591556655"/>
+        <p14:creationId xmlns:p14="http://schemas.microsoft.com/office/powerpoint/2010/main" val="836589483"/>
       </p:ext>
     </p:extLst>
   </p:cSld>
@@ -1509,7 +1337,7 @@
           <a:p>
             <a:fld id="{C2698728-EB87-E34E-977D-E3392FB2F7C3}" type="slidenum">
               <a:rPr lang="en-US" smtClean="0"/>
-              <a:t>11</a:t>
+              <a:t>13</a:t>
             </a:fld>
             <a:endParaRPr lang="en-US"/>
           </a:p>
@@ -1518,7 +1346,7 @@
     </p:spTree>
     <p:extLst>
       <p:ext uri="{BB962C8B-B14F-4D97-AF65-F5344CB8AC3E}">
-        <p14:creationId xmlns:p14="http://schemas.microsoft.com/office/powerpoint/2010/main" val="836589483"/>
+        <p14:creationId xmlns:p14="http://schemas.microsoft.com/office/powerpoint/2010/main" val="1460798397"/>
       </p:ext>
     </p:extLst>
   </p:cSld>
@@ -1593,7 +1421,7 @@
           <a:p>
             <a:fld id="{C2698728-EB87-E34E-977D-E3392FB2F7C3}" type="slidenum">
               <a:rPr lang="en-US" smtClean="0"/>
-              <a:t>13</a:t>
+              <a:t>14</a:t>
             </a:fld>
             <a:endParaRPr lang="en-US"/>
           </a:p>
@@ -1656,6 +1484,21 @@
           <a:bodyPr/>
           <a:lstStyle/>
           <a:p>
+            <a:r>
+              <a:rPr lang="en-US" dirty="0" smtClean="0"/>
+              <a:t>For example: MYBPC3 is 1/50,</a:t>
+            </a:r>
+            <a:r>
+              <a:rPr lang="en-US" baseline="0" dirty="0" smtClean="0"/>
+              <a:t> but prevalence of HCM is 1/500. </a:t>
+            </a:r>
+            <a:br>
+              <a:rPr lang="en-US" baseline="0" dirty="0" smtClean="0"/>
+            </a:br>
+            <a:r>
+              <a:rPr lang="en-US" baseline="0" dirty="0" smtClean="0"/>
+              <a:t>SCN5A mutations are in ½ of the population (?!?!)</a:t>
+            </a:r>
             <a:endParaRPr lang="en-US" dirty="0"/>
           </a:p>
         </p:txBody>
@@ -1677,7 +1520,7 @@
           <a:p>
             <a:fld id="{C2698728-EB87-E34E-977D-E3392FB2F7C3}" type="slidenum">
               <a:rPr lang="en-US" smtClean="0"/>
-              <a:t>14</a:t>
+              <a:t>15</a:t>
             </a:fld>
             <a:endParaRPr lang="en-US"/>
           </a:p>
@@ -1686,7 +1529,7 @@
     </p:spTree>
     <p:extLst>
       <p:ext uri="{BB962C8B-B14F-4D97-AF65-F5344CB8AC3E}">
-        <p14:creationId xmlns:p14="http://schemas.microsoft.com/office/powerpoint/2010/main" val="1460798397"/>
+        <p14:creationId xmlns:p14="http://schemas.microsoft.com/office/powerpoint/2010/main" val="984003872"/>
       </p:ext>
     </p:extLst>
   </p:cSld>
@@ -1740,21 +1583,6 @@
           <a:bodyPr/>
           <a:lstStyle/>
           <a:p>
-            <a:r>
-              <a:rPr lang="en-US" dirty="0" smtClean="0"/>
-              <a:t>For example: MYBPC3 is 1/50,</a:t>
-            </a:r>
-            <a:r>
-              <a:rPr lang="en-US" baseline="0" dirty="0" smtClean="0"/>
-              <a:t> but prevalence of HCM is 1/500. </a:t>
-            </a:r>
-            <a:br>
-              <a:rPr lang="en-US" baseline="0" dirty="0" smtClean="0"/>
-            </a:br>
-            <a:r>
-              <a:rPr lang="en-US" baseline="0" dirty="0" smtClean="0"/>
-              <a:t>SCN5A mutations are in ½ of the population (?!?!)</a:t>
-            </a:r>
             <a:endParaRPr lang="en-US" dirty="0"/>
           </a:p>
         </p:txBody>
@@ -1776,7 +1604,7 @@
           <a:p>
             <a:fld id="{C2698728-EB87-E34E-977D-E3392FB2F7C3}" type="slidenum">
               <a:rPr lang="en-US" smtClean="0"/>
-              <a:t>15</a:t>
+              <a:t>19</a:t>
             </a:fld>
             <a:endParaRPr lang="en-US"/>
           </a:p>
@@ -1785,7 +1613,7 @@
     </p:spTree>
     <p:extLst>
       <p:ext uri="{BB962C8B-B14F-4D97-AF65-F5344CB8AC3E}">
-        <p14:creationId xmlns:p14="http://schemas.microsoft.com/office/powerpoint/2010/main" val="984003872"/>
+        <p14:creationId xmlns:p14="http://schemas.microsoft.com/office/powerpoint/2010/main" val="1689122570"/>
       </p:ext>
     </p:extLst>
   </p:cSld>
@@ -1839,6 +1667,34 @@
           <a:bodyPr/>
           <a:lstStyle/>
           <a:p>
+            <a:pPr marL="0" marR="0" indent="0" algn="l" defTabSz="914400" rtl="0" eaLnBrk="1" fontAlgn="auto" latinLnBrk="0" hangingPunct="1">
+              <a:lnSpc>
+                <a:spcPct val="100000"/>
+              </a:lnSpc>
+              <a:spcBef>
+                <a:spcPts val="0"/>
+              </a:spcBef>
+              <a:spcAft>
+                <a:spcPts val="0"/>
+              </a:spcAft>
+              <a:buClrTx/>
+              <a:buSzTx/>
+              <a:buFontTx/>
+              <a:buNone/>
+              <a:tabLst/>
+              <a:defRPr/>
+            </a:pPr>
+            <a:r>
+              <a:rPr lang="en-US" dirty="0" smtClean="0"/>
+              <a:t>Randomly</a:t>
+            </a:r>
+            <a:r>
+              <a:rPr lang="en-US" baseline="0" dirty="0" smtClean="0"/>
+              <a:t> select 56 genes 10 times </a:t>
+            </a:r>
+            <a:endParaRPr lang="en-US" dirty="0" smtClean="0"/>
+          </a:p>
+          <a:p>
             <a:endParaRPr lang="en-US" dirty="0"/>
           </a:p>
         </p:txBody>
@@ -1860,7 +1716,7 @@
           <a:p>
             <a:fld id="{C2698728-EB87-E34E-977D-E3392FB2F7C3}" type="slidenum">
               <a:rPr lang="en-US" smtClean="0"/>
-              <a:t>18</a:t>
+              <a:t>20</a:t>
             </a:fld>
             <a:endParaRPr lang="en-US"/>
           </a:p>
@@ -1869,7 +1725,7 @@
     </p:spTree>
     <p:extLst>
       <p:ext uri="{BB962C8B-B14F-4D97-AF65-F5344CB8AC3E}">
-        <p14:creationId xmlns:p14="http://schemas.microsoft.com/office/powerpoint/2010/main" val="1689122570"/>
+        <p14:creationId xmlns:p14="http://schemas.microsoft.com/office/powerpoint/2010/main" val="1847121923"/>
       </p:ext>
     </p:extLst>
   </p:cSld>
@@ -1923,34 +1779,6 @@
           <a:bodyPr/>
           <a:lstStyle/>
           <a:p>
-            <a:pPr marL="0" marR="0" indent="0" algn="l" defTabSz="914400" rtl="0" eaLnBrk="1" fontAlgn="auto" latinLnBrk="0" hangingPunct="1">
-              <a:lnSpc>
-                <a:spcPct val="100000"/>
-              </a:lnSpc>
-              <a:spcBef>
-                <a:spcPts val="0"/>
-              </a:spcBef>
-              <a:spcAft>
-                <a:spcPts val="0"/>
-              </a:spcAft>
-              <a:buClrTx/>
-              <a:buSzTx/>
-              <a:buFontTx/>
-              <a:buNone/>
-              <a:tabLst/>
-              <a:defRPr/>
-            </a:pPr>
-            <a:r>
-              <a:rPr lang="en-US" dirty="0" smtClean="0"/>
-              <a:t>Randomly</a:t>
-            </a:r>
-            <a:r>
-              <a:rPr lang="en-US" baseline="0" dirty="0" smtClean="0"/>
-              <a:t> select 56 genes 10 times </a:t>
-            </a:r>
-            <a:endParaRPr lang="en-US" dirty="0" smtClean="0"/>
-          </a:p>
-          <a:p>
             <a:endParaRPr lang="en-US" dirty="0"/>
           </a:p>
         </p:txBody>
@@ -1972,7 +1800,7 @@
           <a:p>
             <a:fld id="{C2698728-EB87-E34E-977D-E3392FB2F7C3}" type="slidenum">
               <a:rPr lang="en-US" smtClean="0"/>
-              <a:t>19</a:t>
+              <a:t>21</a:t>
             </a:fld>
             <a:endParaRPr lang="en-US"/>
           </a:p>
@@ -1981,7 +1809,7 @@
     </p:spTree>
     <p:extLst>
       <p:ext uri="{BB962C8B-B14F-4D97-AF65-F5344CB8AC3E}">
-        <p14:creationId xmlns:p14="http://schemas.microsoft.com/office/powerpoint/2010/main" val="1847121923"/>
+        <p14:creationId xmlns:p14="http://schemas.microsoft.com/office/powerpoint/2010/main" val="280183838"/>
       </p:ext>
     </p:extLst>
   </p:cSld>
@@ -2122,7 +1950,7 @@
           <a:p>
             <a:fld id="{48A87A34-81AB-432B-8DAE-1953F412C126}" type="datetimeFigureOut">
               <a:rPr lang="en-US" smtClean="0"/>
-              <a:t>7/26/16</a:t>
+              <a:t>7/27/16</a:t>
             </a:fld>
             <a:endParaRPr lang="en-US" dirty="0"/>
           </a:p>
@@ -2292,7 +2120,7 @@
           <a:p>
             <a:fld id="{48A87A34-81AB-432B-8DAE-1953F412C126}" type="datetimeFigureOut">
               <a:rPr lang="en-US" smtClean="0"/>
-              <a:t>7/26/16</a:t>
+              <a:t>7/27/16</a:t>
             </a:fld>
             <a:endParaRPr lang="en-US" dirty="0"/>
           </a:p>
@@ -2473,7 +2301,7 @@
             <a:fld id="{48A87A34-81AB-432B-8DAE-1953F412C126}" type="datetimeFigureOut">
               <a:rPr lang="en-US" smtClean="0"/>
               <a:pPr/>
-              <a:t>7/26/16</a:t>
+              <a:t>7/27/16</a:t>
             </a:fld>
             <a:endParaRPr lang="en-US" dirty="0"/>
           </a:p>
@@ -2643,7 +2471,7 @@
           <a:p>
             <a:fld id="{48A87A34-81AB-432B-8DAE-1953F412C126}" type="datetimeFigureOut">
               <a:rPr lang="en-US" smtClean="0"/>
-              <a:t>7/26/16</a:t>
+              <a:t>7/27/16</a:t>
             </a:fld>
             <a:endParaRPr lang="en-US" dirty="0"/>
           </a:p>
@@ -2890,7 +2718,7 @@
             <a:fld id="{48A87A34-81AB-432B-8DAE-1953F412C126}" type="datetimeFigureOut">
               <a:rPr lang="en-US" smtClean="0"/>
               <a:pPr/>
-              <a:t>7/26/16</a:t>
+              <a:t>7/27/16</a:t>
             </a:fld>
             <a:endParaRPr lang="en-US" dirty="0"/>
           </a:p>
@@ -3122,7 +2950,7 @@
           <a:p>
             <a:fld id="{48A87A34-81AB-432B-8DAE-1953F412C126}" type="datetimeFigureOut">
               <a:rPr lang="en-US" smtClean="0"/>
-              <a:t>7/26/16</a:t>
+              <a:t>7/27/16</a:t>
             </a:fld>
             <a:endParaRPr lang="en-US" dirty="0"/>
           </a:p>
@@ -3489,7 +3317,7 @@
           <a:p>
             <a:fld id="{48A87A34-81AB-432B-8DAE-1953F412C126}" type="datetimeFigureOut">
               <a:rPr lang="en-US" smtClean="0"/>
-              <a:t>7/26/16</a:t>
+              <a:t>7/27/16</a:t>
             </a:fld>
             <a:endParaRPr lang="en-US" dirty="0"/>
           </a:p>
@@ -3607,7 +3435,7 @@
           <a:p>
             <a:fld id="{48A87A34-81AB-432B-8DAE-1953F412C126}" type="datetimeFigureOut">
               <a:rPr lang="en-US" smtClean="0"/>
-              <a:t>7/26/16</a:t>
+              <a:t>7/27/16</a:t>
             </a:fld>
             <a:endParaRPr lang="en-US" dirty="0"/>
           </a:p>
@@ -3702,7 +3530,7 @@
           <a:p>
             <a:fld id="{48A87A34-81AB-432B-8DAE-1953F412C126}" type="datetimeFigureOut">
               <a:rPr lang="en-US" smtClean="0"/>
-              <a:t>7/26/16</a:t>
+              <a:t>7/27/16</a:t>
             </a:fld>
             <a:endParaRPr lang="en-US" dirty="0"/>
           </a:p>
@@ -3979,7 +3807,7 @@
           <a:p>
             <a:fld id="{48A87A34-81AB-432B-8DAE-1953F412C126}" type="datetimeFigureOut">
               <a:rPr lang="en-US" smtClean="0"/>
-              <a:t>7/26/16</a:t>
+              <a:t>7/27/16</a:t>
             </a:fld>
             <a:endParaRPr lang="en-US" dirty="0"/>
           </a:p>
@@ -4232,7 +4060,7 @@
           <a:p>
             <a:fld id="{48A87A34-81AB-432B-8DAE-1953F412C126}" type="datetimeFigureOut">
               <a:rPr lang="en-US" smtClean="0"/>
-              <a:t>7/26/16</a:t>
+              <a:t>7/27/16</a:t>
             </a:fld>
             <a:endParaRPr lang="en-US" dirty="0"/>
           </a:p>
@@ -4446,7 +4274,7 @@
             <a:fld id="{48A87A34-81AB-432B-8DAE-1953F412C126}" type="datetimeFigureOut">
               <a:rPr lang="en-US" smtClean="0"/>
               <a:pPr/>
-              <a:t>7/26/16</a:t>
+              <a:t>7/27/16</a:t>
             </a:fld>
             <a:endParaRPr lang="en-US" dirty="0"/>
           </a:p>
@@ -5393,7 +5221,34 @@
             <a:pPr algn="ctr"/>
             <a:r>
               <a:rPr lang="en-US" sz="4200" dirty="0" smtClean="0"/>
-              <a:t>Combining individual-level data from 1000 genomes with pathogenicity data from ClinVar</a:t>
+              <a:t>Combining </a:t>
+            </a:r>
+            <a:r>
+              <a:rPr lang="en-US" sz="4200" b="1" i="1" dirty="0" smtClean="0"/>
+              <a:t>individual-level </a:t>
+            </a:r>
+            <a:r>
+              <a:rPr lang="en-US" sz="4200" dirty="0" smtClean="0"/>
+              <a:t>data from 1000 genomes with </a:t>
+            </a:r>
+            <a:r>
+              <a:rPr lang="en-US" sz="4200" b="1" i="1" dirty="0" smtClean="0"/>
+              <a:t>pathogenicity</a:t>
+            </a:r>
+            <a:r>
+              <a:rPr lang="en-US" sz="4200" dirty="0" smtClean="0"/>
+              <a:t> data from </a:t>
+            </a:r>
+            <a:r>
+              <a:rPr lang="en-US" sz="4200" dirty="0" smtClean="0"/>
+              <a:t>ClinVar</a:t>
+            </a:r>
+            <a:br>
+              <a:rPr lang="en-US" sz="4200" dirty="0" smtClean="0"/>
+            </a:br>
+            <a:r>
+              <a:rPr lang="en-US" sz="4200" dirty="0" smtClean="0"/>
+              <a:t>Part 1: Overview</a:t>
             </a:r>
             <a:endParaRPr lang="en-US" sz="4200" dirty="0"/>
           </a:p>
@@ -5448,153 +5303,6 @@
         </p:nvSpPr>
         <p:spPr>
           <a:xfrm>
-            <a:off x="679565" y="425340"/>
-            <a:ext cx="4151499" cy="2765590"/>
-          </a:xfrm>
-        </p:spPr>
-        <p:txBody>
-          <a:bodyPr>
-            <a:normAutofit/>
-          </a:bodyPr>
-          <a:lstStyle/>
-          <a:p>
-            <a:pPr algn="r"/>
-            <a:r>
-              <a:rPr lang="en-US" sz="4000" dirty="0" smtClean="0"/>
-              <a:t>137 Pathogenic </a:t>
-            </a:r>
-            <a:r>
-              <a:rPr lang="en-US" sz="4000" dirty="0"/>
-              <a:t>C</a:t>
-            </a:r>
-            <a:r>
-              <a:rPr lang="en-US" sz="4000" dirty="0" smtClean="0"/>
-              <a:t>linvar Variants Distributed by Disease</a:t>
-            </a:r>
-            <a:endParaRPr lang="en-US" sz="4000" dirty="0"/>
-          </a:p>
-        </p:txBody>
-      </p:sp>
-      <p:sp>
-        <p:nvSpPr>
-          <p:cNvPr id="3" name="Content Placeholder 2"/>
-          <p:cNvSpPr>
-            <a:spLocks noGrp="1"/>
-          </p:cNvSpPr>
-          <p:nvPr>
-            <p:ph idx="1"/>
-          </p:nvPr>
-        </p:nvSpPr>
-        <p:spPr>
-          <a:xfrm>
-            <a:off x="734398" y="3190930"/>
-            <a:ext cx="4096666" cy="2923267"/>
-          </a:xfrm>
-        </p:spPr>
-        <p:txBody>
-          <a:bodyPr>
-            <a:normAutofit/>
-          </a:bodyPr>
-          <a:lstStyle/>
-          <a:p>
-            <a:pPr algn="r"/>
-            <a:r>
-              <a:rPr lang="en-US" sz="2400" dirty="0" smtClean="0"/>
-              <a:t>All </a:t>
-            </a:r>
-            <a:r>
-              <a:rPr lang="en-US" sz="2400" dirty="0" err="1" smtClean="0"/>
-              <a:t>clinvar</a:t>
-            </a:r>
-            <a:r>
-              <a:rPr lang="en-US" sz="2400" dirty="0" smtClean="0"/>
-              <a:t> variants were associated with either one of the 56 ACMG-relevant genes, or labeled “Unknown.” </a:t>
-            </a:r>
-          </a:p>
-          <a:p>
-            <a:pPr algn="r"/>
-            <a:r>
-              <a:rPr lang="en-US" sz="2400" dirty="0" smtClean="0"/>
-              <a:t>&gt;80% of the variants were explicitly ACMG-relevant. </a:t>
-            </a:r>
-          </a:p>
-          <a:p>
-            <a:endParaRPr lang="en-US" sz="2400" dirty="0"/>
-          </a:p>
-        </p:txBody>
-      </p:sp>
-      <p:pic>
-        <p:nvPicPr>
-          <p:cNvPr id="4" name="Picture 3"/>
-          <p:cNvPicPr>
-            <a:picLocks noChangeAspect="1"/>
-          </p:cNvPicPr>
-          <p:nvPr/>
-        </p:nvPicPr>
-        <p:blipFill rotWithShape="1">
-          <a:blip r:embed="rId3"/>
-          <a:srcRect t="1" b="454"/>
-          <a:stretch/>
-        </p:blipFill>
-        <p:spPr>
-          <a:xfrm>
-            <a:off x="5462981" y="1088103"/>
-            <a:ext cx="6369255" cy="5026094"/>
-          </a:xfrm>
-          <a:prstGeom prst="rect">
-            <a:avLst/>
-          </a:prstGeom>
-        </p:spPr>
-      </p:pic>
-    </p:spTree>
-    <p:extLst>
-      <p:ext uri="{BB962C8B-B14F-4D97-AF65-F5344CB8AC3E}">
-        <p14:creationId xmlns:p14="http://schemas.microsoft.com/office/powerpoint/2010/main" val="1290280742"/>
-      </p:ext>
-    </p:extLst>
-  </p:cSld>
-  <p:clrMapOvr>
-    <a:masterClrMapping/>
-  </p:clrMapOvr>
-  <p:timing>
-    <p:tnLst>
-      <p:par>
-        <p:cTn id="1" dur="indefinite" restart="never" nodeType="tmRoot"/>
-      </p:par>
-    </p:tnLst>
-  </p:timing>
-</p:sld>
-</file>
-
-<file path=ppt/slides/slide14.xml><?xml version="1.0" encoding="utf-8"?>
-<p:sld xmlns:a="http://schemas.openxmlformats.org/drawingml/2006/main" xmlns:r="http://schemas.openxmlformats.org/officeDocument/2006/relationships" xmlns:p="http://schemas.openxmlformats.org/presentationml/2006/main">
-  <p:cSld>
-    <p:spTree>
-      <p:nvGrpSpPr>
-        <p:cNvPr id="1" name=""/>
-        <p:cNvGrpSpPr/>
-        <p:nvPr/>
-      </p:nvGrpSpPr>
-      <p:grpSpPr>
-        <a:xfrm>
-          <a:off x="0" y="0"/>
-          <a:ext cx="0" cy="0"/>
-          <a:chOff x="0" y="0"/>
-          <a:chExt cx="0" cy="0"/>
-        </a:xfrm>
-      </p:grpSpPr>
-      <p:sp>
-        <p:nvSpPr>
-          <p:cNvPr id="2" name="Title 1"/>
-          <p:cNvSpPr>
-            <a:spLocks noGrp="1"/>
-          </p:cNvSpPr>
-          <p:nvPr>
-            <p:ph type="title"/>
-          </p:nvPr>
-        </p:nvSpPr>
-        <p:spPr>
-          <a:xfrm>
             <a:off x="777922" y="407614"/>
             <a:ext cx="10866500" cy="1293028"/>
           </a:xfrm>
@@ -5646,8 +5354,8 @@
         </p:nvSpPr>
         <p:spPr>
           <a:xfrm>
-            <a:off x="463231" y="1700642"/>
-            <a:ext cx="2870791" cy="3970318"/>
+            <a:off x="463232" y="1700642"/>
+            <a:ext cx="2333772" cy="4524315"/>
           </a:xfrm>
           <a:prstGeom prst="rect">
             <a:avLst/>
@@ -5677,8 +5385,13 @@
             </a:br>
             <a:r>
               <a:rPr lang="en-US" dirty="0" smtClean="0"/>
-              <a:t>139,388 unique variants</a:t>
-            </a:r>
+              <a:t>139,388 unique </a:t>
+            </a:r>
+            <a:r>
+              <a:rPr lang="en-US" dirty="0" smtClean="0"/>
+              <a:t>variants in ACMG-56.</a:t>
+            </a:r>
+            <a:endParaRPr lang="en-US" dirty="0" smtClean="0"/>
           </a:p>
           <a:p>
             <a:endParaRPr lang="en-US" dirty="0"/>
@@ -5710,6 +5423,11 @@
               <a:rPr lang="en-US" dirty="0" smtClean="0"/>
               <a:t>(8,441 unique) </a:t>
             </a:r>
+            <a:r>
+              <a:rPr lang="en-US" dirty="0" smtClean="0"/>
+              <a:t>across ~27,000 genes</a:t>
+            </a:r>
+            <a:endParaRPr lang="en-US" dirty="0" smtClean="0"/>
           </a:p>
           <a:p>
             <a:endParaRPr lang="en-US" dirty="0"/>
@@ -5868,6 +5586,113 @@
 </p:sld>
 </file>
 
+<file path=ppt/slides/slide14.xml><?xml version="1.0" encoding="utf-8"?>
+<p:sld xmlns:a="http://schemas.openxmlformats.org/drawingml/2006/main" xmlns:r="http://schemas.openxmlformats.org/officeDocument/2006/relationships" xmlns:p="http://schemas.openxmlformats.org/presentationml/2006/main" show="0">
+  <p:cSld>
+    <p:spTree>
+      <p:nvGrpSpPr>
+        <p:cNvPr id="1" name=""/>
+        <p:cNvGrpSpPr/>
+        <p:nvPr/>
+      </p:nvGrpSpPr>
+      <p:grpSpPr>
+        <a:xfrm>
+          <a:off x="0" y="0"/>
+          <a:ext cx="0" cy="0"/>
+          <a:chOff x="0" y="0"/>
+          <a:chExt cx="0" cy="0"/>
+        </a:xfrm>
+      </p:grpSpPr>
+      <p:sp>
+        <p:nvSpPr>
+          <p:cNvPr id="2" name="Title 1"/>
+          <p:cNvSpPr>
+            <a:spLocks noGrp="1"/>
+          </p:cNvSpPr>
+          <p:nvPr>
+            <p:ph type="title"/>
+          </p:nvPr>
+        </p:nvSpPr>
+        <p:spPr>
+          <a:xfrm>
+            <a:off x="679565" y="425340"/>
+            <a:ext cx="4151499" cy="2765590"/>
+          </a:xfrm>
+        </p:spPr>
+        <p:txBody>
+          <a:bodyPr>
+            <a:normAutofit/>
+          </a:bodyPr>
+          <a:lstStyle/>
+          <a:p>
+            <a:pPr algn="r"/>
+            <a:r>
+              <a:rPr lang="en-US" sz="4000" dirty="0" smtClean="0"/>
+              <a:t>137 Pathogenic </a:t>
+            </a:r>
+            <a:r>
+              <a:rPr lang="en-US" sz="4000" dirty="0"/>
+              <a:t>C</a:t>
+            </a:r>
+            <a:r>
+              <a:rPr lang="en-US" sz="4000" dirty="0" smtClean="0"/>
+              <a:t>linvar Variants Distributed by Disease</a:t>
+            </a:r>
+            <a:endParaRPr lang="en-US" sz="4000" dirty="0"/>
+          </a:p>
+        </p:txBody>
+      </p:sp>
+      <p:pic>
+        <p:nvPicPr>
+          <p:cNvPr id="4" name="Picture 3"/>
+          <p:cNvPicPr>
+            <a:picLocks noChangeAspect="1"/>
+          </p:cNvPicPr>
+          <p:nvPr/>
+        </p:nvPicPr>
+        <p:blipFill rotWithShape="1">
+          <a:blip r:embed="rId3"/>
+          <a:srcRect t="1" b="454"/>
+          <a:stretch/>
+        </p:blipFill>
+        <p:spPr>
+          <a:xfrm>
+            <a:off x="5462981" y="1088103"/>
+            <a:ext cx="6369255" cy="5026094"/>
+          </a:xfrm>
+          <a:prstGeom prst="rect">
+            <a:avLst/>
+          </a:prstGeom>
+        </p:spPr>
+      </p:pic>
+    </p:spTree>
+    <p:extLst>
+      <p:ext uri="{BB962C8B-B14F-4D97-AF65-F5344CB8AC3E}">
+        <p14:creationId xmlns:p14="http://schemas.microsoft.com/office/powerpoint/2010/main" val="1290280742"/>
+      </p:ext>
+    </p:extLst>
+  </p:cSld>
+  <p:clrMapOvr>
+    <a:masterClrMapping/>
+  </p:clrMapOvr>
+  <mc:AlternateContent xmlns:mc="http://schemas.openxmlformats.org/markup-compatibility/2006">
+    <mc:Choice xmlns:p14="http://schemas.microsoft.com/office/powerpoint/2010/main" Requires="p14">
+      <p:transition spd="slow" p14:dur="2000"/>
+    </mc:Choice>
+    <mc:Fallback>
+      <p:transition spd="slow"/>
+    </mc:Fallback>
+  </mc:AlternateContent>
+  <p:timing>
+    <p:tnLst>
+      <p:par>
+        <p:cTn id="1" dur="indefinite" restart="never" nodeType="tmRoot"/>
+      </p:par>
+    </p:tnLst>
+  </p:timing>
+</p:sld>
+</file>
+
 <file path=ppt/slides/slide15.xml><?xml version="1.0" encoding="utf-8"?>
 <p:sld xmlns:a="http://schemas.openxmlformats.org/drawingml/2006/main" xmlns:r="http://schemas.openxmlformats.org/officeDocument/2006/relationships" xmlns:p="http://schemas.openxmlformats.org/presentationml/2006/main">
   <p:cSld>
@@ -5905,7 +5730,11 @@
             <a:pPr algn="r"/>
             <a:r>
               <a:rPr lang="en-US" dirty="0" smtClean="0"/>
-              <a:t>1000G individuals with mutations</a:t>
+              <a:t>1000G individuals with </a:t>
+            </a:r>
+            <a:r>
+              <a:rPr lang="en-US" dirty="0" smtClean="0"/>
+              <a:t>pathogenic mutations</a:t>
             </a:r>
             <a:endParaRPr lang="en-US" dirty="0"/>
           </a:p>
@@ -6086,8 +5915,8 @@
         </p:nvSpPr>
         <p:spPr>
           <a:xfrm>
-            <a:off x="838200" y="5710002"/>
-            <a:ext cx="2970878" cy="646331"/>
+            <a:off x="838200" y="5742218"/>
+            <a:ext cx="2970878" cy="369332"/>
           </a:xfrm>
           <a:prstGeom prst="rect">
             <a:avLst/>
@@ -6110,14 +5939,11 @@
             </a:r>
             <a:r>
               <a:rPr lang="en-US" dirty="0" smtClean="0"/>
-              <a:t> region</a:t>
-            </a:r>
-            <a:br>
+              <a:t> </a:t>
+            </a:r>
+            <a:r>
               <a:rPr lang="en-US" dirty="0" smtClean="0"/>
-            </a:br>
-            <a:r>
-              <a:rPr lang="en-US" dirty="0" smtClean="0"/>
-              <a:t>12/56 in length. </a:t>
+              <a:t>region</a:t>
             </a:r>
             <a:endParaRPr lang="en-US" dirty="0"/>
           </a:p>
@@ -6160,6 +5986,92 @@
           <a:chExt cx="0" cy="0"/>
         </a:xfrm>
       </p:grpSpPr>
+      <p:sp>
+        <p:nvSpPr>
+          <p:cNvPr id="2" name="Title 1"/>
+          <p:cNvSpPr>
+            <a:spLocks noGrp="1"/>
+          </p:cNvSpPr>
+          <p:nvPr>
+            <p:ph type="title"/>
+          </p:nvPr>
+        </p:nvSpPr>
+        <p:spPr>
+          <a:xfrm>
+            <a:off x="467833" y="365125"/>
+            <a:ext cx="11334307" cy="6078205"/>
+          </a:xfrm>
+        </p:spPr>
+        <p:txBody>
+          <a:bodyPr/>
+          <a:lstStyle/>
+          <a:p>
+            <a:pPr algn="ctr"/>
+            <a:r>
+              <a:rPr lang="en-US" dirty="0"/>
+              <a:t>Combining </a:t>
+            </a:r>
+            <a:r>
+              <a:rPr lang="en-US" b="1" i="1" dirty="0"/>
+              <a:t>individual-level </a:t>
+            </a:r>
+            <a:r>
+              <a:rPr lang="en-US" dirty="0"/>
+              <a:t>data from 1000 genomes with </a:t>
+            </a:r>
+            <a:r>
+              <a:rPr lang="en-US" b="1" i="1" dirty="0"/>
+              <a:t>pathogenicity</a:t>
+            </a:r>
+            <a:r>
+              <a:rPr lang="en-US" dirty="0"/>
+              <a:t> data from ClinVar</a:t>
+            </a:r>
+            <a:br>
+              <a:rPr lang="en-US" dirty="0"/>
+            </a:br>
+            <a:r>
+              <a:rPr lang="en-US" dirty="0"/>
+              <a:t>Part </a:t>
+            </a:r>
+            <a:r>
+              <a:rPr lang="en-US" dirty="0" smtClean="0"/>
+              <a:t>2: Populations Analysis</a:t>
+            </a:r>
+            <a:endParaRPr lang="en-US" dirty="0"/>
+          </a:p>
+        </p:txBody>
+      </p:sp>
+    </p:spTree>
+    <p:extLst>
+      <p:ext uri="{BB962C8B-B14F-4D97-AF65-F5344CB8AC3E}">
+        <p14:creationId xmlns:p14="http://schemas.microsoft.com/office/powerpoint/2010/main" val="1476273509"/>
+      </p:ext>
+    </p:extLst>
+  </p:cSld>
+  <p:clrMapOvr>
+    <a:masterClrMapping/>
+  </p:clrMapOvr>
+</p:sld>
+</file>
+
+<file path=ppt/slides/slide17.xml><?xml version="1.0" encoding="utf-8"?>
+<p:sld xmlns:a="http://schemas.openxmlformats.org/drawingml/2006/main" xmlns:r="http://schemas.openxmlformats.org/officeDocument/2006/relationships" xmlns:p="http://schemas.openxmlformats.org/presentationml/2006/main">
+  <p:cSld>
+    <p:spTree>
+      <p:nvGrpSpPr>
+        <p:cNvPr id="1" name=""/>
+        <p:cNvGrpSpPr/>
+        <p:nvPr/>
+      </p:nvGrpSpPr>
+      <p:grpSpPr>
+        <a:xfrm>
+          <a:off x="0" y="0"/>
+          <a:ext cx="0" cy="0"/>
+          <a:chOff x="0" y="0"/>
+          <a:chExt cx="0" cy="0"/>
+        </a:xfrm>
+      </p:grpSpPr>
       <p:pic>
         <p:nvPicPr>
           <p:cNvPr id="5" name="Content Placeholder 3"/>
@@ -6275,8 +6187,8 @@
 </p:sld>
 </file>
 
-<file path=ppt/slides/slide17.xml><?xml version="1.0" encoding="utf-8"?>
-<p:sld xmlns:a="http://schemas.openxmlformats.org/drawingml/2006/main" xmlns:r="http://schemas.openxmlformats.org/officeDocument/2006/relationships" xmlns:p="http://schemas.openxmlformats.org/presentationml/2006/main">
+<file path=ppt/slides/slide18.xml><?xml version="1.0" encoding="utf-8"?>
+<p:sld xmlns:a="http://schemas.openxmlformats.org/drawingml/2006/main" xmlns:r="http://schemas.openxmlformats.org/officeDocument/2006/relationships" xmlns:p="http://schemas.openxmlformats.org/presentationml/2006/main" show="0">
   <p:cSld>
     <p:spTree>
       <p:nvGrpSpPr>
@@ -6597,6 +6509,14 @@
   <p:clrMapOvr>
     <a:masterClrMapping/>
   </p:clrMapOvr>
+  <mc:AlternateContent xmlns:mc="http://schemas.openxmlformats.org/markup-compatibility/2006">
+    <mc:Choice xmlns:p14="http://schemas.microsoft.com/office/powerpoint/2010/main" Requires="p14">
+      <p:transition spd="slow" p14:dur="2000"/>
+    </mc:Choice>
+    <mc:Fallback>
+      <p:transition spd="slow"/>
+    </mc:Fallback>
+  </mc:AlternateContent>
   <p:timing>
     <p:tnLst>
       <p:par>
@@ -6607,8 +6527,8 @@
 </p:sld>
 </file>
 
-<file path=ppt/slides/slide18.xml><?xml version="1.0" encoding="utf-8"?>
-<p:sld xmlns:a="http://schemas.openxmlformats.org/drawingml/2006/main" xmlns:r="http://schemas.openxmlformats.org/officeDocument/2006/relationships" xmlns:p="http://schemas.openxmlformats.org/presentationml/2006/main">
+<file path=ppt/slides/slide19.xml><?xml version="1.0" encoding="utf-8"?>
+<p:sld xmlns:a="http://schemas.openxmlformats.org/drawingml/2006/main" xmlns:r="http://schemas.openxmlformats.org/officeDocument/2006/relationships" xmlns:p="http://schemas.openxmlformats.org/presentationml/2006/main" show="0">
   <p:cSld>
     <p:spTree>
       <p:nvGrpSpPr>
@@ -6838,146 +6758,14 @@
   <p:clrMapOvr>
     <a:masterClrMapping/>
   </p:clrMapOvr>
-  <p:timing>
-    <p:tnLst>
-      <p:par>
-        <p:cTn id="1" dur="indefinite" restart="never" nodeType="tmRoot"/>
-      </p:par>
-    </p:tnLst>
-  </p:timing>
-</p:sld>
-</file>
-
-<file path=ppt/slides/slide19.xml><?xml version="1.0" encoding="utf-8"?>
-<p:sld xmlns:a="http://schemas.openxmlformats.org/drawingml/2006/main" xmlns:r="http://schemas.openxmlformats.org/officeDocument/2006/relationships" xmlns:p="http://schemas.openxmlformats.org/presentationml/2006/main">
-  <p:cSld>
-    <p:spTree>
-      <p:nvGrpSpPr>
-        <p:cNvPr id="1" name=""/>
-        <p:cNvGrpSpPr/>
-        <p:nvPr/>
-      </p:nvGrpSpPr>
-      <p:grpSpPr>
-        <a:xfrm>
-          <a:off x="0" y="0"/>
-          <a:ext cx="0" cy="0"/>
-          <a:chOff x="0" y="0"/>
-          <a:chExt cx="0" cy="0"/>
-        </a:xfrm>
-      </p:grpSpPr>
-      <p:sp>
-        <p:nvSpPr>
-          <p:cNvPr id="2" name="Title 1"/>
-          <p:cNvSpPr>
-            <a:spLocks noGrp="1"/>
-          </p:cNvSpPr>
-          <p:nvPr>
-            <p:ph type="title"/>
-          </p:nvPr>
-        </p:nvSpPr>
-        <p:spPr/>
-        <p:txBody>
-          <a:bodyPr>
-            <a:normAutofit/>
-          </a:bodyPr>
-          <a:lstStyle/>
-          <a:p>
-            <a:r>
-              <a:rPr lang="en-US" dirty="0" smtClean="0"/>
-              <a:t>Carrier </a:t>
-            </a:r>
-            <a:r>
-              <a:rPr lang="en-US" dirty="0" smtClean="0"/>
-              <a:t>fraction across 137 ClinVar-1000G variants</a:t>
-            </a:r>
-            <a:endParaRPr lang="en-US" dirty="0"/>
-          </a:p>
-        </p:txBody>
-      </p:sp>
-      <p:pic>
-        <p:nvPicPr>
-          <p:cNvPr id="6" name="Picture 5"/>
-          <p:cNvPicPr>
-            <a:picLocks noChangeAspect="1"/>
-          </p:cNvPicPr>
-          <p:nvPr/>
-        </p:nvPicPr>
-        <p:blipFill>
-          <a:blip r:embed="rId3"/>
-          <a:stretch>
-            <a:fillRect/>
-          </a:stretch>
-        </p:blipFill>
-        <p:spPr>
-          <a:xfrm>
-            <a:off x="5823360" y="1919080"/>
-            <a:ext cx="5844730" cy="4469020"/>
-          </a:xfrm>
-          <a:prstGeom prst="rect">
-            <a:avLst/>
-          </a:prstGeom>
-        </p:spPr>
-      </p:pic>
-      <p:sp>
-        <p:nvSpPr>
-          <p:cNvPr id="7" name="TextBox 6"/>
-          <p:cNvSpPr txBox="1"/>
-          <p:nvPr/>
-        </p:nvSpPr>
-        <p:spPr>
-          <a:xfrm>
-            <a:off x="1216277" y="1976562"/>
-            <a:ext cx="3820016" cy="2677656"/>
-          </a:xfrm>
-          <a:prstGeom prst="rect">
-            <a:avLst/>
-          </a:prstGeom>
-          <a:noFill/>
-        </p:spPr>
-        <p:txBody>
-          <a:bodyPr wrap="square" rtlCol="0">
-            <a:spAutoFit/>
-          </a:bodyPr>
-          <a:lstStyle/>
-          <a:p>
-            <a:r>
-              <a:rPr lang="en-US" sz="2400" dirty="0" smtClean="0">
-                <a:solidFill>
-                  <a:srgbClr val="FF0000"/>
-                </a:solidFill>
-              </a:rPr>
-              <a:t>50-70% </a:t>
-            </a:r>
-            <a:r>
-              <a:rPr lang="en-US" sz="2400" dirty="0" smtClean="0"/>
-              <a:t>of people would be reported as having some disorder under ACMG guidelines.</a:t>
-            </a:r>
-          </a:p>
-          <a:p>
-            <a:r>
-              <a:rPr lang="en-US" sz="2400" dirty="0" smtClean="0"/>
-              <a:t> </a:t>
-            </a:r>
-          </a:p>
-          <a:p>
-            <a:r>
-              <a:rPr lang="en-US" sz="2400" dirty="0" smtClean="0"/>
-              <a:t>These are also potential additions to the app.</a:t>
-            </a:r>
-            <a:endParaRPr lang="en-US" sz="2400" dirty="0"/>
-          </a:p>
-        </p:txBody>
-      </p:sp>
-    </p:spTree>
-    <p:extLst>
-      <p:ext uri="{BB962C8B-B14F-4D97-AF65-F5344CB8AC3E}">
-        <p14:creationId xmlns:p14="http://schemas.microsoft.com/office/powerpoint/2010/main" val="226693620"/>
-      </p:ext>
-    </p:extLst>
-  </p:cSld>
-  <p:clrMapOvr>
-    <a:masterClrMapping/>
-  </p:clrMapOvr>
+  <mc:AlternateContent xmlns:mc="http://schemas.openxmlformats.org/markup-compatibility/2006">
+    <mc:Choice xmlns:p14="http://schemas.microsoft.com/office/powerpoint/2010/main" Requires="p14">
+      <p:transition spd="slow" p14:dur="2000"/>
+    </mc:Choice>
+    <mc:Fallback>
+      <p:transition spd="slow"/>
+    </mc:Fallback>
+  </mc:AlternateContent>
   <p:timing>
     <p:tnLst>
       <p:par>
@@ -7015,32 +6803,115 @@
             <p:ph type="title"/>
           </p:nvPr>
         </p:nvSpPr>
-        <p:spPr>
-          <a:xfrm>
-            <a:off x="838200" y="365125"/>
-            <a:ext cx="10515600" cy="6052608"/>
-          </a:xfrm>
-        </p:spPr>
+        <p:spPr/>
         <p:txBody>
           <a:bodyPr/>
           <a:lstStyle/>
           <a:p>
-            <a:pPr algn="ctr"/>
             <a:r>
               <a:rPr lang="en-US" dirty="0" smtClean="0"/>
-              <a:t>Population </a:t>
-            </a:r>
+              <a:t>Background</a:t>
+            </a:r>
+            <a:endParaRPr lang="en-US" dirty="0"/>
+          </a:p>
+        </p:txBody>
+      </p:sp>
+      <p:sp>
+        <p:nvSpPr>
+          <p:cNvPr id="3" name="Content Placeholder 2"/>
+          <p:cNvSpPr>
+            <a:spLocks noGrp="1"/>
+          </p:cNvSpPr>
+          <p:nvPr>
+            <p:ph idx="1"/>
+          </p:nvPr>
+        </p:nvSpPr>
+        <p:spPr>
+          <a:xfrm>
+            <a:off x="838200" y="1825625"/>
+            <a:ext cx="10515600" cy="4529455"/>
+          </a:xfrm>
+        </p:spPr>
+        <p:txBody>
+          <a:bodyPr>
+            <a:normAutofit lnSpcReduction="10000"/>
+          </a:bodyPr>
+          <a:lstStyle/>
+          <a:p>
+            <a:r>
+              <a:rPr lang="en-US" b="1" dirty="0" smtClean="0"/>
+              <a:t>ACMG</a:t>
+            </a:r>
+            <a:r>
+              <a:rPr lang="en-US" dirty="0" smtClean="0"/>
+              <a:t>: </a:t>
+            </a:r>
+            <a:br>
+              <a:rPr lang="en-US" dirty="0" smtClean="0"/>
+            </a:br>
+            <a:r>
+              <a:rPr lang="en-US" dirty="0" smtClean="0"/>
+              <a:t>American College of Medical Genetics &amp; Genomics</a:t>
+            </a:r>
+          </a:p>
+          <a:p>
+            <a:r>
+              <a:rPr lang="en-US" b="1" dirty="0" smtClean="0"/>
+              <a:t>Incidental finding</a:t>
+            </a:r>
+            <a:r>
+              <a:rPr lang="en-US" dirty="0" smtClean="0"/>
+              <a:t>: </a:t>
+            </a:r>
+            <a:br>
+              <a:rPr lang="en-US" dirty="0" smtClean="0"/>
+            </a:br>
             <a:r>
               <a:rPr lang="en-US" dirty="0"/>
-              <a:t>Analysis Shiny App</a:t>
-            </a:r>
+              <a:t>R</a:t>
+            </a:r>
+            <a:r>
+              <a:rPr lang="en-US" dirty="0" smtClean="0"/>
+              <a:t>esults of a search for pathogenic alternations in genes that are not apparently relevant to a diagnostic indication for which the sequencing test was ordered. </a:t>
+            </a:r>
+          </a:p>
+          <a:p>
+            <a:r>
+              <a:rPr lang="en-US" b="1" dirty="0" smtClean="0"/>
+              <a:t>ACMG-56</a:t>
+            </a:r>
+            <a:r>
+              <a:rPr lang="en-US" dirty="0" smtClean="0"/>
+              <a:t>: </a:t>
+            </a:r>
+            <a:br>
+              <a:rPr lang="en-US" dirty="0" smtClean="0"/>
+            </a:br>
+            <a:r>
+              <a:rPr lang="en-US" dirty="0" smtClean="0"/>
+              <a:t>Set of 56 genes in which pathogenic variants should be reported even when discovered incidentally, as per ACMG recommendations. </a:t>
+            </a:r>
+          </a:p>
+          <a:p>
+            <a:r>
+              <a:rPr lang="en-US" b="1" dirty="0" smtClean="0"/>
+              <a:t>ClinVar</a:t>
+            </a:r>
+            <a:r>
+              <a:rPr lang="en-US" dirty="0" smtClean="0"/>
+              <a:t>: crowd-sourced public archive of reports of human variations and related phenotypes (disease states).</a:t>
+            </a:r>
+            <a:endParaRPr lang="en-US" b="1" dirty="0" smtClean="0"/>
+          </a:p>
+          <a:p>
+            <a:endParaRPr lang="en-US" dirty="0"/>
           </a:p>
         </p:txBody>
       </p:sp>
     </p:spTree>
     <p:extLst>
       <p:ext uri="{BB962C8B-B14F-4D97-AF65-F5344CB8AC3E}">
-        <p14:creationId xmlns:p14="http://schemas.microsoft.com/office/powerpoint/2010/main" val="599241251"/>
+        <p14:creationId xmlns:p14="http://schemas.microsoft.com/office/powerpoint/2010/main" val="859414243"/>
       </p:ext>
     </p:extLst>
   </p:cSld>
@@ -7069,140 +6940,32 @@
       </p:grpSpPr>
       <p:sp>
         <p:nvSpPr>
-          <p:cNvPr id="3" name="Content Placeholder 2"/>
-          <p:cNvSpPr>
-            <a:spLocks noGrp="1"/>
-          </p:cNvSpPr>
-          <p:nvPr>
-            <p:ph idx="1"/>
-          </p:nvPr>
-        </p:nvSpPr>
-        <p:spPr>
-          <a:xfrm>
-            <a:off x="501779" y="692993"/>
-            <a:ext cx="6367372" cy="4713607"/>
-          </a:xfrm>
-        </p:spPr>
+          <p:cNvPr id="2" name="Title 1"/>
+          <p:cNvSpPr>
+            <a:spLocks noGrp="1"/>
+          </p:cNvSpPr>
+          <p:nvPr>
+            <p:ph type="title"/>
+          </p:nvPr>
+        </p:nvSpPr>
+        <p:spPr/>
         <p:txBody>
           <a:bodyPr>
-            <a:noAutofit/>
+            <a:normAutofit/>
           </a:bodyPr>
           <a:lstStyle/>
           <a:p>
             <a:r>
-              <a:rPr lang="en-US" sz="3200" dirty="0" smtClean="0"/>
-              <a:t>ClinVar-1000G Fraction Carriers:</a:t>
-            </a:r>
-            <a:br>
-              <a:rPr lang="en-US" sz="3200" dirty="0" smtClean="0"/>
-            </a:br>
-            <a:r>
-              <a:rPr lang="en-US" sz="3200" dirty="0" smtClean="0"/>
-              <a:t>between each group </a:t>
-            </a:r>
-          </a:p>
-          <a:p>
-            <a:pPr lvl="1"/>
-            <a:r>
-              <a:rPr lang="en-US" sz="2800" dirty="0" smtClean="0"/>
-              <a:t>F-value </a:t>
-            </a:r>
-            <a:r>
-              <a:rPr lang="en-US" sz="2800" dirty="0"/>
-              <a:t>= </a:t>
-            </a:r>
-            <a:r>
-              <a:rPr lang="en-US" sz="2800" dirty="0" smtClean="0"/>
-              <a:t>58.377</a:t>
-            </a:r>
-            <a:r>
-              <a:rPr lang="en-US" sz="2800" dirty="0"/>
-              <a:t/>
-            </a:r>
-            <a:br>
-              <a:rPr lang="en-US" sz="2800" dirty="0"/>
-            </a:br>
-            <a:r>
-              <a:rPr lang="en-US" sz="2800" dirty="0"/>
-              <a:t>P(&gt;F)     = </a:t>
-            </a:r>
-            <a:r>
-              <a:rPr lang="en-US" sz="2800" b="1" dirty="0" smtClean="0"/>
-              <a:t>4.47 E-11</a:t>
-            </a:r>
-            <a:endParaRPr lang="en-US" sz="2800" dirty="0"/>
-          </a:p>
-          <a:p>
-            <a:endParaRPr lang="en-US" sz="3200" dirty="0"/>
-          </a:p>
-          <a:p>
-            <a:endParaRPr lang="en-US" sz="3200" dirty="0" smtClean="0"/>
-          </a:p>
-          <a:p>
-            <a:r>
-              <a:rPr lang="en-US" sz="3200" dirty="0" smtClean="0"/>
-              <a:t>ClinVar-1000G Fraction Carriers: </a:t>
-            </a:r>
-            <a:br>
-              <a:rPr lang="en-US" sz="3200" dirty="0" smtClean="0"/>
-            </a:br>
-            <a:r>
-              <a:rPr lang="en-US" sz="3200" dirty="0" smtClean="0"/>
-              <a:t>between “EAS” and other groups</a:t>
-            </a:r>
-            <a:endParaRPr lang="en-US" sz="3200" dirty="0"/>
-          </a:p>
-          <a:p>
-            <a:pPr lvl="1"/>
-            <a:r>
-              <a:rPr lang="en-US" sz="2800" dirty="0"/>
-              <a:t>Diff group = “EAS”</a:t>
-            </a:r>
-          </a:p>
-          <a:p>
-            <a:pPr lvl="1"/>
-            <a:r>
-              <a:rPr lang="en-US" sz="2800" dirty="0"/>
-              <a:t>F-value = </a:t>
-            </a:r>
-            <a:r>
-              <a:rPr lang="en-US" sz="2800" dirty="0" smtClean="0"/>
-              <a:t>42.359</a:t>
-            </a:r>
-            <a:r>
-              <a:rPr lang="en-US" sz="2800" dirty="0"/>
-              <a:t/>
-            </a:r>
-            <a:br>
-              <a:rPr lang="en-US" sz="2800" dirty="0"/>
-            </a:br>
-            <a:r>
-              <a:rPr lang="en-US" sz="2800" dirty="0"/>
-              <a:t>P(&gt;F)     = </a:t>
-            </a:r>
-            <a:r>
-              <a:rPr lang="en-US" sz="2800" b="1" dirty="0" smtClean="0">
-                <a:solidFill>
-                  <a:srgbClr val="FF0000"/>
-                </a:solidFill>
-              </a:rPr>
-              <a:t>9.90 E-7</a:t>
-            </a:r>
-            <a:endParaRPr lang="en-US" sz="2800" dirty="0">
-              <a:solidFill>
-                <a:srgbClr val="FF0000"/>
-              </a:solidFill>
-            </a:endParaRPr>
-          </a:p>
-          <a:p>
-            <a:pPr lvl="1"/>
-            <a:endParaRPr lang="en-US" sz="2800" b="1" dirty="0" smtClean="0"/>
+              <a:rPr lang="en-US" dirty="0" smtClean="0"/>
+              <a:t>Carrier fraction across 137 ClinVar-1000G variants</a:t>
+            </a:r>
+            <a:endParaRPr lang="en-US" dirty="0"/>
           </a:p>
         </p:txBody>
       </p:sp>
       <p:pic>
         <p:nvPicPr>
-          <p:cNvPr id="4" name="Picture 3"/>
+          <p:cNvPr id="6" name="Picture 5"/>
           <p:cNvPicPr>
             <a:picLocks noChangeAspect="1"/>
           </p:cNvPicPr>
@@ -7216,42 +6979,72 @@
         </p:blipFill>
         <p:spPr>
           <a:xfrm>
-            <a:off x="7393567" y="3696738"/>
-            <a:ext cx="2999370" cy="2878119"/>
+            <a:off x="5823360" y="1919080"/>
+            <a:ext cx="5844730" cy="4469020"/>
           </a:xfrm>
           <a:prstGeom prst="rect">
             <a:avLst/>
           </a:prstGeom>
         </p:spPr>
       </p:pic>
-      <p:pic>
-        <p:nvPicPr>
-          <p:cNvPr id="5" name="Picture 4"/>
-          <p:cNvPicPr>
-            <a:picLocks noChangeAspect="1"/>
-          </p:cNvPicPr>
+      <p:sp>
+        <p:nvSpPr>
+          <p:cNvPr id="7" name="TextBox 6"/>
+          <p:cNvSpPr txBox="1"/>
           <p:nvPr/>
-        </p:nvPicPr>
-        <p:blipFill>
-          <a:blip r:embed="rId4"/>
-          <a:stretch>
-            <a:fillRect/>
-          </a:stretch>
-        </p:blipFill>
-        <p:spPr>
-          <a:xfrm>
-            <a:off x="7393568" y="469968"/>
-            <a:ext cx="2999369" cy="2841175"/>
+        </p:nvSpPr>
+        <p:spPr>
+          <a:xfrm>
+            <a:off x="1216277" y="1976562"/>
+            <a:ext cx="3820016" cy="3170099"/>
           </a:xfrm>
           <a:prstGeom prst="rect">
             <a:avLst/>
           </a:prstGeom>
-        </p:spPr>
-      </p:pic>
+          <a:noFill/>
+        </p:spPr>
+        <p:txBody>
+          <a:bodyPr wrap="square" rtlCol="0">
+            <a:spAutoFit/>
+          </a:bodyPr>
+          <a:lstStyle/>
+          <a:p>
+            <a:r>
+              <a:rPr lang="en-US" sz="2800" b="1" dirty="0" smtClean="0"/>
+              <a:t>50-70% </a:t>
+            </a:r>
+            <a:r>
+              <a:rPr lang="en-US" sz="2400" dirty="0" smtClean="0"/>
+              <a:t>of people would be reported as having some disorder under ACMG guidelines.</a:t>
+            </a:r>
+          </a:p>
+          <a:p>
+            <a:r>
+              <a:rPr lang="en-US" sz="2400" dirty="0" smtClean="0"/>
+              <a:t> </a:t>
+            </a:r>
+          </a:p>
+          <a:p>
+            <a:r>
+              <a:rPr lang="en-US" sz="2400" dirty="0" smtClean="0">
+                <a:solidFill>
+                  <a:srgbClr val="00B050"/>
+                </a:solidFill>
+              </a:rPr>
+              <a:t>EAS (East Asian) </a:t>
+            </a:r>
+            <a:r>
+              <a:rPr lang="en-US" sz="2400" dirty="0" smtClean="0"/>
+              <a:t>groups seem to have the least pathogenic variants in ACMG-56</a:t>
+            </a:r>
+            <a:endParaRPr lang="en-US" sz="2400" dirty="0"/>
+          </a:p>
+        </p:txBody>
+      </p:sp>
     </p:spTree>
     <p:extLst>
       <p:ext uri="{BB962C8B-B14F-4D97-AF65-F5344CB8AC3E}">
-        <p14:creationId xmlns:p14="http://schemas.microsoft.com/office/powerpoint/2010/main" val="1120204041"/>
+        <p14:creationId xmlns:p14="http://schemas.microsoft.com/office/powerpoint/2010/main" val="226693620"/>
       </p:ext>
     </p:extLst>
   </p:cSld>
@@ -7287,6 +7080,224 @@
       </p:grpSpPr>
       <p:sp>
         <p:nvSpPr>
+          <p:cNvPr id="3" name="Content Placeholder 2"/>
+          <p:cNvSpPr>
+            <a:spLocks noGrp="1"/>
+          </p:cNvSpPr>
+          <p:nvPr>
+            <p:ph idx="1"/>
+          </p:nvPr>
+        </p:nvSpPr>
+        <p:spPr>
+          <a:xfrm>
+            <a:off x="501779" y="692993"/>
+            <a:ext cx="6367372" cy="4713607"/>
+          </a:xfrm>
+        </p:spPr>
+        <p:txBody>
+          <a:bodyPr>
+            <a:noAutofit/>
+          </a:bodyPr>
+          <a:lstStyle/>
+          <a:p>
+            <a:r>
+              <a:rPr lang="en-US" sz="3200" dirty="0" smtClean="0"/>
+              <a:t>ClinVar-1000G Fraction Carriers:</a:t>
+            </a:r>
+            <a:br>
+              <a:rPr lang="en-US" sz="3200" dirty="0" smtClean="0"/>
+            </a:br>
+            <a:r>
+              <a:rPr lang="en-US" sz="3200" dirty="0" smtClean="0"/>
+              <a:t>between each group </a:t>
+            </a:r>
+          </a:p>
+          <a:p>
+            <a:pPr lvl="1"/>
+            <a:r>
+              <a:rPr lang="en-US" sz="2800" dirty="0" smtClean="0"/>
+              <a:t>F-value </a:t>
+            </a:r>
+            <a:r>
+              <a:rPr lang="en-US" sz="2800" dirty="0"/>
+              <a:t>= </a:t>
+            </a:r>
+            <a:r>
+              <a:rPr lang="en-US" sz="2800" dirty="0" smtClean="0"/>
+              <a:t>58.377</a:t>
+            </a:r>
+            <a:r>
+              <a:rPr lang="en-US" sz="2800" dirty="0"/>
+              <a:t/>
+            </a:r>
+            <a:br>
+              <a:rPr lang="en-US" sz="2800" dirty="0"/>
+            </a:br>
+            <a:r>
+              <a:rPr lang="en-US" sz="2800" dirty="0"/>
+              <a:t>P(&gt;F)     = </a:t>
+            </a:r>
+            <a:r>
+              <a:rPr lang="en-US" sz="2800" b="1" dirty="0" smtClean="0"/>
+              <a:t>4.47 E-11</a:t>
+            </a:r>
+            <a:endParaRPr lang="en-US" sz="2800" dirty="0"/>
+          </a:p>
+          <a:p>
+            <a:endParaRPr lang="en-US" sz="3200" dirty="0"/>
+          </a:p>
+          <a:p>
+            <a:endParaRPr lang="en-US" sz="3200" dirty="0" smtClean="0"/>
+          </a:p>
+          <a:p>
+            <a:r>
+              <a:rPr lang="en-US" sz="3200" dirty="0" smtClean="0"/>
+              <a:t>ClinVar-1000G Fraction Carriers: </a:t>
+            </a:r>
+            <a:br>
+              <a:rPr lang="en-US" sz="3200" dirty="0" smtClean="0"/>
+            </a:br>
+            <a:r>
+              <a:rPr lang="en-US" sz="3200" dirty="0" smtClean="0"/>
+              <a:t>between “EAS” and other groups</a:t>
+            </a:r>
+            <a:endParaRPr lang="en-US" sz="3200" dirty="0"/>
+          </a:p>
+          <a:p>
+            <a:pPr lvl="1"/>
+            <a:r>
+              <a:rPr lang="en-US" sz="2800" dirty="0"/>
+              <a:t>Diff group = “EAS”</a:t>
+            </a:r>
+          </a:p>
+          <a:p>
+            <a:pPr lvl="1"/>
+            <a:r>
+              <a:rPr lang="en-US" sz="2800" dirty="0"/>
+              <a:t>F-value = </a:t>
+            </a:r>
+            <a:r>
+              <a:rPr lang="en-US" sz="2800" dirty="0" smtClean="0"/>
+              <a:t>42.359</a:t>
+            </a:r>
+            <a:r>
+              <a:rPr lang="en-US" sz="2800" dirty="0"/>
+              <a:t/>
+            </a:r>
+            <a:br>
+              <a:rPr lang="en-US" sz="2800" dirty="0"/>
+            </a:br>
+            <a:r>
+              <a:rPr lang="en-US" sz="2800" dirty="0"/>
+              <a:t>P(&gt;F)     = </a:t>
+            </a:r>
+            <a:r>
+              <a:rPr lang="en-US" sz="2800" b="1" dirty="0" smtClean="0">
+                <a:solidFill>
+                  <a:srgbClr val="FF0000"/>
+                </a:solidFill>
+              </a:rPr>
+              <a:t>9.90 E-7</a:t>
+            </a:r>
+            <a:endParaRPr lang="en-US" sz="2800" dirty="0">
+              <a:solidFill>
+                <a:srgbClr val="FF0000"/>
+              </a:solidFill>
+            </a:endParaRPr>
+          </a:p>
+          <a:p>
+            <a:pPr lvl="1"/>
+            <a:endParaRPr lang="en-US" sz="2800" b="1" dirty="0" smtClean="0"/>
+          </a:p>
+        </p:txBody>
+      </p:sp>
+      <p:pic>
+        <p:nvPicPr>
+          <p:cNvPr id="4" name="Picture 3"/>
+          <p:cNvPicPr>
+            <a:picLocks noChangeAspect="1"/>
+          </p:cNvPicPr>
+          <p:nvPr/>
+        </p:nvPicPr>
+        <p:blipFill>
+          <a:blip r:embed="rId3"/>
+          <a:stretch>
+            <a:fillRect/>
+          </a:stretch>
+        </p:blipFill>
+        <p:spPr>
+          <a:xfrm>
+            <a:off x="7393567" y="3696738"/>
+            <a:ext cx="2999370" cy="2878119"/>
+          </a:xfrm>
+          <a:prstGeom prst="rect">
+            <a:avLst/>
+          </a:prstGeom>
+        </p:spPr>
+      </p:pic>
+      <p:pic>
+        <p:nvPicPr>
+          <p:cNvPr id="5" name="Picture 4"/>
+          <p:cNvPicPr>
+            <a:picLocks noChangeAspect="1"/>
+          </p:cNvPicPr>
+          <p:nvPr/>
+        </p:nvPicPr>
+        <p:blipFill>
+          <a:blip r:embed="rId4"/>
+          <a:stretch>
+            <a:fillRect/>
+          </a:stretch>
+        </p:blipFill>
+        <p:spPr>
+          <a:xfrm>
+            <a:off x="7393568" y="469968"/>
+            <a:ext cx="2999369" cy="2841175"/>
+          </a:xfrm>
+          <a:prstGeom prst="rect">
+            <a:avLst/>
+          </a:prstGeom>
+        </p:spPr>
+      </p:pic>
+    </p:spTree>
+    <p:extLst>
+      <p:ext uri="{BB962C8B-B14F-4D97-AF65-F5344CB8AC3E}">
+        <p14:creationId xmlns:p14="http://schemas.microsoft.com/office/powerpoint/2010/main" val="1120204041"/>
+      </p:ext>
+    </p:extLst>
+  </p:cSld>
+  <p:clrMapOvr>
+    <a:masterClrMapping/>
+  </p:clrMapOvr>
+  <p:timing>
+    <p:tnLst>
+      <p:par>
+        <p:cTn id="1" dur="indefinite" restart="never" nodeType="tmRoot"/>
+      </p:par>
+    </p:tnLst>
+  </p:timing>
+</p:sld>
+</file>
+
+<file path=ppt/slides/slide22.xml><?xml version="1.0" encoding="utf-8"?>
+<p:sld xmlns:a="http://schemas.openxmlformats.org/drawingml/2006/main" xmlns:r="http://schemas.openxmlformats.org/officeDocument/2006/relationships" xmlns:p="http://schemas.openxmlformats.org/presentationml/2006/main">
+  <p:cSld>
+    <p:spTree>
+      <p:nvGrpSpPr>
+        <p:cNvPr id="1" name=""/>
+        <p:cNvGrpSpPr/>
+        <p:nvPr/>
+      </p:nvGrpSpPr>
+      <p:grpSpPr>
+        <a:xfrm>
+          <a:off x="0" y="0"/>
+          <a:ext cx="0" cy="0"/>
+          <a:chOff x="0" y="0"/>
+          <a:chExt cx="0" cy="0"/>
+        </a:xfrm>
+      </p:grpSpPr>
+      <p:sp>
+        <p:nvSpPr>
           <p:cNvPr id="2" name="Title 1"/>
           <p:cNvSpPr>
             <a:spLocks noGrp="1"/>
@@ -7313,8 +7324,8 @@
           </a:p>
         </p:txBody>
       </p:sp>
-      <mc:AlternateContent xmlns:mc="http://schemas.openxmlformats.org/markup-compatibility/2006">
-        <mc:Choice xmlns:a14="http://schemas.microsoft.com/office/drawing/2010/main" Requires="a14">
+      <mc:AlternateContent xmlns:mc="http://schemas.openxmlformats.org/markup-compatibility/2006" xmlns:a14="http://schemas.microsoft.com/office/drawing/2010/main">
+        <mc:Choice Requires="a14">
           <p:sp>
             <p:nvSpPr>
               <p:cNvPr id="3" name="Content Placeholder 2"/>
@@ -7351,23 +7362,7 @@
                     <a:ea typeface="Cambria Math" charset="0"/>
                     <a:cs typeface="Cambria Math" charset="0"/>
                   </a:rPr>
-                  <a:t>are </a:t>
-                </a:r>
-                <a:r>
-                  <a:rPr lang="en-US" sz="2800" dirty="0" smtClean="0">
-                    <a:latin typeface="+mj-lt"/>
-                    <a:ea typeface="Cambria Math" charset="0"/>
-                    <a:cs typeface="Cambria Math" charset="0"/>
-                  </a:rPr>
-                  <a:t>interested in the value of current pathogenicity ratings in </a:t>
-                </a:r>
-                <a:r>
-                  <a:rPr lang="en-US" sz="2800" dirty="0" smtClean="0">
-                    <a:latin typeface="+mj-lt"/>
-                    <a:ea typeface="Cambria Math" charset="0"/>
-                    <a:cs typeface="Cambria Math" charset="0"/>
-                  </a:rPr>
-                  <a:t/>
+                  <a:t>are interested in the value of current pathogenicity ratings in </a:t>
                 </a:r>
                 <a:br>
                   <a:rPr lang="en-US" sz="2800" dirty="0" smtClean="0">
@@ -7382,31 +7377,7 @@
                     <a:ea typeface="Cambria Math" charset="0"/>
                     <a:cs typeface="Cambria Math" charset="0"/>
                   </a:rPr>
-                  <a:t>ClinVar </a:t>
-                </a:r>
-                <a:r>
-                  <a:rPr lang="en-US" sz="2800" dirty="0" smtClean="0">
-                    <a:latin typeface="+mj-lt"/>
-                    <a:ea typeface="Cambria Math" charset="0"/>
-                    <a:cs typeface="Cambria Math" charset="0"/>
-                  </a:rPr>
-                  <a:t>for the ACMG </a:t>
-                </a:r>
-                <a:r>
-                  <a:rPr lang="en-US" sz="2800" dirty="0" smtClean="0">
-                    <a:latin typeface="+mj-lt"/>
-                    <a:ea typeface="Cambria Math" charset="0"/>
-                    <a:cs typeface="Cambria Math" charset="0"/>
-                  </a:rPr>
-                  <a:t>genes. </a:t>
-                </a:r>
-                <a:r>
-                  <a:rPr lang="en-US" sz="2800" dirty="0" smtClean="0">
-                    <a:latin typeface="+mj-lt"/>
-                    <a:ea typeface="Cambria Math" charset="0"/>
-                    <a:cs typeface="Cambria Math" charset="0"/>
-                  </a:rPr>
-                  <a:t/>
+                  <a:t>ClinVar for the ACMG genes. </a:t>
                 </a:r>
                 <a:br>
                   <a:rPr lang="en-US" sz="2800" dirty="0" smtClean="0">
@@ -7764,23 +7735,7 @@
                     <a:ea typeface="Cambria Math" charset="0"/>
                     <a:cs typeface="Cambria Math" charset="0"/>
                   </a:rPr>
-                  <a:t>	          </a:t>
-                </a:r>
-                <a:r>
-                  <a:rPr lang="en-US" sz="2800" dirty="0" smtClean="0">
-                    <a:latin typeface="+mj-lt"/>
-                    <a:ea typeface="Cambria Math" charset="0"/>
-                    <a:cs typeface="Cambria Math" charset="0"/>
-                  </a:rPr>
-                  <a:t>(</a:t>
-                </a:r>
-                <a:r>
-                  <a:rPr lang="en-US" sz="2800" dirty="0" smtClean="0">
-                    <a:latin typeface="+mj-lt"/>
-                    <a:ea typeface="Cambria Math" charset="0"/>
-                    <a:cs typeface="Cambria Math" charset="0"/>
-                  </a:rPr>
-                  <a:t>3) allelic heterogeneity </a:t>
+                  <a:t>	          (3) allelic heterogeneity </a:t>
                 </a:r>
                 <a:r>
                   <a:rPr lang="en-US" sz="2800" dirty="0">
@@ -7802,7 +7757,7 @@
             </p:txBody>
           </p:sp>
         </mc:Choice>
-        <mc:Fallback>
+        <mc:Fallback xmlns="">
           <p:sp>
             <p:nvSpPr>
               <p:cNvPr id="3" name="Content Placeholder 2"/>
@@ -7860,579 +7815,6 @@
 </p:sld>
 </file>
 
-<file path=ppt/slides/slide22.xml><?xml version="1.0" encoding="utf-8"?>
-<p:sld xmlns:a="http://schemas.openxmlformats.org/drawingml/2006/main" xmlns:r="http://schemas.openxmlformats.org/officeDocument/2006/relationships" xmlns:p="http://schemas.openxmlformats.org/presentationml/2006/main">
-  <p:cSld>
-    <p:spTree>
-      <p:nvGrpSpPr>
-        <p:cNvPr id="1" name=""/>
-        <p:cNvGrpSpPr/>
-        <p:nvPr/>
-      </p:nvGrpSpPr>
-      <p:grpSpPr>
-        <a:xfrm>
-          <a:off x="0" y="0"/>
-          <a:ext cx="0" cy="0"/>
-          <a:chOff x="0" y="0"/>
-          <a:chExt cx="0" cy="0"/>
-        </a:xfrm>
-      </p:grpSpPr>
-      <p:sp>
-        <p:nvSpPr>
-          <p:cNvPr id="2" name="Title 1"/>
-          <p:cNvSpPr>
-            <a:spLocks noGrp="1"/>
-          </p:cNvSpPr>
-          <p:nvPr>
-            <p:ph type="title"/>
-          </p:nvPr>
-        </p:nvSpPr>
-        <p:spPr>
-          <a:xfrm>
-            <a:off x="671256" y="362370"/>
-            <a:ext cx="12393622" cy="1293028"/>
-          </a:xfrm>
-        </p:spPr>
-        <p:txBody>
-          <a:bodyPr>
-            <a:normAutofit/>
-          </a:bodyPr>
-          <a:lstStyle/>
-          <a:p>
-            <a:r>
-              <a:rPr lang="en-US" sz="3600" dirty="0" smtClean="0"/>
-              <a:t>(1) Prevalence Estimates are Uncertain and Highly Variable</a:t>
-            </a:r>
-            <a:endParaRPr lang="en-US" sz="3600" dirty="0"/>
-          </a:p>
-        </p:txBody>
-      </p:sp>
-      <p:pic>
-        <p:nvPicPr>
-          <p:cNvPr id="6" name="Content Placeholder 5"/>
-          <p:cNvPicPr>
-            <a:picLocks noGrp="1" noChangeAspect="1"/>
-          </p:cNvPicPr>
-          <p:nvPr>
-            <p:ph idx="1"/>
-          </p:nvPr>
-        </p:nvPicPr>
-        <p:blipFill rotWithShape="1">
-          <a:blip r:embed="rId3"/>
-          <a:srcRect b="57618"/>
-          <a:stretch/>
-        </p:blipFill>
-        <p:spPr>
-          <a:xfrm>
-            <a:off x="1711916" y="1502108"/>
-            <a:ext cx="7178084" cy="772904"/>
-          </a:xfrm>
-          <a:prstGeom prst="rect">
-            <a:avLst/>
-          </a:prstGeom>
-          <a:ln>
-            <a:solidFill>
-              <a:schemeClr val="accent1"/>
-            </a:solidFill>
-          </a:ln>
-        </p:spPr>
-      </p:pic>
-      <p:pic>
-        <p:nvPicPr>
-          <p:cNvPr id="14" name="Picture 13"/>
-          <p:cNvPicPr>
-            <a:picLocks noChangeAspect="1"/>
-          </p:cNvPicPr>
-          <p:nvPr/>
-        </p:nvPicPr>
-        <p:blipFill>
-          <a:blip r:embed="rId4"/>
-          <a:stretch>
-            <a:fillRect/>
-          </a:stretch>
-        </p:blipFill>
-        <p:spPr>
-          <a:xfrm>
-            <a:off x="3556000" y="4788197"/>
-            <a:ext cx="7425146" cy="1450139"/>
-          </a:xfrm>
-          <a:prstGeom prst="rect">
-            <a:avLst/>
-          </a:prstGeom>
-          <a:ln>
-            <a:solidFill>
-              <a:schemeClr val="accent1"/>
-            </a:solidFill>
-          </a:ln>
-        </p:spPr>
-      </p:pic>
-      <p:pic>
-        <p:nvPicPr>
-          <p:cNvPr id="5" name="Picture 4"/>
-          <p:cNvPicPr>
-            <a:picLocks noChangeAspect="1"/>
-          </p:cNvPicPr>
-          <p:nvPr/>
-        </p:nvPicPr>
-        <p:blipFill rotWithShape="1">
-          <a:blip r:embed="rId5"/>
-          <a:srcRect l="3754" t="9607"/>
-          <a:stretch/>
-        </p:blipFill>
-        <p:spPr>
-          <a:xfrm>
-            <a:off x="760605" y="2749836"/>
-            <a:ext cx="2922213" cy="1592244"/>
-          </a:xfrm>
-          <a:prstGeom prst="rect">
-            <a:avLst/>
-          </a:prstGeom>
-          <a:ln>
-            <a:solidFill>
-              <a:schemeClr val="accent1"/>
-            </a:solidFill>
-          </a:ln>
-        </p:spPr>
-      </p:pic>
-      <p:sp>
-        <p:nvSpPr>
-          <p:cNvPr id="13" name="Frame 12"/>
-          <p:cNvSpPr/>
-          <p:nvPr/>
-        </p:nvSpPr>
-        <p:spPr>
-          <a:xfrm>
-            <a:off x="2487218" y="3959055"/>
-            <a:ext cx="1173263" cy="337018"/>
-          </a:xfrm>
-          <a:prstGeom prst="frame">
-            <a:avLst/>
-          </a:prstGeom>
-        </p:spPr>
-        <p:style>
-          <a:lnRef idx="2">
-            <a:schemeClr val="accent1">
-              <a:shade val="50000"/>
-            </a:schemeClr>
-          </a:lnRef>
-          <a:fillRef idx="1">
-            <a:schemeClr val="accent1"/>
-          </a:fillRef>
-          <a:effectRef idx="0">
-            <a:schemeClr val="accent1"/>
-          </a:effectRef>
-          <a:fontRef idx="minor">
-            <a:schemeClr val="lt1"/>
-          </a:fontRef>
-        </p:style>
-        <p:txBody>
-          <a:bodyPr rtlCol="0" anchor="ctr"/>
-          <a:lstStyle/>
-          <a:p>
-            <a:pPr algn="ctr"/>
-            <a:endParaRPr lang="en-US">
-              <a:solidFill>
-                <a:schemeClr val="tx1"/>
-              </a:solidFill>
-            </a:endParaRPr>
-          </a:p>
-        </p:txBody>
-      </p:sp>
-      <p:sp>
-        <p:nvSpPr>
-          <p:cNvPr id="16" name="Frame 15"/>
-          <p:cNvSpPr/>
-          <p:nvPr/>
-        </p:nvSpPr>
-        <p:spPr>
-          <a:xfrm>
-            <a:off x="7143749" y="5466849"/>
-            <a:ext cx="3346451" cy="362451"/>
-          </a:xfrm>
-          <a:prstGeom prst="frame">
-            <a:avLst>
-              <a:gd name="adj1" fmla="val 10072"/>
-            </a:avLst>
-          </a:prstGeom>
-        </p:spPr>
-        <p:style>
-          <a:lnRef idx="2">
-            <a:schemeClr val="accent1">
-              <a:shade val="50000"/>
-            </a:schemeClr>
-          </a:lnRef>
-          <a:fillRef idx="1">
-            <a:schemeClr val="accent1"/>
-          </a:fillRef>
-          <a:effectRef idx="0">
-            <a:schemeClr val="accent1"/>
-          </a:effectRef>
-          <a:fontRef idx="minor">
-            <a:schemeClr val="lt1"/>
-          </a:fontRef>
-        </p:style>
-        <p:txBody>
-          <a:bodyPr rtlCol="0" anchor="ctr"/>
-          <a:lstStyle/>
-          <a:p>
-            <a:pPr algn="ctr"/>
-            <a:endParaRPr lang="en-US">
-              <a:solidFill>
-                <a:schemeClr val="tx1"/>
-              </a:solidFill>
-            </a:endParaRPr>
-          </a:p>
-        </p:txBody>
-      </p:sp>
-      <p:sp>
-        <p:nvSpPr>
-          <p:cNvPr id="17" name="Frame 16"/>
-          <p:cNvSpPr/>
-          <p:nvPr/>
-        </p:nvSpPr>
-        <p:spPr>
-          <a:xfrm>
-            <a:off x="3556000" y="5155598"/>
-            <a:ext cx="1174612" cy="325332"/>
-          </a:xfrm>
-          <a:prstGeom prst="frame">
-            <a:avLst/>
-          </a:prstGeom>
-        </p:spPr>
-        <p:style>
-          <a:lnRef idx="2">
-            <a:schemeClr val="accent1">
-              <a:shade val="50000"/>
-            </a:schemeClr>
-          </a:lnRef>
-          <a:fillRef idx="1">
-            <a:schemeClr val="accent1"/>
-          </a:fillRef>
-          <a:effectRef idx="0">
-            <a:schemeClr val="accent1"/>
-          </a:effectRef>
-          <a:fontRef idx="minor">
-            <a:schemeClr val="lt1"/>
-          </a:fontRef>
-        </p:style>
-        <p:txBody>
-          <a:bodyPr rtlCol="0" anchor="ctr"/>
-          <a:lstStyle/>
-          <a:p>
-            <a:pPr algn="ctr"/>
-            <a:endParaRPr lang="en-US">
-              <a:solidFill>
-                <a:schemeClr val="tx1"/>
-              </a:solidFill>
-            </a:endParaRPr>
-          </a:p>
-        </p:txBody>
-      </p:sp>
-      <p:pic>
-        <p:nvPicPr>
-          <p:cNvPr id="3" name="Picture 2"/>
-          <p:cNvPicPr>
-            <a:picLocks noChangeAspect="1"/>
-          </p:cNvPicPr>
-          <p:nvPr/>
-        </p:nvPicPr>
-        <p:blipFill>
-          <a:blip r:embed="rId6"/>
-          <a:stretch>
-            <a:fillRect/>
-          </a:stretch>
-        </p:blipFill>
-        <p:spPr>
-          <a:xfrm>
-            <a:off x="5609046" y="2712403"/>
-            <a:ext cx="5778500" cy="1350508"/>
-          </a:xfrm>
-          <a:prstGeom prst="rect">
-            <a:avLst/>
-          </a:prstGeom>
-          <a:ln>
-            <a:solidFill>
-              <a:schemeClr val="accent1"/>
-            </a:solidFill>
-          </a:ln>
-        </p:spPr>
-      </p:pic>
-      <p:sp>
-        <p:nvSpPr>
-          <p:cNvPr id="18" name="Frame 17"/>
-          <p:cNvSpPr/>
-          <p:nvPr/>
-        </p:nvSpPr>
-        <p:spPr>
-          <a:xfrm>
-            <a:off x="2196372" y="1538842"/>
-            <a:ext cx="2583097" cy="337018"/>
-          </a:xfrm>
-          <a:prstGeom prst="frame">
-            <a:avLst>
-              <a:gd name="adj1" fmla="val 8732"/>
-            </a:avLst>
-          </a:prstGeom>
-        </p:spPr>
-        <p:style>
-          <a:lnRef idx="2">
-            <a:schemeClr val="accent1">
-              <a:shade val="50000"/>
-            </a:schemeClr>
-          </a:lnRef>
-          <a:fillRef idx="1">
-            <a:schemeClr val="accent1"/>
-          </a:fillRef>
-          <a:effectRef idx="0">
-            <a:schemeClr val="accent1"/>
-          </a:effectRef>
-          <a:fontRef idx="minor">
-            <a:schemeClr val="lt1"/>
-          </a:fontRef>
-        </p:style>
-        <p:txBody>
-          <a:bodyPr rtlCol="0" anchor="ctr"/>
-          <a:lstStyle/>
-          <a:p>
-            <a:pPr algn="ctr"/>
-            <a:endParaRPr lang="en-US">
-              <a:solidFill>
-                <a:schemeClr val="tx1"/>
-              </a:solidFill>
-            </a:endParaRPr>
-          </a:p>
-        </p:txBody>
-      </p:sp>
-      <p:sp>
-        <p:nvSpPr>
-          <p:cNvPr id="19" name="Frame 18"/>
-          <p:cNvSpPr/>
-          <p:nvPr/>
-        </p:nvSpPr>
-        <p:spPr>
-          <a:xfrm>
-            <a:off x="8382000" y="3169252"/>
-            <a:ext cx="3005546" cy="391643"/>
-          </a:xfrm>
-          <a:prstGeom prst="frame">
-            <a:avLst>
-              <a:gd name="adj1" fmla="val 6829"/>
-            </a:avLst>
-          </a:prstGeom>
-        </p:spPr>
-        <p:style>
-          <a:lnRef idx="2">
-            <a:schemeClr val="accent1">
-              <a:shade val="50000"/>
-            </a:schemeClr>
-          </a:lnRef>
-          <a:fillRef idx="1">
-            <a:schemeClr val="accent1"/>
-          </a:fillRef>
-          <a:effectRef idx="0">
-            <a:schemeClr val="accent1"/>
-          </a:effectRef>
-          <a:fontRef idx="minor">
-            <a:schemeClr val="lt1"/>
-          </a:fontRef>
-        </p:style>
-        <p:txBody>
-          <a:bodyPr rtlCol="0" anchor="ctr"/>
-          <a:lstStyle/>
-          <a:p>
-            <a:pPr algn="ctr"/>
-            <a:endParaRPr lang="en-US">
-              <a:solidFill>
-                <a:schemeClr val="tx1"/>
-              </a:solidFill>
-            </a:endParaRPr>
-          </a:p>
-        </p:txBody>
-      </p:sp>
-      <p:sp>
-        <p:nvSpPr>
-          <p:cNvPr id="15" name="TextBox 14"/>
-          <p:cNvSpPr txBox="1"/>
-          <p:nvPr/>
-        </p:nvSpPr>
-        <p:spPr>
-          <a:xfrm>
-            <a:off x="5609046" y="4062911"/>
-            <a:ext cx="6582954" cy="861774"/>
-          </a:xfrm>
-          <a:prstGeom prst="rect">
-            <a:avLst/>
-          </a:prstGeom>
-          <a:noFill/>
-        </p:spPr>
-        <p:txBody>
-          <a:bodyPr wrap="square" rtlCol="0">
-            <a:spAutoFit/>
-          </a:bodyPr>
-          <a:lstStyle/>
-          <a:p>
-            <a:r>
-              <a:rPr lang="en-US" sz="1600" dirty="0">
-                <a:hlinkClick r:id="rId7"/>
-              </a:rPr>
-              <a:t>https</a:t>
-            </a:r>
-            <a:r>
-              <a:rPr lang="en-US" sz="1600" dirty="0" smtClean="0">
-                <a:hlinkClick r:id="rId7"/>
-              </a:rPr>
-              <a:t>://ghr.nlm.nih.gov/condition/peutz-jeghers-syndrome</a:t>
-            </a:r>
-            <a:endParaRPr lang="en-US" sz="1600" dirty="0" smtClean="0"/>
-          </a:p>
-          <a:p>
-            <a:endParaRPr lang="en-US" sz="1600" dirty="0" smtClean="0"/>
-          </a:p>
-          <a:p>
-            <a:endParaRPr lang="en-US" sz="1600" dirty="0"/>
-          </a:p>
-        </p:txBody>
-      </p:sp>
-      <p:sp>
-        <p:nvSpPr>
-          <p:cNvPr id="20" name="Rectangle 19"/>
-          <p:cNvSpPr/>
-          <p:nvPr/>
-        </p:nvSpPr>
-        <p:spPr>
-          <a:xfrm>
-            <a:off x="3717844" y="6255578"/>
-            <a:ext cx="5690845" cy="584775"/>
-          </a:xfrm>
-          <a:prstGeom prst="rect">
-            <a:avLst/>
-          </a:prstGeom>
-        </p:spPr>
-        <p:txBody>
-          <a:bodyPr wrap="square">
-            <a:spAutoFit/>
-          </a:bodyPr>
-          <a:lstStyle/>
-          <a:p>
-            <a:r>
-              <a:rPr lang="en-US" sz="1600" dirty="0">
-                <a:hlinkClick r:id="rId8"/>
-              </a:rPr>
-              <a:t>http://</a:t>
-            </a:r>
-            <a:r>
-              <a:rPr lang="en-US" sz="1600" dirty="0" smtClean="0">
-                <a:hlinkClick r:id="rId8"/>
-              </a:rPr>
-              <a:t>www.ncbi.nlm.nih.gov/pubmed/19841298</a:t>
-            </a:r>
-            <a:endParaRPr lang="en-US" sz="1600" dirty="0" smtClean="0"/>
-          </a:p>
-          <a:p>
-            <a:endParaRPr lang="en-US" sz="1600" dirty="0"/>
-          </a:p>
-        </p:txBody>
-      </p:sp>
-      <p:sp>
-        <p:nvSpPr>
-          <p:cNvPr id="21" name="Rectangle 20"/>
-          <p:cNvSpPr/>
-          <p:nvPr/>
-        </p:nvSpPr>
-        <p:spPr>
-          <a:xfrm>
-            <a:off x="467267" y="4296073"/>
-            <a:ext cx="6096000" cy="584775"/>
-          </a:xfrm>
-          <a:prstGeom prst="rect">
-            <a:avLst/>
-          </a:prstGeom>
-        </p:spPr>
-        <p:txBody>
-          <a:bodyPr>
-            <a:spAutoFit/>
-          </a:bodyPr>
-          <a:lstStyle/>
-          <a:p>
-            <a:r>
-              <a:rPr lang="en-US" sz="1600" dirty="0">
-                <a:hlinkClick r:id="rId9"/>
-              </a:rPr>
-              <a:t>https://</a:t>
-            </a:r>
-            <a:r>
-              <a:rPr lang="en-US" sz="1600" dirty="0" smtClean="0">
-                <a:hlinkClick r:id="rId9"/>
-              </a:rPr>
-              <a:t>ghr.nlm.nih.gov/condition/li-fraumeni-syndrome</a:t>
-            </a:r>
-            <a:endParaRPr lang="en-US" sz="1600" dirty="0" smtClean="0"/>
-          </a:p>
-          <a:p>
-            <a:endParaRPr lang="en-US" sz="1600" dirty="0"/>
-          </a:p>
-        </p:txBody>
-      </p:sp>
-      <p:sp>
-        <p:nvSpPr>
-          <p:cNvPr id="22" name="Rectangle 21"/>
-          <p:cNvSpPr/>
-          <p:nvPr/>
-        </p:nvSpPr>
-        <p:spPr>
-          <a:xfrm>
-            <a:off x="1711916" y="2255022"/>
-            <a:ext cx="7266984" cy="584775"/>
-          </a:xfrm>
-          <a:prstGeom prst="rect">
-            <a:avLst/>
-          </a:prstGeom>
-        </p:spPr>
-        <p:txBody>
-          <a:bodyPr wrap="square">
-            <a:spAutoFit/>
-          </a:bodyPr>
-          <a:lstStyle/>
-          <a:p>
-            <a:r>
-              <a:rPr lang="en-US" sz="1600" dirty="0">
-                <a:hlinkClick r:id="rId10"/>
-              </a:rPr>
-              <a:t>https://</a:t>
-            </a:r>
-            <a:r>
-              <a:rPr lang="en-US" sz="1600" dirty="0" smtClean="0">
-                <a:hlinkClick r:id="rId10"/>
-              </a:rPr>
-              <a:t>ojrd.biomedcentral.com/articles/10.1186/1750-1172-1-35</a:t>
-            </a:r>
-            <a:endParaRPr lang="en-US" sz="1600" dirty="0" smtClean="0"/>
-          </a:p>
-          <a:p>
-            <a:endParaRPr lang="en-US" sz="1600" dirty="0"/>
-          </a:p>
-        </p:txBody>
-      </p:sp>
-    </p:spTree>
-    <p:extLst>
-      <p:ext uri="{BB962C8B-B14F-4D97-AF65-F5344CB8AC3E}">
-        <p14:creationId xmlns:p14="http://schemas.microsoft.com/office/powerpoint/2010/main" val="1508425454"/>
-      </p:ext>
-    </p:extLst>
-  </p:cSld>
-  <p:clrMapOvr>
-    <a:masterClrMapping/>
-  </p:clrMapOvr>
-  <p:timing>
-    <p:tnLst>
-      <p:par>
-        <p:cTn id="1" dur="indefinite" restart="never" nodeType="tmRoot"/>
-      </p:par>
-    </p:tnLst>
-  </p:timing>
-</p:sld>
-</file>
-
 <file path=ppt/slides/slide23.xml><?xml version="1.0" encoding="utf-8"?>
 <p:sld xmlns:a="http://schemas.openxmlformats.org/drawingml/2006/main" xmlns:r="http://schemas.openxmlformats.org/officeDocument/2006/relationships" xmlns:p="http://schemas.openxmlformats.org/presentationml/2006/main">
   <p:cSld>
@@ -8462,62 +7844,57 @@
         </p:nvSpPr>
         <p:spPr>
           <a:xfrm>
-            <a:off x="667600" y="852672"/>
-            <a:ext cx="10831032" cy="1293028"/>
+            <a:off x="671256" y="362370"/>
+            <a:ext cx="12393622" cy="1293028"/>
           </a:xfrm>
         </p:spPr>
         <p:txBody>
           <a:bodyPr>
-            <a:normAutofit fontScale="90000"/>
+            <a:normAutofit/>
           </a:bodyPr>
           <a:lstStyle/>
           <a:p>
             <a:r>
-              <a:rPr lang="en-US" dirty="0" smtClean="0"/>
-              <a:t>Prevalence estimates found on </a:t>
-            </a:r>
-            <a:br>
-              <a:rPr lang="en-US" dirty="0" smtClean="0"/>
-            </a:br>
-            <a:r>
-              <a:rPr lang="en-US" dirty="0" err="1" smtClean="0"/>
-              <a:t>Pubmed</a:t>
-            </a:r>
-            <a:r>
-              <a:rPr lang="en-US" dirty="0" smtClean="0"/>
-              <a:t>/Google Scholar</a:t>
-            </a:r>
-            <a:endParaRPr lang="en-US" dirty="0"/>
+              <a:rPr lang="en-US" sz="3600" dirty="0" smtClean="0"/>
+              <a:t>(1) Prevalence Estimates are Uncertain and Highly Variable</a:t>
+            </a:r>
+            <a:endParaRPr lang="en-US" sz="3600" dirty="0"/>
           </a:p>
         </p:txBody>
       </p:sp>
       <p:pic>
         <p:nvPicPr>
-          <p:cNvPr id="8" name="Picture 7"/>
+          <p:cNvPr id="6" name="Content Placeholder 5"/>
           <p:cNvPicPr>
-            <a:picLocks noChangeAspect="1"/>
+            <a:picLocks noGrp="1" noChangeAspect="1"/>
           </p:cNvPicPr>
-          <p:nvPr/>
+          <p:nvPr>
+            <p:ph idx="1"/>
+          </p:nvPr>
         </p:nvPicPr>
-        <p:blipFill>
+        <p:blipFill rotWithShape="1">
           <a:blip r:embed="rId3"/>
-          <a:stretch>
-            <a:fillRect/>
-          </a:stretch>
+          <a:srcRect b="57618"/>
+          <a:stretch/>
         </p:blipFill>
         <p:spPr>
           <a:xfrm>
-            <a:off x="675168" y="3016556"/>
-            <a:ext cx="10823464" cy="2748515"/>
+            <a:off x="1711916" y="1502108"/>
+            <a:ext cx="7178084" cy="772904"/>
           </a:xfrm>
           <a:prstGeom prst="rect">
             <a:avLst/>
           </a:prstGeom>
+          <a:ln>
+            <a:solidFill>
+              <a:schemeClr val="accent1"/>
+            </a:solidFill>
+          </a:ln>
         </p:spPr>
       </p:pic>
       <p:pic>
         <p:nvPicPr>
-          <p:cNvPr id="9" name="Picture 8"/>
+          <p:cNvPr id="14" name="Picture 13"/>
           <p:cNvPicPr>
             <a:picLocks noChangeAspect="1"/>
           </p:cNvPicPr>
@@ -8531,18 +7908,470 @@
         </p:blipFill>
         <p:spPr>
           <a:xfrm>
-            <a:off x="675168" y="2752904"/>
-            <a:ext cx="10823464" cy="293550"/>
+            <a:off x="3556000" y="4788197"/>
+            <a:ext cx="7425146" cy="1450139"/>
           </a:xfrm>
           <a:prstGeom prst="rect">
             <a:avLst/>
           </a:prstGeom>
+          <a:ln>
+            <a:solidFill>
+              <a:schemeClr val="accent1"/>
+            </a:solidFill>
+          </a:ln>
         </p:spPr>
       </p:pic>
+      <p:pic>
+        <p:nvPicPr>
+          <p:cNvPr id="5" name="Picture 4"/>
+          <p:cNvPicPr>
+            <a:picLocks noChangeAspect="1"/>
+          </p:cNvPicPr>
+          <p:nvPr/>
+        </p:nvPicPr>
+        <p:blipFill rotWithShape="1">
+          <a:blip r:embed="rId5"/>
+          <a:srcRect l="3754" t="9607"/>
+          <a:stretch/>
+        </p:blipFill>
+        <p:spPr>
+          <a:xfrm>
+            <a:off x="760605" y="2749836"/>
+            <a:ext cx="2922213" cy="1592244"/>
+          </a:xfrm>
+          <a:prstGeom prst="rect">
+            <a:avLst/>
+          </a:prstGeom>
+          <a:ln>
+            <a:solidFill>
+              <a:schemeClr val="accent1"/>
+            </a:solidFill>
+          </a:ln>
+        </p:spPr>
+      </p:pic>
+      <p:sp>
+        <p:nvSpPr>
+          <p:cNvPr id="13" name="Frame 12"/>
+          <p:cNvSpPr/>
+          <p:nvPr/>
+        </p:nvSpPr>
+        <p:spPr>
+          <a:xfrm>
+            <a:off x="2487218" y="3959055"/>
+            <a:ext cx="1173263" cy="337018"/>
+          </a:xfrm>
+          <a:prstGeom prst="frame">
+            <a:avLst/>
+          </a:prstGeom>
+        </p:spPr>
+        <p:style>
+          <a:lnRef idx="2">
+            <a:schemeClr val="accent1">
+              <a:shade val="50000"/>
+            </a:schemeClr>
+          </a:lnRef>
+          <a:fillRef idx="1">
+            <a:schemeClr val="accent1"/>
+          </a:fillRef>
+          <a:effectRef idx="0">
+            <a:schemeClr val="accent1"/>
+          </a:effectRef>
+          <a:fontRef idx="minor">
+            <a:schemeClr val="lt1"/>
+          </a:fontRef>
+        </p:style>
+        <p:txBody>
+          <a:bodyPr rtlCol="0" anchor="ctr"/>
+          <a:lstStyle/>
+          <a:p>
+            <a:pPr algn="ctr"/>
+            <a:endParaRPr lang="en-US">
+              <a:solidFill>
+                <a:schemeClr val="tx1"/>
+              </a:solidFill>
+            </a:endParaRPr>
+          </a:p>
+        </p:txBody>
+      </p:sp>
+      <p:sp>
+        <p:nvSpPr>
+          <p:cNvPr id="16" name="Frame 15"/>
+          <p:cNvSpPr/>
+          <p:nvPr/>
+        </p:nvSpPr>
+        <p:spPr>
+          <a:xfrm>
+            <a:off x="7143749" y="5466849"/>
+            <a:ext cx="3346451" cy="362451"/>
+          </a:xfrm>
+          <a:prstGeom prst="frame">
+            <a:avLst>
+              <a:gd name="adj1" fmla="val 10072"/>
+            </a:avLst>
+          </a:prstGeom>
+        </p:spPr>
+        <p:style>
+          <a:lnRef idx="2">
+            <a:schemeClr val="accent1">
+              <a:shade val="50000"/>
+            </a:schemeClr>
+          </a:lnRef>
+          <a:fillRef idx="1">
+            <a:schemeClr val="accent1"/>
+          </a:fillRef>
+          <a:effectRef idx="0">
+            <a:schemeClr val="accent1"/>
+          </a:effectRef>
+          <a:fontRef idx="minor">
+            <a:schemeClr val="lt1"/>
+          </a:fontRef>
+        </p:style>
+        <p:txBody>
+          <a:bodyPr rtlCol="0" anchor="ctr"/>
+          <a:lstStyle/>
+          <a:p>
+            <a:pPr algn="ctr"/>
+            <a:endParaRPr lang="en-US">
+              <a:solidFill>
+                <a:schemeClr val="tx1"/>
+              </a:solidFill>
+            </a:endParaRPr>
+          </a:p>
+        </p:txBody>
+      </p:sp>
+      <p:sp>
+        <p:nvSpPr>
+          <p:cNvPr id="17" name="Frame 16"/>
+          <p:cNvSpPr/>
+          <p:nvPr/>
+        </p:nvSpPr>
+        <p:spPr>
+          <a:xfrm>
+            <a:off x="3556000" y="5155598"/>
+            <a:ext cx="1174612" cy="325332"/>
+          </a:xfrm>
+          <a:prstGeom prst="frame">
+            <a:avLst/>
+          </a:prstGeom>
+        </p:spPr>
+        <p:style>
+          <a:lnRef idx="2">
+            <a:schemeClr val="accent1">
+              <a:shade val="50000"/>
+            </a:schemeClr>
+          </a:lnRef>
+          <a:fillRef idx="1">
+            <a:schemeClr val="accent1"/>
+          </a:fillRef>
+          <a:effectRef idx="0">
+            <a:schemeClr val="accent1"/>
+          </a:effectRef>
+          <a:fontRef idx="minor">
+            <a:schemeClr val="lt1"/>
+          </a:fontRef>
+        </p:style>
+        <p:txBody>
+          <a:bodyPr rtlCol="0" anchor="ctr"/>
+          <a:lstStyle/>
+          <a:p>
+            <a:pPr algn="ctr"/>
+            <a:endParaRPr lang="en-US">
+              <a:solidFill>
+                <a:schemeClr val="tx1"/>
+              </a:solidFill>
+            </a:endParaRPr>
+          </a:p>
+        </p:txBody>
+      </p:sp>
+      <p:pic>
+        <p:nvPicPr>
+          <p:cNvPr id="3" name="Picture 2"/>
+          <p:cNvPicPr>
+            <a:picLocks noChangeAspect="1"/>
+          </p:cNvPicPr>
+          <p:nvPr/>
+        </p:nvPicPr>
+        <p:blipFill>
+          <a:blip r:embed="rId6"/>
+          <a:stretch>
+            <a:fillRect/>
+          </a:stretch>
+        </p:blipFill>
+        <p:spPr>
+          <a:xfrm>
+            <a:off x="5609046" y="2712403"/>
+            <a:ext cx="5778500" cy="1350508"/>
+          </a:xfrm>
+          <a:prstGeom prst="rect">
+            <a:avLst/>
+          </a:prstGeom>
+          <a:ln>
+            <a:solidFill>
+              <a:schemeClr val="accent1"/>
+            </a:solidFill>
+          </a:ln>
+        </p:spPr>
+      </p:pic>
+      <p:sp>
+        <p:nvSpPr>
+          <p:cNvPr id="18" name="Frame 17"/>
+          <p:cNvSpPr/>
+          <p:nvPr/>
+        </p:nvSpPr>
+        <p:spPr>
+          <a:xfrm>
+            <a:off x="2196372" y="1538842"/>
+            <a:ext cx="2583097" cy="337018"/>
+          </a:xfrm>
+          <a:prstGeom prst="frame">
+            <a:avLst>
+              <a:gd name="adj1" fmla="val 8732"/>
+            </a:avLst>
+          </a:prstGeom>
+        </p:spPr>
+        <p:style>
+          <a:lnRef idx="2">
+            <a:schemeClr val="accent1">
+              <a:shade val="50000"/>
+            </a:schemeClr>
+          </a:lnRef>
+          <a:fillRef idx="1">
+            <a:schemeClr val="accent1"/>
+          </a:fillRef>
+          <a:effectRef idx="0">
+            <a:schemeClr val="accent1"/>
+          </a:effectRef>
+          <a:fontRef idx="minor">
+            <a:schemeClr val="lt1"/>
+          </a:fontRef>
+        </p:style>
+        <p:txBody>
+          <a:bodyPr rtlCol="0" anchor="ctr"/>
+          <a:lstStyle/>
+          <a:p>
+            <a:pPr algn="ctr"/>
+            <a:endParaRPr lang="en-US">
+              <a:solidFill>
+                <a:schemeClr val="tx1"/>
+              </a:solidFill>
+            </a:endParaRPr>
+          </a:p>
+        </p:txBody>
+      </p:sp>
+      <p:sp>
+        <p:nvSpPr>
+          <p:cNvPr id="19" name="Frame 18"/>
+          <p:cNvSpPr/>
+          <p:nvPr/>
+        </p:nvSpPr>
+        <p:spPr>
+          <a:xfrm>
+            <a:off x="8382000" y="3169252"/>
+            <a:ext cx="3005546" cy="391643"/>
+          </a:xfrm>
+          <a:prstGeom prst="frame">
+            <a:avLst>
+              <a:gd name="adj1" fmla="val 6829"/>
+            </a:avLst>
+          </a:prstGeom>
+        </p:spPr>
+        <p:style>
+          <a:lnRef idx="2">
+            <a:schemeClr val="accent1">
+              <a:shade val="50000"/>
+            </a:schemeClr>
+          </a:lnRef>
+          <a:fillRef idx="1">
+            <a:schemeClr val="accent1"/>
+          </a:fillRef>
+          <a:effectRef idx="0">
+            <a:schemeClr val="accent1"/>
+          </a:effectRef>
+          <a:fontRef idx="minor">
+            <a:schemeClr val="lt1"/>
+          </a:fontRef>
+        </p:style>
+        <p:txBody>
+          <a:bodyPr rtlCol="0" anchor="ctr"/>
+          <a:lstStyle/>
+          <a:p>
+            <a:pPr algn="ctr"/>
+            <a:endParaRPr lang="en-US">
+              <a:solidFill>
+                <a:schemeClr val="tx1"/>
+              </a:solidFill>
+            </a:endParaRPr>
+          </a:p>
+        </p:txBody>
+      </p:sp>
+      <p:sp>
+        <p:nvSpPr>
+          <p:cNvPr id="15" name="TextBox 14"/>
+          <p:cNvSpPr txBox="1"/>
+          <p:nvPr/>
+        </p:nvSpPr>
+        <p:spPr>
+          <a:xfrm>
+            <a:off x="5609046" y="4062911"/>
+            <a:ext cx="6582954" cy="861774"/>
+          </a:xfrm>
+          <a:prstGeom prst="rect">
+            <a:avLst/>
+          </a:prstGeom>
+          <a:noFill/>
+        </p:spPr>
+        <p:txBody>
+          <a:bodyPr wrap="square" rtlCol="0">
+            <a:spAutoFit/>
+          </a:bodyPr>
+          <a:lstStyle/>
+          <a:p>
+            <a:r>
+              <a:rPr lang="en-US" sz="1600" dirty="0">
+                <a:hlinkClick r:id="rId7"/>
+              </a:rPr>
+              <a:t>https</a:t>
+            </a:r>
+            <a:r>
+              <a:rPr lang="en-US" sz="1600" dirty="0" smtClean="0">
+                <a:hlinkClick r:id="rId7"/>
+              </a:rPr>
+              <a:t>://ghr.nlm.nih.gov/condition/peutz-jeghers-syndrome</a:t>
+            </a:r>
+            <a:endParaRPr lang="en-US" sz="1600" dirty="0" smtClean="0"/>
+          </a:p>
+          <a:p>
+            <a:endParaRPr lang="en-US" sz="1600" dirty="0" smtClean="0"/>
+          </a:p>
+          <a:p>
+            <a:endParaRPr lang="en-US" sz="1600" dirty="0"/>
+          </a:p>
+        </p:txBody>
+      </p:sp>
+      <p:sp>
+        <p:nvSpPr>
+          <p:cNvPr id="20" name="Rectangle 19"/>
+          <p:cNvSpPr/>
+          <p:nvPr/>
+        </p:nvSpPr>
+        <p:spPr>
+          <a:xfrm>
+            <a:off x="3717844" y="6255578"/>
+            <a:ext cx="5690845" cy="584775"/>
+          </a:xfrm>
+          <a:prstGeom prst="rect">
+            <a:avLst/>
+          </a:prstGeom>
+        </p:spPr>
+        <p:txBody>
+          <a:bodyPr wrap="square">
+            <a:spAutoFit/>
+          </a:bodyPr>
+          <a:lstStyle/>
+          <a:p>
+            <a:r>
+              <a:rPr lang="en-US" sz="1600" dirty="0">
+                <a:hlinkClick r:id="rId8"/>
+              </a:rPr>
+              <a:t>http://</a:t>
+            </a:r>
+            <a:r>
+              <a:rPr lang="en-US" sz="1600" dirty="0" smtClean="0">
+                <a:hlinkClick r:id="rId8"/>
+              </a:rPr>
+              <a:t>www.ncbi.nlm.nih.gov/pubmed/19841298</a:t>
+            </a:r>
+            <a:endParaRPr lang="en-US" sz="1600" dirty="0" smtClean="0"/>
+          </a:p>
+          <a:p>
+            <a:endParaRPr lang="en-US" sz="1600" dirty="0"/>
+          </a:p>
+        </p:txBody>
+      </p:sp>
+      <p:sp>
+        <p:nvSpPr>
+          <p:cNvPr id="21" name="Rectangle 20"/>
+          <p:cNvSpPr/>
+          <p:nvPr/>
+        </p:nvSpPr>
+        <p:spPr>
+          <a:xfrm>
+            <a:off x="467267" y="4296073"/>
+            <a:ext cx="6096000" cy="584775"/>
+          </a:xfrm>
+          <a:prstGeom prst="rect">
+            <a:avLst/>
+          </a:prstGeom>
+        </p:spPr>
+        <p:txBody>
+          <a:bodyPr>
+            <a:spAutoFit/>
+          </a:bodyPr>
+          <a:lstStyle/>
+          <a:p>
+            <a:r>
+              <a:rPr lang="en-US" sz="1600" dirty="0">
+                <a:hlinkClick r:id="rId9"/>
+              </a:rPr>
+              <a:t>https://</a:t>
+            </a:r>
+            <a:r>
+              <a:rPr lang="en-US" sz="1600" dirty="0" smtClean="0">
+                <a:hlinkClick r:id="rId9"/>
+              </a:rPr>
+              <a:t>ghr.nlm.nih.gov/condition/li-fraumeni-syndrome</a:t>
+            </a:r>
+            <a:endParaRPr lang="en-US" sz="1600" dirty="0" smtClean="0"/>
+          </a:p>
+          <a:p>
+            <a:endParaRPr lang="en-US" sz="1600" dirty="0"/>
+          </a:p>
+        </p:txBody>
+      </p:sp>
+      <p:sp>
+        <p:nvSpPr>
+          <p:cNvPr id="22" name="Rectangle 21"/>
+          <p:cNvSpPr/>
+          <p:nvPr/>
+        </p:nvSpPr>
+        <p:spPr>
+          <a:xfrm>
+            <a:off x="1711916" y="2255022"/>
+            <a:ext cx="7266984" cy="584775"/>
+          </a:xfrm>
+          <a:prstGeom prst="rect">
+            <a:avLst/>
+          </a:prstGeom>
+        </p:spPr>
+        <p:txBody>
+          <a:bodyPr wrap="square">
+            <a:spAutoFit/>
+          </a:bodyPr>
+          <a:lstStyle/>
+          <a:p>
+            <a:r>
+              <a:rPr lang="en-US" sz="1600" dirty="0">
+                <a:hlinkClick r:id="rId10"/>
+              </a:rPr>
+              <a:t>https://</a:t>
+            </a:r>
+            <a:r>
+              <a:rPr lang="en-US" sz="1600" dirty="0" smtClean="0">
+                <a:hlinkClick r:id="rId10"/>
+              </a:rPr>
+              <a:t>ojrd.biomedcentral.com/articles/10.1186/1750-1172-1-35</a:t>
+            </a:r>
+            <a:endParaRPr lang="en-US" sz="1600" dirty="0" smtClean="0"/>
+          </a:p>
+          <a:p>
+            <a:endParaRPr lang="en-US" sz="1600" dirty="0"/>
+          </a:p>
+        </p:txBody>
+      </p:sp>
     </p:spTree>
     <p:extLst>
       <p:ext uri="{BB962C8B-B14F-4D97-AF65-F5344CB8AC3E}">
-        <p14:creationId xmlns:p14="http://schemas.microsoft.com/office/powerpoint/2010/main" val="1308711200"/>
+        <p14:creationId xmlns:p14="http://schemas.microsoft.com/office/powerpoint/2010/main" val="1508425454"/>
       </p:ext>
     </p:extLst>
   </p:cSld>
@@ -8588,78 +8417,59 @@
         </p:nvSpPr>
         <p:spPr>
           <a:xfrm>
-            <a:off x="995062" y="384430"/>
-            <a:ext cx="8610600" cy="1293028"/>
-          </a:xfrm>
-        </p:spPr>
-        <p:txBody>
-          <a:bodyPr/>
+            <a:off x="667600" y="852672"/>
+            <a:ext cx="10831032" cy="1293028"/>
+          </a:xfrm>
+        </p:spPr>
+        <p:txBody>
+          <a:bodyPr>
+            <a:normAutofit fontScale="90000"/>
+          </a:bodyPr>
           <a:lstStyle/>
           <a:p>
             <a:r>
               <a:rPr lang="en-US" dirty="0" smtClean="0"/>
-              <a:t>(2) Allele Frequencies</a:t>
+              <a:t>Prevalence estimates found on </a:t>
+            </a:r>
+            <a:br>
+              <a:rPr lang="en-US" dirty="0" smtClean="0"/>
+            </a:br>
+            <a:r>
+              <a:rPr lang="en-US" dirty="0" err="1" smtClean="0"/>
+              <a:t>Pubmed</a:t>
+            </a:r>
+            <a:r>
+              <a:rPr lang="en-US" dirty="0" smtClean="0"/>
+              <a:t>/Google Scholar</a:t>
             </a:r>
             <a:endParaRPr lang="en-US" dirty="0"/>
           </a:p>
         </p:txBody>
       </p:sp>
-      <p:sp>
-        <p:nvSpPr>
-          <p:cNvPr id="8" name="TextBox 7"/>
-          <p:cNvSpPr txBox="1"/>
+      <p:pic>
+        <p:nvPicPr>
+          <p:cNvPr id="8" name="Picture 7"/>
+          <p:cNvPicPr>
+            <a:picLocks noChangeAspect="1"/>
+          </p:cNvPicPr>
           <p:nvPr/>
-        </p:nvSpPr>
-        <p:spPr>
-          <a:xfrm>
-            <a:off x="973078" y="1495321"/>
-            <a:ext cx="8488135" cy="2308324"/>
+        </p:nvPicPr>
+        <p:blipFill>
+          <a:blip r:embed="rId3"/>
+          <a:stretch>
+            <a:fillRect/>
+          </a:stretch>
+        </p:blipFill>
+        <p:spPr>
+          <a:xfrm>
+            <a:off x="675168" y="3016556"/>
+            <a:ext cx="10823464" cy="2748515"/>
           </a:xfrm>
           <a:prstGeom prst="rect">
             <a:avLst/>
           </a:prstGeom>
-          <a:noFill/>
-        </p:spPr>
-        <p:txBody>
-          <a:bodyPr wrap="square" rtlCol="0">
-            <a:spAutoFit/>
-          </a:bodyPr>
-          <a:lstStyle/>
-          <a:p>
-            <a:r>
-              <a:rPr lang="en-US" sz="2400" dirty="0" smtClean="0">
-                <a:solidFill>
-                  <a:srgbClr val="FF0000"/>
-                </a:solidFill>
-              </a:rPr>
-              <a:t>Problem: </a:t>
-            </a:r>
-            <a:r>
-              <a:rPr lang="en-US" sz="2400" dirty="0" smtClean="0"/>
-              <a:t>Diverse set of names used to identify disease: </a:t>
-            </a:r>
-          </a:p>
-          <a:p>
-            <a:endParaRPr lang="en-US" sz="2400" dirty="0" smtClean="0"/>
-          </a:p>
-          <a:p>
-            <a:endParaRPr lang="en-US" sz="2400" dirty="0"/>
-          </a:p>
-          <a:p>
-            <a:endParaRPr lang="en-US" sz="2400" dirty="0" smtClean="0"/>
-          </a:p>
-          <a:p>
-            <a:r>
-              <a:rPr lang="en-US" sz="2400" dirty="0" smtClean="0"/>
-              <a:t/>
-            </a:r>
-            <a:br>
-              <a:rPr lang="en-US" sz="2400" dirty="0" smtClean="0"/>
-            </a:br>
-            <a:endParaRPr lang="en-US" sz="2400" dirty="0"/>
-          </a:p>
-        </p:txBody>
-      </p:sp>
+        </p:spPr>
+      </p:pic>
       <p:pic>
         <p:nvPicPr>
           <p:cNvPr id="9" name="Picture 8"/>
@@ -8668,274 +8478,16 @@
           </p:cNvPicPr>
           <p:nvPr/>
         </p:nvPicPr>
-        <p:blipFill rotWithShape="1">
-          <a:blip r:embed="rId3"/>
-          <a:srcRect t="39856" b="9528"/>
-          <a:stretch/>
+        <p:blipFill>
+          <a:blip r:embed="rId4"/>
+          <a:stretch>
+            <a:fillRect/>
+          </a:stretch>
         </p:blipFill>
         <p:spPr>
           <a:xfrm>
-            <a:off x="999638" y="1982249"/>
-            <a:ext cx="5800014" cy="1170374"/>
-          </a:xfrm>
-          <a:prstGeom prst="rect">
-            <a:avLst/>
-          </a:prstGeom>
-        </p:spPr>
-      </p:pic>
-      <p:pic>
-        <p:nvPicPr>
-          <p:cNvPr id="10" name="Picture 9"/>
-          <p:cNvPicPr>
-            <a:picLocks noChangeAspect="1"/>
-          </p:cNvPicPr>
-          <p:nvPr/>
-        </p:nvPicPr>
-        <p:blipFill rotWithShape="1">
-          <a:blip r:embed="rId4"/>
-          <a:srcRect r="59888" b="19984"/>
-          <a:stretch/>
-        </p:blipFill>
-        <p:spPr>
-          <a:xfrm>
-            <a:off x="995062" y="4344347"/>
-            <a:ext cx="4193127" cy="1032873"/>
-          </a:xfrm>
-          <a:prstGeom prst="rect">
-            <a:avLst/>
-          </a:prstGeom>
-        </p:spPr>
-      </p:pic>
-      <mc:AlternateContent xmlns:mc="http://schemas.openxmlformats.org/markup-compatibility/2006">
-        <mc:Choice xmlns:a14="http://schemas.microsoft.com/office/drawing/2010/main" Requires="a14">
-          <p:sp>
-            <p:nvSpPr>
-              <p:cNvPr id="11" name="Rectangle 10"/>
-              <p:cNvSpPr/>
-              <p:nvPr/>
-            </p:nvSpPr>
-            <p:spPr>
-              <a:xfrm>
-                <a:off x="973077" y="3152623"/>
-                <a:ext cx="10981855" cy="3785652"/>
-              </a:xfrm>
-              <a:prstGeom prst="rect">
-                <a:avLst/>
-              </a:prstGeom>
-            </p:spPr>
-            <p:txBody>
-              <a:bodyPr wrap="square">
-                <a:spAutoFit/>
-              </a:bodyPr>
-              <a:lstStyle/>
-              <a:p>
-                <a:r>
-                  <a:rPr lang="en-US" sz="2400" dirty="0" smtClean="0">
-                    <a:solidFill>
-                      <a:srgbClr val="FF0000"/>
-                    </a:solidFill>
-                  </a:rPr>
-                  <a:t>Solution: </a:t>
-                </a:r>
-                <a:r>
-                  <a:rPr lang="en-US" sz="2400" dirty="0"/>
-                  <a:t/>
-                </a:r>
-                <a:br>
-                  <a:rPr lang="en-US" sz="2400" dirty="0"/>
-                </a:br>
-                <a:r>
-                  <a:rPr lang="en-US" sz="2400" dirty="0"/>
-                  <a:t>1. Find patterns that uniquely indicate a disease</a:t>
-                </a:r>
-                <a:r>
-                  <a:rPr lang="en-US" sz="2400" dirty="0" smtClean="0"/>
-                  <a:t>.</a:t>
-                </a:r>
-                <a:endParaRPr lang="en-US" sz="2400" dirty="0"/>
-              </a:p>
-              <a:p>
-                <a:r>
-                  <a:rPr lang="en-US" sz="2400" dirty="0"/>
-                  <a:t>2. Use grep to match </a:t>
-                </a:r>
-                <a:r>
-                  <a:rPr lang="en-US" sz="2400" dirty="0" smtClean="0"/>
-                  <a:t>key disease name substrings and synonyms </a:t>
-                </a:r>
-                <a:r>
-                  <a:rPr lang="en-US" sz="2400" dirty="0" smtClean="0"/>
-                  <a:t>after manual curation.</a:t>
-                </a:r>
-              </a:p>
-              <a:p>
-                <a:endParaRPr lang="en-US" sz="2400" dirty="0" smtClean="0"/>
-              </a:p>
-              <a:p>
-                <a:endParaRPr lang="en-US" sz="2400" dirty="0" smtClean="0"/>
-              </a:p>
-              <a:p>
-                <a:endParaRPr lang="en-US" sz="2400" dirty="0"/>
-              </a:p>
-              <a:p>
-                <a:r>
-                  <a:rPr lang="en-US" sz="2400" dirty="0"/>
-                  <a:t>3. Pull out allele frequencies from all variants that match.</a:t>
-                </a:r>
-                <a:br>
-                  <a:rPr lang="en-US" sz="2400" dirty="0"/>
-                </a:br>
-                <a:r>
-                  <a:rPr lang="en-US" sz="2400" dirty="0"/>
-                  <a:t>Combine them as </a:t>
-                </a:r>
-                <a:r>
-                  <a:rPr lang="en-US" sz="2400" dirty="0" smtClean="0"/>
-                  <a:t>P(any relevant variant</a:t>
-                </a:r>
-                <a:r>
-                  <a:rPr lang="en-US" sz="2400" dirty="0"/>
-                  <a:t>) </a:t>
-                </a:r>
-                <a14:m>
-                  <m:oMath xmlns:m="http://schemas.openxmlformats.org/officeDocument/2006/math">
-                    <m:r>
-                      <a:rPr lang="en-US" sz="2400" i="1">
-                        <a:latin typeface="Cambria Math" charset="0"/>
-                      </a:rPr>
-                      <m:t>=1−</m:t>
-                    </m:r>
-                    <m:nary>
-                      <m:naryPr>
-                        <m:chr m:val="∏"/>
-                        <m:subHide m:val="on"/>
-                        <m:supHide m:val="on"/>
-                        <m:ctrlPr>
-                          <a:rPr lang="en-US" sz="2400" i="1">
-                            <a:latin typeface="Cambria Math" charset="0"/>
-                          </a:rPr>
-                        </m:ctrlPr>
-                      </m:naryPr>
-                      <m:sub/>
-                      <m:sup/>
-                      <m:e>
-                        <m:d>
-                          <m:dPr>
-                            <m:ctrlPr>
-                              <a:rPr lang="en-US" sz="2400" i="1">
-                                <a:latin typeface="Cambria Math" charset="0"/>
-                              </a:rPr>
-                            </m:ctrlPr>
-                          </m:dPr>
-                          <m:e>
-                            <m:r>
-                              <a:rPr lang="en-US" sz="2400" i="1">
-                                <a:latin typeface="Cambria Math" charset="0"/>
-                              </a:rPr>
-                              <m:t>1−</m:t>
-                            </m:r>
-                            <m:r>
-                              <a:rPr lang="en-US" sz="2400" i="1">
-                                <a:latin typeface="Cambria Math" charset="0"/>
-                              </a:rPr>
-                              <m:t>𝑎𝑙𝑙𝑒𝑙𝑒</m:t>
-                            </m:r>
-                            <m:r>
-                              <a:rPr lang="en-US" sz="2400" i="1">
-                                <a:latin typeface="Cambria Math" charset="0"/>
-                              </a:rPr>
-                              <m:t>.</m:t>
-                            </m:r>
-                            <m:r>
-                              <a:rPr lang="en-US" sz="2400" i="1">
-                                <a:latin typeface="Cambria Math" charset="0"/>
-                              </a:rPr>
-                              <m:t>𝑓𝑟𝑒𝑞𝑢𝑒𝑛𝑐𝑦</m:t>
-                            </m:r>
-                          </m:e>
-                        </m:d>
-                      </m:e>
-                    </m:nary>
-                  </m:oMath>
-                </a14:m>
-                <a:r>
-                  <a:rPr lang="en-US" sz="2400" dirty="0" smtClean="0"/>
-                  <a:t/>
-                </a:r>
-                <a:br>
-                  <a:rPr lang="en-US" sz="2400" dirty="0" smtClean="0"/>
-                </a:br>
-                <a:r>
-                  <a:rPr lang="en-US" sz="2400" dirty="0" smtClean="0"/>
-                  <a:t>This assumes that the variants are independent. </a:t>
-                </a:r>
-                <a:endParaRPr lang="en-US" sz="2400" dirty="0"/>
-              </a:p>
-              <a:p>
-                <a:pPr marL="342900" indent="-342900">
-                  <a:buAutoNum type="arabicPeriod"/>
-                </a:pPr>
-                <a:endParaRPr lang="en-US" sz="2400" dirty="0"/>
-              </a:p>
-            </p:txBody>
-          </p:sp>
-        </mc:Choice>
-        <mc:Fallback>
-          <p:sp>
-            <p:nvSpPr>
-              <p:cNvPr id="11" name="Rectangle 10"/>
-              <p:cNvSpPr>
-                <a:spLocks noRot="1" noChangeAspect="1" noMove="1" noResize="1" noEditPoints="1" noAdjustHandles="1" noChangeArrowheads="1" noChangeShapeType="1" noTextEdit="1"/>
-              </p:cNvSpPr>
-              <p:nvPr/>
-            </p:nvSpPr>
-            <p:spPr>
-              <a:xfrm>
-                <a:off x="973077" y="3152623"/>
-                <a:ext cx="10981855" cy="3785652"/>
-              </a:xfrm>
-              <a:prstGeom prst="rect">
-                <a:avLst/>
-              </a:prstGeom>
-              <a:blipFill rotWithShape="0">
-                <a:blip r:embed="rId5"/>
-                <a:stretch>
-                  <a:fillRect l="-888" t="-1288" r="-666" b="-3221"/>
-                </a:stretch>
-              </a:blipFill>
-            </p:spPr>
-            <p:txBody>
-              <a:bodyPr/>
-              <a:lstStyle/>
-              <a:p>
-                <a:r>
-                  <a:rPr lang="en-US">
-                    <a:noFill/>
-                  </a:rPr>
-                  <a:t> </a:t>
-                </a:r>
-              </a:p>
-            </p:txBody>
-          </p:sp>
-        </mc:Fallback>
-      </mc:AlternateContent>
-      <p:pic>
-        <p:nvPicPr>
-          <p:cNvPr id="12" name="Picture 11"/>
-          <p:cNvPicPr>
-            <a:picLocks noChangeAspect="1"/>
-          </p:cNvPicPr>
-          <p:nvPr/>
-        </p:nvPicPr>
-        <p:blipFill rotWithShape="1">
-          <a:blip r:embed="rId4"/>
-          <a:srcRect l="65630" b="19984"/>
-          <a:stretch/>
-        </p:blipFill>
-        <p:spPr>
-          <a:xfrm>
-            <a:off x="5188189" y="4344347"/>
-            <a:ext cx="3592916" cy="1032873"/>
+            <a:off x="675168" y="2752904"/>
+            <a:ext cx="10823464" cy="293550"/>
           </a:xfrm>
           <a:prstGeom prst="rect">
             <a:avLst/>
@@ -8945,7 +8497,7 @@
     </p:spTree>
     <p:extLst>
       <p:ext uri="{BB962C8B-B14F-4D97-AF65-F5344CB8AC3E}">
-        <p14:creationId xmlns:p14="http://schemas.microsoft.com/office/powerpoint/2010/main" val="810035143"/>
+        <p14:creationId xmlns:p14="http://schemas.microsoft.com/office/powerpoint/2010/main" val="1308711200"/>
       </p:ext>
     </p:extLst>
   </p:cSld>
@@ -8979,24 +8531,107 @@
           <a:chExt cx="0" cy="0"/>
         </a:xfrm>
       </p:grpSpPr>
+      <p:sp>
+        <p:nvSpPr>
+          <p:cNvPr id="2" name="Title 1"/>
+          <p:cNvSpPr>
+            <a:spLocks noGrp="1"/>
+          </p:cNvSpPr>
+          <p:nvPr>
+            <p:ph type="title"/>
+          </p:nvPr>
+        </p:nvSpPr>
+        <p:spPr>
+          <a:xfrm>
+            <a:off x="995062" y="384430"/>
+            <a:ext cx="8610600" cy="1293028"/>
+          </a:xfrm>
+        </p:spPr>
+        <p:txBody>
+          <a:bodyPr/>
+          <a:lstStyle/>
+          <a:p>
+            <a:r>
+              <a:rPr lang="en-US" dirty="0" smtClean="0"/>
+              <a:t>(2) Allele Frequencies</a:t>
+            </a:r>
+            <a:endParaRPr lang="en-US" dirty="0"/>
+          </a:p>
+        </p:txBody>
+      </p:sp>
+      <p:sp>
+        <p:nvSpPr>
+          <p:cNvPr id="8" name="TextBox 7"/>
+          <p:cNvSpPr txBox="1"/>
+          <p:nvPr/>
+        </p:nvSpPr>
+        <p:spPr>
+          <a:xfrm>
+            <a:off x="973078" y="1495321"/>
+            <a:ext cx="8488135" cy="2308324"/>
+          </a:xfrm>
+          <a:prstGeom prst="rect">
+            <a:avLst/>
+          </a:prstGeom>
+          <a:noFill/>
+        </p:spPr>
+        <p:txBody>
+          <a:bodyPr wrap="square" rtlCol="0">
+            <a:spAutoFit/>
+          </a:bodyPr>
+          <a:lstStyle/>
+          <a:p>
+            <a:r>
+              <a:rPr lang="en-US" sz="2400" dirty="0" smtClean="0">
+                <a:solidFill>
+                  <a:srgbClr val="FF0000"/>
+                </a:solidFill>
+              </a:rPr>
+              <a:t>Problem: </a:t>
+            </a:r>
+            <a:r>
+              <a:rPr lang="en-US" sz="2400" dirty="0" smtClean="0"/>
+              <a:t>Diverse set of names used to identify disease: </a:t>
+            </a:r>
+          </a:p>
+          <a:p>
+            <a:endParaRPr lang="en-US" sz="2400" dirty="0" smtClean="0"/>
+          </a:p>
+          <a:p>
+            <a:endParaRPr lang="en-US" sz="2400" dirty="0"/>
+          </a:p>
+          <a:p>
+            <a:endParaRPr lang="en-US" sz="2400" dirty="0" smtClean="0"/>
+          </a:p>
+          <a:p>
+            <a:r>
+              <a:rPr lang="en-US" sz="2400" dirty="0" smtClean="0"/>
+              <a:t/>
+            </a:r>
+            <a:br>
+              <a:rPr lang="en-US" sz="2400" dirty="0" smtClean="0"/>
+            </a:br>
+            <a:endParaRPr lang="en-US" sz="2400" dirty="0"/>
+          </a:p>
+        </p:txBody>
+      </p:sp>
       <p:pic>
         <p:nvPicPr>
-          <p:cNvPr id="6" name="Picture 5"/>
+          <p:cNvPr id="9" name="Picture 8"/>
           <p:cNvPicPr>
             <a:picLocks noChangeAspect="1"/>
           </p:cNvPicPr>
           <p:nvPr/>
         </p:nvPicPr>
-        <p:blipFill>
+        <p:blipFill rotWithShape="1">
           <a:blip r:embed="rId3"/>
-          <a:stretch>
-            <a:fillRect/>
-          </a:stretch>
+          <a:srcRect t="39856" b="19934"/>
+          <a:stretch/>
         </p:blipFill>
         <p:spPr>
           <a:xfrm>
-            <a:off x="6169264" y="1211056"/>
-            <a:ext cx="5653491" cy="5500358"/>
+            <a:off x="999638" y="1982249"/>
+            <a:ext cx="5800014" cy="929763"/>
           </a:xfrm>
           <a:prstGeom prst="rect">
             <a:avLst/>
@@ -9005,22 +8640,21 @@
       </p:pic>
       <p:pic>
         <p:nvPicPr>
-          <p:cNvPr id="2" name="Picture 1"/>
+          <p:cNvPr id="10" name="Picture 9"/>
           <p:cNvPicPr>
             <a:picLocks noChangeAspect="1"/>
           </p:cNvPicPr>
           <p:nvPr/>
         </p:nvPicPr>
-        <p:blipFill>
+        <p:blipFill rotWithShape="1">
           <a:blip r:embed="rId4"/>
-          <a:stretch>
-            <a:fillRect/>
-          </a:stretch>
+          <a:srcRect r="59888" b="19984"/>
+          <a:stretch/>
         </p:blipFill>
         <p:spPr>
           <a:xfrm>
-            <a:off x="215624" y="1150706"/>
-            <a:ext cx="5215298" cy="5560708"/>
+            <a:off x="995062" y="4344347"/>
+            <a:ext cx="4193127" cy="1032873"/>
           </a:xfrm>
           <a:prstGeom prst="rect">
             <a:avLst/>
@@ -9029,295 +8663,117 @@
       </p:pic>
       <p:sp>
         <p:nvSpPr>
-          <p:cNvPr id="3" name="TextBox 2"/>
-          <p:cNvSpPr txBox="1"/>
+          <p:cNvPr id="11" name="Rectangle 10"/>
+          <p:cNvSpPr/>
           <p:nvPr/>
         </p:nvSpPr>
         <p:spPr>
           <a:xfrm>
-            <a:off x="3033252" y="2021241"/>
-            <a:ext cx="3912079" cy="1846659"/>
+            <a:off x="973077" y="3152623"/>
+            <a:ext cx="10981855" cy="2677656"/>
           </a:xfrm>
           <a:prstGeom prst="rect">
             <a:avLst/>
           </a:prstGeom>
-          <a:noFill/>
-        </p:spPr>
-        <p:txBody>
-          <a:bodyPr wrap="square" rtlCol="0">
+        </p:spPr>
+        <p:txBody>
+          <a:bodyPr wrap="square">
             <a:spAutoFit/>
           </a:bodyPr>
           <a:lstStyle/>
           <a:p>
             <a:r>
-              <a:rPr lang="en-US" sz="1600" dirty="0" smtClean="0"/>
-              <a:t>Breast/ovarian cancer: 		30%</a:t>
-            </a:r>
-            <a:endParaRPr lang="en-US" sz="1600" dirty="0" smtClean="0"/>
-          </a:p>
-          <a:p>
-            <a:r>
-              <a:rPr lang="en-US" sz="1600" dirty="0" smtClean="0"/>
-              <a:t>MYH-polyposis: </a:t>
-            </a:r>
-            <a:r>
-              <a:rPr lang="en-US" sz="1600" dirty="0" smtClean="0"/>
-              <a:t>	</a:t>
-            </a:r>
-            <a:r>
-              <a:rPr lang="en-US" sz="1600" dirty="0" smtClean="0"/>
-              <a:t>			20%</a:t>
-            </a:r>
-            <a:endParaRPr lang="en-US" sz="1600" dirty="0" smtClean="0"/>
-          </a:p>
-          <a:p>
-            <a:r>
-              <a:rPr lang="en-US" sz="1600" dirty="0" smtClean="0"/>
-              <a:t>Lynch syndrome: </a:t>
-            </a:r>
-            <a:r>
-              <a:rPr lang="en-US" sz="1600" dirty="0" smtClean="0"/>
-              <a:t>		</a:t>
-            </a:r>
-            <a:r>
-              <a:rPr lang="en-US" sz="1600" dirty="0" smtClean="0"/>
-              <a:t>	17%</a:t>
-            </a:r>
-            <a:endParaRPr lang="en-US" sz="1600" dirty="0" smtClean="0"/>
-          </a:p>
-          <a:p>
-            <a:r>
-              <a:rPr lang="en-US" sz="1600" dirty="0" smtClean="0"/>
-              <a:t>Medullary thyroid cancer: 		9%</a:t>
-            </a:r>
-            <a:endParaRPr lang="en-US" sz="1600" dirty="0" smtClean="0"/>
-          </a:p>
-          <a:p>
-            <a:r>
-              <a:rPr lang="en-US" sz="1600" dirty="0" smtClean="0"/>
-              <a:t>Hypertrophic cardiomyopathy: 	7%</a:t>
-            </a:r>
-            <a:endParaRPr lang="en-US" sz="1600" dirty="0" smtClean="0"/>
-          </a:p>
-          <a:p>
-            <a:r>
-              <a:rPr lang="en-US" sz="1600" dirty="0" smtClean="0"/>
-              <a:t>Every other:</a:t>
-            </a:r>
-            <a:r>
-              <a:rPr lang="en-US" sz="1600" dirty="0" smtClean="0"/>
-              <a:t>			</a:t>
-            </a:r>
-            <a:r>
-              <a:rPr lang="en-US" sz="1600" dirty="0" smtClean="0"/>
-              <a:t>	&lt;5%</a:t>
-            </a:r>
-            <a:endParaRPr lang="en-US" sz="1600" dirty="0"/>
-          </a:p>
-          <a:p>
-            <a:r>
-              <a:rPr lang="en-US" sz="1600" dirty="0" smtClean="0"/>
-              <a:t> </a:t>
-            </a:r>
-            <a:endParaRPr lang="en-US" sz="1600" dirty="0"/>
-          </a:p>
-        </p:txBody>
-      </p:sp>
-      <p:sp>
-        <p:nvSpPr>
-          <p:cNvPr id="5" name="Title 1"/>
-          <p:cNvSpPr txBox="1">
-            <a:spLocks/>
-          </p:cNvSpPr>
-          <p:nvPr/>
-        </p:nvSpPr>
-        <p:spPr>
-          <a:xfrm>
-            <a:off x="769030" y="86479"/>
-            <a:ext cx="11148991" cy="1293028"/>
-          </a:xfrm>
-          <a:prstGeom prst="rect">
-            <a:avLst/>
-          </a:prstGeom>
-        </p:spPr>
-        <p:txBody>
-          <a:bodyPr vert="horz" lIns="91440" tIns="45720" rIns="91440" bIns="45720" rtlCol="0" anchor="ctr">
-            <a:normAutofit/>
-          </a:bodyPr>
-          <a:lstStyle>
-            <a:lvl1pPr algn="l" defTabSz="914400" rtl="0" eaLnBrk="1" latinLnBrk="0" hangingPunct="1">
-              <a:lnSpc>
-                <a:spcPct val="90000"/>
-              </a:lnSpc>
-              <a:spcBef>
-                <a:spcPct val="0"/>
-              </a:spcBef>
-              <a:buNone/>
-              <a:defRPr sz="4400" kern="1200">
-                <a:solidFill>
-                  <a:schemeClr val="tx1"/>
-                </a:solidFill>
-                <a:latin typeface="+mj-lt"/>
-                <a:ea typeface="+mj-ea"/>
-                <a:cs typeface="+mj-cs"/>
-              </a:defRPr>
-            </a:lvl1pPr>
-          </a:lstStyle>
-          <a:p>
-            <a:r>
-              <a:rPr lang="en-US" dirty="0" smtClean="0"/>
-              <a:t>(2</a:t>
-            </a:r>
-            <a:r>
-              <a:rPr lang="en-US" smtClean="0"/>
-              <a:t>) </a:t>
-            </a:r>
-            <a:r>
-              <a:rPr lang="en-US" smtClean="0"/>
-              <a:t>Allele Frequencies: ExAC (left), 1000G (right)</a:t>
-            </a:r>
-            <a:endParaRPr lang="en-US" dirty="0"/>
-          </a:p>
-        </p:txBody>
-      </p:sp>
-      <p:sp>
-        <p:nvSpPr>
-          <p:cNvPr id="8" name="TextBox 7"/>
-          <p:cNvSpPr txBox="1"/>
-          <p:nvPr/>
-        </p:nvSpPr>
-        <p:spPr>
-          <a:xfrm>
-            <a:off x="8605592" y="2021242"/>
-            <a:ext cx="2531790" cy="1846659"/>
-          </a:xfrm>
-          <a:prstGeom prst="rect">
-            <a:avLst/>
-          </a:prstGeom>
-          <a:noFill/>
-        </p:spPr>
-        <p:txBody>
-          <a:bodyPr wrap="square" rtlCol="0">
-            <a:spAutoFit/>
-          </a:bodyPr>
-          <a:lstStyle/>
-          <a:p>
-            <a:r>
-              <a:rPr lang="en-US" sz="1600" dirty="0" smtClean="0"/>
-              <a:t>Lynch syndrome: 	7%</a:t>
-            </a:r>
-            <a:endParaRPr lang="en-US" sz="1600" dirty="0" smtClean="0"/>
-          </a:p>
-          <a:p>
-            <a:r>
-              <a:rPr lang="en-US" sz="1600" dirty="0" smtClean="0"/>
-              <a:t>PTEN hamartomas: 	</a:t>
-            </a:r>
-            <a:r>
-              <a:rPr lang="en-US" sz="1600" dirty="0" smtClean="0"/>
-              <a:t>6.7</a:t>
-            </a:r>
-            <a:r>
-              <a:rPr lang="en-US" sz="1600" dirty="0" smtClean="0"/>
-              <a:t>%</a:t>
-            </a:r>
-            <a:endParaRPr lang="en-US" sz="1600" dirty="0" smtClean="0"/>
-          </a:p>
-          <a:p>
-            <a:r>
-              <a:rPr lang="en-US" sz="1600" dirty="0" smtClean="0"/>
-              <a:t>Tuberous sclerosis: 	3.5%</a:t>
-            </a:r>
-            <a:endParaRPr lang="en-US" sz="1600" dirty="0" smtClean="0"/>
-          </a:p>
-          <a:p>
-            <a:r>
-              <a:rPr lang="en-US" sz="1600" dirty="0" err="1" smtClean="0"/>
-              <a:t>Brugada</a:t>
-            </a:r>
-            <a:r>
-              <a:rPr lang="en-US" sz="1600" dirty="0" smtClean="0"/>
-              <a:t> syndrome:	3.5%</a:t>
-            </a:r>
-            <a:endParaRPr lang="en-US" sz="1600" dirty="0" smtClean="0"/>
-          </a:p>
-          <a:p>
-            <a:r>
-              <a:rPr lang="en-US" sz="1600" dirty="0" err="1" smtClean="0"/>
-              <a:t>Paragangliomas</a:t>
-            </a:r>
-            <a:r>
-              <a:rPr lang="en-US" sz="1600" dirty="0" smtClean="0"/>
-              <a:t>: 	2.4%</a:t>
-            </a:r>
-            <a:endParaRPr lang="en-US" sz="1600" dirty="0" smtClean="0"/>
-          </a:p>
-          <a:p>
-            <a:r>
-              <a:rPr lang="en-US" sz="1600" dirty="0" smtClean="0"/>
-              <a:t>Every other:</a:t>
-            </a:r>
-            <a:r>
-              <a:rPr lang="en-US" sz="1600" dirty="0" smtClean="0"/>
-              <a:t>	</a:t>
-            </a:r>
-            <a:r>
-              <a:rPr lang="en-US" sz="1600" dirty="0" smtClean="0"/>
-              <a:t>	&lt;2%</a:t>
-            </a:r>
-            <a:endParaRPr lang="en-US" sz="1600" dirty="0"/>
-          </a:p>
-          <a:p>
-            <a:r>
-              <a:rPr lang="en-US" sz="1600" dirty="0" smtClean="0"/>
-              <a:t> </a:t>
-            </a:r>
-            <a:endParaRPr lang="en-US" sz="1600" dirty="0"/>
-          </a:p>
-        </p:txBody>
-      </p:sp>
-      <p:sp>
-        <p:nvSpPr>
-          <p:cNvPr id="4" name="TextBox 3"/>
-          <p:cNvSpPr txBox="1"/>
-          <p:nvPr/>
-        </p:nvSpPr>
-        <p:spPr>
-          <a:xfrm>
-            <a:off x="6073998" y="1089621"/>
-            <a:ext cx="1878784" cy="369332"/>
-          </a:xfrm>
-          <a:prstGeom prst="rect">
-            <a:avLst/>
-          </a:prstGeom>
-          <a:noFill/>
-        </p:spPr>
-        <p:txBody>
-          <a:bodyPr wrap="none" rtlCol="0">
-            <a:spAutoFit/>
-          </a:bodyPr>
-          <a:lstStyle/>
-          <a:p>
-            <a:r>
-              <a:rPr lang="en-US" dirty="0" smtClean="0">
+              <a:rPr lang="en-US" sz="2400" dirty="0" smtClean="0">
                 <a:solidFill>
                   <a:srgbClr val="FF0000"/>
                 </a:solidFill>
               </a:rPr>
-              <a:t>Correlation: 0.316</a:t>
-            </a:r>
-            <a:endParaRPr lang="en-US" dirty="0">
-              <a:solidFill>
-                <a:srgbClr val="FF0000"/>
-              </a:solidFill>
-            </a:endParaRPr>
-          </a:p>
-        </p:txBody>
-      </p:sp>
+              <a:t>Solution: </a:t>
+            </a:r>
+            <a:r>
+              <a:rPr lang="en-US" sz="2400" dirty="0"/>
+              <a:t/>
+            </a:r>
+            <a:br>
+              <a:rPr lang="en-US" sz="2400" dirty="0"/>
+            </a:br>
+            <a:r>
+              <a:rPr lang="en-US" sz="2400" dirty="0"/>
+              <a:t>1. Find patterns that uniquely indicate a disease</a:t>
+            </a:r>
+            <a:r>
+              <a:rPr lang="en-US" sz="2400" dirty="0" smtClean="0"/>
+              <a:t>.</a:t>
+            </a:r>
+            <a:endParaRPr lang="en-US" sz="2400" dirty="0"/>
+          </a:p>
+          <a:p>
+            <a:r>
+              <a:rPr lang="en-US" sz="2400" dirty="0"/>
+              <a:t>2. Use grep to match </a:t>
+            </a:r>
+            <a:r>
+              <a:rPr lang="en-US" sz="2400" dirty="0" smtClean="0"/>
+              <a:t>key disease </a:t>
+            </a:r>
+            <a:r>
+              <a:rPr lang="en-US" sz="2400" dirty="0" smtClean="0"/>
+              <a:t>tags (substrings and synonyms) after </a:t>
+            </a:r>
+            <a:r>
+              <a:rPr lang="en-US" sz="2400" dirty="0" smtClean="0"/>
+              <a:t>manual curation.</a:t>
+            </a:r>
+          </a:p>
+          <a:p>
+            <a:endParaRPr lang="en-US" sz="2400" dirty="0" smtClean="0"/>
+          </a:p>
+          <a:p>
+            <a:endParaRPr lang="en-US" sz="2400" dirty="0" smtClean="0"/>
+          </a:p>
+          <a:p>
+            <a:endParaRPr lang="en-US" sz="2400" dirty="0"/>
+          </a:p>
+          <a:p>
+            <a:r>
+              <a:rPr lang="en-US" sz="2400" dirty="0"/>
+              <a:t>3. Pull out allele frequencies from all variants that match</a:t>
+            </a:r>
+            <a:r>
+              <a:rPr lang="en-US" sz="2400" dirty="0" smtClean="0"/>
+              <a:t>.</a:t>
+            </a:r>
+            <a:endParaRPr lang="en-US" sz="2400" dirty="0"/>
+          </a:p>
+        </p:txBody>
+      </p:sp>
+      <p:pic>
+        <p:nvPicPr>
+          <p:cNvPr id="12" name="Picture 11"/>
+          <p:cNvPicPr>
+            <a:picLocks noChangeAspect="1"/>
+          </p:cNvPicPr>
+          <p:nvPr/>
+        </p:nvPicPr>
+        <p:blipFill rotWithShape="1">
+          <a:blip r:embed="rId4"/>
+          <a:srcRect l="65630" b="19984"/>
+          <a:stretch/>
+        </p:blipFill>
+        <p:spPr>
+          <a:xfrm>
+            <a:off x="5188189" y="4344347"/>
+            <a:ext cx="3592916" cy="1032873"/>
+          </a:xfrm>
+          <a:prstGeom prst="rect">
+            <a:avLst/>
+          </a:prstGeom>
+        </p:spPr>
+      </p:pic>
     </p:spTree>
     <p:extLst>
       <p:ext uri="{BB962C8B-B14F-4D97-AF65-F5344CB8AC3E}">
-        <p14:creationId xmlns:p14="http://schemas.microsoft.com/office/powerpoint/2010/main" val="1757190020"/>
+        <p14:creationId xmlns:p14="http://schemas.microsoft.com/office/powerpoint/2010/main" val="810035143"/>
       </p:ext>
     </p:extLst>
   </p:cSld>
@@ -9351,6 +8807,119 @@
           <a:chExt cx="0" cy="0"/>
         </a:xfrm>
       </p:grpSpPr>
+      <p:pic>
+        <p:nvPicPr>
+          <p:cNvPr id="6" name="Picture 5"/>
+          <p:cNvPicPr>
+            <a:picLocks noChangeAspect="1"/>
+          </p:cNvPicPr>
+          <p:nvPr/>
+        </p:nvPicPr>
+        <p:blipFill rotWithShape="1">
+          <a:blip r:embed="rId3"/>
+          <a:srcRect t="13438"/>
+          <a:stretch/>
+        </p:blipFill>
+        <p:spPr>
+          <a:xfrm>
+            <a:off x="6343525" y="1211056"/>
+            <a:ext cx="5240658" cy="4413521"/>
+          </a:xfrm>
+          <a:prstGeom prst="rect">
+            <a:avLst/>
+          </a:prstGeom>
+        </p:spPr>
+      </p:pic>
+      <p:pic>
+        <p:nvPicPr>
+          <p:cNvPr id="2" name="Picture 1"/>
+          <p:cNvPicPr>
+            <a:picLocks noChangeAspect="1"/>
+          </p:cNvPicPr>
+          <p:nvPr/>
+        </p:nvPicPr>
+        <p:blipFill rotWithShape="1">
+          <a:blip r:embed="rId4"/>
+          <a:srcRect t="12034"/>
+          <a:stretch/>
+        </p:blipFill>
+        <p:spPr>
+          <a:xfrm>
+            <a:off x="480272" y="1269055"/>
+            <a:ext cx="4761559" cy="4465974"/>
+          </a:xfrm>
+          <a:prstGeom prst="rect">
+            <a:avLst/>
+          </a:prstGeom>
+        </p:spPr>
+      </p:pic>
+      <p:sp>
+        <p:nvSpPr>
+          <p:cNvPr id="3" name="TextBox 2"/>
+          <p:cNvSpPr txBox="1"/>
+          <p:nvPr/>
+        </p:nvSpPr>
+        <p:spPr>
+          <a:xfrm>
+            <a:off x="3033252" y="2021241"/>
+            <a:ext cx="3912079" cy="1846659"/>
+          </a:xfrm>
+          <a:prstGeom prst="rect">
+            <a:avLst/>
+          </a:prstGeom>
+          <a:noFill/>
+        </p:spPr>
+        <p:txBody>
+          <a:bodyPr wrap="square" rtlCol="0">
+            <a:spAutoFit/>
+          </a:bodyPr>
+          <a:lstStyle/>
+          <a:p>
+            <a:r>
+              <a:rPr lang="en-US" sz="1600" dirty="0" smtClean="0"/>
+              <a:t>Breast/ovarian cancer: 		30%</a:t>
+            </a:r>
+          </a:p>
+          <a:p>
+            <a:r>
+              <a:rPr lang="en-US" sz="1600" dirty="0" smtClean="0"/>
+              <a:t>MYH-polyposis: 				20%</a:t>
+            </a:r>
+          </a:p>
+          <a:p>
+            <a:r>
+              <a:rPr lang="en-US" sz="1600" dirty="0" smtClean="0"/>
+              <a:t>Lynch syndrome: 			17%</a:t>
+            </a:r>
+          </a:p>
+          <a:p>
+            <a:r>
+              <a:rPr lang="en-US" sz="1600" dirty="0" smtClean="0"/>
+              <a:t>Medullary thyroid cancer: 		9%</a:t>
+            </a:r>
+          </a:p>
+          <a:p>
+            <a:r>
+              <a:rPr lang="en-US" sz="1600" dirty="0" smtClean="0"/>
+              <a:t>Hypertrophic cardiomyopathy: 	7%</a:t>
+            </a:r>
+          </a:p>
+          <a:p>
+            <a:r>
+              <a:rPr lang="en-US" sz="1600" dirty="0" smtClean="0"/>
+              <a:t>Every other:				&lt;5%</a:t>
+            </a:r>
+            <a:endParaRPr lang="en-US" sz="1600" dirty="0"/>
+          </a:p>
+          <a:p>
+            <a:r>
+              <a:rPr lang="en-US" sz="1600" dirty="0" smtClean="0"/>
+              <a:t> </a:t>
+            </a:r>
+            <a:endParaRPr lang="en-US" sz="1600" dirty="0"/>
+          </a:p>
+        </p:txBody>
+      </p:sp>
       <p:sp>
         <p:nvSpPr>
           <p:cNvPr id="5" name="Title 1"/>
@@ -9361,8 +8930,8 @@
         </p:nvSpPr>
         <p:spPr>
           <a:xfrm>
-            <a:off x="995062" y="384430"/>
-            <a:ext cx="8610600" cy="1293028"/>
+            <a:off x="769030" y="86479"/>
+            <a:ext cx="11148991" cy="1293028"/>
           </a:xfrm>
           <a:prstGeom prst="rect">
             <a:avLst/>
@@ -9394,54 +8963,26 @@
           <a:p>
             <a:r>
               <a:rPr lang="en-US" dirty="0" smtClean="0"/>
-              <a:t>(2) </a:t>
-            </a:r>
-            <a:r>
-              <a:rPr lang="en-US" dirty="0" smtClean="0"/>
-              <a:t>1000G Allele </a:t>
-            </a:r>
-            <a:r>
-              <a:rPr lang="en-US" dirty="0" smtClean="0"/>
-              <a:t>Frequencies</a:t>
+              <a:t>(2</a:t>
+            </a:r>
+            <a:r>
+              <a:rPr lang="en-US" smtClean="0"/>
+              <a:t>) Allele Frequencies: ExAC (left), 1000G (right)</a:t>
             </a:r>
             <a:endParaRPr lang="en-US" dirty="0"/>
           </a:p>
         </p:txBody>
       </p:sp>
-      <p:pic>
-        <p:nvPicPr>
-          <p:cNvPr id="4" name="Picture 3"/>
-          <p:cNvPicPr>
-            <a:picLocks noChangeAspect="1"/>
-          </p:cNvPicPr>
-          <p:nvPr/>
-        </p:nvPicPr>
-        <p:blipFill>
-          <a:blip r:embed="rId3"/>
-          <a:stretch>
-            <a:fillRect/>
-          </a:stretch>
-        </p:blipFill>
-        <p:spPr>
-          <a:xfrm>
-            <a:off x="5738409" y="1516542"/>
-            <a:ext cx="5653491" cy="4858857"/>
-          </a:xfrm>
-          <a:prstGeom prst="rect">
-            <a:avLst/>
-          </a:prstGeom>
-        </p:spPr>
-      </p:pic>
-      <p:sp>
-        <p:nvSpPr>
-          <p:cNvPr id="6" name="TextBox 5"/>
+      <p:sp>
+        <p:nvSpPr>
+          <p:cNvPr id="8" name="TextBox 7"/>
           <p:cNvSpPr txBox="1"/>
           <p:nvPr/>
         </p:nvSpPr>
         <p:spPr>
           <a:xfrm>
-            <a:off x="762663" y="2071665"/>
-            <a:ext cx="5194346" cy="2677656"/>
+            <a:off x="8868288" y="2021241"/>
+            <a:ext cx="2531790" cy="1846659"/>
           </a:xfrm>
           <a:prstGeom prst="rect">
             <a:avLst/>
@@ -9455,107 +8996,463 @@
           <a:lstStyle/>
           <a:p>
             <a:r>
-              <a:rPr lang="en-US" sz="2400" dirty="0" smtClean="0"/>
-              <a:t>Lynch syndrome: </a:t>
-            </a:r>
-            <a:r>
-              <a:rPr lang="en-US" sz="2400" dirty="0" smtClean="0"/>
-              <a:t>	</a:t>
-            </a:r>
-            <a:r>
-              <a:rPr lang="en-US" sz="2400" dirty="0" smtClean="0"/>
-              <a:t>				7%</a:t>
-            </a:r>
-            <a:endParaRPr lang="en-US" sz="2400" dirty="0" smtClean="0"/>
-          </a:p>
-          <a:p>
-            <a:r>
-              <a:rPr lang="en-US" sz="2400" dirty="0" smtClean="0"/>
-              <a:t>PTEN hamartomas: </a:t>
-            </a:r>
-            <a:r>
-              <a:rPr lang="en-US" sz="2400" dirty="0" smtClean="0"/>
-              <a:t>	</a:t>
-            </a:r>
-            <a:r>
-              <a:rPr lang="en-US" sz="2400" dirty="0" smtClean="0"/>
-              <a:t>			</a:t>
-            </a:r>
-            <a:r>
-              <a:rPr lang="en-US" sz="2400" dirty="0" smtClean="0"/>
-              <a:t>6.7</a:t>
-            </a:r>
-            <a:r>
-              <a:rPr lang="en-US" sz="2400" dirty="0" smtClean="0"/>
-              <a:t>%</a:t>
-            </a:r>
-            <a:endParaRPr lang="en-US" sz="2400" dirty="0" smtClean="0"/>
-          </a:p>
-          <a:p>
-            <a:r>
-              <a:rPr lang="en-US" sz="2400" dirty="0" smtClean="0"/>
-              <a:t>Tuberous sclerosis: </a:t>
-            </a:r>
-            <a:r>
-              <a:rPr lang="en-US" sz="2400" dirty="0" smtClean="0"/>
-              <a:t>		</a:t>
-            </a:r>
-            <a:r>
-              <a:rPr lang="en-US" sz="2400" dirty="0" smtClean="0"/>
-              <a:t>		3.5%</a:t>
-            </a:r>
-            <a:endParaRPr lang="en-US" sz="2400" dirty="0" smtClean="0"/>
-          </a:p>
-          <a:p>
-            <a:r>
-              <a:rPr lang="en-US" sz="2400" dirty="0" err="1" smtClean="0"/>
+              <a:rPr lang="en-US" sz="1600" dirty="0" smtClean="0"/>
+              <a:t>Lynch syndrome: 	7%</a:t>
+            </a:r>
+          </a:p>
+          <a:p>
+            <a:r>
+              <a:rPr lang="en-US" sz="1600" dirty="0" smtClean="0"/>
+              <a:t>PTEN hamartomas: 	6.7%</a:t>
+            </a:r>
+          </a:p>
+          <a:p>
+            <a:r>
+              <a:rPr lang="en-US" sz="1600" dirty="0" smtClean="0"/>
+              <a:t>Tuberous sclerosis: 	3.5%</a:t>
+            </a:r>
+          </a:p>
+          <a:p>
+            <a:r>
+              <a:rPr lang="en-US" sz="1600" dirty="0" err="1" smtClean="0"/>
               <a:t>Brugada</a:t>
             </a:r>
             <a:r>
-              <a:rPr lang="en-US" sz="2400" dirty="0" smtClean="0"/>
-              <a:t> syndrome:		 		3.5%</a:t>
-            </a:r>
-            <a:endParaRPr lang="en-US" sz="2400" dirty="0" smtClean="0"/>
-          </a:p>
-          <a:p>
-            <a:r>
-              <a:rPr lang="en-US" sz="2400" dirty="0" err="1" smtClean="0"/>
+              <a:rPr lang="en-US" sz="1600" dirty="0" smtClean="0"/>
+              <a:t> syndrome:	3.5%</a:t>
+            </a:r>
+          </a:p>
+          <a:p>
+            <a:r>
+              <a:rPr lang="en-US" sz="1600" dirty="0" err="1" smtClean="0"/>
               <a:t>Paragangliomas</a:t>
             </a:r>
             <a:r>
-              <a:rPr lang="en-US" sz="2400" dirty="0" smtClean="0"/>
-              <a:t>: 					2.4%</a:t>
-            </a:r>
-            <a:endParaRPr lang="en-US" sz="2400" dirty="0" smtClean="0"/>
-          </a:p>
-          <a:p>
-            <a:r>
-              <a:rPr lang="en-US" sz="2400" dirty="0" smtClean="0"/>
-              <a:t>Every other:</a:t>
-            </a:r>
-            <a:r>
-              <a:rPr lang="en-US" sz="2400" dirty="0" smtClean="0"/>
-              <a:t>			</a:t>
-            </a:r>
-            <a:r>
-              <a:rPr lang="en-US" sz="2400" dirty="0" smtClean="0"/>
-              <a:t>			&lt;2%</a:t>
-            </a:r>
-            <a:endParaRPr lang="en-US" sz="2400" dirty="0"/>
-          </a:p>
-          <a:p>
-            <a:r>
-              <a:rPr lang="en-US" sz="2400" dirty="0" smtClean="0"/>
+              <a:rPr lang="en-US" sz="1600" dirty="0" smtClean="0"/>
+              <a:t>: 	2.4%</a:t>
+            </a:r>
+          </a:p>
+          <a:p>
+            <a:r>
+              <a:rPr lang="en-US" sz="1600" dirty="0" smtClean="0"/>
+              <a:t>Every other:		&lt;2%</a:t>
+            </a:r>
+            <a:endParaRPr lang="en-US" sz="1600" dirty="0"/>
+          </a:p>
+          <a:p>
+            <a:r>
+              <a:rPr lang="en-US" sz="1600" dirty="0" smtClean="0"/>
               <a:t> </a:t>
             </a:r>
-            <a:endParaRPr lang="en-US" sz="2400" dirty="0"/>
-          </a:p>
-        </p:txBody>
-      </p:sp>
+            <a:endParaRPr lang="en-US" sz="1600" dirty="0"/>
+          </a:p>
+        </p:txBody>
+      </p:sp>
+      <p:sp>
+        <p:nvSpPr>
+          <p:cNvPr id="4" name="TextBox 3"/>
+          <p:cNvSpPr txBox="1"/>
+          <p:nvPr/>
+        </p:nvSpPr>
+        <p:spPr>
+          <a:xfrm>
+            <a:off x="4989291" y="1089621"/>
+            <a:ext cx="1878784" cy="369332"/>
+          </a:xfrm>
+          <a:prstGeom prst="rect">
+            <a:avLst/>
+          </a:prstGeom>
+          <a:noFill/>
+        </p:spPr>
+        <p:txBody>
+          <a:bodyPr wrap="none" rtlCol="0">
+            <a:spAutoFit/>
+          </a:bodyPr>
+          <a:lstStyle/>
+          <a:p>
+            <a:r>
+              <a:rPr lang="en-US" dirty="0" smtClean="0">
+                <a:solidFill>
+                  <a:srgbClr val="FF0000"/>
+                </a:solidFill>
+              </a:rPr>
+              <a:t>Correlation: 0.316</a:t>
+            </a:r>
+            <a:endParaRPr lang="en-US" dirty="0">
+              <a:solidFill>
+                <a:srgbClr val="FF0000"/>
+              </a:solidFill>
+            </a:endParaRPr>
+          </a:p>
+        </p:txBody>
+      </p:sp>
+      <mc:AlternateContent xmlns:mc="http://schemas.openxmlformats.org/markup-compatibility/2006">
+        <mc:Choice xmlns:a14="http://schemas.microsoft.com/office/drawing/2010/main" Requires="a14">
+          <p:sp>
+            <p:nvSpPr>
+              <p:cNvPr id="7" name="Rectangle 6"/>
+              <p:cNvSpPr/>
+              <p:nvPr/>
+            </p:nvSpPr>
+            <p:spPr>
+              <a:xfrm>
+                <a:off x="536616" y="5635288"/>
+                <a:ext cx="4452675" cy="934743"/>
+              </a:xfrm>
+              <a:prstGeom prst="rect">
+                <a:avLst/>
+              </a:prstGeom>
+            </p:spPr>
+            <p:txBody>
+              <a:bodyPr wrap="square">
+                <a:spAutoFit/>
+              </a:bodyPr>
+              <a:lstStyle/>
+              <a:p>
+                <a:pPr/>
+                <a14:m>
+                  <m:oMathPara xmlns:m="http://schemas.openxmlformats.org/officeDocument/2006/math">
+                    <m:oMathParaPr>
+                      <m:jc m:val="left"/>
+                    </m:oMathParaPr>
+                    <m:oMath xmlns:m="http://schemas.openxmlformats.org/officeDocument/2006/math">
+                      <m:r>
+                        <m:rPr>
+                          <m:sty m:val="p"/>
+                        </m:rPr>
+                        <a:rPr lang="en-US" sz="1600" b="0" i="0" smtClean="0">
+                          <a:latin typeface="Cambria Math" charset="0"/>
+                        </a:rPr>
+                        <m:t>P</m:t>
+                      </m:r>
+                      <m:r>
+                        <a:rPr lang="en-US" sz="1600" b="0" i="0" smtClean="0">
+                          <a:latin typeface="Cambria Math" charset="0"/>
+                        </a:rPr>
+                        <m:t>(</m:t>
+                      </m:r>
+                      <m:r>
+                        <m:rPr>
+                          <m:sty m:val="p"/>
+                        </m:rPr>
+                        <a:rPr lang="en-US" sz="1600" b="0" i="0" smtClean="0">
+                          <a:latin typeface="Cambria Math" charset="0"/>
+                        </a:rPr>
+                        <m:t>any</m:t>
+                      </m:r>
+                      <m:r>
+                        <a:rPr lang="en-US" sz="1600" b="0" i="0" smtClean="0">
+                          <a:latin typeface="Cambria Math" charset="0"/>
+                        </a:rPr>
+                        <m:t> </m:t>
+                      </m:r>
+                      <m:r>
+                        <m:rPr>
+                          <m:sty m:val="p"/>
+                        </m:rPr>
+                        <a:rPr lang="en-US" sz="1600" b="0" i="0" smtClean="0">
+                          <a:latin typeface="Cambria Math" charset="0"/>
+                        </a:rPr>
+                        <m:t>variant</m:t>
+                      </m:r>
+                      <m:r>
+                        <a:rPr lang="en-US" sz="1600" b="0" i="0" smtClean="0">
+                          <a:latin typeface="Cambria Math" charset="0"/>
+                        </a:rPr>
+                        <m:t>)</m:t>
+                      </m:r>
+                      <m:r>
+                        <a:rPr lang="en-US" sz="1600" i="1">
+                          <a:latin typeface="Cambria Math" charset="0"/>
+                        </a:rPr>
+                        <m:t>=1−</m:t>
+                      </m:r>
+                      <m:nary>
+                        <m:naryPr>
+                          <m:chr m:val="∏"/>
+                          <m:subHide m:val="on"/>
+                          <m:supHide m:val="on"/>
+                          <m:ctrlPr>
+                            <a:rPr lang="en-US" sz="1600" i="1">
+                              <a:latin typeface="Cambria Math" charset="0"/>
+                            </a:rPr>
+                          </m:ctrlPr>
+                        </m:naryPr>
+                        <m:sub/>
+                        <m:sup/>
+                        <m:e>
+                          <m:d>
+                            <m:dPr>
+                              <m:ctrlPr>
+                                <a:rPr lang="en-US" sz="1600" i="1">
+                                  <a:latin typeface="Cambria Math" charset="0"/>
+                                </a:rPr>
+                              </m:ctrlPr>
+                            </m:dPr>
+                            <m:e>
+                              <m:r>
+                                <a:rPr lang="en-US" sz="1600" i="1">
+                                  <a:latin typeface="Cambria Math" charset="0"/>
+                                </a:rPr>
+                                <m:t>1−</m:t>
+                              </m:r>
+                              <m:r>
+                                <a:rPr lang="en-US" sz="1600" b="0" i="1" smtClean="0">
+                                  <a:latin typeface="Cambria Math" charset="0"/>
+                                </a:rPr>
+                                <m:t>𝑃</m:t>
+                              </m:r>
+                              <m:r>
+                                <a:rPr lang="en-US" sz="1600" b="0" i="1" smtClean="0">
+                                  <a:latin typeface="Cambria Math" charset="0"/>
+                                </a:rPr>
+                                <m:t>(</m:t>
+                              </m:r>
+                              <m:r>
+                                <a:rPr lang="en-US" sz="1600" b="0" i="1" smtClean="0">
+                                  <a:latin typeface="Cambria Math" charset="0"/>
+                                </a:rPr>
+                                <m:t>𝑣𝑎𝑟𝑖𝑎𝑛</m:t>
+                              </m:r>
+                              <m:sSub>
+                                <m:sSubPr>
+                                  <m:ctrlPr>
+                                    <a:rPr lang="en-US" sz="1600" b="0" i="1" smtClean="0">
+                                      <a:latin typeface="Cambria Math" charset="0"/>
+                                    </a:rPr>
+                                  </m:ctrlPr>
+                                </m:sSubPr>
+                                <m:e>
+                                  <m:r>
+                                    <a:rPr lang="en-US" sz="1600" b="0" i="1" smtClean="0">
+                                      <a:latin typeface="Cambria Math" charset="0"/>
+                                    </a:rPr>
+                                    <m:t>𝑡</m:t>
+                                  </m:r>
+                                </m:e>
+                                <m:sub>
+                                  <m:r>
+                                    <a:rPr lang="en-US" sz="1600" b="0" i="1" smtClean="0">
+                                      <a:latin typeface="Cambria Math" charset="0"/>
+                                    </a:rPr>
+                                    <m:t>𝑖</m:t>
+                                  </m:r>
+                                </m:sub>
+                              </m:sSub>
+                            </m:e>
+                          </m:d>
+                        </m:e>
+                      </m:nary>
+                    </m:oMath>
+                  </m:oMathPara>
+                </a14:m>
+                <a:r>
+                  <a:rPr lang="en-US" sz="1600" dirty="0"/>
+                  <a:t/>
+                </a:r>
+                <a:br>
+                  <a:rPr lang="en-US" sz="1600" dirty="0"/>
+                </a:br>
+                <a:r>
+                  <a:rPr lang="en-US" sz="1600" dirty="0" smtClean="0"/>
+                  <a:t>*Assumes </a:t>
+                </a:r>
+                <a:r>
+                  <a:rPr lang="en-US" sz="1600" dirty="0"/>
+                  <a:t>that the variants are independent. </a:t>
+                </a:r>
+                <a:endParaRPr lang="en-US" sz="1600" dirty="0"/>
+              </a:p>
+            </p:txBody>
+          </p:sp>
+        </mc:Choice>
+        <mc:Fallback>
+          <p:sp>
+            <p:nvSpPr>
+              <p:cNvPr id="7" name="Rectangle 6"/>
+              <p:cNvSpPr>
+                <a:spLocks noRot="1" noChangeAspect="1" noMove="1" noResize="1" noEditPoints="1" noAdjustHandles="1" noChangeArrowheads="1" noChangeShapeType="1" noTextEdit="1"/>
+              </p:cNvSpPr>
+              <p:nvPr/>
+            </p:nvSpPr>
+            <p:spPr>
+              <a:xfrm>
+                <a:off x="536616" y="5635288"/>
+                <a:ext cx="4452675" cy="934743"/>
+              </a:xfrm>
+              <a:prstGeom prst="rect">
+                <a:avLst/>
+              </a:prstGeom>
+              <a:blipFill rotWithShape="0">
+                <a:blip r:embed="rId5"/>
+                <a:stretch>
+                  <a:fillRect l="-685" b="-7143"/>
+                </a:stretch>
+              </a:blipFill>
+            </p:spPr>
+            <p:txBody>
+              <a:bodyPr/>
+              <a:lstStyle/>
+              <a:p>
+                <a:r>
+                  <a:rPr lang="en-US">
+                    <a:noFill/>
+                  </a:rPr>
+                  <a:t> </a:t>
+                </a:r>
+              </a:p>
+            </p:txBody>
+          </p:sp>
+        </mc:Fallback>
+      </mc:AlternateContent>
+      <mc:AlternateContent xmlns:mc="http://schemas.openxmlformats.org/markup-compatibility/2006">
+        <mc:Choice xmlns:a14="http://schemas.microsoft.com/office/drawing/2010/main" Requires="a14">
+          <p:sp>
+            <p:nvSpPr>
+              <p:cNvPr id="9" name="Rectangle 8"/>
+              <p:cNvSpPr/>
+              <p:nvPr/>
+            </p:nvSpPr>
+            <p:spPr>
+              <a:xfrm>
+                <a:off x="6735096" y="5771366"/>
+                <a:ext cx="5182925" cy="830997"/>
+              </a:xfrm>
+              <a:prstGeom prst="rect">
+                <a:avLst/>
+              </a:prstGeom>
+            </p:spPr>
+            <p:txBody>
+              <a:bodyPr wrap="square">
+                <a:spAutoFit/>
+              </a:bodyPr>
+              <a:lstStyle/>
+              <a:p>
+                <a:pPr/>
+                <a14:m>
+                  <m:oMath xmlns:m="http://schemas.openxmlformats.org/officeDocument/2006/math">
+                    <m:r>
+                      <m:rPr>
+                        <m:sty m:val="p"/>
+                      </m:rPr>
+                      <a:rPr lang="en-US" sz="1600" b="0" i="0" smtClean="0">
+                        <a:latin typeface="Cambria Math" charset="0"/>
+                      </a:rPr>
+                      <m:t>P</m:t>
+                    </m:r>
+                    <m:d>
+                      <m:dPr>
+                        <m:ctrlPr>
+                          <a:rPr lang="en-US" sz="1600" b="0" i="0" smtClean="0">
+                            <a:latin typeface="Cambria Math" charset="0"/>
+                          </a:rPr>
+                        </m:ctrlPr>
+                      </m:dPr>
+                      <m:e>
+                        <m:r>
+                          <m:rPr>
+                            <m:sty m:val="p"/>
+                          </m:rPr>
+                          <a:rPr lang="en-US" sz="1600" b="0" i="0" smtClean="0">
+                            <a:latin typeface="Cambria Math" charset="0"/>
+                          </a:rPr>
+                          <m:t>any</m:t>
+                        </m:r>
+                        <m:r>
+                          <a:rPr lang="en-US" sz="1600" b="0" i="0" smtClean="0">
+                            <a:latin typeface="Cambria Math" charset="0"/>
+                          </a:rPr>
+                          <m:t> </m:t>
+                        </m:r>
+                        <m:r>
+                          <m:rPr>
+                            <m:sty m:val="p"/>
+                          </m:rPr>
+                          <a:rPr lang="en-US" sz="1600" b="0" i="0" smtClean="0">
+                            <a:latin typeface="Cambria Math" charset="0"/>
+                          </a:rPr>
+                          <m:t>variant</m:t>
+                        </m:r>
+                      </m:e>
+                    </m:d>
+                    <m:r>
+                      <a:rPr lang="en-US" sz="1600" b="0" i="0" smtClean="0">
+                        <a:latin typeface="Cambria Math" charset="0"/>
+                      </a:rPr>
+                      <m:t> </m:t>
+                    </m:r>
+                  </m:oMath>
+                </a14:m>
+                <a:r>
+                  <a:rPr lang="en-US" sz="1600" dirty="0" smtClean="0"/>
+                  <a:t>from direct counting</a:t>
+                </a:r>
+                <a:r>
+                  <a:rPr lang="en-US" sz="1600" dirty="0"/>
+                  <a:t/>
+                </a:r>
+                <a:br>
+                  <a:rPr lang="en-US" sz="1600" dirty="0"/>
+                </a:br>
+                <a:r>
+                  <a:rPr lang="en-US" sz="1600" dirty="0" smtClean="0"/>
+                  <a:t>*Counts sometimes = 0; allele frequency incalculable. </a:t>
+                </a:r>
+                <a:br>
+                  <a:rPr lang="en-US" sz="1600" dirty="0" smtClean="0"/>
+                </a:br>
+                <a:r>
+                  <a:rPr lang="en-US" sz="1600" dirty="0" smtClean="0"/>
+                  <a:t>*Fewer samples (2504 &lt; 60,000) = lower resolution.</a:t>
+                </a:r>
+                <a:endParaRPr lang="en-US" sz="1600" dirty="0"/>
+              </a:p>
+            </p:txBody>
+          </p:sp>
+        </mc:Choice>
+        <mc:Fallback>
+          <p:sp>
+            <p:nvSpPr>
+              <p:cNvPr id="9" name="Rectangle 8"/>
+              <p:cNvSpPr>
+                <a:spLocks noRot="1" noChangeAspect="1" noMove="1" noResize="1" noEditPoints="1" noAdjustHandles="1" noChangeArrowheads="1" noChangeShapeType="1" noTextEdit="1"/>
+              </p:cNvSpPr>
+              <p:nvPr/>
+            </p:nvSpPr>
+            <p:spPr>
+              <a:xfrm>
+                <a:off x="6735096" y="5771366"/>
+                <a:ext cx="5182925" cy="830997"/>
+              </a:xfrm>
+              <a:prstGeom prst="rect">
+                <a:avLst/>
+              </a:prstGeom>
+              <a:blipFill rotWithShape="0">
+                <a:blip r:embed="rId6"/>
+                <a:stretch>
+                  <a:fillRect l="-706" t="-36765" b="-8824"/>
+                </a:stretch>
+              </a:blipFill>
+            </p:spPr>
+            <p:txBody>
+              <a:bodyPr/>
+              <a:lstStyle/>
+              <a:p>
+                <a:r>
+                  <a:rPr lang="en-US">
+                    <a:noFill/>
+                  </a:rPr>
+                  <a:t> </a:t>
+                </a:r>
+              </a:p>
+            </p:txBody>
+          </p:sp>
+        </mc:Fallback>
+      </mc:AlternateContent>
     </p:spTree>
     <p:extLst>
       <p:ext uri="{BB962C8B-B14F-4D97-AF65-F5344CB8AC3E}">
-        <p14:creationId xmlns:p14="http://schemas.microsoft.com/office/powerpoint/2010/main" val="1701471746"/>
+        <p14:creationId xmlns:p14="http://schemas.microsoft.com/office/powerpoint/2010/main" val="1757190020"/>
       </p:ext>
     </p:extLst>
   </p:cSld>
@@ -9621,8 +9518,8 @@
           </a:p>
         </p:txBody>
       </p:sp>
-      <mc:AlternateContent xmlns:mc="http://schemas.openxmlformats.org/markup-compatibility/2006" xmlns:a14="http://schemas.microsoft.com/office/drawing/2010/main">
-        <mc:Choice Requires="a14">
+      <mc:AlternateContent xmlns:mc="http://schemas.openxmlformats.org/markup-compatibility/2006">
+        <mc:Choice xmlns:a14="http://schemas.microsoft.com/office/drawing/2010/main" Requires="a14">
           <p:sp>
             <p:nvSpPr>
               <p:cNvPr id="8" name="Content Placeholder 7"/>
@@ -9635,29 +9532,37 @@
             </p:nvSpPr>
             <p:spPr>
               <a:xfrm>
-                <a:off x="685800" y="2194560"/>
-                <a:ext cx="4213746" cy="4024125"/>
+                <a:off x="685800" y="2194561"/>
+                <a:ext cx="3670069" cy="2327564"/>
               </a:xfrm>
             </p:spPr>
             <p:txBody>
-              <a:bodyPr/>
+              <a:bodyPr>
+                <a:normAutofit/>
+              </a:bodyPr>
               <a:lstStyle/>
               <a:p>
                 <a:r>
-                  <a:rPr lang="en-US" dirty="0" smtClean="0"/>
+                  <a:rPr lang="en-US" sz="2400" dirty="0" smtClean="0"/>
+                  <a:t>Strong variation by population.</a:t>
+                </a:r>
+              </a:p>
+              <a:p>
+                <a:r>
+                  <a:rPr lang="en-US" sz="2400" dirty="0"/>
                   <a:t>BRCA1/BRCA2:  </a:t>
                 </a:r>
                 <a:br>
-                  <a:rPr lang="en-US" dirty="0" smtClean="0"/>
+                  <a:rPr lang="en-US" sz="2400" dirty="0"/>
                 </a:br>
                 <a:r>
-                  <a:rPr lang="en-US" dirty="0" smtClean="0"/>
+                  <a:rPr lang="en-US" sz="2400" dirty="0"/>
                   <a:t>P(variant | disease) </a:t>
                 </a:r>
                 <a14:m>
                   <m:oMath xmlns:m="http://schemas.openxmlformats.org/officeDocument/2006/math">
                     <m:r>
-                      <a:rPr lang="en-US" i="1" smtClean="0">
+                      <a:rPr lang="en-US" sz="2400" i="1">
                         <a:latin typeface="Cambria Math" charset="0"/>
                         <a:ea typeface="Cambria Math" charset="0"/>
                         <a:cs typeface="Cambria Math" charset="0"/>
@@ -9667,23 +9572,25 @@
                   </m:oMath>
                 </a14:m>
                 <a:r>
-                  <a:rPr lang="en-US" dirty="0" smtClean="0"/>
+                  <a:rPr lang="en-US" sz="2400" dirty="0"/>
                   <a:t> 2%</a:t>
                 </a:r>
               </a:p>
               <a:p>
                 <a:r>
-                  <a:rPr lang="en-US" dirty="0" smtClean="0"/>
-                  <a:t>Assumption: other genes are on the same order of magnitude.</a:t>
+                  <a:rPr lang="en-US" sz="2400" dirty="0"/>
+                  <a:t>Set as point value</a:t>
                 </a:r>
-              </a:p>
-              <a:p>
-                <a:endParaRPr lang="en-US" dirty="0"/>
+                <a:r>
+                  <a:rPr lang="en-US" sz="2400" dirty="0" smtClean="0"/>
+                  <a:t>.</a:t>
+                </a:r>
+                <a:endParaRPr lang="en-US" sz="2400" dirty="0"/>
               </a:p>
             </p:txBody>
           </p:sp>
         </mc:Choice>
-        <mc:Fallback xmlns="">
+        <mc:Fallback>
           <p:sp>
             <p:nvSpPr>
               <p:cNvPr id="8" name="Content Placeholder 7"/>
@@ -9696,13 +9603,13 @@
             </p:nvSpPr>
             <p:spPr>
               <a:xfrm>
-                <a:off x="685800" y="2194560"/>
-                <a:ext cx="4213746" cy="4024125"/>
+                <a:off x="685800" y="2194561"/>
+                <a:ext cx="3670069" cy="2327564"/>
               </a:xfrm>
               <a:blipFill rotWithShape="0">
                 <a:blip r:embed="rId2"/>
                 <a:stretch>
-                  <a:fillRect l="-2605" t="-2424" r="-434"/>
+                  <a:fillRect l="-2326" t="-3665"/>
                 </a:stretch>
               </a:blipFill>
             </p:spPr>
@@ -9737,8 +9644,8 @@
         </p:blipFill>
         <p:spPr>
           <a:xfrm>
-            <a:off x="5214088" y="2057401"/>
-            <a:ext cx="6292112" cy="3483428"/>
+            <a:off x="4699824" y="1845425"/>
+            <a:ext cx="6922754" cy="3832563"/>
           </a:xfrm>
           <a:prstGeom prst="rect">
             <a:avLst/>
@@ -9807,15 +9714,7 @@
             <a:pPr algn="ctr"/>
             <a:r>
               <a:rPr lang="en-US" dirty="0" smtClean="0"/>
-              <a:t>Rough </a:t>
-            </a:r>
-            <a:r>
-              <a:rPr lang="en-US" dirty="0" smtClean="0"/>
-              <a:t>Penetrance Estimates</a:t>
-            </a:r>
-            <a:r>
-              <a:rPr lang="en-US" dirty="0" smtClean="0"/>
-              <a:t>: ExAC</a:t>
+              <a:t>Rough Penetrance Estimates: ExAC</a:t>
             </a:r>
             <a:endParaRPr lang="en-US" dirty="0"/>
           </a:p>
@@ -9869,13 +9768,21 @@
           <a:p>
             <a:r>
               <a:rPr lang="en-US" sz="1600" dirty="0" smtClean="0"/>
-              <a:t>Penetrance estimates have a similar shape, but are increased because 1000G has fewer individuals.</a:t>
-            </a:r>
-          </a:p>
-          <a:p>
+              <a:t>*Penetrance </a:t>
+            </a:r>
             <a:r>
               <a:rPr lang="en-US" sz="1600" dirty="0" smtClean="0"/>
-              <a:t>Some values are </a:t>
+              <a:t>estimates have a similar shape, but are increased because 1000G has fewer individuals.</a:t>
+            </a:r>
+          </a:p>
+          <a:p>
+            <a:r>
+              <a:rPr lang="en-US" sz="1600" dirty="0" smtClean="0"/>
+              <a:t>*Some </a:t>
+            </a:r>
+            <a:r>
+              <a:rPr lang="en-US" sz="1600" dirty="0" smtClean="0"/>
+              <a:t>values are </a:t>
             </a:r>
             <a:r>
               <a:rPr lang="en-US" sz="1600" dirty="0" err="1" smtClean="0"/>
@@ -9965,180 +9872,36 @@
         </p:nvSpPr>
         <p:spPr>
           <a:xfrm>
-            <a:off x="522725" y="-150126"/>
-            <a:ext cx="10970965" cy="2757129"/>
-          </a:xfrm>
-        </p:spPr>
-        <p:txBody>
-          <a:bodyPr>
-            <a:normAutofit/>
-          </a:bodyPr>
+            <a:off x="838200" y="365125"/>
+            <a:ext cx="10515600" cy="6052608"/>
+          </a:xfrm>
+        </p:spPr>
+        <p:txBody>
+          <a:bodyPr/>
           <a:lstStyle/>
           <a:p>
             <a:pPr algn="ctr"/>
             <a:r>
-              <a:rPr lang="en-US" dirty="0" smtClean="0"/>
-              <a:t>1000 Genomes Population Analysis Shiny App</a:t>
-            </a:r>
-            <a:endParaRPr lang="en-US" dirty="0"/>
-          </a:p>
-        </p:txBody>
-      </p:sp>
-      <p:sp>
-        <p:nvSpPr>
-          <p:cNvPr id="3" name="Content Placeholder 2"/>
-          <p:cNvSpPr>
-            <a:spLocks noGrp="1"/>
-          </p:cNvSpPr>
-          <p:nvPr>
-            <p:ph idx="1"/>
-          </p:nvPr>
-        </p:nvSpPr>
-        <p:spPr>
-          <a:xfrm>
-            <a:off x="675565" y="1946837"/>
-            <a:ext cx="10820400" cy="4225363"/>
-          </a:xfrm>
-        </p:spPr>
-        <p:txBody>
-          <a:bodyPr>
-            <a:noAutofit/>
-          </a:bodyPr>
-          <a:lstStyle/>
-          <a:p>
-            <a:r>
-              <a:rPr lang="en-US" dirty="0" smtClean="0">
-                <a:solidFill>
-                  <a:srgbClr val="FF0000"/>
-                </a:solidFill>
-              </a:rPr>
-              <a:t>User inputs list of genes:</a:t>
-            </a:r>
-          </a:p>
-          <a:p>
-            <a:pPr lvl="1"/>
-            <a:r>
-              <a:rPr lang="en-US" sz="2800" dirty="0" smtClean="0"/>
-              <a:t>Option 1: manual entry</a:t>
-            </a:r>
-          </a:p>
-          <a:p>
-            <a:pPr lvl="1"/>
-            <a:r>
-              <a:rPr lang="en-US" sz="2800" dirty="0" smtClean="0"/>
-              <a:t>Option 2: upload </a:t>
-            </a:r>
-            <a:r>
-              <a:rPr lang="en-US" sz="2800" dirty="0" err="1" smtClean="0"/>
-              <a:t>RData</a:t>
-            </a:r>
-            <a:r>
-              <a:rPr lang="en-US" sz="2800" dirty="0" smtClean="0"/>
-              <a:t> </a:t>
-            </a:r>
-            <a:r>
-              <a:rPr lang="en-US" sz="2800" dirty="0" smtClean="0"/>
-              <a:t>file</a:t>
-            </a:r>
-          </a:p>
-          <a:p>
-            <a:pPr lvl="1"/>
-            <a:r>
-              <a:rPr lang="en-US" sz="2800" dirty="0" smtClean="0"/>
-              <a:t>Option </a:t>
-            </a:r>
-            <a:r>
-              <a:rPr lang="en-US" sz="2800" dirty="0" smtClean="0"/>
-              <a:t>3: scrape genes listed in the ACMG recommendations </a:t>
-            </a:r>
-            <a:br>
-              <a:rPr lang="en-US" sz="2800" dirty="0" smtClean="0"/>
-            </a:br>
-            <a:r>
-              <a:rPr lang="en-US" sz="2800" dirty="0" smtClean="0"/>
-              <a:t>                 for incidental findings from ClinVar website </a:t>
-            </a:r>
-          </a:p>
-          <a:p>
-            <a:pPr lvl="1"/>
-            <a:r>
-              <a:rPr lang="en-US" sz="2800" dirty="0" smtClean="0"/>
-              <a:t>Option 4: scrape HCM panel test genes from LMM </a:t>
-            </a:r>
-            <a:r>
-              <a:rPr lang="en-US" sz="2800" dirty="0" smtClean="0"/>
-              <a:t>website</a:t>
-            </a:r>
-            <a:endParaRPr lang="en-US" sz="2800" dirty="0" smtClean="0"/>
-          </a:p>
-          <a:p>
-            <a:r>
-              <a:rPr lang="en-US" dirty="0" smtClean="0">
-                <a:solidFill>
-                  <a:srgbClr val="FF0000"/>
-                </a:solidFill>
-              </a:rPr>
-              <a:t>App downloads </a:t>
-            </a:r>
-            <a:r>
-              <a:rPr lang="en-US" dirty="0">
-                <a:solidFill>
-                  <a:srgbClr val="FF0000"/>
-                </a:solidFill>
-              </a:rPr>
-              <a:t>VCF files from 1000 genomes and generates plots: </a:t>
-            </a:r>
-          </a:p>
-          <a:p>
-            <a:pPr lvl="1"/>
-            <a:r>
-              <a:rPr lang="en-US" sz="2800" dirty="0" smtClean="0"/>
-              <a:t>Number of variants by population and by gene </a:t>
-            </a:r>
-            <a:r>
-              <a:rPr lang="en-US" sz="2800" dirty="0" smtClean="0"/>
-              <a:t>length</a:t>
-            </a:r>
-            <a:endParaRPr lang="en-US" sz="2800" dirty="0" smtClean="0"/>
-          </a:p>
-          <a:p>
-            <a:pPr lvl="1"/>
-            <a:r>
-              <a:rPr lang="en-US" sz="2800" dirty="0" smtClean="0"/>
-              <a:t>Fraction of population with some </a:t>
-            </a:r>
-            <a:r>
-              <a:rPr lang="en-US" sz="2800" dirty="0" smtClean="0"/>
-              <a:t>variant</a:t>
-            </a:r>
-            <a:endParaRPr lang="en-US" dirty="0">
-              <a:solidFill>
-                <a:srgbClr val="FF0000"/>
-              </a:solidFill>
-            </a:endParaRPr>
-          </a:p>
-          <a:p>
-            <a:endParaRPr lang="en-US" sz="3200" dirty="0"/>
+              <a:rPr lang="en-US" dirty="0"/>
+              <a:t>1000 Genomes Population </a:t>
+            </a:r>
+            <a:r>
+              <a:rPr lang="en-US" dirty="0"/>
+              <a:t>Analysis Shiny App</a:t>
+            </a:r>
           </a:p>
         </p:txBody>
       </p:sp>
     </p:spTree>
     <p:extLst>
       <p:ext uri="{BB962C8B-B14F-4D97-AF65-F5344CB8AC3E}">
-        <p14:creationId xmlns:p14="http://schemas.microsoft.com/office/powerpoint/2010/main" val="1286193782"/>
+        <p14:creationId xmlns:p14="http://schemas.microsoft.com/office/powerpoint/2010/main" val="599241251"/>
       </p:ext>
     </p:extLst>
   </p:cSld>
   <p:clrMapOvr>
     <a:masterClrMapping/>
   </p:clrMapOvr>
-  <p:timing>
-    <p:tnLst>
-      <p:par>
-        <p:cTn id="1" dur="indefinite" restart="never" nodeType="tmRoot"/>
-      </p:par>
-    </p:tnLst>
-  </p:timing>
 </p:sld>
 </file>
 
@@ -10169,145 +9932,232 @@
             <p:ph type="title"/>
           </p:nvPr>
         </p:nvSpPr>
-        <p:spPr>
-          <a:xfrm>
-            <a:off x="805755" y="875630"/>
-            <a:ext cx="8610600" cy="980466"/>
-          </a:xfrm>
-        </p:spPr>
+        <p:spPr/>
         <p:txBody>
           <a:bodyPr/>
           <a:lstStyle/>
           <a:p>
             <a:r>
-              <a:rPr lang="en-US" dirty="0" smtClean="0"/>
-              <a:t>ACMG App Runtime</a:t>
-            </a:r>
-            <a:endParaRPr lang="en-US" dirty="0"/>
+              <a:rPr lang="en-US" smtClean="0"/>
+              <a:t>User Interface</a:t>
+            </a:r>
+            <a:endParaRPr lang="en-US"/>
           </a:p>
         </p:txBody>
       </p:sp>
       <p:pic>
         <p:nvPicPr>
-          <p:cNvPr id="5" name="Content Placeholder 4"/>
+          <p:cNvPr id="6" name="Picture 5"/>
           <p:cNvPicPr>
-            <a:picLocks noGrp="1" noChangeAspect="1"/>
+            <a:picLocks noChangeAspect="1"/>
           </p:cNvPicPr>
-          <p:nvPr>
-            <p:ph idx="1"/>
-          </p:nvPr>
+          <p:nvPr/>
         </p:nvPicPr>
         <p:blipFill rotWithShape="1">
-          <a:blip r:embed="rId3">
-            <a:extLst>
-              <a:ext uri="{28A0092B-C50C-407E-A947-70E740481C1C}">
-                <a14:useLocalDpi xmlns:a14="http://schemas.microsoft.com/office/drawing/2010/main" val="0"/>
-              </a:ext>
-            </a:extLst>
-          </a:blip>
-          <a:srcRect t="13384"/>
+          <a:blip r:embed="rId2"/>
+          <a:srcRect t="7314"/>
           <a:stretch/>
         </p:blipFill>
         <p:spPr>
           <a:xfrm>
-            <a:off x="6502400" y="1856096"/>
-            <a:ext cx="5362970" cy="4082701"/>
-          </a:xfrm>
-        </p:spPr>
-      </p:pic>
-      <p:sp>
-        <p:nvSpPr>
-          <p:cNvPr id="8" name="Rectangle 7"/>
-          <p:cNvSpPr/>
-          <p:nvPr/>
-        </p:nvSpPr>
-        <p:spPr>
-          <a:xfrm>
-            <a:off x="744309" y="1959399"/>
-            <a:ext cx="6096000" cy="1323439"/>
+            <a:off x="415296" y="1690688"/>
+            <a:ext cx="7528021" cy="4174655"/>
           </a:xfrm>
           <a:prstGeom prst="rect">
             <a:avLst/>
           </a:prstGeom>
         </p:spPr>
-        <p:txBody>
-          <a:bodyPr>
+      </p:pic>
+      <p:sp>
+        <p:nvSpPr>
+          <p:cNvPr id="3" name="Rectangle 2"/>
+          <p:cNvSpPr/>
+          <p:nvPr/>
+        </p:nvSpPr>
+        <p:spPr>
+          <a:xfrm>
+            <a:off x="8205101" y="1080660"/>
+            <a:ext cx="3571603" cy="3108543"/>
+          </a:xfrm>
+          <a:prstGeom prst="rect">
+            <a:avLst/>
+          </a:prstGeom>
+        </p:spPr>
+        <p:txBody>
+          <a:bodyPr wrap="square">
             <a:spAutoFit/>
           </a:bodyPr>
           <a:lstStyle/>
           <a:p>
             <a:r>
-              <a:rPr lang="en-US" sz="3200" dirty="0" smtClean="0">
+              <a:rPr lang="en-US" sz="2800" dirty="0" smtClean="0">
                 <a:solidFill>
                   <a:srgbClr val="FF0000"/>
                 </a:solidFill>
               </a:rPr>
-              <a:t>15-22 </a:t>
-            </a:r>
-            <a:r>
-              <a:rPr lang="en-US" sz="3200" dirty="0">
+              <a:t>Input list </a:t>
+            </a:r>
+            <a:r>
+              <a:rPr lang="en-US" sz="2800" dirty="0">
                 <a:solidFill>
                   <a:srgbClr val="FF0000"/>
                 </a:solidFill>
               </a:rPr>
-              <a:t>seconds per </a:t>
-            </a:r>
-            <a:r>
-              <a:rPr lang="en-US" sz="3200" dirty="0" smtClean="0">
+              <a:t>of </a:t>
+            </a:r>
+            <a:r>
+              <a:rPr lang="en-US" sz="2800" dirty="0" smtClean="0">
                 <a:solidFill>
                   <a:srgbClr val="FF0000"/>
                 </a:solidFill>
               </a:rPr>
-              <a:t>gene: </a:t>
-            </a:r>
-            <a:endParaRPr lang="en-US" sz="3200" dirty="0">
+              <a:t>genes:</a:t>
+            </a:r>
+            <a:br>
+              <a:rPr lang="en-US" sz="2800" dirty="0" smtClean="0">
+                <a:solidFill>
+                  <a:srgbClr val="FF0000"/>
+                </a:solidFill>
+              </a:rPr>
+            </a:br>
+            <a:r>
+              <a:rPr lang="en-US" sz="2400" b="1" dirty="0" smtClean="0"/>
+              <a:t>Option </a:t>
+            </a:r>
+            <a:r>
+              <a:rPr lang="en-US" sz="2400" b="1" dirty="0"/>
+              <a:t>1</a:t>
+            </a:r>
+            <a:r>
+              <a:rPr lang="en-US" sz="2400" dirty="0"/>
+              <a:t>: manual </a:t>
+            </a:r>
+            <a:r>
+              <a:rPr lang="en-US" sz="2400" dirty="0" smtClean="0"/>
+              <a:t>entry</a:t>
+            </a:r>
+            <a:br>
+              <a:rPr lang="en-US" sz="2400" dirty="0" smtClean="0"/>
+            </a:br>
+            <a:r>
+              <a:rPr lang="en-US" sz="2400" b="1" dirty="0" smtClean="0"/>
+              <a:t>Option </a:t>
+            </a:r>
+            <a:r>
+              <a:rPr lang="en-US" sz="2400" b="1" dirty="0"/>
+              <a:t>2</a:t>
+            </a:r>
+            <a:r>
+              <a:rPr lang="en-US" sz="2400" dirty="0"/>
+              <a:t>: upload .</a:t>
+            </a:r>
+            <a:r>
+              <a:rPr lang="en-US" sz="2400" dirty="0" err="1" smtClean="0"/>
+              <a:t>RData</a:t>
+            </a:r>
+            <a:r>
+              <a:rPr lang="en-US" sz="2400" dirty="0" smtClean="0"/>
+              <a:t/>
+            </a:r>
+            <a:br>
+              <a:rPr lang="en-US" sz="2400" dirty="0" smtClean="0"/>
+            </a:br>
+            <a:r>
+              <a:rPr lang="en-US" sz="2400" b="1" dirty="0" smtClean="0"/>
+              <a:t>Option </a:t>
+            </a:r>
+            <a:r>
+              <a:rPr lang="en-US" sz="2400" b="1" dirty="0"/>
+              <a:t>3</a:t>
+            </a:r>
+            <a:r>
+              <a:rPr lang="en-US" sz="2400" dirty="0"/>
+              <a:t>: scrape </a:t>
+            </a:r>
+            <a:r>
+              <a:rPr lang="en-US" sz="2400" dirty="0" smtClean="0"/>
+              <a:t>ACMG-56 from ClinVar website.</a:t>
+            </a:r>
+            <a:br>
+              <a:rPr lang="en-US" sz="2400" dirty="0" smtClean="0"/>
+            </a:br>
+            <a:r>
+              <a:rPr lang="en-US" sz="2400" b="1" dirty="0" smtClean="0"/>
+              <a:t>Option </a:t>
+            </a:r>
+            <a:r>
+              <a:rPr lang="en-US" sz="2400" b="1" dirty="0"/>
+              <a:t>4</a:t>
+            </a:r>
+            <a:r>
+              <a:rPr lang="en-US" sz="2400" dirty="0"/>
+              <a:t>: scrape HCM </a:t>
+            </a:r>
+            <a:r>
+              <a:rPr lang="en-US" sz="2400" dirty="0" smtClean="0"/>
+              <a:t>panel test genes </a:t>
+            </a:r>
+            <a:r>
+              <a:rPr lang="en-US" sz="2400" dirty="0"/>
+              <a:t>from LMM </a:t>
+            </a:r>
+            <a:r>
+              <a:rPr lang="en-US" sz="2400" dirty="0" smtClean="0"/>
+              <a:t>website.</a:t>
+            </a:r>
+            <a:endParaRPr lang="en-US" sz="2400" dirty="0"/>
+          </a:p>
+        </p:txBody>
+      </p:sp>
+      <p:sp>
+        <p:nvSpPr>
+          <p:cNvPr id="5" name="Rectangle 4"/>
+          <p:cNvSpPr/>
+          <p:nvPr/>
+        </p:nvSpPr>
+        <p:spPr>
+          <a:xfrm>
+            <a:off x="8205101" y="4447827"/>
+            <a:ext cx="2987040" cy="1815882"/>
+          </a:xfrm>
+          <a:prstGeom prst="rect">
+            <a:avLst/>
+          </a:prstGeom>
+        </p:spPr>
+        <p:txBody>
+          <a:bodyPr wrap="square">
+            <a:spAutoFit/>
+          </a:bodyPr>
+          <a:lstStyle/>
+          <a:p>
+            <a:r>
+              <a:rPr lang="en-US" sz="2800" dirty="0">
+                <a:solidFill>
+                  <a:srgbClr val="FF0000"/>
+                </a:solidFill>
+              </a:rPr>
+              <a:t>App downloads VCF files from 1000 genomes and generates </a:t>
+            </a:r>
+            <a:r>
+              <a:rPr lang="en-US" sz="2800" dirty="0" smtClean="0">
+                <a:solidFill>
+                  <a:srgbClr val="FF0000"/>
+                </a:solidFill>
+              </a:rPr>
+              <a:t>plots</a:t>
+            </a:r>
+            <a:endParaRPr lang="en-US" sz="2800" dirty="0">
               <a:solidFill>
                 <a:srgbClr val="FF0000"/>
               </a:solidFill>
             </a:endParaRPr>
           </a:p>
-          <a:p>
-            <a:pPr lvl="1"/>
-            <a:r>
-              <a:rPr lang="en-US" sz="2400" dirty="0" smtClean="0"/>
-              <a:t>1. Depends </a:t>
-            </a:r>
-            <a:r>
-              <a:rPr lang="en-US" sz="2400" dirty="0"/>
-              <a:t>on gene </a:t>
-            </a:r>
-            <a:r>
-              <a:rPr lang="en-US" sz="2400" dirty="0" smtClean="0"/>
-              <a:t>length.</a:t>
-            </a:r>
-            <a:endParaRPr lang="en-US" sz="2400" dirty="0"/>
-          </a:p>
-          <a:p>
-            <a:pPr lvl="1"/>
-            <a:r>
-              <a:rPr lang="en-US" sz="2400" dirty="0" smtClean="0"/>
-              <a:t>2.</a:t>
-            </a:r>
-            <a:r>
-              <a:rPr lang="en-US" sz="2400" dirty="0" smtClean="0"/>
-              <a:t> Under 1 </a:t>
-            </a:r>
-            <a:r>
-              <a:rPr lang="en-US" sz="2400" dirty="0" smtClean="0"/>
-              <a:t>sec / gene with </a:t>
-            </a:r>
-            <a:r>
-              <a:rPr lang="en-US" sz="2400" dirty="0" smtClean="0"/>
-              <a:t>file upload.</a:t>
-            </a:r>
-            <a:endParaRPr lang="en-US" sz="2400" dirty="0"/>
-          </a:p>
         </p:txBody>
       </p:sp>
     </p:spTree>
     <p:extLst>
       <p:ext uri="{BB962C8B-B14F-4D97-AF65-F5344CB8AC3E}">
-        <p14:creationId xmlns:p14="http://schemas.microsoft.com/office/powerpoint/2010/main" val="852935010"/>
+        <p14:creationId xmlns:p14="http://schemas.microsoft.com/office/powerpoint/2010/main" val="1393085247"/>
       </p:ext>
     </p:extLst>
   </p:cSld>
@@ -10351,26 +10201,88 @@
             <p:ph type="title"/>
           </p:nvPr>
         </p:nvSpPr>
-        <p:spPr/>
-        <p:txBody>
-          <a:bodyPr/>
-          <a:lstStyle/>
-          <a:p>
-            <a:r>
-              <a:rPr lang="en-US" smtClean="0"/>
-              <a:t>User Interface</a:t>
-            </a:r>
-            <a:endParaRPr lang="en-US"/>
+        <p:spPr>
+          <a:xfrm>
+            <a:off x="838200" y="365125"/>
+            <a:ext cx="10568940" cy="1325563"/>
+          </a:xfrm>
+        </p:spPr>
+        <p:txBody>
+          <a:bodyPr>
+            <a:noAutofit/>
+          </a:bodyPr>
+          <a:lstStyle/>
+          <a:p>
+            <a:pPr lvl="1" algn="l" rtl="0">
+              <a:lnSpc>
+                <a:spcPct val="90000"/>
+              </a:lnSpc>
+              <a:spcBef>
+                <a:spcPct val="0"/>
+              </a:spcBef>
+            </a:pPr>
+            <a:r>
+              <a:rPr lang="en-US" sz="3600" dirty="0">
+                <a:latin typeface="+mj-lt"/>
+              </a:rPr>
+              <a:t>Output Plot 1: </a:t>
+            </a:r>
+            <a:r>
+              <a:rPr lang="en-US" sz="3600" dirty="0" smtClean="0">
+                <a:latin typeface="+mj-lt"/>
+              </a:rPr>
+              <a:t/>
+            </a:r>
+            <a:br>
+              <a:rPr lang="en-US" sz="3600" dirty="0" smtClean="0">
+                <a:latin typeface="+mj-lt"/>
+              </a:rPr>
+            </a:br>
+            <a:r>
+              <a:rPr lang="en-US" sz="3600" dirty="0" smtClean="0">
+                <a:latin typeface="+mj-lt"/>
+              </a:rPr>
+              <a:t>Mean </a:t>
+            </a:r>
+            <a:r>
+              <a:rPr lang="en-US" sz="3600" dirty="0">
+                <a:latin typeface="+mj-lt"/>
+              </a:rPr>
+              <a:t>number of </a:t>
+            </a:r>
+            <a:r>
+              <a:rPr lang="en-US" sz="3600" dirty="0" smtClean="0">
+                <a:latin typeface="+mj-lt"/>
+              </a:rPr>
+              <a:t>non-reference </a:t>
+            </a:r>
+            <a:r>
+              <a:rPr lang="en-US" sz="3600" dirty="0">
+                <a:latin typeface="+mj-lt"/>
+              </a:rPr>
+              <a:t>sites </a:t>
+            </a:r>
+            <a:r>
+              <a:rPr lang="en-US" sz="3600" dirty="0" smtClean="0">
+                <a:latin typeface="+mj-lt"/>
+              </a:rPr>
+              <a:t>by population</a:t>
+            </a:r>
+            <a:endParaRPr lang="en-US" sz="3600" dirty="0">
+              <a:latin typeface="+mj-lt"/>
+            </a:endParaRPr>
           </a:p>
         </p:txBody>
       </p:sp>
       <p:pic>
         <p:nvPicPr>
-          <p:cNvPr id="6" name="Picture 5"/>
+          <p:cNvPr id="4" name="Content Placeholder 3"/>
           <p:cNvPicPr>
-            <a:picLocks noChangeAspect="1"/>
+            <a:picLocks noGrp="1" noChangeAspect="1"/>
           </p:cNvPicPr>
-          <p:nvPr/>
+          <p:nvPr>
+            <p:ph idx="1"/>
+          </p:nvPr>
         </p:nvPicPr>
         <p:blipFill>
           <a:blip r:embed="rId2"/>
@@ -10380,8 +10292,8 @@
         </p:blipFill>
         <p:spPr>
           <a:xfrm>
-            <a:off x="838200" y="1489577"/>
-            <a:ext cx="8128000" cy="4863053"/>
+            <a:off x="1066800" y="1690688"/>
+            <a:ext cx="10111740" cy="4548573"/>
           </a:xfrm>
           <a:prstGeom prst="rect">
             <a:avLst/>
@@ -10391,7 +10303,7 @@
     </p:spTree>
     <p:extLst>
       <p:ext uri="{BB962C8B-B14F-4D97-AF65-F5344CB8AC3E}">
-        <p14:creationId xmlns:p14="http://schemas.microsoft.com/office/powerpoint/2010/main" val="1393085247"/>
+        <p14:creationId xmlns:p14="http://schemas.microsoft.com/office/powerpoint/2010/main" val="1373118900"/>
       </p:ext>
     </p:extLst>
   </p:cSld>
@@ -10437,14 +10349,39 @@
         </p:nvSpPr>
         <p:spPr/>
         <p:txBody>
-          <a:bodyPr/>
-          <a:lstStyle/>
-          <a:p>
-            <a:r>
-              <a:rPr lang="en-US" dirty="0" smtClean="0"/>
-              <a:t>Output Plot 1: </a:t>
-            </a:r>
-            <a:endParaRPr lang="en-US" dirty="0"/>
+          <a:bodyPr>
+            <a:normAutofit/>
+          </a:bodyPr>
+          <a:lstStyle/>
+          <a:p>
+            <a:pPr lvl="1" algn="l" rtl="0">
+              <a:lnSpc>
+                <a:spcPct val="90000"/>
+              </a:lnSpc>
+              <a:spcBef>
+                <a:spcPct val="0"/>
+              </a:spcBef>
+            </a:pPr>
+            <a:r>
+              <a:rPr lang="en-US" sz="3600" dirty="0">
+                <a:latin typeface="+mj-lt"/>
+              </a:rPr>
+              <a:t>Output Plot 2: </a:t>
+            </a:r>
+            <a:br>
+              <a:rPr lang="en-US" sz="3600" dirty="0">
+                <a:latin typeface="+mj-lt"/>
+              </a:rPr>
+            </a:br>
+            <a:r>
+              <a:rPr lang="en-US" sz="3600" dirty="0">
+                <a:latin typeface="+mj-lt"/>
+              </a:rPr>
+              <a:t>Number of reference sites per nt for each gene</a:t>
+            </a:r>
+            <a:endParaRPr lang="en-US" sz="3600" dirty="0">
+              <a:latin typeface="+mj-lt"/>
+            </a:endParaRPr>
           </a:p>
         </p:txBody>
       </p:sp>
@@ -10466,8 +10403,8 @@
         </p:blipFill>
         <p:spPr>
           <a:xfrm>
-            <a:off x="838200" y="1690688"/>
-            <a:ext cx="9673275" cy="4351338"/>
+            <a:off x="1218378" y="1825625"/>
+            <a:ext cx="9755244" cy="4351338"/>
           </a:xfrm>
           <a:prstGeom prst="rect">
             <a:avLst/>
@@ -10477,7 +10414,7 @@
     </p:spTree>
     <p:extLst>
       <p:ext uri="{BB962C8B-B14F-4D97-AF65-F5344CB8AC3E}">
-        <p14:creationId xmlns:p14="http://schemas.microsoft.com/office/powerpoint/2010/main" val="1373118900"/>
+        <p14:creationId xmlns:p14="http://schemas.microsoft.com/office/powerpoint/2010/main" val="2065562045"/>
       </p:ext>
     </p:extLst>
   </p:cSld>
@@ -10521,16 +10458,81 @@
             <p:ph type="title"/>
           </p:nvPr>
         </p:nvSpPr>
-        <p:spPr/>
-        <p:txBody>
-          <a:bodyPr/>
-          <a:lstStyle/>
-          <a:p>
-            <a:r>
-              <a:rPr lang="en-US" dirty="0" smtClean="0"/>
-              <a:t>Output Plot 2:</a:t>
-            </a:r>
-            <a:endParaRPr lang="en-US" dirty="0"/>
+        <p:spPr>
+          <a:xfrm>
+            <a:off x="838200" y="548005"/>
+            <a:ext cx="11049000" cy="1325563"/>
+          </a:xfrm>
+        </p:spPr>
+        <p:txBody>
+          <a:bodyPr>
+            <a:noAutofit/>
+          </a:bodyPr>
+          <a:lstStyle/>
+          <a:p>
+            <a:pPr lvl="1" algn="l" rtl="0">
+              <a:lnSpc>
+                <a:spcPct val="90000"/>
+              </a:lnSpc>
+              <a:spcBef>
+                <a:spcPct val="0"/>
+              </a:spcBef>
+            </a:pPr>
+            <a:r>
+              <a:rPr lang="en-US" sz="3200" dirty="0">
+                <a:latin typeface="+mj-lt"/>
+              </a:rPr>
+              <a:t>Output Plot </a:t>
+            </a:r>
+            <a:r>
+              <a:rPr lang="en-US" sz="3200" dirty="0">
+                <a:latin typeface="+mj-lt"/>
+              </a:rPr>
+              <a:t>3:</a:t>
+            </a:r>
+            <a:br>
+              <a:rPr lang="en-US" sz="3200" dirty="0">
+                <a:latin typeface="+mj-lt"/>
+              </a:rPr>
+            </a:br>
+            <a:r>
+              <a:rPr lang="en-US" sz="3200" dirty="0">
+                <a:latin typeface="+mj-lt"/>
+              </a:rPr>
+              <a:t>Fraction </a:t>
+            </a:r>
+            <a:r>
+              <a:rPr lang="en-US" sz="3200" dirty="0" smtClean="0">
+                <a:latin typeface="+mj-lt"/>
+              </a:rPr>
+              <a:t>with </a:t>
+            </a:r>
+            <a:r>
+              <a:rPr lang="en-US" sz="3200" dirty="0">
+                <a:latin typeface="+mj-lt"/>
+              </a:rPr>
+              <a:t>at least 1 non-reference </a:t>
+            </a:r>
+            <a:r>
+              <a:rPr lang="en-US" sz="3200" dirty="0" smtClean="0">
+                <a:latin typeface="+mj-lt"/>
+              </a:rPr>
+              <a:t>site </a:t>
+            </a:r>
+            <a:br>
+              <a:rPr lang="en-US" sz="3200" dirty="0" smtClean="0">
+                <a:latin typeface="+mj-lt"/>
+              </a:rPr>
+            </a:br>
+            <a:r>
+              <a:rPr lang="en-US" sz="3200" dirty="0" smtClean="0">
+                <a:latin typeface="+mj-lt"/>
+              </a:rPr>
+              <a:t>for a specified gene, by population</a:t>
+            </a:r>
+            <a:endParaRPr lang="en-US" sz="3200" dirty="0">
+              <a:latin typeface="+mj-lt"/>
+            </a:endParaRPr>
           </a:p>
         </p:txBody>
       </p:sp>
@@ -10552,7 +10554,7 @@
         </p:blipFill>
         <p:spPr>
           <a:xfrm>
-            <a:off x="1218378" y="1825625"/>
+            <a:off x="1195518" y="2122805"/>
             <a:ext cx="9755244" cy="4351338"/>
           </a:xfrm>
           <a:prstGeom prst="rect">
@@ -10563,7 +10565,7 @@
     </p:spTree>
     <p:extLst>
       <p:ext uri="{BB962C8B-B14F-4D97-AF65-F5344CB8AC3E}">
-        <p14:creationId xmlns:p14="http://schemas.microsoft.com/office/powerpoint/2010/main" val="2065562045"/>
+        <p14:creationId xmlns:p14="http://schemas.microsoft.com/office/powerpoint/2010/main" val="1338810592"/>
       </p:ext>
     </p:extLst>
   </p:cSld>
@@ -10607,18 +10609,19 @@
             <p:ph type="title"/>
           </p:nvPr>
         </p:nvSpPr>
-        <p:spPr/>
+        <p:spPr>
+          <a:xfrm>
+            <a:off x="805755" y="875630"/>
+            <a:ext cx="8610600" cy="980466"/>
+          </a:xfrm>
+        </p:spPr>
         <p:txBody>
           <a:bodyPr/>
           <a:lstStyle/>
           <a:p>
             <a:r>
-              <a:rPr lang="en-US" dirty="0"/>
-              <a:t>Output Plot </a:t>
-            </a:r>
-            <a:r>
               <a:rPr lang="en-US" dirty="0" smtClean="0"/>
-              <a:t>3:</a:t>
+              <a:t>Runtime</a:t>
             </a:r>
             <a:endParaRPr lang="en-US" dirty="0"/>
           </a:p>
@@ -10626,7 +10629,7 @@
       </p:sp>
       <p:pic>
         <p:nvPicPr>
-          <p:cNvPr id="4" name="Content Placeholder 3"/>
+          <p:cNvPr id="5" name="Content Placeholder 4"/>
           <p:cNvPicPr>
             <a:picLocks noGrp="1" noChangeAspect="1"/>
           </p:cNvPicPr>
@@ -10634,26 +10637,116 @@
             <p:ph idx="1"/>
           </p:nvPr>
         </p:nvPicPr>
-        <p:blipFill>
-          <a:blip r:embed="rId2"/>
-          <a:stretch>
-            <a:fillRect/>
-          </a:stretch>
+        <p:blipFill rotWithShape="1">
+          <a:blip r:embed="rId3">
+            <a:extLst>
+              <a:ext uri="{28A0092B-C50C-407E-A947-70E740481C1C}">
+                <a14:useLocalDpi xmlns:a14="http://schemas.microsoft.com/office/drawing/2010/main" val="0"/>
+              </a:ext>
+            </a:extLst>
+          </a:blip>
+          <a:srcRect t="13384"/>
+          <a:stretch/>
         </p:blipFill>
         <p:spPr>
           <a:xfrm>
-            <a:off x="1218378" y="1825625"/>
-            <a:ext cx="9755244" cy="4351338"/>
+            <a:off x="6502400" y="1856096"/>
+            <a:ext cx="5362970" cy="4082701"/>
+          </a:xfrm>
+        </p:spPr>
+      </p:pic>
+      <p:sp>
+        <p:nvSpPr>
+          <p:cNvPr id="8" name="Rectangle 7"/>
+          <p:cNvSpPr/>
+          <p:nvPr/>
+        </p:nvSpPr>
+        <p:spPr>
+          <a:xfrm>
+            <a:off x="744309" y="1959399"/>
+            <a:ext cx="6096000" cy="1692771"/>
           </a:xfrm>
           <a:prstGeom prst="rect">
             <a:avLst/>
           </a:prstGeom>
         </p:spPr>
-      </p:pic>
+        <p:txBody>
+          <a:bodyPr>
+            <a:spAutoFit/>
+          </a:bodyPr>
+          <a:lstStyle/>
+          <a:p>
+            <a:r>
+              <a:rPr lang="en-US" sz="3200" dirty="0" smtClean="0">
+                <a:solidFill>
+                  <a:srgbClr val="FF0000"/>
+                </a:solidFill>
+              </a:rPr>
+              <a:t>15-22 </a:t>
+            </a:r>
+            <a:r>
+              <a:rPr lang="en-US" sz="3200" dirty="0">
+                <a:solidFill>
+                  <a:srgbClr val="FF0000"/>
+                </a:solidFill>
+              </a:rPr>
+              <a:t>seconds per </a:t>
+            </a:r>
+            <a:r>
+              <a:rPr lang="en-US" sz="3200" dirty="0" smtClean="0">
+                <a:solidFill>
+                  <a:srgbClr val="FF0000"/>
+                </a:solidFill>
+              </a:rPr>
+              <a:t>gene: </a:t>
+            </a:r>
+            <a:endParaRPr lang="en-US" sz="3200" dirty="0">
+              <a:solidFill>
+                <a:srgbClr val="FF0000"/>
+              </a:solidFill>
+            </a:endParaRPr>
+          </a:p>
+          <a:p>
+            <a:pPr lvl="1"/>
+            <a:r>
+              <a:rPr lang="en-US" sz="2400" dirty="0" smtClean="0"/>
+              <a:t>1. Depends </a:t>
+            </a:r>
+            <a:r>
+              <a:rPr lang="en-US" sz="2400" dirty="0"/>
+              <a:t>on gene </a:t>
+            </a:r>
+            <a:r>
+              <a:rPr lang="en-US" sz="2400" dirty="0" smtClean="0"/>
+              <a:t>length.</a:t>
+            </a:r>
+            <a:endParaRPr lang="en-US" sz="2400" dirty="0"/>
+          </a:p>
+          <a:p>
+            <a:pPr lvl="1"/>
+            <a:r>
+              <a:rPr lang="en-US" sz="2400" dirty="0" smtClean="0"/>
+              <a:t>2. Under 1 sec / gene with file upload</a:t>
+            </a:r>
+            <a:r>
+              <a:rPr lang="en-US" sz="2400" dirty="0" smtClean="0"/>
+              <a:t>.</a:t>
+            </a:r>
+          </a:p>
+          <a:p>
+            <a:pPr lvl="1"/>
+            <a:r>
+              <a:rPr lang="en-US" sz="2400" dirty="0" smtClean="0"/>
+              <a:t>3. 20,000 genes in 3-4 days</a:t>
+            </a:r>
+            <a:endParaRPr lang="en-US" sz="2400" dirty="0"/>
+          </a:p>
+        </p:txBody>
+      </p:sp>
     </p:spTree>
     <p:extLst>
       <p:ext uri="{BB962C8B-B14F-4D97-AF65-F5344CB8AC3E}">
-        <p14:creationId xmlns:p14="http://schemas.microsoft.com/office/powerpoint/2010/main" val="1338810592"/>
+        <p14:creationId xmlns:p14="http://schemas.microsoft.com/office/powerpoint/2010/main" val="852935010"/>
       </p:ext>
     </p:extLst>
   </p:cSld>

--- a/week_6/For_Zak.pptx
+++ b/week_6/For_Zak.pptx
@@ -5,37 +5,32 @@
     <p:sldMasterId id="2147483669" r:id="rId1"/>
   </p:sldMasterIdLst>
   <p:notesMasterIdLst>
-    <p:notesMasterId r:id="rId30"/>
+    <p:notesMasterId r:id="rId25"/>
   </p:notesMasterIdLst>
   <p:sldIdLst>
     <p:sldId id="256" r:id="rId2"/>
     <p:sldId id="296" r:id="rId3"/>
-    <p:sldId id="286" r:id="rId4"/>
-    <p:sldId id="288" r:id="rId5"/>
-    <p:sldId id="289" r:id="rId6"/>
-    <p:sldId id="290" r:id="rId7"/>
-    <p:sldId id="291" r:id="rId8"/>
-    <p:sldId id="258" r:id="rId9"/>
-    <p:sldId id="292" r:id="rId10"/>
-    <p:sldId id="268" r:id="rId11"/>
-    <p:sldId id="262" r:id="rId12"/>
-    <p:sldId id="287" r:id="rId13"/>
-    <p:sldId id="270" r:id="rId14"/>
-    <p:sldId id="280" r:id="rId15"/>
-    <p:sldId id="271" r:id="rId16"/>
-    <p:sldId id="297" r:id="rId17"/>
-    <p:sldId id="282" r:id="rId18"/>
-    <p:sldId id="283" r:id="rId19"/>
-    <p:sldId id="285" r:id="rId20"/>
-    <p:sldId id="281" r:id="rId21"/>
-    <p:sldId id="293" r:id="rId22"/>
-    <p:sldId id="259" r:id="rId23"/>
-    <p:sldId id="260" r:id="rId24"/>
-    <p:sldId id="261" r:id="rId25"/>
-    <p:sldId id="277" r:id="rId26"/>
-    <p:sldId id="275" r:id="rId27"/>
-    <p:sldId id="278" r:id="rId28"/>
-    <p:sldId id="279" r:id="rId29"/>
+    <p:sldId id="300" r:id="rId4"/>
+    <p:sldId id="286" r:id="rId5"/>
+    <p:sldId id="302" r:id="rId6"/>
+    <p:sldId id="268" r:id="rId7"/>
+    <p:sldId id="287" r:id="rId8"/>
+    <p:sldId id="270" r:id="rId9"/>
+    <p:sldId id="299" r:id="rId10"/>
+    <p:sldId id="271" r:id="rId11"/>
+    <p:sldId id="282" r:id="rId12"/>
+    <p:sldId id="283" r:id="rId13"/>
+    <p:sldId id="285" r:id="rId14"/>
+    <p:sldId id="281" r:id="rId15"/>
+    <p:sldId id="293" r:id="rId16"/>
+    <p:sldId id="298" r:id="rId17"/>
+    <p:sldId id="259" r:id="rId18"/>
+    <p:sldId id="260" r:id="rId19"/>
+    <p:sldId id="261" r:id="rId20"/>
+    <p:sldId id="277" r:id="rId21"/>
+    <p:sldId id="275" r:id="rId22"/>
+    <p:sldId id="278" r:id="rId23"/>
+    <p:sldId id="279" r:id="rId24"/>
   </p:sldIdLst>
   <p:sldSz cx="12192000" cy="6858000"/>
   <p:notesSz cx="6858000" cy="9144000"/>
@@ -224,7 +219,7 @@
           <a:p>
             <a:fld id="{13D166E5-CA32-C14C-AC86-25EE605CA0B9}" type="datetimeFigureOut">
               <a:rPr lang="en-US" smtClean="0"/>
-              <a:t>7/27/16</a:t>
+              <a:t>7/28/16</a:t>
             </a:fld>
             <a:endParaRPr lang="en-US"/>
           </a:p>
@@ -536,14 +531,6 @@
           <a:bodyPr/>
           <a:lstStyle/>
           <a:p>
-            <a:r>
-              <a:rPr lang="en-US" dirty="0" smtClean="0"/>
-              <a:t>Briefly</a:t>
-            </a:r>
-            <a:r>
-              <a:rPr lang="en-US" baseline="0" dirty="0" smtClean="0"/>
-              <a:t> cover runtime. </a:t>
-            </a:r>
             <a:endParaRPr lang="en-US" dirty="0"/>
           </a:p>
         </p:txBody>
@@ -565,7 +552,7 @@
           <a:p>
             <a:fld id="{C2698728-EB87-E34E-977D-E3392FB2F7C3}" type="slidenum">
               <a:rPr lang="en-US" smtClean="0"/>
-              <a:t>8</a:t>
+              <a:t>1</a:t>
             </a:fld>
             <a:endParaRPr lang="en-US"/>
           </a:p>
@@ -574,7 +561,7 @@
     </p:spTree>
     <p:extLst>
       <p:ext uri="{BB962C8B-B14F-4D97-AF65-F5344CB8AC3E}">
-        <p14:creationId xmlns:p14="http://schemas.microsoft.com/office/powerpoint/2010/main" val="499974354"/>
+        <p14:creationId xmlns:p14="http://schemas.microsoft.com/office/powerpoint/2010/main" val="2066330282"/>
       </p:ext>
     </p:extLst>
   </p:cSld>
@@ -628,6 +615,34 @@
           <a:bodyPr/>
           <a:lstStyle/>
           <a:p>
+            <a:pPr marL="0" marR="0" indent="0" algn="l" defTabSz="914400" rtl="0" eaLnBrk="1" fontAlgn="auto" latinLnBrk="0" hangingPunct="1">
+              <a:lnSpc>
+                <a:spcPct val="100000"/>
+              </a:lnSpc>
+              <a:spcBef>
+                <a:spcPts val="0"/>
+              </a:spcBef>
+              <a:spcAft>
+                <a:spcPts val="0"/>
+              </a:spcAft>
+              <a:buClrTx/>
+              <a:buSzTx/>
+              <a:buFontTx/>
+              <a:buNone/>
+              <a:tabLst/>
+              <a:defRPr/>
+            </a:pPr>
+            <a:r>
+              <a:rPr lang="en-US" dirty="0" smtClean="0"/>
+              <a:t>Randomly</a:t>
+            </a:r>
+            <a:r>
+              <a:rPr lang="en-US" baseline="0" dirty="0" smtClean="0"/>
+              <a:t> select 56 genes 10 times </a:t>
+            </a:r>
+            <a:endParaRPr lang="en-US" dirty="0" smtClean="0"/>
+          </a:p>
+          <a:p>
             <a:endParaRPr lang="en-US" dirty="0"/>
           </a:p>
         </p:txBody>
@@ -649,7 +664,7 @@
           <a:p>
             <a:fld id="{C2698728-EB87-E34E-977D-E3392FB2F7C3}" type="slidenum">
               <a:rPr lang="en-US" smtClean="0"/>
-              <a:t>22</a:t>
+              <a:t>14</a:t>
             </a:fld>
             <a:endParaRPr lang="en-US"/>
           </a:p>
@@ -658,7 +673,7 @@
     </p:spTree>
     <p:extLst>
       <p:ext uri="{BB962C8B-B14F-4D97-AF65-F5344CB8AC3E}">
-        <p14:creationId xmlns:p14="http://schemas.microsoft.com/office/powerpoint/2010/main" val="615904070"/>
+        <p14:creationId xmlns:p14="http://schemas.microsoft.com/office/powerpoint/2010/main" val="1847121923"/>
       </p:ext>
     </p:extLst>
   </p:cSld>
@@ -712,6 +727,10 @@
           <a:bodyPr/>
           <a:lstStyle/>
           <a:p>
+            <a:r>
+              <a:rPr lang="en-US" dirty="0" smtClean="0"/>
+              <a:t>AFR as well</a:t>
+            </a:r>
             <a:endParaRPr lang="en-US" dirty="0"/>
           </a:p>
         </p:txBody>
@@ -733,7 +752,7 @@
           <a:p>
             <a:fld id="{C2698728-EB87-E34E-977D-E3392FB2F7C3}" type="slidenum">
               <a:rPr lang="en-US" smtClean="0"/>
-              <a:t>23</a:t>
+              <a:t>15</a:t>
             </a:fld>
             <a:endParaRPr lang="en-US"/>
           </a:p>
@@ -742,7 +761,7 @@
     </p:spTree>
     <p:extLst>
       <p:ext uri="{BB962C8B-B14F-4D97-AF65-F5344CB8AC3E}">
-        <p14:creationId xmlns:p14="http://schemas.microsoft.com/office/powerpoint/2010/main" val="25051858"/>
+        <p14:creationId xmlns:p14="http://schemas.microsoft.com/office/powerpoint/2010/main" val="280183838"/>
       </p:ext>
     </p:extLst>
   </p:cSld>
@@ -798,12 +817,14 @@
           <a:p>
             <a:r>
               <a:rPr lang="en-US" dirty="0" smtClean="0"/>
-              <a:t>Describe search</a:t>
+              <a:t>When</a:t>
             </a:r>
             <a:r>
               <a:rPr lang="en-US" baseline="0" dirty="0" smtClean="0"/>
-              <a:t> heuristic</a:t>
-            </a:r>
+              <a:t> introducing penetrance (have background)</a:t>
+            </a:r>
+          </a:p>
+          <a:p>
             <a:endParaRPr lang="en-US" dirty="0"/>
           </a:p>
         </p:txBody>
@@ -825,7 +846,7 @@
           <a:p>
             <a:fld id="{C2698728-EB87-E34E-977D-E3392FB2F7C3}" type="slidenum">
               <a:rPr lang="en-US" smtClean="0"/>
-              <a:t>24</a:t>
+              <a:t>16</a:t>
             </a:fld>
             <a:endParaRPr lang="en-US"/>
           </a:p>
@@ -834,7 +855,7 @@
     </p:spTree>
     <p:extLst>
       <p:ext uri="{BB962C8B-B14F-4D97-AF65-F5344CB8AC3E}">
-        <p14:creationId xmlns:p14="http://schemas.microsoft.com/office/powerpoint/2010/main" val="1754069065"/>
+        <p14:creationId xmlns:p14="http://schemas.microsoft.com/office/powerpoint/2010/main" val="1791465475"/>
       </p:ext>
     </p:extLst>
   </p:cSld>
@@ -888,6 +909,10 @@
           <a:bodyPr/>
           <a:lstStyle/>
           <a:p>
+            <a:r>
+              <a:rPr lang="en-US" dirty="0" smtClean="0"/>
+              <a:t>Title?</a:t>
+            </a:r>
             <a:endParaRPr lang="en-US" dirty="0"/>
           </a:p>
         </p:txBody>
@@ -909,7 +934,7 @@
           <a:p>
             <a:fld id="{C2698728-EB87-E34E-977D-E3392FB2F7C3}" type="slidenum">
               <a:rPr lang="en-US" smtClean="0"/>
-              <a:t>25</a:t>
+              <a:t>17</a:t>
             </a:fld>
             <a:endParaRPr lang="en-US"/>
           </a:p>
@@ -918,7 +943,7 @@
     </p:spTree>
     <p:extLst>
       <p:ext uri="{BB962C8B-B14F-4D97-AF65-F5344CB8AC3E}">
-        <p14:creationId xmlns:p14="http://schemas.microsoft.com/office/powerpoint/2010/main" val="879789078"/>
+        <p14:creationId xmlns:p14="http://schemas.microsoft.com/office/powerpoint/2010/main" val="615904070"/>
       </p:ext>
     </p:extLst>
   </p:cSld>
@@ -993,7 +1018,7 @@
           <a:p>
             <a:fld id="{C2698728-EB87-E34E-977D-E3392FB2F7C3}" type="slidenum">
               <a:rPr lang="en-US" smtClean="0"/>
-              <a:t>26</a:t>
+              <a:t>18</a:t>
             </a:fld>
             <a:endParaRPr lang="en-US"/>
           </a:p>
@@ -1002,7 +1027,7 @@
     </p:spTree>
     <p:extLst>
       <p:ext uri="{BB962C8B-B14F-4D97-AF65-F5344CB8AC3E}">
-        <p14:creationId xmlns:p14="http://schemas.microsoft.com/office/powerpoint/2010/main" val="1983590737"/>
+        <p14:creationId xmlns:p14="http://schemas.microsoft.com/office/powerpoint/2010/main" val="25051858"/>
       </p:ext>
     </p:extLst>
   </p:cSld>
@@ -1056,6 +1081,34 @@
           <a:bodyPr/>
           <a:lstStyle/>
           <a:p>
+            <a:r>
+              <a:rPr lang="en-US" dirty="0" smtClean="0"/>
+              <a:t>Describe search</a:t>
+            </a:r>
+            <a:r>
+              <a:rPr lang="en-US" baseline="0" dirty="0" smtClean="0"/>
+              <a:t> </a:t>
+            </a:r>
+            <a:r>
+              <a:rPr lang="en-US" baseline="0" dirty="0" smtClean="0"/>
+              <a:t>heuristic</a:t>
+            </a:r>
+          </a:p>
+          <a:p>
+            <a:r>
+              <a:rPr lang="en-US" dirty="0" smtClean="0"/>
+              <a:t>Reverse citation order when available</a:t>
+            </a:r>
+          </a:p>
+          <a:p>
+            <a:r>
+              <a:rPr lang="en-US" dirty="0" smtClean="0"/>
+              <a:t>Include other cols</a:t>
+            </a:r>
+            <a:r>
+              <a:rPr lang="en-US" baseline="0" dirty="0" smtClean="0"/>
+              <a:t> too</a:t>
+            </a:r>
             <a:endParaRPr lang="en-US" dirty="0"/>
           </a:p>
         </p:txBody>
@@ -1077,7 +1130,417 @@
           <a:p>
             <a:fld id="{C2698728-EB87-E34E-977D-E3392FB2F7C3}" type="slidenum">
               <a:rPr lang="en-US" smtClean="0"/>
-              <a:t>28</a:t>
+              <a:t>19</a:t>
+            </a:fld>
+            <a:endParaRPr lang="en-US"/>
+          </a:p>
+        </p:txBody>
+      </p:sp>
+    </p:spTree>
+    <p:extLst>
+      <p:ext uri="{BB962C8B-B14F-4D97-AF65-F5344CB8AC3E}">
+        <p14:creationId xmlns:p14="http://schemas.microsoft.com/office/powerpoint/2010/main" val="1754069065"/>
+      </p:ext>
+    </p:extLst>
+  </p:cSld>
+  <p:clrMapOvr>
+    <a:masterClrMapping/>
+  </p:clrMapOvr>
+</p:notes>
+</file>
+
+<file path=ppt/notesSlides/notesSlide16.xml><?xml version="1.0" encoding="utf-8"?>
+<p:notes xmlns:a="http://schemas.openxmlformats.org/drawingml/2006/main" xmlns:r="http://schemas.openxmlformats.org/officeDocument/2006/relationships" xmlns:p="http://schemas.openxmlformats.org/presentationml/2006/main">
+  <p:cSld>
+    <p:spTree>
+      <p:nvGrpSpPr>
+        <p:cNvPr id="1" name=""/>
+        <p:cNvGrpSpPr/>
+        <p:nvPr/>
+      </p:nvGrpSpPr>
+      <p:grpSpPr>
+        <a:xfrm>
+          <a:off x="0" y="0"/>
+          <a:ext cx="0" cy="0"/>
+          <a:chOff x="0" y="0"/>
+          <a:chExt cx="0" cy="0"/>
+        </a:xfrm>
+      </p:grpSpPr>
+      <p:sp>
+        <p:nvSpPr>
+          <p:cNvPr id="2" name="Slide Image Placeholder 1"/>
+          <p:cNvSpPr>
+            <a:spLocks noGrp="1" noRot="1" noChangeAspect="1"/>
+          </p:cNvSpPr>
+          <p:nvPr>
+            <p:ph type="sldImg"/>
+          </p:nvPr>
+        </p:nvSpPr>
+        <p:spPr/>
+      </p:sp>
+      <p:sp>
+        <p:nvSpPr>
+          <p:cNvPr id="3" name="Notes Placeholder 2"/>
+          <p:cNvSpPr>
+            <a:spLocks noGrp="1"/>
+          </p:cNvSpPr>
+          <p:nvPr>
+            <p:ph type="body" idx="1"/>
+          </p:nvPr>
+        </p:nvSpPr>
+        <p:spPr/>
+        <p:txBody>
+          <a:bodyPr/>
+          <a:lstStyle/>
+          <a:p>
+            <a:endParaRPr lang="en-US" dirty="0"/>
+          </a:p>
+        </p:txBody>
+      </p:sp>
+      <p:sp>
+        <p:nvSpPr>
+          <p:cNvPr id="4" name="Slide Number Placeholder 3"/>
+          <p:cNvSpPr>
+            <a:spLocks noGrp="1"/>
+          </p:cNvSpPr>
+          <p:nvPr>
+            <p:ph type="sldNum" sz="quarter" idx="10"/>
+          </p:nvPr>
+        </p:nvSpPr>
+        <p:spPr/>
+        <p:txBody>
+          <a:bodyPr/>
+          <a:lstStyle/>
+          <a:p>
+            <a:fld id="{C2698728-EB87-E34E-977D-E3392FB2F7C3}" type="slidenum">
+              <a:rPr lang="en-US" smtClean="0"/>
+              <a:t>20</a:t>
+            </a:fld>
+            <a:endParaRPr lang="en-US"/>
+          </a:p>
+        </p:txBody>
+      </p:sp>
+    </p:spTree>
+    <p:extLst>
+      <p:ext uri="{BB962C8B-B14F-4D97-AF65-F5344CB8AC3E}">
+        <p14:creationId xmlns:p14="http://schemas.microsoft.com/office/powerpoint/2010/main" val="879789078"/>
+      </p:ext>
+    </p:extLst>
+  </p:cSld>
+  <p:clrMapOvr>
+    <a:masterClrMapping/>
+  </p:clrMapOvr>
+</p:notes>
+</file>
+
+<file path=ppt/notesSlides/notesSlide17.xml><?xml version="1.0" encoding="utf-8"?>
+<p:notes xmlns:a="http://schemas.openxmlformats.org/drawingml/2006/main" xmlns:r="http://schemas.openxmlformats.org/officeDocument/2006/relationships" xmlns:p="http://schemas.openxmlformats.org/presentationml/2006/main">
+  <p:cSld>
+    <p:spTree>
+      <p:nvGrpSpPr>
+        <p:cNvPr id="1" name=""/>
+        <p:cNvGrpSpPr/>
+        <p:nvPr/>
+      </p:nvGrpSpPr>
+      <p:grpSpPr>
+        <a:xfrm>
+          <a:off x="0" y="0"/>
+          <a:ext cx="0" cy="0"/>
+          <a:chOff x="0" y="0"/>
+          <a:chExt cx="0" cy="0"/>
+        </a:xfrm>
+      </p:grpSpPr>
+      <p:sp>
+        <p:nvSpPr>
+          <p:cNvPr id="2" name="Slide Image Placeholder 1"/>
+          <p:cNvSpPr>
+            <a:spLocks noGrp="1" noRot="1" noChangeAspect="1"/>
+          </p:cNvSpPr>
+          <p:nvPr>
+            <p:ph type="sldImg"/>
+          </p:nvPr>
+        </p:nvSpPr>
+        <p:spPr/>
+      </p:sp>
+      <p:sp>
+        <p:nvSpPr>
+          <p:cNvPr id="3" name="Notes Placeholder 2"/>
+          <p:cNvSpPr>
+            <a:spLocks noGrp="1"/>
+          </p:cNvSpPr>
+          <p:nvPr>
+            <p:ph type="body" idx="1"/>
+          </p:nvPr>
+        </p:nvSpPr>
+        <p:spPr/>
+        <p:txBody>
+          <a:bodyPr/>
+          <a:lstStyle/>
+          <a:p>
+            <a:r>
+              <a:rPr lang="en-US" dirty="0" smtClean="0"/>
+              <a:t>Make scatterplot of</a:t>
+            </a:r>
+            <a:r>
+              <a:rPr lang="en-US" baseline="0" dirty="0" smtClean="0"/>
+              <a:t> ExAC vs. 1000G</a:t>
+            </a:r>
+          </a:p>
+          <a:p>
+            <a:r>
+              <a:rPr lang="en-US" baseline="0" dirty="0" smtClean="0"/>
+              <a:t>Take only the 137 that match (ExAC: used to separate out effects).  </a:t>
+            </a:r>
+            <a:endParaRPr lang="en-US" dirty="0"/>
+          </a:p>
+        </p:txBody>
+      </p:sp>
+      <p:sp>
+        <p:nvSpPr>
+          <p:cNvPr id="4" name="Slide Number Placeholder 3"/>
+          <p:cNvSpPr>
+            <a:spLocks noGrp="1"/>
+          </p:cNvSpPr>
+          <p:nvPr>
+            <p:ph type="sldNum" sz="quarter" idx="10"/>
+          </p:nvPr>
+        </p:nvSpPr>
+        <p:spPr/>
+        <p:txBody>
+          <a:bodyPr/>
+          <a:lstStyle/>
+          <a:p>
+            <a:fld id="{C2698728-EB87-E34E-977D-E3392FB2F7C3}" type="slidenum">
+              <a:rPr lang="en-US" smtClean="0"/>
+              <a:t>21</a:t>
+            </a:fld>
+            <a:endParaRPr lang="en-US"/>
+          </a:p>
+        </p:txBody>
+      </p:sp>
+    </p:spTree>
+    <p:extLst>
+      <p:ext uri="{BB962C8B-B14F-4D97-AF65-F5344CB8AC3E}">
+        <p14:creationId xmlns:p14="http://schemas.microsoft.com/office/powerpoint/2010/main" val="1983590737"/>
+      </p:ext>
+    </p:extLst>
+  </p:cSld>
+  <p:clrMapOvr>
+    <a:masterClrMapping/>
+  </p:clrMapOvr>
+</p:notes>
+</file>
+
+<file path=ppt/notesSlides/notesSlide18.xml><?xml version="1.0" encoding="utf-8"?>
+<p:notes xmlns:a="http://schemas.openxmlformats.org/drawingml/2006/main" xmlns:r="http://schemas.openxmlformats.org/officeDocument/2006/relationships" xmlns:p="http://schemas.openxmlformats.org/presentationml/2006/main">
+  <p:cSld>
+    <p:spTree>
+      <p:nvGrpSpPr>
+        <p:cNvPr id="1" name=""/>
+        <p:cNvGrpSpPr/>
+        <p:nvPr/>
+      </p:nvGrpSpPr>
+      <p:grpSpPr>
+        <a:xfrm>
+          <a:off x="0" y="0"/>
+          <a:ext cx="0" cy="0"/>
+          <a:chOff x="0" y="0"/>
+          <a:chExt cx="0" cy="0"/>
+        </a:xfrm>
+      </p:grpSpPr>
+      <p:sp>
+        <p:nvSpPr>
+          <p:cNvPr id="2" name="Slide Image Placeholder 1"/>
+          <p:cNvSpPr>
+            <a:spLocks noGrp="1" noRot="1" noChangeAspect="1"/>
+          </p:cNvSpPr>
+          <p:nvPr>
+            <p:ph type="sldImg"/>
+          </p:nvPr>
+        </p:nvSpPr>
+        <p:spPr/>
+      </p:sp>
+      <p:sp>
+        <p:nvSpPr>
+          <p:cNvPr id="3" name="Notes Placeholder 2"/>
+          <p:cNvSpPr>
+            <a:spLocks noGrp="1"/>
+          </p:cNvSpPr>
+          <p:nvPr>
+            <p:ph type="body" idx="1"/>
+          </p:nvPr>
+        </p:nvSpPr>
+        <p:spPr/>
+        <p:txBody>
+          <a:bodyPr/>
+          <a:lstStyle/>
+          <a:p>
+            <a:r>
+              <a:rPr lang="en-US" dirty="0" smtClean="0"/>
+              <a:t>Make own table</a:t>
+            </a:r>
+            <a:endParaRPr lang="en-US" dirty="0"/>
+          </a:p>
+        </p:txBody>
+      </p:sp>
+      <p:sp>
+        <p:nvSpPr>
+          <p:cNvPr id="4" name="Slide Number Placeholder 3"/>
+          <p:cNvSpPr>
+            <a:spLocks noGrp="1"/>
+          </p:cNvSpPr>
+          <p:nvPr>
+            <p:ph type="sldNum" sz="quarter" idx="10"/>
+          </p:nvPr>
+        </p:nvSpPr>
+        <p:spPr/>
+        <p:txBody>
+          <a:bodyPr/>
+          <a:lstStyle/>
+          <a:p>
+            <a:fld id="{C2698728-EB87-E34E-977D-E3392FB2F7C3}" type="slidenum">
+              <a:rPr lang="en-US" smtClean="0"/>
+              <a:t>22</a:t>
+            </a:fld>
+            <a:endParaRPr lang="en-US"/>
+          </a:p>
+        </p:txBody>
+      </p:sp>
+    </p:spTree>
+    <p:extLst>
+      <p:ext uri="{BB962C8B-B14F-4D97-AF65-F5344CB8AC3E}">
+        <p14:creationId xmlns:p14="http://schemas.microsoft.com/office/powerpoint/2010/main" val="22854001"/>
+      </p:ext>
+    </p:extLst>
+  </p:cSld>
+  <p:clrMapOvr>
+    <a:masterClrMapping/>
+  </p:clrMapOvr>
+</p:notes>
+</file>
+
+<file path=ppt/notesSlides/notesSlide19.xml><?xml version="1.0" encoding="utf-8"?>
+<p:notes xmlns:a="http://schemas.openxmlformats.org/drawingml/2006/main" xmlns:r="http://schemas.openxmlformats.org/officeDocument/2006/relationships" xmlns:p="http://schemas.openxmlformats.org/presentationml/2006/main">
+  <p:cSld>
+    <p:spTree>
+      <p:nvGrpSpPr>
+        <p:cNvPr id="1" name=""/>
+        <p:cNvGrpSpPr/>
+        <p:nvPr/>
+      </p:nvGrpSpPr>
+      <p:grpSpPr>
+        <a:xfrm>
+          <a:off x="0" y="0"/>
+          <a:ext cx="0" cy="0"/>
+          <a:chOff x="0" y="0"/>
+          <a:chExt cx="0" cy="0"/>
+        </a:xfrm>
+      </p:grpSpPr>
+      <p:sp>
+        <p:nvSpPr>
+          <p:cNvPr id="2" name="Slide Image Placeholder 1"/>
+          <p:cNvSpPr>
+            <a:spLocks noGrp="1" noRot="1" noChangeAspect="1"/>
+          </p:cNvSpPr>
+          <p:nvPr>
+            <p:ph type="sldImg"/>
+          </p:nvPr>
+        </p:nvSpPr>
+        <p:spPr/>
+      </p:sp>
+      <p:sp>
+        <p:nvSpPr>
+          <p:cNvPr id="3" name="Notes Placeholder 2"/>
+          <p:cNvSpPr>
+            <a:spLocks noGrp="1"/>
+          </p:cNvSpPr>
+          <p:nvPr>
+            <p:ph type="body" idx="1"/>
+          </p:nvPr>
+        </p:nvSpPr>
+        <p:spPr/>
+        <p:txBody>
+          <a:bodyPr/>
+          <a:lstStyle/>
+          <a:p>
+            <a:pPr marL="171450" indent="-171450">
+              <a:buFont typeface="Arial" charset="0"/>
+              <a:buChar char="•"/>
+            </a:pPr>
+            <a:r>
+              <a:rPr lang="en-US" dirty="0" smtClean="0"/>
+              <a:t>All variants with no observations</a:t>
+            </a:r>
+          </a:p>
+          <a:p>
+            <a:pPr marL="171450" indent="-171450">
+              <a:buFont typeface="Arial" charset="0"/>
+              <a:buChar char="•"/>
+            </a:pPr>
+            <a:r>
+              <a:rPr lang="en-US" dirty="0" smtClean="0"/>
+              <a:t>ONLY BY VARYING ALLELIC HETEROGENEITY</a:t>
+            </a:r>
+          </a:p>
+          <a:p>
+            <a:pPr marL="171450" indent="-171450">
+              <a:buFont typeface="Arial" charset="0"/>
+              <a:buChar char="•"/>
+            </a:pPr>
+            <a:r>
+              <a:rPr lang="en-US" dirty="0" smtClean="0"/>
+              <a:t>Change</a:t>
+            </a:r>
+            <a:r>
+              <a:rPr lang="en-US" baseline="0" dirty="0" smtClean="0"/>
+              <a:t> the way </a:t>
+            </a:r>
+            <a:r>
+              <a:rPr lang="en-US" baseline="0" dirty="0" err="1" smtClean="0"/>
+              <a:t>Inf</a:t>
+            </a:r>
+            <a:r>
+              <a:rPr lang="en-US" baseline="0" dirty="0" smtClean="0"/>
+              <a:t> penetrance</a:t>
+            </a:r>
+          </a:p>
+          <a:p>
+            <a:pPr marL="171450" indent="-171450">
+              <a:buFont typeface="Arial" charset="0"/>
+              <a:buChar char="•"/>
+            </a:pPr>
+            <a:r>
+              <a:rPr lang="en-US" baseline="0" dirty="0" smtClean="0"/>
+              <a:t>Treating as parameter instead of estimate</a:t>
+            </a:r>
+          </a:p>
+          <a:p>
+            <a:pPr marL="171450" indent="-171450">
+              <a:buFont typeface="Arial" charset="0"/>
+              <a:buChar char="•"/>
+            </a:pPr>
+            <a:endParaRPr lang="en-US" dirty="0" smtClean="0"/>
+          </a:p>
+        </p:txBody>
+      </p:sp>
+      <p:sp>
+        <p:nvSpPr>
+          <p:cNvPr id="4" name="Slide Number Placeholder 3"/>
+          <p:cNvSpPr>
+            <a:spLocks noGrp="1"/>
+          </p:cNvSpPr>
+          <p:nvPr>
+            <p:ph type="sldNum" sz="quarter" idx="10"/>
+          </p:nvPr>
+        </p:nvSpPr>
+        <p:spPr/>
+        <p:txBody>
+          <a:bodyPr/>
+          <a:lstStyle/>
+          <a:p>
+            <a:fld id="{C2698728-EB87-E34E-977D-E3392FB2F7C3}" type="slidenum">
+              <a:rPr lang="en-US" smtClean="0"/>
+              <a:t>23</a:t>
             </a:fld>
             <a:endParaRPr lang="en-US"/>
           </a:p>
@@ -1159,9 +1622,9 @@
           <a:bodyPr/>
           <a:lstStyle/>
           <a:p>
-            <a:fld id="{0F7EF5EC-725D-DA48-9BAD-19B6E5F87FE7}" type="slidenum">
+            <a:fld id="{C2698728-EB87-E34E-977D-E3392FB2F7C3}" type="slidenum">
               <a:rPr lang="en-US" smtClean="0"/>
-              <a:t>10</a:t>
+              <a:t>2</a:t>
             </a:fld>
             <a:endParaRPr lang="en-US"/>
           </a:p>
@@ -1170,7 +1633,7 @@
     </p:spTree>
     <p:extLst>
       <p:ext uri="{BB962C8B-B14F-4D97-AF65-F5344CB8AC3E}">
-        <p14:creationId xmlns:p14="http://schemas.microsoft.com/office/powerpoint/2010/main" val="1591556655"/>
+        <p14:creationId xmlns:p14="http://schemas.microsoft.com/office/powerpoint/2010/main" val="1704433933"/>
       </p:ext>
     </p:extLst>
   </p:cSld>
@@ -1224,14 +1687,6 @@
           <a:bodyPr/>
           <a:lstStyle/>
           <a:p>
-            <a:r>
-              <a:rPr lang="en-US" dirty="0" smtClean="0"/>
-              <a:t>As we’ll later show,</a:t>
-            </a:r>
-            <a:r>
-              <a:rPr lang="en-US" baseline="0" dirty="0" smtClean="0"/>
-              <a:t> the frequency of certain variants is inversely proportional to penetrance. </a:t>
-            </a:r>
             <a:endParaRPr lang="en-US" dirty="0"/>
           </a:p>
         </p:txBody>
@@ -1253,7 +1708,7 @@
           <a:p>
             <a:fld id="{C2698728-EB87-E34E-977D-E3392FB2F7C3}" type="slidenum">
               <a:rPr lang="en-US" smtClean="0"/>
-              <a:t>11</a:t>
+              <a:t>3</a:t>
             </a:fld>
             <a:endParaRPr lang="en-US"/>
           </a:p>
@@ -1262,7 +1717,7 @@
     </p:spTree>
     <p:extLst>
       <p:ext uri="{BB962C8B-B14F-4D97-AF65-F5344CB8AC3E}">
-        <p14:creationId xmlns:p14="http://schemas.microsoft.com/office/powerpoint/2010/main" val="836589483"/>
+        <p14:creationId xmlns:p14="http://schemas.microsoft.com/office/powerpoint/2010/main" val="634132275"/>
       </p:ext>
     </p:extLst>
   </p:cSld>
@@ -1335,9 +1790,9 @@
           <a:bodyPr/>
           <a:lstStyle/>
           <a:p>
-            <a:fld id="{C2698728-EB87-E34E-977D-E3392FB2F7C3}" type="slidenum">
+            <a:fld id="{0F7EF5EC-725D-DA48-9BAD-19B6E5F87FE7}" type="slidenum">
               <a:rPr lang="en-US" smtClean="0"/>
-              <a:t>13</a:t>
+              <a:t>6</a:t>
             </a:fld>
             <a:endParaRPr lang="en-US"/>
           </a:p>
@@ -1346,7 +1801,7 @@
     </p:spTree>
     <p:extLst>
       <p:ext uri="{BB962C8B-B14F-4D97-AF65-F5344CB8AC3E}">
-        <p14:creationId xmlns:p14="http://schemas.microsoft.com/office/powerpoint/2010/main" val="1460798397"/>
+        <p14:creationId xmlns:p14="http://schemas.microsoft.com/office/powerpoint/2010/main" val="1591556655"/>
       </p:ext>
     </p:extLst>
   </p:cSld>
@@ -1421,7 +1876,7 @@
           <a:p>
             <a:fld id="{C2698728-EB87-E34E-977D-E3392FB2F7C3}" type="slidenum">
               <a:rPr lang="en-US" smtClean="0"/>
-              <a:t>14</a:t>
+              <a:t>7</a:t>
             </a:fld>
             <a:endParaRPr lang="en-US"/>
           </a:p>
@@ -1430,7 +1885,7 @@
     </p:spTree>
     <p:extLst>
       <p:ext uri="{BB962C8B-B14F-4D97-AF65-F5344CB8AC3E}">
-        <p14:creationId xmlns:p14="http://schemas.microsoft.com/office/powerpoint/2010/main" val="1396267005"/>
+        <p14:creationId xmlns:p14="http://schemas.microsoft.com/office/powerpoint/2010/main" val="930312585"/>
       </p:ext>
     </p:extLst>
   </p:cSld>
@@ -1484,21 +1939,6 @@
           <a:bodyPr/>
           <a:lstStyle/>
           <a:p>
-            <a:r>
-              <a:rPr lang="en-US" dirty="0" smtClean="0"/>
-              <a:t>For example: MYBPC3 is 1/50,</a:t>
-            </a:r>
-            <a:r>
-              <a:rPr lang="en-US" baseline="0" dirty="0" smtClean="0"/>
-              <a:t> but prevalence of HCM is 1/500. </a:t>
-            </a:r>
-            <a:br>
-              <a:rPr lang="en-US" baseline="0" dirty="0" smtClean="0"/>
-            </a:br>
-            <a:r>
-              <a:rPr lang="en-US" baseline="0" dirty="0" smtClean="0"/>
-              <a:t>SCN5A mutations are in ½ of the population (?!?!)</a:t>
-            </a:r>
             <a:endParaRPr lang="en-US" dirty="0"/>
           </a:p>
         </p:txBody>
@@ -1520,7 +1960,7 @@
           <a:p>
             <a:fld id="{C2698728-EB87-E34E-977D-E3392FB2F7C3}" type="slidenum">
               <a:rPr lang="en-US" smtClean="0"/>
-              <a:t>15</a:t>
+              <a:t>8</a:t>
             </a:fld>
             <a:endParaRPr lang="en-US"/>
           </a:p>
@@ -1529,7 +1969,7 @@
     </p:spTree>
     <p:extLst>
       <p:ext uri="{BB962C8B-B14F-4D97-AF65-F5344CB8AC3E}">
-        <p14:creationId xmlns:p14="http://schemas.microsoft.com/office/powerpoint/2010/main" val="984003872"/>
+        <p14:creationId xmlns:p14="http://schemas.microsoft.com/office/powerpoint/2010/main" val="1460798397"/>
       </p:ext>
     </p:extLst>
   </p:cSld>
@@ -1604,7 +2044,7 @@
           <a:p>
             <a:fld id="{C2698728-EB87-E34E-977D-E3392FB2F7C3}" type="slidenum">
               <a:rPr lang="en-US" smtClean="0"/>
-              <a:t>19</a:t>
+              <a:t>9</a:t>
             </a:fld>
             <a:endParaRPr lang="en-US"/>
           </a:p>
@@ -1613,7 +2053,7 @@
     </p:spTree>
     <p:extLst>
       <p:ext uri="{BB962C8B-B14F-4D97-AF65-F5344CB8AC3E}">
-        <p14:creationId xmlns:p14="http://schemas.microsoft.com/office/powerpoint/2010/main" val="1689122570"/>
+        <p14:creationId xmlns:p14="http://schemas.microsoft.com/office/powerpoint/2010/main" val="511353674"/>
       </p:ext>
     </p:extLst>
   </p:cSld>
@@ -1667,34 +2107,21 @@
           <a:bodyPr/>
           <a:lstStyle/>
           <a:p>
-            <a:pPr marL="0" marR="0" indent="0" algn="l" defTabSz="914400" rtl="0" eaLnBrk="1" fontAlgn="auto" latinLnBrk="0" hangingPunct="1">
-              <a:lnSpc>
-                <a:spcPct val="100000"/>
-              </a:lnSpc>
-              <a:spcBef>
-                <a:spcPts val="0"/>
-              </a:spcBef>
-              <a:spcAft>
-                <a:spcPts val="0"/>
-              </a:spcAft>
-              <a:buClrTx/>
-              <a:buSzTx/>
-              <a:buFontTx/>
-              <a:buNone/>
-              <a:tabLst/>
-              <a:defRPr/>
-            </a:pPr>
-            <a:r>
-              <a:rPr lang="en-US" dirty="0" smtClean="0"/>
-              <a:t>Randomly</a:t>
+            <a:r>
+              <a:rPr lang="en-US" dirty="0" smtClean="0"/>
+              <a:t>For example: MYBPC3 is 1/50,</a:t>
             </a:r>
             <a:r>
               <a:rPr lang="en-US" baseline="0" dirty="0" smtClean="0"/>
-              <a:t> select 56 genes 10 times </a:t>
-            </a:r>
-            <a:endParaRPr lang="en-US" dirty="0" smtClean="0"/>
-          </a:p>
-          <a:p>
+              <a:t> but prevalence of HCM is 1/500. </a:t>
+            </a:r>
+            <a:br>
+              <a:rPr lang="en-US" baseline="0" dirty="0" smtClean="0"/>
+            </a:br>
+            <a:r>
+              <a:rPr lang="en-US" baseline="0" dirty="0" smtClean="0"/>
+              <a:t>SCN5A mutations are in ½ of the population (?!?!)</a:t>
+            </a:r>
             <a:endParaRPr lang="en-US" dirty="0"/>
           </a:p>
         </p:txBody>
@@ -1716,7 +2143,7 @@
           <a:p>
             <a:fld id="{C2698728-EB87-E34E-977D-E3392FB2F7C3}" type="slidenum">
               <a:rPr lang="en-US" smtClean="0"/>
-              <a:t>20</a:t>
+              <a:t>10</a:t>
             </a:fld>
             <a:endParaRPr lang="en-US"/>
           </a:p>
@@ -1725,7 +2152,7 @@
     </p:spTree>
     <p:extLst>
       <p:ext uri="{BB962C8B-B14F-4D97-AF65-F5344CB8AC3E}">
-        <p14:creationId xmlns:p14="http://schemas.microsoft.com/office/powerpoint/2010/main" val="1847121923"/>
+        <p14:creationId xmlns:p14="http://schemas.microsoft.com/office/powerpoint/2010/main" val="984003872"/>
       </p:ext>
     </p:extLst>
   </p:cSld>
@@ -1800,7 +2227,7 @@
           <a:p>
             <a:fld id="{C2698728-EB87-E34E-977D-E3392FB2F7C3}" type="slidenum">
               <a:rPr lang="en-US" smtClean="0"/>
-              <a:t>21</a:t>
+              <a:t>13</a:t>
             </a:fld>
             <a:endParaRPr lang="en-US"/>
           </a:p>
@@ -1809,7 +2236,7 @@
     </p:spTree>
     <p:extLst>
       <p:ext uri="{BB962C8B-B14F-4D97-AF65-F5344CB8AC3E}">
-        <p14:creationId xmlns:p14="http://schemas.microsoft.com/office/powerpoint/2010/main" val="280183838"/>
+        <p14:creationId xmlns:p14="http://schemas.microsoft.com/office/powerpoint/2010/main" val="1689122570"/>
       </p:ext>
     </p:extLst>
   </p:cSld>
@@ -1950,7 +2377,7 @@
           <a:p>
             <a:fld id="{48A87A34-81AB-432B-8DAE-1953F412C126}" type="datetimeFigureOut">
               <a:rPr lang="en-US" smtClean="0"/>
-              <a:t>7/27/16</a:t>
+              <a:t>7/28/16</a:t>
             </a:fld>
             <a:endParaRPr lang="en-US" dirty="0"/>
           </a:p>
@@ -2120,7 +2547,7 @@
           <a:p>
             <a:fld id="{48A87A34-81AB-432B-8DAE-1953F412C126}" type="datetimeFigureOut">
               <a:rPr lang="en-US" smtClean="0"/>
-              <a:t>7/27/16</a:t>
+              <a:t>7/28/16</a:t>
             </a:fld>
             <a:endParaRPr lang="en-US" dirty="0"/>
           </a:p>
@@ -2301,7 +2728,7 @@
             <a:fld id="{48A87A34-81AB-432B-8DAE-1953F412C126}" type="datetimeFigureOut">
               <a:rPr lang="en-US" smtClean="0"/>
               <a:pPr/>
-              <a:t>7/27/16</a:t>
+              <a:t>7/28/16</a:t>
             </a:fld>
             <a:endParaRPr lang="en-US" dirty="0"/>
           </a:p>
@@ -2471,7 +2898,7 @@
           <a:p>
             <a:fld id="{48A87A34-81AB-432B-8DAE-1953F412C126}" type="datetimeFigureOut">
               <a:rPr lang="en-US" smtClean="0"/>
-              <a:t>7/27/16</a:t>
+              <a:t>7/28/16</a:t>
             </a:fld>
             <a:endParaRPr lang="en-US" dirty="0"/>
           </a:p>
@@ -2718,7 +3145,7 @@
             <a:fld id="{48A87A34-81AB-432B-8DAE-1953F412C126}" type="datetimeFigureOut">
               <a:rPr lang="en-US" smtClean="0"/>
               <a:pPr/>
-              <a:t>7/27/16</a:t>
+              <a:t>7/28/16</a:t>
             </a:fld>
             <a:endParaRPr lang="en-US" dirty="0"/>
           </a:p>
@@ -2950,7 +3377,7 @@
           <a:p>
             <a:fld id="{48A87A34-81AB-432B-8DAE-1953F412C126}" type="datetimeFigureOut">
               <a:rPr lang="en-US" smtClean="0"/>
-              <a:t>7/27/16</a:t>
+              <a:t>7/28/16</a:t>
             </a:fld>
             <a:endParaRPr lang="en-US" dirty="0"/>
           </a:p>
@@ -3317,7 +3744,7 @@
           <a:p>
             <a:fld id="{48A87A34-81AB-432B-8DAE-1953F412C126}" type="datetimeFigureOut">
               <a:rPr lang="en-US" smtClean="0"/>
-              <a:t>7/27/16</a:t>
+              <a:t>7/28/16</a:t>
             </a:fld>
             <a:endParaRPr lang="en-US" dirty="0"/>
           </a:p>
@@ -3435,7 +3862,7 @@
           <a:p>
             <a:fld id="{48A87A34-81AB-432B-8DAE-1953F412C126}" type="datetimeFigureOut">
               <a:rPr lang="en-US" smtClean="0"/>
-              <a:t>7/27/16</a:t>
+              <a:t>7/28/16</a:t>
             </a:fld>
             <a:endParaRPr lang="en-US" dirty="0"/>
           </a:p>
@@ -3530,7 +3957,7 @@
           <a:p>
             <a:fld id="{48A87A34-81AB-432B-8DAE-1953F412C126}" type="datetimeFigureOut">
               <a:rPr lang="en-US" smtClean="0"/>
-              <a:t>7/27/16</a:t>
+              <a:t>7/28/16</a:t>
             </a:fld>
             <a:endParaRPr lang="en-US" dirty="0"/>
           </a:p>
@@ -3807,7 +4234,7 @@
           <a:p>
             <a:fld id="{48A87A34-81AB-432B-8DAE-1953F412C126}" type="datetimeFigureOut">
               <a:rPr lang="en-US" smtClean="0"/>
-              <a:t>7/27/16</a:t>
+              <a:t>7/28/16</a:t>
             </a:fld>
             <a:endParaRPr lang="en-US" dirty="0"/>
           </a:p>
@@ -4060,7 +4487,7 @@
           <a:p>
             <a:fld id="{48A87A34-81AB-432B-8DAE-1953F412C126}" type="datetimeFigureOut">
               <a:rPr lang="en-US" smtClean="0"/>
-              <a:t>7/27/16</a:t>
+              <a:t>7/28/16</a:t>
             </a:fld>
             <a:endParaRPr lang="en-US" dirty="0"/>
           </a:p>
@@ -4274,7 +4701,7 @@
             <a:fld id="{48A87A34-81AB-432B-8DAE-1953F412C126}" type="datetimeFigureOut">
               <a:rPr lang="en-US" smtClean="0"/>
               <a:pPr/>
-              <a:t>7/27/16</a:t>
+              <a:t>7/28/16</a:t>
             </a:fld>
             <a:endParaRPr lang="en-US" dirty="0"/>
           </a:p>
@@ -4722,7 +5149,7 @@
         </p:nvSpPr>
         <p:spPr>
           <a:xfrm>
-            <a:off x="1616149" y="3451447"/>
+            <a:off x="1543049" y="3667577"/>
             <a:ext cx="9448800" cy="685800"/>
           </a:xfrm>
         </p:spPr>
@@ -4732,7 +5159,15 @@
           <a:p>
             <a:r>
               <a:rPr lang="en-US" dirty="0" smtClean="0"/>
-              <a:t>James Diao | Raj Manrai | 7/29/2016</a:t>
+              <a:t>James Diao | Raj Manrai </a:t>
+            </a:r>
+            <a:r>
+              <a:rPr lang="en-US" dirty="0" smtClean="0"/>
+              <a:t>| Kohane Lab | </a:t>
+            </a:r>
+            <a:r>
+              <a:rPr lang="en-US" dirty="0" smtClean="0"/>
+              <a:t>7/29/2016</a:t>
             </a:r>
             <a:endParaRPr lang="en-US" dirty="0"/>
           </a:p>
@@ -4748,6 +5183,13 @@
   <p:clrMapOvr>
     <a:masterClrMapping/>
   </p:clrMapOvr>
+  <p:timing>
+    <p:tnLst>
+      <p:par>
+        <p:cTn id="1" dur="indefinite" restart="never" nodeType="tmRoot"/>
+      </p:par>
+    </p:tnLst>
+  </p:timing>
 </p:sld>
 </file>
 
@@ -4778,28 +5220,17 @@
             <p:ph type="title"/>
           </p:nvPr>
         </p:nvSpPr>
-        <p:spPr>
-          <a:xfrm>
-            <a:off x="903965" y="642337"/>
-            <a:ext cx="11288035" cy="1113719"/>
-          </a:xfrm>
-        </p:spPr>
+        <p:spPr/>
         <p:txBody>
           <a:bodyPr>
-            <a:normAutofit fontScale="90000"/>
+            <a:normAutofit/>
           </a:bodyPr>
           <a:lstStyle/>
           <a:p>
-            <a:r>
-              <a:rPr lang="en-US" dirty="0" smtClean="0"/>
-              <a:t>Pretty much all 1000G patients </a:t>
-            </a:r>
-            <a:br>
-              <a:rPr lang="en-US" dirty="0" smtClean="0"/>
-            </a:br>
-            <a:r>
-              <a:rPr lang="en-US" dirty="0" smtClean="0"/>
-              <a:t>have some variants in each ACMG genes</a:t>
+            <a:pPr algn="r"/>
+            <a:r>
+              <a:rPr lang="en-US" dirty="0" smtClean="0"/>
+              <a:t>1000G individuals with pathogenic mutations</a:t>
             </a:r>
             <a:endParaRPr lang="en-US" dirty="0"/>
           </a:p>
@@ -4807,11 +5238,13 @@
       </p:sp>
       <p:pic>
         <p:nvPicPr>
-          <p:cNvPr id="3" name="Picture 2"/>
+          <p:cNvPr id="5" name="Content Placeholder 4"/>
           <p:cNvPicPr>
-            <a:picLocks noChangeAspect="1"/>
+            <a:picLocks noGrp="1" noChangeAspect="1"/>
           </p:cNvPicPr>
-          <p:nvPr/>
+          <p:nvPr>
+            <p:ph idx="1"/>
+          </p:nvPr>
         </p:nvPicPr>
         <p:blipFill>
           <a:blip r:embed="rId3"/>
@@ -4821,8 +5254,8 @@
         </p:blipFill>
         <p:spPr>
           <a:xfrm>
-            <a:off x="3143441" y="2190816"/>
-            <a:ext cx="8403516" cy="4114625"/>
+            <a:off x="3464716" y="1690688"/>
+            <a:ext cx="8341288" cy="3862342"/>
           </a:xfrm>
           <a:prstGeom prst="rect">
             <a:avLst/>
@@ -4831,60 +5264,14 @@
       </p:pic>
       <p:sp>
         <p:nvSpPr>
-          <p:cNvPr id="5" name="Frame 4"/>
-          <p:cNvSpPr/>
-          <p:nvPr/>
-        </p:nvSpPr>
-        <p:spPr>
-          <a:xfrm>
-            <a:off x="11088278" y="5417604"/>
-            <a:ext cx="379611" cy="616761"/>
-          </a:xfrm>
-          <a:prstGeom prst="frame">
-            <a:avLst>
-              <a:gd name="adj1" fmla="val 9851"/>
-            </a:avLst>
-          </a:prstGeom>
-        </p:spPr>
-        <p:style>
-          <a:lnRef idx="2">
-            <a:schemeClr val="accent1">
-              <a:shade val="50000"/>
-            </a:schemeClr>
-          </a:lnRef>
-          <a:fillRef idx="1">
-            <a:schemeClr val="accent1"/>
-          </a:fillRef>
-          <a:effectRef idx="0">
-            <a:schemeClr val="accent1"/>
-          </a:effectRef>
-          <a:fontRef idx="minor">
-            <a:schemeClr val="lt1"/>
-          </a:fontRef>
-        </p:style>
-        <p:txBody>
-          <a:bodyPr rtlCol="0" anchor="ctr"/>
-          <a:lstStyle/>
-          <a:p>
-            <a:pPr algn="ctr"/>
-            <a:endParaRPr lang="en-US">
-              <a:solidFill>
-                <a:schemeClr val="tx1"/>
-              </a:solidFill>
-            </a:endParaRPr>
-          </a:p>
-        </p:txBody>
-      </p:sp>
-      <p:sp>
-        <p:nvSpPr>
-          <p:cNvPr id="4" name="TextBox 3"/>
+          <p:cNvPr id="6" name="TextBox 5"/>
           <p:cNvSpPr txBox="1"/>
           <p:nvPr/>
         </p:nvSpPr>
         <p:spPr>
           <a:xfrm>
-            <a:off x="519005" y="3788433"/>
-            <a:ext cx="2624436" cy="646331"/>
+            <a:off x="646792" y="2002851"/>
+            <a:ext cx="2453604" cy="2031325"/>
           </a:xfrm>
           <a:prstGeom prst="rect">
             <a:avLst/>
@@ -4892,36 +5279,65 @@
           <a:noFill/>
         </p:spPr>
         <p:txBody>
-          <a:bodyPr wrap="none" rtlCol="0">
+          <a:bodyPr wrap="square" rtlCol="0">
             <a:spAutoFit/>
           </a:bodyPr>
           <a:lstStyle/>
           <a:p>
-            <a:r>
-              <a:rPr lang="en-US" dirty="0" smtClean="0"/>
-              <a:t>Doesn’t differentiate</a:t>
+            <a:pPr algn="r"/>
+            <a:r>
+              <a:rPr lang="en-US" dirty="0" smtClean="0"/>
+              <a:t>Closely follows </a:t>
             </a:r>
             <a:br>
               <a:rPr lang="en-US" dirty="0" smtClean="0"/>
             </a:br>
             <a:r>
               <a:rPr lang="en-US" dirty="0" smtClean="0"/>
-              <a:t>benign v. pathogenic</a:t>
+              <a:t>previous plot: </a:t>
+            </a:r>
+            <a:br>
+              <a:rPr lang="en-US" dirty="0" smtClean="0"/>
+            </a:br>
+            <a:r>
+              <a:rPr lang="en-US" dirty="0" smtClean="0"/>
+              <a:t/>
+            </a:r>
+            <a:br>
+              <a:rPr lang="en-US" dirty="0" smtClean="0"/>
+            </a:br>
+            <a:r>
+              <a:rPr lang="en-US" dirty="0" smtClean="0"/>
+              <a:t>longer gene = </a:t>
+            </a:r>
+            <a:br>
+              <a:rPr lang="en-US" dirty="0" smtClean="0"/>
+            </a:br>
+            <a:r>
+              <a:rPr lang="en-US" dirty="0" smtClean="0"/>
+              <a:t>more variants = </a:t>
             </a:r>
             <a:endParaRPr lang="en-US" dirty="0"/>
           </a:p>
-        </p:txBody>
-      </p:sp>
-      <p:sp>
-        <p:nvSpPr>
-          <p:cNvPr id="6" name="TextBox 5"/>
+          <a:p>
+            <a:pPr algn="r"/>
+            <a:r>
+              <a:rPr lang="en-US" dirty="0" smtClean="0"/>
+              <a:t>greater fraction of people with variants</a:t>
+            </a:r>
+          </a:p>
+        </p:txBody>
+      </p:sp>
+      <p:sp>
+        <p:nvSpPr>
+          <p:cNvPr id="3" name="TextBox 2"/>
           <p:cNvSpPr txBox="1"/>
           <p:nvPr/>
         </p:nvSpPr>
         <p:spPr>
           <a:xfrm>
-            <a:off x="519005" y="2968051"/>
-            <a:ext cx="2443398" cy="646331"/>
+            <a:off x="4656775" y="5710002"/>
+            <a:ext cx="6849426" cy="646331"/>
           </a:xfrm>
           <a:prstGeom prst="rect">
             <a:avLst/>
@@ -4936,14 +5352,90 @@
           <a:p>
             <a:r>
               <a:rPr lang="en-US" dirty="0" smtClean="0"/>
-              <a:t>Exceptions: </a:t>
+              <a:t>SCN5A is a sodium voltage-gated channel- </a:t>
             </a:r>
             <a:br>
               <a:rPr lang="en-US" dirty="0" smtClean="0"/>
             </a:br>
             <a:r>
               <a:rPr lang="en-US" dirty="0" smtClean="0"/>
-              <a:t>the 2 shortest genes</a:t>
+              <a:t>associated with long QT syndrome and </a:t>
+            </a:r>
+            <a:r>
+              <a:rPr lang="en-US" dirty="0" err="1" smtClean="0"/>
+              <a:t>Brugada</a:t>
+            </a:r>
+            <a:r>
+              <a:rPr lang="en-US" dirty="0" smtClean="0"/>
+              <a:t> syndrome. </a:t>
+            </a:r>
+            <a:endParaRPr lang="en-US" dirty="0"/>
+          </a:p>
+        </p:txBody>
+      </p:sp>
+      <p:sp>
+        <p:nvSpPr>
+          <p:cNvPr id="4" name="TextBox 3"/>
+          <p:cNvSpPr txBox="1"/>
+          <p:nvPr/>
+        </p:nvSpPr>
+        <p:spPr>
+          <a:xfrm>
+            <a:off x="1115814" y="4122414"/>
+            <a:ext cx="1984582" cy="369332"/>
+          </a:xfrm>
+          <a:prstGeom prst="rect">
+            <a:avLst/>
+          </a:prstGeom>
+          <a:noFill/>
+        </p:spPr>
+        <p:txBody>
+          <a:bodyPr wrap="none" rtlCol="0">
+            <a:spAutoFit/>
+          </a:bodyPr>
+          <a:lstStyle/>
+          <a:p>
+            <a:r>
+              <a:rPr lang="en-US" i="1" dirty="0" smtClean="0"/>
+              <a:t>Correlation = 0.908</a:t>
+            </a:r>
+            <a:endParaRPr lang="en-US" i="1" dirty="0"/>
+          </a:p>
+        </p:txBody>
+      </p:sp>
+      <p:sp>
+        <p:nvSpPr>
+          <p:cNvPr id="7" name="TextBox 6"/>
+          <p:cNvSpPr txBox="1"/>
+          <p:nvPr/>
+        </p:nvSpPr>
+        <p:spPr>
+          <a:xfrm>
+            <a:off x="838200" y="5742218"/>
+            <a:ext cx="2970878" cy="369332"/>
+          </a:xfrm>
+          <a:prstGeom prst="rect">
+            <a:avLst/>
+          </a:prstGeom>
+          <a:noFill/>
+        </p:spPr>
+        <p:txBody>
+          <a:bodyPr wrap="none" rtlCol="0">
+            <a:spAutoFit/>
+          </a:bodyPr>
+          <a:lstStyle/>
+          <a:p>
+            <a:r>
+              <a:rPr lang="en-US" dirty="0" smtClean="0"/>
+              <a:t>SCN5A = 101,611 bp </a:t>
+            </a:r>
+            <a:r>
+              <a:rPr lang="en-US" dirty="0" err="1" smtClean="0"/>
+              <a:t>tx</a:t>
+            </a:r>
+            <a:r>
+              <a:rPr lang="en-US" dirty="0" smtClean="0"/>
+              <a:t> region</a:t>
             </a:r>
             <a:endParaRPr lang="en-US" dirty="0"/>
           </a:p>
@@ -4952,7 +5444,7 @@
     </p:spTree>
     <p:extLst>
       <p:ext uri="{BB962C8B-B14F-4D97-AF65-F5344CB8AC3E}">
-        <p14:creationId xmlns:p14="http://schemas.microsoft.com/office/powerpoint/2010/main" val="767117028"/>
+        <p14:creationId xmlns:p14="http://schemas.microsoft.com/office/powerpoint/2010/main" val="1547523072"/>
       </p:ext>
     </p:extLst>
   </p:cSld>
@@ -4988,6 +5480,32 @@
       </p:grpSpPr>
       <p:pic>
         <p:nvPicPr>
+          <p:cNvPr id="5" name="Content Placeholder 3"/>
+          <p:cNvPicPr>
+            <a:picLocks noGrp="1" noChangeAspect="1"/>
+          </p:cNvPicPr>
+          <p:nvPr>
+            <p:ph idx="1"/>
+          </p:nvPr>
+        </p:nvPicPr>
+        <p:blipFill>
+          <a:blip r:embed="rId2"/>
+          <a:stretch>
+            <a:fillRect/>
+          </a:stretch>
+        </p:blipFill>
+        <p:spPr>
+          <a:xfrm>
+            <a:off x="428957" y="1690688"/>
+            <a:ext cx="5667043" cy="4351338"/>
+          </a:xfrm>
+          <a:prstGeom prst="rect">
+            <a:avLst/>
+          </a:prstGeom>
+        </p:spPr>
+      </p:pic>
+      <p:pic>
+        <p:nvPicPr>
           <p:cNvPr id="7" name="Picture 6"/>
           <p:cNvPicPr>
             <a:picLocks noChangeAspect="1"/>
@@ -5002,167 +5520,63 @@
         </p:blipFill>
         <p:spPr>
           <a:xfrm>
-            <a:off x="302482" y="2364161"/>
-            <a:ext cx="5644297" cy="3023701"/>
+            <a:off x="6237668" y="1690688"/>
+            <a:ext cx="5506224" cy="4340181"/>
           </a:xfrm>
           <a:prstGeom prst="rect">
             <a:avLst/>
           </a:prstGeom>
         </p:spPr>
       </p:pic>
-      <p:pic>
-        <p:nvPicPr>
-          <p:cNvPr id="8" name="Picture 7"/>
-          <p:cNvPicPr>
-            <a:picLocks noChangeAspect="1"/>
-          </p:cNvPicPr>
-          <p:nvPr/>
-        </p:nvPicPr>
-        <p:blipFill>
-          <a:blip r:embed="rId4"/>
-          <a:stretch>
-            <a:fillRect/>
-          </a:stretch>
-        </p:blipFill>
-        <p:spPr>
-          <a:xfrm>
-            <a:off x="6216002" y="2364162"/>
-            <a:ext cx="5644295" cy="3023701"/>
-          </a:xfrm>
-          <a:prstGeom prst="rect">
-            <a:avLst/>
-          </a:prstGeom>
-        </p:spPr>
-      </p:pic>
-      <mc:AlternateContent xmlns:mc="http://schemas.openxmlformats.org/markup-compatibility/2006" xmlns:a14="http://schemas.microsoft.com/office/drawing/2010/main">
-        <mc:Choice Requires="a14">
-          <p:sp>
-            <p:nvSpPr>
-              <p:cNvPr id="10" name="Title 1"/>
-              <p:cNvSpPr>
-                <a:spLocks noGrp="1"/>
-              </p:cNvSpPr>
-              <p:nvPr>
-                <p:ph type="title"/>
-              </p:nvPr>
-            </p:nvSpPr>
-            <p:spPr>
-              <a:xfrm>
-                <a:off x="1081386" y="616023"/>
-                <a:ext cx="11288035" cy="860990"/>
-              </a:xfrm>
-            </p:spPr>
-            <p:txBody>
-              <a:bodyPr>
-                <a:normAutofit/>
-              </a:bodyPr>
-              <a:lstStyle/>
-              <a:p>
-                <a:pPr algn="ctr"/>
-                <a:r>
-                  <a:rPr lang="en-US" dirty="0" smtClean="0"/>
-                  <a:t>Gene </a:t>
-                </a:r>
-                <a:r>
-                  <a:rPr lang="en-US" dirty="0"/>
-                  <a:t>Lengths </a:t>
-                </a:r>
-                <a14:m>
-                  <m:oMath xmlns:m="http://schemas.openxmlformats.org/officeDocument/2006/math">
-                    <m:r>
-                      <a:rPr lang="en-US" i="1" smtClean="0">
-                        <a:latin typeface="Cambria Math" charset="0"/>
-                        <a:ea typeface="Cambria Math" charset="0"/>
-                        <a:cs typeface="Cambria Math" charset="0"/>
-                      </a:rPr>
-                      <m:t>≈</m:t>
-                    </m:r>
-                  </m:oMath>
-                </a14:m>
-                <a:r>
-                  <a:rPr lang="en-US" dirty="0" smtClean="0"/>
-                  <a:t> Number </a:t>
-                </a:r>
-                <a:r>
-                  <a:rPr lang="en-US" dirty="0"/>
-                  <a:t>of variants </a:t>
-                </a:r>
-              </a:p>
-            </p:txBody>
-          </p:sp>
-        </mc:Choice>
-        <mc:Fallback xmlns="">
-          <p:sp>
-            <p:nvSpPr>
-              <p:cNvPr id="10" name="Title 1"/>
-              <p:cNvSpPr>
-                <a:spLocks noGrp="1" noRot="1" noChangeAspect="1" noMove="1" noResize="1" noEditPoints="1" noAdjustHandles="1" noChangeArrowheads="1" noChangeShapeType="1" noTextEdit="1"/>
-              </p:cNvSpPr>
-              <p:nvPr>
-                <p:ph type="title"/>
-              </p:nvPr>
-            </p:nvSpPr>
-            <p:spPr>
-              <a:xfrm>
-                <a:off x="1081386" y="616023"/>
-                <a:ext cx="11288035" cy="860990"/>
-              </a:xfrm>
-              <a:blipFill rotWithShape="0">
-                <a:blip r:embed="rId5"/>
-                <a:stretch>
-                  <a:fillRect t="-12766" b="-24823"/>
-                </a:stretch>
-              </a:blipFill>
-            </p:spPr>
-            <p:txBody>
-              <a:bodyPr/>
-              <a:lstStyle/>
-              <a:p>
-                <a:r>
-                  <a:rPr lang="en-US">
-                    <a:noFill/>
-                  </a:rPr>
-                  <a:t> </a:t>
-                </a:r>
-              </a:p>
-            </p:txBody>
-          </p:sp>
-        </mc:Fallback>
-      </mc:AlternateContent>
-      <p:sp>
-        <p:nvSpPr>
-          <p:cNvPr id="2" name="TextBox 1"/>
-          <p:cNvSpPr txBox="1"/>
-          <p:nvPr/>
-        </p:nvSpPr>
-        <p:spPr>
-          <a:xfrm>
-            <a:off x="4454960" y="1397367"/>
-            <a:ext cx="2983637" cy="523220"/>
-          </a:xfrm>
-          <a:prstGeom prst="rect">
-            <a:avLst/>
-          </a:prstGeom>
-          <a:noFill/>
-        </p:spPr>
-        <p:txBody>
-          <a:bodyPr wrap="none" rtlCol="0">
-            <a:spAutoFit/>
+      <p:sp>
+        <p:nvSpPr>
+          <p:cNvPr id="8" name="Title 1"/>
+          <p:cNvSpPr>
+            <a:spLocks noGrp="1"/>
+          </p:cNvSpPr>
+          <p:nvPr>
+            <p:ph type="title"/>
+          </p:nvPr>
+        </p:nvSpPr>
+        <p:spPr>
+          <a:xfrm>
+            <a:off x="838200" y="197699"/>
+            <a:ext cx="10515600" cy="1325563"/>
+          </a:xfrm>
+        </p:spPr>
+        <p:txBody>
+          <a:bodyPr>
+            <a:normAutofit fontScale="90000"/>
           </a:bodyPr>
           <a:lstStyle/>
           <a:p>
             <a:r>
-              <a:rPr lang="en-US" sz="2800" i="1" dirty="0" smtClean="0"/>
-              <a:t>Correlation = 0.994</a:t>
-            </a:r>
-            <a:endParaRPr lang="en-US" sz="2800" i="1" dirty="0"/>
+              <a:rPr lang="en-US" dirty="0" smtClean="0"/>
+              <a:t>Mean variants across all 1000G variants vs. </a:t>
+            </a:r>
+            <a:r>
+              <a:rPr lang="en-US" smtClean="0"/>
+              <a:t/>
+            </a:r>
+            <a:br>
+              <a:rPr lang="en-US" smtClean="0"/>
+            </a:br>
+            <a:r>
+              <a:rPr lang="en-US" smtClean="0"/>
+              <a:t>Mean </a:t>
+            </a:r>
+            <a:r>
+              <a:rPr lang="en-US" dirty="0" smtClean="0"/>
+              <a:t>variants across 137 ClinVar-1000G variants</a:t>
+            </a:r>
+            <a:endParaRPr lang="en-US" dirty="0"/>
           </a:p>
         </p:txBody>
       </p:sp>
     </p:spTree>
     <p:extLst>
       <p:ext uri="{BB962C8B-B14F-4D97-AF65-F5344CB8AC3E}">
-        <p14:creationId xmlns:p14="http://schemas.microsoft.com/office/powerpoint/2010/main" val="1757300091"/>
+        <p14:creationId xmlns:p14="http://schemas.microsoft.com/office/powerpoint/2010/main" val="718044156"/>
       </p:ext>
     </p:extLst>
   </p:cSld>
@@ -5180,6 +5594,595 @@
 </file>
 
 <file path=ppt/slides/slide12.xml><?xml version="1.0" encoding="utf-8"?>
+<p:sld xmlns:a="http://schemas.openxmlformats.org/drawingml/2006/main" xmlns:r="http://schemas.openxmlformats.org/officeDocument/2006/relationships" xmlns:p="http://schemas.openxmlformats.org/presentationml/2006/main" show="0">
+  <p:cSld>
+    <p:spTree>
+      <p:nvGrpSpPr>
+        <p:cNvPr id="1" name=""/>
+        <p:cNvGrpSpPr/>
+        <p:nvPr/>
+      </p:nvGrpSpPr>
+      <p:grpSpPr>
+        <a:xfrm>
+          <a:off x="0" y="0"/>
+          <a:ext cx="0" cy="0"/>
+          <a:chOff x="0" y="0"/>
+          <a:chExt cx="0" cy="0"/>
+        </a:xfrm>
+      </p:grpSpPr>
+      <p:sp>
+        <p:nvSpPr>
+          <p:cNvPr id="2" name="Title 1"/>
+          <p:cNvSpPr>
+            <a:spLocks noGrp="1"/>
+          </p:cNvSpPr>
+          <p:nvPr>
+            <p:ph type="title"/>
+          </p:nvPr>
+        </p:nvSpPr>
+        <p:spPr>
+          <a:xfrm>
+            <a:off x="657896" y="468234"/>
+            <a:ext cx="10515600" cy="1325563"/>
+          </a:xfrm>
+        </p:spPr>
+        <p:txBody>
+          <a:bodyPr>
+            <a:normAutofit fontScale="90000"/>
+          </a:bodyPr>
+          <a:lstStyle/>
+          <a:p>
+            <a:r>
+              <a:rPr lang="en-US" dirty="0" smtClean="0"/>
+              <a:t>ANOVA Table: F-statistic</a:t>
+            </a:r>
+            <a:br>
+              <a:rPr lang="en-US" dirty="0" smtClean="0"/>
+            </a:br>
+            <a:r>
+              <a:rPr lang="en-US" dirty="0" smtClean="0"/>
+              <a:t>comparing ALL groups </a:t>
+            </a:r>
+            <a:br>
+              <a:rPr lang="en-US" dirty="0" smtClean="0"/>
+            </a:br>
+            <a:r>
+              <a:rPr lang="en-US" dirty="0" smtClean="0"/>
+              <a:t>to each other</a:t>
+            </a:r>
+            <a:endParaRPr lang="en-US" dirty="0"/>
+          </a:p>
+        </p:txBody>
+      </p:sp>
+      <p:sp>
+        <p:nvSpPr>
+          <p:cNvPr id="3" name="Content Placeholder 2"/>
+          <p:cNvSpPr>
+            <a:spLocks noGrp="1"/>
+          </p:cNvSpPr>
+          <p:nvPr>
+            <p:ph idx="1"/>
+          </p:nvPr>
+        </p:nvSpPr>
+        <p:spPr>
+          <a:xfrm>
+            <a:off x="657896" y="2196238"/>
+            <a:ext cx="6077755" cy="4922192"/>
+          </a:xfrm>
+        </p:spPr>
+        <p:txBody>
+          <a:bodyPr>
+            <a:normAutofit/>
+          </a:bodyPr>
+          <a:lstStyle/>
+          <a:p>
+            <a:r>
+              <a:rPr lang="en-US" dirty="0" smtClean="0"/>
+              <a:t>All 1000G 138,000 variants results: </a:t>
+            </a:r>
+          </a:p>
+          <a:p>
+            <a:pPr lvl="1"/>
+            <a:r>
+              <a:rPr lang="en-US" dirty="0"/>
+              <a:t>F-value = 294.88</a:t>
+            </a:r>
+            <a:br>
+              <a:rPr lang="en-US" dirty="0"/>
+            </a:br>
+            <a:r>
+              <a:rPr lang="en-US" dirty="0"/>
+              <a:t>P(&gt;F)     = </a:t>
+            </a:r>
+            <a:r>
+              <a:rPr lang="en-US" b="1" dirty="0"/>
+              <a:t>2.2 </a:t>
+            </a:r>
+            <a:r>
+              <a:rPr lang="en-US" b="1" dirty="0" smtClean="0"/>
+              <a:t>E-16</a:t>
+            </a:r>
+            <a:r>
+              <a:rPr lang="en-US" dirty="0" smtClean="0"/>
+              <a:t/>
+            </a:r>
+            <a:br>
+              <a:rPr lang="en-US" dirty="0" smtClean="0"/>
+            </a:br>
+            <a:endParaRPr lang="en-US" dirty="0" smtClean="0"/>
+          </a:p>
+          <a:p>
+            <a:pPr lvl="1"/>
+            <a:endParaRPr lang="en-US" dirty="0" smtClean="0"/>
+          </a:p>
+          <a:p>
+            <a:r>
+              <a:rPr lang="en-US" dirty="0" smtClean="0"/>
+              <a:t>ClinVar-1000G </a:t>
+            </a:r>
+            <a:r>
+              <a:rPr lang="en-US" dirty="0"/>
+              <a:t>137 variant results: </a:t>
+            </a:r>
+          </a:p>
+          <a:p>
+            <a:pPr lvl="1"/>
+            <a:r>
+              <a:rPr lang="en-US" dirty="0"/>
+              <a:t>F-value = 58.685</a:t>
+            </a:r>
+            <a:br>
+              <a:rPr lang="en-US" dirty="0"/>
+            </a:br>
+            <a:r>
+              <a:rPr lang="en-US" dirty="0"/>
+              <a:t>P(&gt;F)     = </a:t>
+            </a:r>
+            <a:r>
+              <a:rPr lang="en-US" b="1" dirty="0"/>
+              <a:t>4.25 </a:t>
+            </a:r>
+            <a:r>
+              <a:rPr lang="en-US" b="1" dirty="0" smtClean="0"/>
+              <a:t>E-11</a:t>
+            </a:r>
+            <a:endParaRPr lang="en-US" dirty="0"/>
+          </a:p>
+          <a:p>
+            <a:pPr lvl="1"/>
+            <a:endParaRPr lang="en-US" b="1" dirty="0" smtClean="0"/>
+          </a:p>
+          <a:p>
+            <a:r>
+              <a:rPr lang="en-US" sz="2400" dirty="0" smtClean="0"/>
+              <a:t>F-statistic + p-values: </a:t>
+            </a:r>
+            <a:r>
+              <a:rPr lang="en-US" sz="2400" b="1" dirty="0" smtClean="0"/>
+              <a:t>H0 = all groups drawn from same distribution</a:t>
+            </a:r>
+            <a:endParaRPr lang="en-US" sz="2400" b="1" dirty="0"/>
+          </a:p>
+        </p:txBody>
+      </p:sp>
+      <p:pic>
+        <p:nvPicPr>
+          <p:cNvPr id="6" name="Picture 5"/>
+          <p:cNvPicPr>
+            <a:picLocks noChangeAspect="1"/>
+          </p:cNvPicPr>
+          <p:nvPr/>
+        </p:nvPicPr>
+        <p:blipFill>
+          <a:blip r:embed="rId2"/>
+          <a:stretch>
+            <a:fillRect/>
+          </a:stretch>
+        </p:blipFill>
+        <p:spPr>
+          <a:xfrm>
+            <a:off x="7417470" y="3521801"/>
+            <a:ext cx="3363532" cy="2947221"/>
+          </a:xfrm>
+          <a:prstGeom prst="rect">
+            <a:avLst/>
+          </a:prstGeom>
+        </p:spPr>
+      </p:pic>
+      <p:pic>
+        <p:nvPicPr>
+          <p:cNvPr id="7" name="Picture 6"/>
+          <p:cNvPicPr>
+            <a:picLocks noChangeAspect="1"/>
+          </p:cNvPicPr>
+          <p:nvPr/>
+        </p:nvPicPr>
+        <p:blipFill>
+          <a:blip r:embed="rId3"/>
+          <a:stretch>
+            <a:fillRect/>
+          </a:stretch>
+        </p:blipFill>
+        <p:spPr>
+          <a:xfrm>
+            <a:off x="7462546" y="468234"/>
+            <a:ext cx="3273380" cy="2857713"/>
+          </a:xfrm>
+          <a:prstGeom prst="rect">
+            <a:avLst/>
+          </a:prstGeom>
+        </p:spPr>
+      </p:pic>
+      <p:sp>
+        <p:nvSpPr>
+          <p:cNvPr id="9" name="Donut 8"/>
+          <p:cNvSpPr/>
+          <p:nvPr/>
+        </p:nvSpPr>
+        <p:spPr>
+          <a:xfrm>
+            <a:off x="7870786" y="468234"/>
+            <a:ext cx="925974" cy="700809"/>
+          </a:xfrm>
+          <a:prstGeom prst="donut">
+            <a:avLst>
+              <a:gd name="adj" fmla="val 3237"/>
+            </a:avLst>
+          </a:prstGeom>
+        </p:spPr>
+        <p:style>
+          <a:lnRef idx="2">
+            <a:schemeClr val="accent1">
+              <a:shade val="50000"/>
+            </a:schemeClr>
+          </a:lnRef>
+          <a:fillRef idx="1">
+            <a:schemeClr val="accent1"/>
+          </a:fillRef>
+          <a:effectRef idx="0">
+            <a:schemeClr val="accent1"/>
+          </a:effectRef>
+          <a:fontRef idx="minor">
+            <a:schemeClr val="lt1"/>
+          </a:fontRef>
+        </p:style>
+        <p:txBody>
+          <a:bodyPr rtlCol="0" anchor="ctr"/>
+          <a:lstStyle/>
+          <a:p>
+            <a:pPr algn="ctr"/>
+            <a:endParaRPr lang="en-US">
+              <a:solidFill>
+                <a:schemeClr val="tx1"/>
+              </a:solidFill>
+            </a:endParaRPr>
+          </a:p>
+        </p:txBody>
+      </p:sp>
+      <p:sp>
+        <p:nvSpPr>
+          <p:cNvPr id="10" name="Donut 9"/>
+          <p:cNvSpPr/>
+          <p:nvPr/>
+        </p:nvSpPr>
+        <p:spPr>
+          <a:xfrm>
+            <a:off x="8900932" y="5262297"/>
+            <a:ext cx="843023" cy="652368"/>
+          </a:xfrm>
+          <a:prstGeom prst="donut">
+            <a:avLst>
+              <a:gd name="adj" fmla="val 3237"/>
+            </a:avLst>
+          </a:prstGeom>
+        </p:spPr>
+        <p:style>
+          <a:lnRef idx="2">
+            <a:schemeClr val="accent1">
+              <a:shade val="50000"/>
+            </a:schemeClr>
+          </a:lnRef>
+          <a:fillRef idx="1">
+            <a:schemeClr val="accent1"/>
+          </a:fillRef>
+          <a:effectRef idx="0">
+            <a:schemeClr val="accent1"/>
+          </a:effectRef>
+          <a:fontRef idx="minor">
+            <a:schemeClr val="lt1"/>
+          </a:fontRef>
+        </p:style>
+        <p:txBody>
+          <a:bodyPr rtlCol="0" anchor="ctr"/>
+          <a:lstStyle/>
+          <a:p>
+            <a:pPr algn="ctr"/>
+            <a:endParaRPr lang="en-US">
+              <a:solidFill>
+                <a:schemeClr val="tx1"/>
+              </a:solidFill>
+            </a:endParaRPr>
+          </a:p>
+        </p:txBody>
+      </p:sp>
+    </p:spTree>
+    <p:extLst>
+      <p:ext uri="{BB962C8B-B14F-4D97-AF65-F5344CB8AC3E}">
+        <p14:creationId xmlns:p14="http://schemas.microsoft.com/office/powerpoint/2010/main" val="1511385201"/>
+      </p:ext>
+    </p:extLst>
+  </p:cSld>
+  <p:clrMapOvr>
+    <a:masterClrMapping/>
+  </p:clrMapOvr>
+  <mc:AlternateContent xmlns:mc="http://schemas.openxmlformats.org/markup-compatibility/2006">
+    <mc:Choice xmlns:p14="http://schemas.microsoft.com/office/powerpoint/2010/main" Requires="p14">
+      <p:transition spd="slow" p14:dur="2000"/>
+    </mc:Choice>
+    <mc:Fallback>
+      <p:transition spd="slow"/>
+    </mc:Fallback>
+  </mc:AlternateContent>
+  <p:timing>
+    <p:tnLst>
+      <p:par>
+        <p:cTn id="1" dur="indefinite" restart="never" nodeType="tmRoot"/>
+      </p:par>
+    </p:tnLst>
+  </p:timing>
+</p:sld>
+</file>
+
+<file path=ppt/slides/slide13.xml><?xml version="1.0" encoding="utf-8"?>
+<p:sld xmlns:a="http://schemas.openxmlformats.org/drawingml/2006/main" xmlns:r="http://schemas.openxmlformats.org/officeDocument/2006/relationships" xmlns:p="http://schemas.openxmlformats.org/presentationml/2006/main" show="0">
+  <p:cSld>
+    <p:spTree>
+      <p:nvGrpSpPr>
+        <p:cNvPr id="1" name=""/>
+        <p:cNvGrpSpPr/>
+        <p:nvPr/>
+      </p:nvGrpSpPr>
+      <p:grpSpPr>
+        <a:xfrm>
+          <a:off x="0" y="0"/>
+          <a:ext cx="0" cy="0"/>
+          <a:chOff x="0" y="0"/>
+          <a:chExt cx="0" cy="0"/>
+        </a:xfrm>
+      </p:grpSpPr>
+      <p:pic>
+        <p:nvPicPr>
+          <p:cNvPr id="8" name="Picture 7"/>
+          <p:cNvPicPr>
+            <a:picLocks noChangeAspect="1"/>
+          </p:cNvPicPr>
+          <p:nvPr/>
+        </p:nvPicPr>
+        <p:blipFill>
+          <a:blip r:embed="rId3"/>
+          <a:stretch>
+            <a:fillRect/>
+          </a:stretch>
+        </p:blipFill>
+        <p:spPr>
+          <a:xfrm>
+            <a:off x="7504112" y="3521800"/>
+            <a:ext cx="3276890" cy="2881850"/>
+          </a:xfrm>
+          <a:prstGeom prst="rect">
+            <a:avLst/>
+          </a:prstGeom>
+        </p:spPr>
+      </p:pic>
+      <p:sp>
+        <p:nvSpPr>
+          <p:cNvPr id="2" name="Title 1"/>
+          <p:cNvSpPr>
+            <a:spLocks noGrp="1"/>
+          </p:cNvSpPr>
+          <p:nvPr>
+            <p:ph type="title"/>
+          </p:nvPr>
+        </p:nvSpPr>
+        <p:spPr>
+          <a:xfrm>
+            <a:off x="657896" y="546046"/>
+            <a:ext cx="10515600" cy="1325563"/>
+          </a:xfrm>
+        </p:spPr>
+        <p:txBody>
+          <a:bodyPr>
+            <a:normAutofit fontScale="90000"/>
+          </a:bodyPr>
+          <a:lstStyle/>
+          <a:p>
+            <a:r>
+              <a:rPr lang="en-US" dirty="0" smtClean="0"/>
+              <a:t>ANOVA Table: F-statistic</a:t>
+            </a:r>
+            <a:br>
+              <a:rPr lang="en-US" dirty="0" smtClean="0"/>
+            </a:br>
+            <a:r>
+              <a:rPr lang="en-US" dirty="0" smtClean="0"/>
+              <a:t>comparing 1 group</a:t>
+            </a:r>
+            <a:br>
+              <a:rPr lang="en-US" dirty="0" smtClean="0"/>
+            </a:br>
+            <a:r>
+              <a:rPr lang="en-US" dirty="0" smtClean="0"/>
+              <a:t>to all other groups</a:t>
+            </a:r>
+            <a:endParaRPr lang="en-US" dirty="0"/>
+          </a:p>
+        </p:txBody>
+      </p:sp>
+      <p:sp>
+        <p:nvSpPr>
+          <p:cNvPr id="3" name="Content Placeholder 2"/>
+          <p:cNvSpPr>
+            <a:spLocks noGrp="1"/>
+          </p:cNvSpPr>
+          <p:nvPr>
+            <p:ph idx="1"/>
+          </p:nvPr>
+        </p:nvSpPr>
+        <p:spPr>
+          <a:xfrm>
+            <a:off x="657896" y="2145275"/>
+            <a:ext cx="6077755" cy="4323746"/>
+          </a:xfrm>
+        </p:spPr>
+        <p:txBody>
+          <a:bodyPr>
+            <a:normAutofit/>
+          </a:bodyPr>
+          <a:lstStyle/>
+          <a:p>
+            <a:r>
+              <a:rPr lang="en-US" dirty="0" smtClean="0"/>
+              <a:t>All 1000G 138,000 variants results: </a:t>
+            </a:r>
+          </a:p>
+          <a:p>
+            <a:pPr lvl="1"/>
+            <a:r>
+              <a:rPr lang="en-US" dirty="0" smtClean="0"/>
+              <a:t>Diff group = “AFR”</a:t>
+            </a:r>
+          </a:p>
+          <a:p>
+            <a:pPr lvl="1"/>
+            <a:r>
+              <a:rPr lang="en-US" dirty="0"/>
+              <a:t>F-value = 156.22</a:t>
+            </a:r>
+            <a:br>
+              <a:rPr lang="en-US" dirty="0"/>
+            </a:br>
+            <a:r>
+              <a:rPr lang="en-US" dirty="0"/>
+              <a:t>P(&gt;F)     = </a:t>
+            </a:r>
+            <a:r>
+              <a:rPr lang="en-US" b="1" dirty="0"/>
+              <a:t>5.35 E-12 </a:t>
+            </a:r>
+            <a:r>
+              <a:rPr lang="en-US" dirty="0" smtClean="0"/>
+              <a:t/>
+            </a:r>
+            <a:br>
+              <a:rPr lang="en-US" dirty="0" smtClean="0"/>
+            </a:br>
+            <a:endParaRPr lang="en-US" dirty="0" smtClean="0"/>
+          </a:p>
+          <a:p>
+            <a:r>
+              <a:rPr lang="en-US" dirty="0" smtClean="0"/>
+              <a:t>ClinVar-1000G </a:t>
+            </a:r>
+            <a:r>
+              <a:rPr lang="en-US" dirty="0"/>
+              <a:t>137 variant results: </a:t>
+            </a:r>
+            <a:endParaRPr lang="en-US" dirty="0" smtClean="0"/>
+          </a:p>
+          <a:p>
+            <a:pPr lvl="1"/>
+            <a:r>
+              <a:rPr lang="en-US" dirty="0" smtClean="0"/>
+              <a:t>Diff group = “EAS”</a:t>
+            </a:r>
+            <a:endParaRPr lang="en-US" dirty="0"/>
+          </a:p>
+          <a:p>
+            <a:pPr lvl="1"/>
+            <a:r>
+              <a:rPr lang="en-US" dirty="0"/>
+              <a:t>F-value = 30.869</a:t>
+            </a:r>
+            <a:br>
+              <a:rPr lang="en-US" dirty="0"/>
+            </a:br>
+            <a:r>
+              <a:rPr lang="en-US" dirty="0"/>
+              <a:t>P(&gt;F)     = </a:t>
+            </a:r>
+            <a:r>
+              <a:rPr lang="en-US" b="1" dirty="0">
+                <a:solidFill>
+                  <a:srgbClr val="FF0000"/>
+                </a:solidFill>
+              </a:rPr>
+              <a:t>1.025 E-5</a:t>
+            </a:r>
+            <a:endParaRPr lang="en-US" dirty="0">
+              <a:solidFill>
+                <a:srgbClr val="FF0000"/>
+              </a:solidFill>
+            </a:endParaRPr>
+          </a:p>
+          <a:p>
+            <a:pPr lvl="1"/>
+            <a:endParaRPr lang="en-US" b="1" dirty="0" smtClean="0"/>
+          </a:p>
+        </p:txBody>
+      </p:sp>
+      <p:pic>
+        <p:nvPicPr>
+          <p:cNvPr id="9" name="Picture 8"/>
+          <p:cNvPicPr>
+            <a:picLocks noChangeAspect="1"/>
+          </p:cNvPicPr>
+          <p:nvPr/>
+        </p:nvPicPr>
+        <p:blipFill>
+          <a:blip r:embed="rId4"/>
+          <a:stretch>
+            <a:fillRect/>
+          </a:stretch>
+        </p:blipFill>
+        <p:spPr>
+          <a:xfrm>
+            <a:off x="7453917" y="397999"/>
+            <a:ext cx="3327085" cy="2947221"/>
+          </a:xfrm>
+          <a:prstGeom prst="rect">
+            <a:avLst/>
+          </a:prstGeom>
+        </p:spPr>
+      </p:pic>
+    </p:spTree>
+    <p:extLst>
+      <p:ext uri="{BB962C8B-B14F-4D97-AF65-F5344CB8AC3E}">
+        <p14:creationId xmlns:p14="http://schemas.microsoft.com/office/powerpoint/2010/main" val="1931797742"/>
+      </p:ext>
+    </p:extLst>
+  </p:cSld>
+  <p:clrMapOvr>
+    <a:masterClrMapping/>
+  </p:clrMapOvr>
+  <mc:AlternateContent xmlns:mc="http://schemas.openxmlformats.org/markup-compatibility/2006">
+    <mc:Choice xmlns:p14="http://schemas.microsoft.com/office/powerpoint/2010/main" Requires="p14">
+      <p:transition spd="slow" p14:dur="2000"/>
+    </mc:Choice>
+    <mc:Fallback>
+      <p:transition spd="slow"/>
+    </mc:Fallback>
+  </mc:AlternateContent>
+  <p:timing>
+    <p:tnLst>
+      <p:par>
+        <p:cTn id="1" dur="indefinite" restart="never" nodeType="tmRoot"/>
+      </p:par>
+    </p:tnLst>
+  </p:timing>
+</p:sld>
+</file>
+
+<file path=ppt/slides/slide14.xml><?xml version="1.0" encoding="utf-8"?>
 <p:sld xmlns:a="http://schemas.openxmlformats.org/drawingml/2006/main" xmlns:r="http://schemas.openxmlformats.org/officeDocument/2006/relationships" xmlns:p="http://schemas.openxmlformats.org/presentationml/2006/main">
   <p:cSld>
     <p:spTree>
@@ -5206,483 +6209,130 @@
             <p:ph type="title"/>
           </p:nvPr>
         </p:nvSpPr>
-        <p:spPr>
-          <a:xfrm>
-            <a:off x="838200" y="365125"/>
-            <a:ext cx="10515600" cy="6035675"/>
-          </a:xfrm>
-        </p:spPr>
+        <p:spPr/>
         <p:txBody>
           <a:bodyPr>
             <a:normAutofit/>
           </a:bodyPr>
           <a:lstStyle/>
           <a:p>
-            <a:pPr algn="ctr"/>
-            <a:r>
-              <a:rPr lang="en-US" sz="4200" dirty="0" smtClean="0"/>
-              <a:t>Combining </a:t>
-            </a:r>
-            <a:r>
-              <a:rPr lang="en-US" sz="4200" b="1" i="1" dirty="0" smtClean="0"/>
-              <a:t>individual-level </a:t>
-            </a:r>
-            <a:r>
-              <a:rPr lang="en-US" sz="4200" dirty="0" smtClean="0"/>
-              <a:t>data from 1000 genomes with </a:t>
-            </a:r>
-            <a:r>
-              <a:rPr lang="en-US" sz="4200" b="1" i="1" dirty="0" smtClean="0"/>
-              <a:t>pathogenicity</a:t>
-            </a:r>
-            <a:r>
-              <a:rPr lang="en-US" sz="4200" dirty="0" smtClean="0"/>
-              <a:t> data from </a:t>
-            </a:r>
-            <a:r>
-              <a:rPr lang="en-US" sz="4200" dirty="0" smtClean="0"/>
-              <a:t>ClinVar</a:t>
-            </a:r>
-            <a:br>
-              <a:rPr lang="en-US" sz="4200" dirty="0" smtClean="0"/>
-            </a:br>
-            <a:r>
-              <a:rPr lang="en-US" sz="4200" dirty="0" smtClean="0"/>
-              <a:t>Part 1: Overview</a:t>
-            </a:r>
-            <a:endParaRPr lang="en-US" sz="4200" dirty="0"/>
+            <a:r>
+              <a:rPr lang="en-US" dirty="0" smtClean="0"/>
+              <a:t>Carrier fraction across 137 ClinVar-1000G variants</a:t>
+            </a:r>
+            <a:endParaRPr lang="en-US" dirty="0"/>
+          </a:p>
+        </p:txBody>
+      </p:sp>
+      <p:pic>
+        <p:nvPicPr>
+          <p:cNvPr id="6" name="Picture 5"/>
+          <p:cNvPicPr>
+            <a:picLocks noChangeAspect="1"/>
+          </p:cNvPicPr>
+          <p:nvPr/>
+        </p:nvPicPr>
+        <p:blipFill>
+          <a:blip r:embed="rId3"/>
+          <a:stretch>
+            <a:fillRect/>
+          </a:stretch>
+        </p:blipFill>
+        <p:spPr>
+          <a:xfrm>
+            <a:off x="5823360" y="1919080"/>
+            <a:ext cx="5844730" cy="4469020"/>
+          </a:xfrm>
+          <a:prstGeom prst="rect">
+            <a:avLst/>
+          </a:prstGeom>
+        </p:spPr>
+      </p:pic>
+      <p:sp>
+        <p:nvSpPr>
+          <p:cNvPr id="7" name="TextBox 6"/>
+          <p:cNvSpPr txBox="1"/>
+          <p:nvPr/>
+        </p:nvSpPr>
+        <p:spPr>
+          <a:xfrm>
+            <a:off x="1216277" y="1976562"/>
+            <a:ext cx="3820016" cy="3847207"/>
+          </a:xfrm>
+          <a:prstGeom prst="rect">
+            <a:avLst/>
+          </a:prstGeom>
+          <a:noFill/>
+        </p:spPr>
+        <p:txBody>
+          <a:bodyPr wrap="square" rtlCol="0">
+            <a:spAutoFit/>
+          </a:bodyPr>
+          <a:lstStyle/>
+          <a:p>
+            <a:r>
+              <a:rPr lang="en-US" sz="2800" b="1" dirty="0" smtClean="0"/>
+              <a:t>50-70% </a:t>
+            </a:r>
+            <a:r>
+              <a:rPr lang="en-US" sz="2400" dirty="0" smtClean="0"/>
+              <a:t>of people would be reported as having </a:t>
+            </a:r>
+            <a:r>
+              <a:rPr lang="en-US" sz="2400" dirty="0" smtClean="0"/>
+              <a:t>an incidental finding </a:t>
+            </a:r>
+            <a:r>
+              <a:rPr lang="en-US" sz="2400" dirty="0" smtClean="0"/>
+              <a:t>under </a:t>
+            </a:r>
+            <a:r>
+              <a:rPr lang="en-US" sz="2400" dirty="0" smtClean="0"/>
+              <a:t>ACMG guidelines.</a:t>
+            </a:r>
+          </a:p>
+          <a:p>
+            <a:r>
+              <a:rPr lang="en-US" sz="2400" dirty="0" smtClean="0"/>
+              <a:t> </a:t>
+            </a:r>
+          </a:p>
+          <a:p>
+            <a:r>
+              <a:rPr lang="en-US" sz="2400" dirty="0" smtClean="0">
+                <a:solidFill>
+                  <a:srgbClr val="00B050"/>
+                </a:solidFill>
+              </a:rPr>
+              <a:t>EAS (East Asian) </a:t>
+            </a:r>
+            <a:r>
+              <a:rPr lang="en-US" sz="2400" dirty="0" smtClean="0"/>
+              <a:t>groups seem to have the least pathogenic variants in </a:t>
+            </a:r>
+            <a:r>
+              <a:rPr lang="en-US" sz="2400" dirty="0" smtClean="0"/>
+              <a:t>ACMG-56</a:t>
+            </a:r>
+          </a:p>
+          <a:p>
+            <a:endParaRPr lang="en-US" sz="2400" dirty="0"/>
+          </a:p>
+          <a:p>
+            <a:endParaRPr lang="en-US" sz="2400" dirty="0"/>
           </a:p>
         </p:txBody>
       </p:sp>
     </p:spTree>
     <p:extLst>
       <p:ext uri="{BB962C8B-B14F-4D97-AF65-F5344CB8AC3E}">
-        <p14:creationId xmlns:p14="http://schemas.microsoft.com/office/powerpoint/2010/main" val="588371276"/>
+        <p14:creationId xmlns:p14="http://schemas.microsoft.com/office/powerpoint/2010/main" val="226693620"/>
       </p:ext>
     </p:extLst>
   </p:cSld>
   <p:clrMapOvr>
     <a:masterClrMapping/>
   </p:clrMapOvr>
-  <p:timing>
-    <p:tnLst>
-      <p:par>
-        <p:cTn id="1" dur="indefinite" restart="never" nodeType="tmRoot"/>
-      </p:par>
-    </p:tnLst>
-  </p:timing>
-</p:sld>
-</file>
-
-<file path=ppt/slides/slide13.xml><?xml version="1.0" encoding="utf-8"?>
-<p:sld xmlns:a="http://schemas.openxmlformats.org/drawingml/2006/main" xmlns:r="http://schemas.openxmlformats.org/officeDocument/2006/relationships" xmlns:p="http://schemas.openxmlformats.org/presentationml/2006/main">
-  <p:cSld>
-    <p:spTree>
-      <p:nvGrpSpPr>
-        <p:cNvPr id="1" name=""/>
-        <p:cNvGrpSpPr/>
-        <p:nvPr/>
-      </p:nvGrpSpPr>
-      <p:grpSpPr>
-        <a:xfrm>
-          <a:off x="0" y="0"/>
-          <a:ext cx="0" cy="0"/>
-          <a:chOff x="0" y="0"/>
-          <a:chExt cx="0" cy="0"/>
-        </a:xfrm>
-      </p:grpSpPr>
-      <p:sp>
-        <p:nvSpPr>
-          <p:cNvPr id="2" name="Title 1"/>
-          <p:cNvSpPr>
-            <a:spLocks noGrp="1"/>
-          </p:cNvSpPr>
-          <p:nvPr>
-            <p:ph type="title"/>
-          </p:nvPr>
-        </p:nvSpPr>
-        <p:spPr>
-          <a:xfrm>
-            <a:off x="777922" y="407614"/>
-            <a:ext cx="10866500" cy="1293028"/>
-          </a:xfrm>
-        </p:spPr>
-        <p:txBody>
-          <a:bodyPr>
-            <a:normAutofit/>
-          </a:bodyPr>
-          <a:lstStyle/>
-          <a:p>
-            <a:r>
-              <a:rPr lang="en-US" dirty="0" smtClean="0"/>
-              <a:t>Joining Pathogenic Clinvar Variants with 1000G</a:t>
-            </a:r>
-            <a:endParaRPr lang="en-US" dirty="0"/>
-          </a:p>
-        </p:txBody>
-      </p:sp>
-      <p:pic>
-        <p:nvPicPr>
-          <p:cNvPr id="4" name="Content Placeholder 3"/>
-          <p:cNvPicPr>
-            <a:picLocks noGrp="1" noChangeAspect="1"/>
-          </p:cNvPicPr>
-          <p:nvPr>
-            <p:ph idx="1"/>
-          </p:nvPr>
-        </p:nvPicPr>
-        <p:blipFill rotWithShape="1">
-          <a:blip r:embed="rId3"/>
-          <a:srcRect b="1080"/>
-          <a:stretch/>
-        </p:blipFill>
-        <p:spPr>
-          <a:xfrm>
-            <a:off x="2797003" y="1700642"/>
-            <a:ext cx="8847419" cy="4304373"/>
-          </a:xfrm>
-          <a:prstGeom prst="rect">
-            <a:avLst/>
-          </a:prstGeom>
-        </p:spPr>
-      </p:pic>
-      <p:sp>
-        <p:nvSpPr>
-          <p:cNvPr id="5" name="TextBox 4"/>
-          <p:cNvSpPr txBox="1"/>
-          <p:nvPr/>
-        </p:nvSpPr>
-        <p:spPr>
-          <a:xfrm>
-            <a:off x="463232" y="1700642"/>
-            <a:ext cx="2333772" cy="4524315"/>
-          </a:xfrm>
-          <a:prstGeom prst="rect">
-            <a:avLst/>
-          </a:prstGeom>
-          <a:noFill/>
-        </p:spPr>
-        <p:txBody>
-          <a:bodyPr wrap="square" rtlCol="0">
-            <a:spAutoFit/>
-          </a:bodyPr>
-          <a:lstStyle/>
-          <a:p>
-            <a:r>
-              <a:rPr lang="en-US" dirty="0" smtClean="0">
-                <a:solidFill>
-                  <a:srgbClr val="FF0000"/>
-                </a:solidFill>
-              </a:rPr>
-              <a:t>1000 genomes: </a:t>
-            </a:r>
-            <a:r>
-              <a:rPr lang="en-US" dirty="0" smtClean="0"/>
-              <a:t/>
-            </a:r>
-            <a:br>
-              <a:rPr lang="en-US" dirty="0" smtClean="0"/>
-            </a:br>
-            <a:r>
-              <a:rPr lang="en-US" dirty="0" smtClean="0"/>
-              <a:t>139,388 unique </a:t>
-            </a:r>
-            <a:r>
-              <a:rPr lang="en-US" dirty="0" smtClean="0"/>
-              <a:t>variants in ACMG-56.</a:t>
-            </a:r>
-            <a:endParaRPr lang="en-US" dirty="0" smtClean="0"/>
-          </a:p>
-          <a:p>
-            <a:endParaRPr lang="en-US" dirty="0"/>
-          </a:p>
-          <a:p>
-            <a:r>
-              <a:rPr lang="en-US" dirty="0" smtClean="0">
-                <a:solidFill>
-                  <a:srgbClr val="FF0000"/>
-                </a:solidFill>
-              </a:rPr>
-              <a:t>ClinVar: </a:t>
-            </a:r>
-            <a:r>
-              <a:rPr lang="en-US" dirty="0" smtClean="0"/>
-              <a:t/>
-            </a:r>
-            <a:br>
-              <a:rPr lang="en-US" dirty="0" smtClean="0"/>
-            </a:br>
-            <a:r>
-              <a:rPr lang="en-US" dirty="0" smtClean="0"/>
-              <a:t>10,286 NON-unique pathogenic variants</a:t>
-            </a:r>
-            <a:br>
-              <a:rPr lang="en-US" dirty="0" smtClean="0"/>
-            </a:br>
-            <a:r>
-              <a:rPr lang="en-US" dirty="0" smtClean="0"/>
-              <a:t>(8,441 unique) </a:t>
-            </a:r>
-            <a:r>
-              <a:rPr lang="en-US" dirty="0" smtClean="0"/>
-              <a:t>across ~27,000 genes</a:t>
-            </a:r>
-            <a:endParaRPr lang="en-US" dirty="0" smtClean="0"/>
-          </a:p>
-          <a:p>
-            <a:endParaRPr lang="en-US" dirty="0"/>
-          </a:p>
-          <a:p>
-            <a:r>
-              <a:rPr lang="en-US" dirty="0" smtClean="0">
-                <a:solidFill>
-                  <a:srgbClr val="FF0000"/>
-                </a:solidFill>
-              </a:rPr>
-              <a:t>Intersection: </a:t>
-            </a:r>
-            <a:r>
-              <a:rPr lang="en-US" dirty="0" smtClean="0"/>
-              <a:t/>
-            </a:r>
-            <a:br>
-              <a:rPr lang="en-US" dirty="0" smtClean="0"/>
-            </a:br>
-            <a:r>
-              <a:rPr lang="en-US" dirty="0" smtClean="0"/>
-              <a:t>137 unique variants </a:t>
-            </a:r>
-            <a:br>
-              <a:rPr lang="en-US" dirty="0" smtClean="0"/>
-            </a:br>
-            <a:r>
-              <a:rPr lang="en-US" dirty="0" smtClean="0"/>
-              <a:t>in both datasets, </a:t>
-            </a:r>
-            <a:br>
-              <a:rPr lang="en-US" dirty="0" smtClean="0"/>
-            </a:br>
-            <a:r>
-              <a:rPr lang="en-US" dirty="0" smtClean="0"/>
-              <a:t>associated with </a:t>
-            </a:r>
-            <a:br>
-              <a:rPr lang="en-US" dirty="0" smtClean="0"/>
-            </a:br>
-            <a:r>
-              <a:rPr lang="en-US" dirty="0" smtClean="0"/>
-              <a:t>192 diseases</a:t>
-            </a:r>
-            <a:br>
-              <a:rPr lang="en-US" dirty="0" smtClean="0"/>
-            </a:br>
-            <a:endParaRPr lang="en-US" dirty="0"/>
-          </a:p>
-        </p:txBody>
-      </p:sp>
-      <p:sp>
-        <p:nvSpPr>
-          <p:cNvPr id="6" name="TextBox 5"/>
-          <p:cNvSpPr txBox="1"/>
-          <p:nvPr/>
-        </p:nvSpPr>
-        <p:spPr>
-          <a:xfrm>
-            <a:off x="7097881" y="2617373"/>
-            <a:ext cx="3973581" cy="923330"/>
-          </a:xfrm>
-          <a:prstGeom prst="rect">
-            <a:avLst/>
-          </a:prstGeom>
-          <a:noFill/>
-        </p:spPr>
-        <p:txBody>
-          <a:bodyPr wrap="square" rtlCol="0">
-            <a:spAutoFit/>
-          </a:bodyPr>
-          <a:lstStyle/>
-          <a:p>
-            <a:r>
-              <a:rPr lang="en-US" dirty="0" smtClean="0">
-                <a:solidFill>
-                  <a:schemeClr val="bg1"/>
-                </a:solidFill>
-              </a:rPr>
-              <a:t>37/56 have at least 1 variant</a:t>
-            </a:r>
-            <a:br>
-              <a:rPr lang="en-US" dirty="0" smtClean="0">
-                <a:solidFill>
-                  <a:schemeClr val="bg1"/>
-                </a:solidFill>
-              </a:rPr>
-            </a:br>
-            <a:r>
-              <a:rPr lang="en-US" dirty="0" smtClean="0">
-                <a:solidFill>
-                  <a:srgbClr val="FF0000"/>
-                </a:solidFill>
-              </a:rPr>
-              <a:t>19/56 are not associated with any pathogenic variants in 1000G. </a:t>
-            </a:r>
-            <a:endParaRPr lang="en-US" dirty="0">
-              <a:solidFill>
-                <a:srgbClr val="FF0000"/>
-              </a:solidFill>
-            </a:endParaRPr>
-          </a:p>
-        </p:txBody>
-      </p:sp>
-      <p:cxnSp>
-        <p:nvCxnSpPr>
-          <p:cNvPr id="15" name="Straight Arrow Connector 14"/>
-          <p:cNvCxnSpPr/>
-          <p:nvPr/>
-        </p:nvCxnSpPr>
-        <p:spPr>
-          <a:xfrm flipH="1">
-            <a:off x="8934656" y="3639053"/>
-            <a:ext cx="1" cy="1319588"/>
-          </a:xfrm>
-          <a:prstGeom prst="straightConnector1">
-            <a:avLst/>
-          </a:prstGeom>
-          <a:ln>
-            <a:tailEnd type="triangle"/>
-          </a:ln>
-        </p:spPr>
-        <p:style>
-          <a:lnRef idx="1">
-            <a:schemeClr val="accent1"/>
-          </a:lnRef>
-          <a:fillRef idx="0">
-            <a:schemeClr val="accent1"/>
-          </a:fillRef>
-          <a:effectRef idx="0">
-            <a:schemeClr val="accent1"/>
-          </a:effectRef>
-          <a:fontRef idx="minor">
-            <a:schemeClr val="tx1"/>
-          </a:fontRef>
-        </p:style>
-      </p:cxnSp>
-    </p:spTree>
-    <p:extLst>
-      <p:ext uri="{BB962C8B-B14F-4D97-AF65-F5344CB8AC3E}">
-        <p14:creationId xmlns:p14="http://schemas.microsoft.com/office/powerpoint/2010/main" val="2049117130"/>
-      </p:ext>
-    </p:extLst>
-  </p:cSld>
-  <p:clrMapOvr>
-    <a:masterClrMapping/>
-  </p:clrMapOvr>
-  <p:timing>
-    <p:tnLst>
-      <p:par>
-        <p:cTn id="1" dur="indefinite" restart="never" nodeType="tmRoot"/>
-      </p:par>
-    </p:tnLst>
-  </p:timing>
-</p:sld>
-</file>
-
-<file path=ppt/slides/slide14.xml><?xml version="1.0" encoding="utf-8"?>
-<p:sld xmlns:a="http://schemas.openxmlformats.org/drawingml/2006/main" xmlns:r="http://schemas.openxmlformats.org/officeDocument/2006/relationships" xmlns:p="http://schemas.openxmlformats.org/presentationml/2006/main" show="0">
-  <p:cSld>
-    <p:spTree>
-      <p:nvGrpSpPr>
-        <p:cNvPr id="1" name=""/>
-        <p:cNvGrpSpPr/>
-        <p:nvPr/>
-      </p:nvGrpSpPr>
-      <p:grpSpPr>
-        <a:xfrm>
-          <a:off x="0" y="0"/>
-          <a:ext cx="0" cy="0"/>
-          <a:chOff x="0" y="0"/>
-          <a:chExt cx="0" cy="0"/>
-        </a:xfrm>
-      </p:grpSpPr>
-      <p:sp>
-        <p:nvSpPr>
-          <p:cNvPr id="2" name="Title 1"/>
-          <p:cNvSpPr>
-            <a:spLocks noGrp="1"/>
-          </p:cNvSpPr>
-          <p:nvPr>
-            <p:ph type="title"/>
-          </p:nvPr>
-        </p:nvSpPr>
-        <p:spPr>
-          <a:xfrm>
-            <a:off x="679565" y="425340"/>
-            <a:ext cx="4151499" cy="2765590"/>
-          </a:xfrm>
-        </p:spPr>
-        <p:txBody>
-          <a:bodyPr>
-            <a:normAutofit/>
-          </a:bodyPr>
-          <a:lstStyle/>
-          <a:p>
-            <a:pPr algn="r"/>
-            <a:r>
-              <a:rPr lang="en-US" sz="4000" dirty="0" smtClean="0"/>
-              <a:t>137 Pathogenic </a:t>
-            </a:r>
-            <a:r>
-              <a:rPr lang="en-US" sz="4000" dirty="0"/>
-              <a:t>C</a:t>
-            </a:r>
-            <a:r>
-              <a:rPr lang="en-US" sz="4000" dirty="0" smtClean="0"/>
-              <a:t>linvar Variants Distributed by Disease</a:t>
-            </a:r>
-            <a:endParaRPr lang="en-US" sz="4000" dirty="0"/>
-          </a:p>
-        </p:txBody>
-      </p:sp>
-      <p:pic>
-        <p:nvPicPr>
-          <p:cNvPr id="4" name="Picture 3"/>
-          <p:cNvPicPr>
-            <a:picLocks noChangeAspect="1"/>
-          </p:cNvPicPr>
-          <p:nvPr/>
-        </p:nvPicPr>
-        <p:blipFill rotWithShape="1">
-          <a:blip r:embed="rId3"/>
-          <a:srcRect t="1" b="454"/>
-          <a:stretch/>
-        </p:blipFill>
-        <p:spPr>
-          <a:xfrm>
-            <a:off x="5462981" y="1088103"/>
-            <a:ext cx="6369255" cy="5026094"/>
-          </a:xfrm>
-          <a:prstGeom prst="rect">
-            <a:avLst/>
-          </a:prstGeom>
-        </p:spPr>
-      </p:pic>
-    </p:spTree>
-    <p:extLst>
-      <p:ext uri="{BB962C8B-B14F-4D97-AF65-F5344CB8AC3E}">
-        <p14:creationId xmlns:p14="http://schemas.microsoft.com/office/powerpoint/2010/main" val="1290280742"/>
-      </p:ext>
-    </p:extLst>
-  </p:cSld>
-  <p:clrMapOvr>
-    <a:masterClrMapping/>
-  </p:clrMapOvr>
-  <mc:AlternateContent xmlns:mc="http://schemas.openxmlformats.org/markup-compatibility/2006">
-    <mc:Choice xmlns:p14="http://schemas.microsoft.com/office/powerpoint/2010/main" Requires="p14">
-      <p:transition spd="slow" p14:dur="2000"/>
-    </mc:Choice>
-    <mc:Fallback>
-      <p:transition spd="slow"/>
-    </mc:Fallback>
-  </mc:AlternateContent>
   <p:timing>
     <p:tnLst>
       <p:par>
@@ -5712,43 +6362,144 @@
       </p:grpSpPr>
       <p:sp>
         <p:nvSpPr>
-          <p:cNvPr id="2" name="Title 1"/>
-          <p:cNvSpPr>
-            <a:spLocks noGrp="1"/>
-          </p:cNvSpPr>
-          <p:nvPr>
-            <p:ph type="title"/>
-          </p:nvPr>
-        </p:nvSpPr>
-        <p:spPr/>
+          <p:cNvPr id="3" name="Content Placeholder 2"/>
+          <p:cNvSpPr>
+            <a:spLocks noGrp="1"/>
+          </p:cNvSpPr>
+          <p:nvPr>
+            <p:ph idx="1"/>
+          </p:nvPr>
+        </p:nvSpPr>
+        <p:spPr>
+          <a:xfrm>
+            <a:off x="501779" y="692993"/>
+            <a:ext cx="6367372" cy="4713607"/>
+          </a:xfrm>
+        </p:spPr>
         <p:txBody>
           <a:bodyPr>
-            <a:normAutofit/>
+            <a:noAutofit/>
           </a:bodyPr>
           <a:lstStyle/>
           <a:p>
-            <a:pPr algn="r"/>
-            <a:r>
-              <a:rPr lang="en-US" dirty="0" smtClean="0"/>
-              <a:t>1000G individuals with </a:t>
-            </a:r>
-            <a:r>
-              <a:rPr lang="en-US" dirty="0" smtClean="0"/>
-              <a:t>pathogenic mutations</a:t>
-            </a:r>
-            <a:endParaRPr lang="en-US" dirty="0"/>
+            <a:r>
+              <a:rPr lang="en-US" sz="3200" dirty="0" smtClean="0"/>
+              <a:t>ClinVar-1000G Fraction Carriers:</a:t>
+            </a:r>
+            <a:br>
+              <a:rPr lang="en-US" sz="3200" dirty="0" smtClean="0"/>
+            </a:br>
+            <a:r>
+              <a:rPr lang="en-US" sz="3200" dirty="0" smtClean="0"/>
+              <a:t>between each group </a:t>
+            </a:r>
+          </a:p>
+          <a:p>
+            <a:pPr lvl="1"/>
+            <a:r>
+              <a:rPr lang="en-US" sz="2800" dirty="0" smtClean="0"/>
+              <a:t>F-value </a:t>
+            </a:r>
+            <a:r>
+              <a:rPr lang="en-US" sz="2800" dirty="0"/>
+              <a:t>= </a:t>
+            </a:r>
+            <a:r>
+              <a:rPr lang="en-US" sz="2800" dirty="0" smtClean="0"/>
+              <a:t>58.377</a:t>
+            </a:r>
+            <a:r>
+              <a:rPr lang="en-US" sz="2800" dirty="0"/>
+              <a:t/>
+            </a:r>
+            <a:br>
+              <a:rPr lang="en-US" sz="2800" dirty="0"/>
+            </a:br>
+            <a:r>
+              <a:rPr lang="en-US" sz="2800" dirty="0"/>
+              <a:t>P(&gt;F)     = </a:t>
+            </a:r>
+            <a:r>
+              <a:rPr lang="en-US" sz="2800" b="1" dirty="0" smtClean="0"/>
+              <a:t>4.47 E-11</a:t>
+            </a:r>
+            <a:endParaRPr lang="en-US" sz="2800" dirty="0"/>
+          </a:p>
+          <a:p>
+            <a:endParaRPr lang="en-US" sz="3200" dirty="0"/>
+          </a:p>
+          <a:p>
+            <a:endParaRPr lang="en-US" sz="3200" dirty="0" smtClean="0"/>
+          </a:p>
+          <a:p>
+            <a:r>
+              <a:rPr lang="en-US" sz="3200" dirty="0" smtClean="0"/>
+              <a:t>ClinVar-1000G Fraction Carriers: </a:t>
+            </a:r>
+            <a:br>
+              <a:rPr lang="en-US" sz="3200" dirty="0" smtClean="0"/>
+            </a:br>
+            <a:r>
+              <a:rPr lang="en-US" sz="3200" dirty="0" smtClean="0"/>
+              <a:t>between “EAS” and other groups</a:t>
+            </a:r>
+            <a:endParaRPr lang="en-US" sz="3200" dirty="0"/>
+          </a:p>
+          <a:p>
+            <a:pPr lvl="1"/>
+            <a:r>
+              <a:rPr lang="en-US" sz="2800" dirty="0"/>
+              <a:t>Diff group = “EAS”</a:t>
+            </a:r>
+          </a:p>
+          <a:p>
+            <a:pPr lvl="1"/>
+            <a:r>
+              <a:rPr lang="en-US" sz="2800" dirty="0"/>
+              <a:t>F-value = </a:t>
+            </a:r>
+            <a:r>
+              <a:rPr lang="en-US" sz="2800" dirty="0" smtClean="0"/>
+              <a:t>42.359</a:t>
+            </a:r>
+            <a:r>
+              <a:rPr lang="en-US" sz="2800" dirty="0"/>
+              <a:t/>
+            </a:r>
+            <a:br>
+              <a:rPr lang="en-US" sz="2800" dirty="0"/>
+            </a:br>
+            <a:r>
+              <a:rPr lang="en-US" sz="2800" dirty="0"/>
+              <a:t>P(&gt;F)     = </a:t>
+            </a:r>
+            <a:r>
+              <a:rPr lang="en-US" sz="2800" b="1" dirty="0" smtClean="0">
+                <a:solidFill>
+                  <a:srgbClr val="FF0000"/>
+                </a:solidFill>
+              </a:rPr>
+              <a:t>9.90 E-7</a:t>
+            </a:r>
+            <a:endParaRPr lang="en-US" sz="2800" dirty="0">
+              <a:solidFill>
+                <a:srgbClr val="FF0000"/>
+              </a:solidFill>
+            </a:endParaRPr>
+          </a:p>
+          <a:p>
+            <a:pPr lvl="1"/>
+            <a:endParaRPr lang="en-US" sz="2800" b="1" dirty="0" smtClean="0"/>
           </a:p>
         </p:txBody>
       </p:sp>
       <p:pic>
         <p:nvPicPr>
-          <p:cNvPr id="5" name="Content Placeholder 4"/>
+          <p:cNvPr id="4" name="Picture 3"/>
           <p:cNvPicPr>
-            <a:picLocks noGrp="1" noChangeAspect="1"/>
+            <a:picLocks noChangeAspect="1"/>
           </p:cNvPicPr>
-          <p:nvPr>
-            <p:ph idx="1"/>
-          </p:nvPr>
+          <p:nvPr/>
         </p:nvPicPr>
         <p:blipFill>
           <a:blip r:embed="rId3"/>
@@ -5758,201 +6509,42 @@
         </p:blipFill>
         <p:spPr>
           <a:xfrm>
-            <a:off x="3464716" y="1690688"/>
-            <a:ext cx="8341288" cy="3862342"/>
+            <a:off x="7393567" y="3696738"/>
+            <a:ext cx="2999370" cy="2878119"/>
           </a:xfrm>
           <a:prstGeom prst="rect">
             <a:avLst/>
           </a:prstGeom>
         </p:spPr>
       </p:pic>
-      <p:sp>
-        <p:nvSpPr>
-          <p:cNvPr id="6" name="TextBox 5"/>
-          <p:cNvSpPr txBox="1"/>
+      <p:pic>
+        <p:nvPicPr>
+          <p:cNvPr id="5" name="Picture 4"/>
+          <p:cNvPicPr>
+            <a:picLocks noChangeAspect="1"/>
+          </p:cNvPicPr>
           <p:nvPr/>
-        </p:nvSpPr>
-        <p:spPr>
-          <a:xfrm>
-            <a:off x="646792" y="2002851"/>
-            <a:ext cx="2453604" cy="2031325"/>
+        </p:nvPicPr>
+        <p:blipFill>
+          <a:blip r:embed="rId4"/>
+          <a:stretch>
+            <a:fillRect/>
+          </a:stretch>
+        </p:blipFill>
+        <p:spPr>
+          <a:xfrm>
+            <a:off x="7393568" y="469968"/>
+            <a:ext cx="2999369" cy="2841175"/>
           </a:xfrm>
           <a:prstGeom prst="rect">
             <a:avLst/>
           </a:prstGeom>
-          <a:noFill/>
-        </p:spPr>
-        <p:txBody>
-          <a:bodyPr wrap="square" rtlCol="0">
-            <a:spAutoFit/>
-          </a:bodyPr>
-          <a:lstStyle/>
-          <a:p>
-            <a:pPr algn="r"/>
-            <a:r>
-              <a:rPr lang="en-US" dirty="0" smtClean="0"/>
-              <a:t>Closely follows </a:t>
-            </a:r>
-            <a:br>
-              <a:rPr lang="en-US" dirty="0" smtClean="0"/>
-            </a:br>
-            <a:r>
-              <a:rPr lang="en-US" dirty="0" smtClean="0"/>
-              <a:t>previous plot: </a:t>
-            </a:r>
-            <a:br>
-              <a:rPr lang="en-US" dirty="0" smtClean="0"/>
-            </a:br>
-            <a:r>
-              <a:rPr lang="en-US" dirty="0" smtClean="0"/>
-              <a:t/>
-            </a:r>
-            <a:br>
-              <a:rPr lang="en-US" dirty="0" smtClean="0"/>
-            </a:br>
-            <a:r>
-              <a:rPr lang="en-US" dirty="0" smtClean="0"/>
-              <a:t>longer gene = </a:t>
-            </a:r>
-            <a:br>
-              <a:rPr lang="en-US" dirty="0" smtClean="0"/>
-            </a:br>
-            <a:r>
-              <a:rPr lang="en-US" dirty="0" smtClean="0"/>
-              <a:t>more variants = </a:t>
-            </a:r>
-            <a:endParaRPr lang="en-US" dirty="0"/>
-          </a:p>
-          <a:p>
-            <a:pPr algn="r"/>
-            <a:r>
-              <a:rPr lang="en-US" dirty="0" smtClean="0"/>
-              <a:t>greater fraction of people with variants</a:t>
-            </a:r>
-          </a:p>
-        </p:txBody>
-      </p:sp>
-      <p:sp>
-        <p:nvSpPr>
-          <p:cNvPr id="3" name="TextBox 2"/>
-          <p:cNvSpPr txBox="1"/>
-          <p:nvPr/>
-        </p:nvSpPr>
-        <p:spPr>
-          <a:xfrm>
-            <a:off x="4656775" y="5710002"/>
-            <a:ext cx="6849426" cy="646331"/>
-          </a:xfrm>
-          <a:prstGeom prst="rect">
-            <a:avLst/>
-          </a:prstGeom>
-          <a:noFill/>
-        </p:spPr>
-        <p:txBody>
-          <a:bodyPr wrap="square" rtlCol="0">
-            <a:spAutoFit/>
-          </a:bodyPr>
-          <a:lstStyle/>
-          <a:p>
-            <a:r>
-              <a:rPr lang="en-US" dirty="0" smtClean="0"/>
-              <a:t>SCN5A is a sodium voltage-gated channel- </a:t>
-            </a:r>
-            <a:br>
-              <a:rPr lang="en-US" dirty="0" smtClean="0"/>
-            </a:br>
-            <a:r>
-              <a:rPr lang="en-US" dirty="0" smtClean="0"/>
-              <a:t>associated with long QT syndrome and </a:t>
-            </a:r>
-            <a:r>
-              <a:rPr lang="en-US" dirty="0" err="1" smtClean="0"/>
-              <a:t>Brugada</a:t>
-            </a:r>
-            <a:r>
-              <a:rPr lang="en-US" dirty="0" smtClean="0"/>
-              <a:t> syndrome. </a:t>
-            </a:r>
-            <a:endParaRPr lang="en-US" dirty="0"/>
-          </a:p>
-        </p:txBody>
-      </p:sp>
-      <p:sp>
-        <p:nvSpPr>
-          <p:cNvPr id="4" name="TextBox 3"/>
-          <p:cNvSpPr txBox="1"/>
-          <p:nvPr/>
-        </p:nvSpPr>
-        <p:spPr>
-          <a:xfrm>
-            <a:off x="1115814" y="4122414"/>
-            <a:ext cx="1984582" cy="369332"/>
-          </a:xfrm>
-          <a:prstGeom prst="rect">
-            <a:avLst/>
-          </a:prstGeom>
-          <a:noFill/>
-        </p:spPr>
-        <p:txBody>
-          <a:bodyPr wrap="none" rtlCol="0">
-            <a:spAutoFit/>
-          </a:bodyPr>
-          <a:lstStyle/>
-          <a:p>
-            <a:r>
-              <a:rPr lang="en-US" i="1" dirty="0" smtClean="0"/>
-              <a:t>Correlation = 0.908</a:t>
-            </a:r>
-            <a:endParaRPr lang="en-US" i="1" dirty="0"/>
-          </a:p>
-        </p:txBody>
-      </p:sp>
-      <p:sp>
-        <p:nvSpPr>
-          <p:cNvPr id="7" name="TextBox 6"/>
-          <p:cNvSpPr txBox="1"/>
-          <p:nvPr/>
-        </p:nvSpPr>
-        <p:spPr>
-          <a:xfrm>
-            <a:off x="838200" y="5742218"/>
-            <a:ext cx="2970878" cy="369332"/>
-          </a:xfrm>
-          <a:prstGeom prst="rect">
-            <a:avLst/>
-          </a:prstGeom>
-          <a:noFill/>
-        </p:spPr>
-        <p:txBody>
-          <a:bodyPr wrap="none" rtlCol="0">
-            <a:spAutoFit/>
-          </a:bodyPr>
-          <a:lstStyle/>
-          <a:p>
-            <a:r>
-              <a:rPr lang="en-US" dirty="0" smtClean="0"/>
-              <a:t>SCN5A = 101,611 bp </a:t>
-            </a:r>
-            <a:r>
-              <a:rPr lang="en-US" dirty="0" err="1" smtClean="0"/>
-              <a:t>tx</a:t>
-            </a:r>
-            <a:r>
-              <a:rPr lang="en-US" dirty="0" smtClean="0"/>
-              <a:t> </a:t>
-            </a:r>
-            <a:r>
-              <a:rPr lang="en-US" dirty="0" smtClean="0"/>
-              <a:t>region</a:t>
-            </a:r>
-            <a:endParaRPr lang="en-US" dirty="0"/>
-          </a:p>
-        </p:txBody>
-      </p:sp>
+        </p:spPr>
+      </p:pic>
     </p:spTree>
     <p:extLst>
       <p:ext uri="{BB962C8B-B14F-4D97-AF65-F5344CB8AC3E}">
-        <p14:creationId xmlns:p14="http://schemas.microsoft.com/office/powerpoint/2010/main" val="1547523072"/>
+        <p14:creationId xmlns:p14="http://schemas.microsoft.com/office/powerpoint/2010/main" val="1120204041"/>
       </p:ext>
     </p:extLst>
   </p:cSld>
@@ -5998,8 +6590,8 @@
         </p:nvSpPr>
         <p:spPr>
           <a:xfrm>
-            <a:off x="467833" y="365125"/>
-            <a:ext cx="11334307" cy="6078205"/>
+            <a:off x="838200" y="365125"/>
+            <a:ext cx="10515600" cy="6152053"/>
           </a:xfrm>
         </p:spPr>
         <p:txBody>
@@ -6008,35 +6600,8 @@
           <a:p>
             <a:pPr algn="ctr"/>
             <a:r>
-              <a:rPr lang="en-US" dirty="0"/>
-              <a:t>Combining </a:t>
-            </a:r>
-            <a:r>
-              <a:rPr lang="en-US" b="1" i="1" dirty="0"/>
-              <a:t>individual-level </a:t>
-            </a:r>
-            <a:r>
-              <a:rPr lang="en-US" dirty="0"/>
-              <a:t>data from 1000 genomes with </a:t>
-            </a:r>
-            <a:r>
-              <a:rPr lang="en-US" b="1" i="1" dirty="0"/>
-              <a:t>pathogenicity</a:t>
-            </a:r>
-            <a:r>
-              <a:rPr lang="en-US" dirty="0"/>
-              <a:t> data from ClinVar</a:t>
-            </a:r>
-            <a:br>
-              <a:rPr lang="en-US" dirty="0"/>
-            </a:br>
-            <a:r>
-              <a:rPr lang="en-US" dirty="0"/>
-              <a:t>Part </a:t>
-            </a:r>
-            <a:r>
-              <a:rPr lang="en-US" dirty="0" smtClean="0"/>
-              <a:t>2: Populations Analysis</a:t>
+              <a:rPr lang="en-US" dirty="0" smtClean="0"/>
+              <a:t>Penetrance Sensitivity Analysis</a:t>
             </a:r>
             <a:endParaRPr lang="en-US" dirty="0"/>
           </a:p>
@@ -6045,7 +6610,7 @@
     </p:spTree>
     <p:extLst>
       <p:ext uri="{BB962C8B-B14F-4D97-AF65-F5344CB8AC3E}">
-        <p14:creationId xmlns:p14="http://schemas.microsoft.com/office/powerpoint/2010/main" val="1476273509"/>
+        <p14:creationId xmlns:p14="http://schemas.microsoft.com/office/powerpoint/2010/main" val="1647345391"/>
       </p:ext>
     </p:extLst>
   </p:cSld>
@@ -6072,1230 +6637,6 @@
           <a:chExt cx="0" cy="0"/>
         </a:xfrm>
       </p:grpSpPr>
-      <p:pic>
-        <p:nvPicPr>
-          <p:cNvPr id="5" name="Content Placeholder 3"/>
-          <p:cNvPicPr>
-            <a:picLocks noGrp="1" noChangeAspect="1"/>
-          </p:cNvPicPr>
-          <p:nvPr>
-            <p:ph idx="1"/>
-          </p:nvPr>
-        </p:nvPicPr>
-        <p:blipFill>
-          <a:blip r:embed="rId2"/>
-          <a:stretch>
-            <a:fillRect/>
-          </a:stretch>
-        </p:blipFill>
-        <p:spPr>
-          <a:xfrm>
-            <a:off x="428957" y="1690688"/>
-            <a:ext cx="5667043" cy="4351338"/>
-          </a:xfrm>
-          <a:prstGeom prst="rect">
-            <a:avLst/>
-          </a:prstGeom>
-        </p:spPr>
-      </p:pic>
-      <p:pic>
-        <p:nvPicPr>
-          <p:cNvPr id="7" name="Picture 6"/>
-          <p:cNvPicPr>
-            <a:picLocks noChangeAspect="1"/>
-          </p:cNvPicPr>
-          <p:nvPr/>
-        </p:nvPicPr>
-        <p:blipFill>
-          <a:blip r:embed="rId3"/>
-          <a:stretch>
-            <a:fillRect/>
-          </a:stretch>
-        </p:blipFill>
-        <p:spPr>
-          <a:xfrm>
-            <a:off x="6237668" y="1690688"/>
-            <a:ext cx="5506224" cy="4340181"/>
-          </a:xfrm>
-          <a:prstGeom prst="rect">
-            <a:avLst/>
-          </a:prstGeom>
-        </p:spPr>
-      </p:pic>
-      <p:sp>
-        <p:nvSpPr>
-          <p:cNvPr id="8" name="Title 1"/>
-          <p:cNvSpPr>
-            <a:spLocks noGrp="1"/>
-          </p:cNvSpPr>
-          <p:nvPr>
-            <p:ph type="title"/>
-          </p:nvPr>
-        </p:nvSpPr>
-        <p:spPr>
-          <a:xfrm>
-            <a:off x="838200" y="197699"/>
-            <a:ext cx="10515600" cy="1325563"/>
-          </a:xfrm>
-        </p:spPr>
-        <p:txBody>
-          <a:bodyPr>
-            <a:normAutofit fontScale="90000"/>
-          </a:bodyPr>
-          <a:lstStyle/>
-          <a:p>
-            <a:r>
-              <a:rPr lang="en-US" dirty="0" smtClean="0"/>
-              <a:t>Mean variants across all 1000G variants vs. </a:t>
-            </a:r>
-            <a:r>
-              <a:rPr lang="en-US" smtClean="0"/>
-              <a:t/>
-            </a:r>
-            <a:br>
-              <a:rPr lang="en-US" smtClean="0"/>
-            </a:br>
-            <a:r>
-              <a:rPr lang="en-US" smtClean="0"/>
-              <a:t>Mean </a:t>
-            </a:r>
-            <a:r>
-              <a:rPr lang="en-US" dirty="0" smtClean="0"/>
-              <a:t>variants across 137 ClinVar-1000G variants</a:t>
-            </a:r>
-            <a:endParaRPr lang="en-US" dirty="0"/>
-          </a:p>
-        </p:txBody>
-      </p:sp>
-    </p:spTree>
-    <p:extLst>
-      <p:ext uri="{BB962C8B-B14F-4D97-AF65-F5344CB8AC3E}">
-        <p14:creationId xmlns:p14="http://schemas.microsoft.com/office/powerpoint/2010/main" val="718044156"/>
-      </p:ext>
-    </p:extLst>
-  </p:cSld>
-  <p:clrMapOvr>
-    <a:masterClrMapping/>
-  </p:clrMapOvr>
-  <p:timing>
-    <p:tnLst>
-      <p:par>
-        <p:cTn id="1" dur="indefinite" restart="never" nodeType="tmRoot"/>
-      </p:par>
-    </p:tnLst>
-  </p:timing>
-</p:sld>
-</file>
-
-<file path=ppt/slides/slide18.xml><?xml version="1.0" encoding="utf-8"?>
-<p:sld xmlns:a="http://schemas.openxmlformats.org/drawingml/2006/main" xmlns:r="http://schemas.openxmlformats.org/officeDocument/2006/relationships" xmlns:p="http://schemas.openxmlformats.org/presentationml/2006/main" show="0">
-  <p:cSld>
-    <p:spTree>
-      <p:nvGrpSpPr>
-        <p:cNvPr id="1" name=""/>
-        <p:cNvGrpSpPr/>
-        <p:nvPr/>
-      </p:nvGrpSpPr>
-      <p:grpSpPr>
-        <a:xfrm>
-          <a:off x="0" y="0"/>
-          <a:ext cx="0" cy="0"/>
-          <a:chOff x="0" y="0"/>
-          <a:chExt cx="0" cy="0"/>
-        </a:xfrm>
-      </p:grpSpPr>
-      <p:sp>
-        <p:nvSpPr>
-          <p:cNvPr id="2" name="Title 1"/>
-          <p:cNvSpPr>
-            <a:spLocks noGrp="1"/>
-          </p:cNvSpPr>
-          <p:nvPr>
-            <p:ph type="title"/>
-          </p:nvPr>
-        </p:nvSpPr>
-        <p:spPr>
-          <a:xfrm>
-            <a:off x="657896" y="468234"/>
-            <a:ext cx="10515600" cy="1325563"/>
-          </a:xfrm>
-        </p:spPr>
-        <p:txBody>
-          <a:bodyPr>
-            <a:normAutofit fontScale="90000"/>
-          </a:bodyPr>
-          <a:lstStyle/>
-          <a:p>
-            <a:r>
-              <a:rPr lang="en-US" dirty="0" smtClean="0"/>
-              <a:t>ANOVA Table: F-statistic</a:t>
-            </a:r>
-            <a:br>
-              <a:rPr lang="en-US" dirty="0" smtClean="0"/>
-            </a:br>
-            <a:r>
-              <a:rPr lang="en-US" dirty="0" smtClean="0"/>
-              <a:t>comparing ALL groups </a:t>
-            </a:r>
-            <a:br>
-              <a:rPr lang="en-US" dirty="0" smtClean="0"/>
-            </a:br>
-            <a:r>
-              <a:rPr lang="en-US" dirty="0" smtClean="0"/>
-              <a:t>to each other</a:t>
-            </a:r>
-            <a:endParaRPr lang="en-US" dirty="0"/>
-          </a:p>
-        </p:txBody>
-      </p:sp>
-      <p:sp>
-        <p:nvSpPr>
-          <p:cNvPr id="3" name="Content Placeholder 2"/>
-          <p:cNvSpPr>
-            <a:spLocks noGrp="1"/>
-          </p:cNvSpPr>
-          <p:nvPr>
-            <p:ph idx="1"/>
-          </p:nvPr>
-        </p:nvSpPr>
-        <p:spPr>
-          <a:xfrm>
-            <a:off x="657896" y="2196238"/>
-            <a:ext cx="6077755" cy="4922192"/>
-          </a:xfrm>
-        </p:spPr>
-        <p:txBody>
-          <a:bodyPr>
-            <a:normAutofit/>
-          </a:bodyPr>
-          <a:lstStyle/>
-          <a:p>
-            <a:r>
-              <a:rPr lang="en-US" dirty="0" smtClean="0"/>
-              <a:t>All 1000G 138,000 variants results: </a:t>
-            </a:r>
-          </a:p>
-          <a:p>
-            <a:pPr lvl="1"/>
-            <a:r>
-              <a:rPr lang="en-US" dirty="0"/>
-              <a:t>F-value = 294.88</a:t>
-            </a:r>
-            <a:br>
-              <a:rPr lang="en-US" dirty="0"/>
-            </a:br>
-            <a:r>
-              <a:rPr lang="en-US" dirty="0"/>
-              <a:t>P(&gt;F)     = </a:t>
-            </a:r>
-            <a:r>
-              <a:rPr lang="en-US" b="1" dirty="0"/>
-              <a:t>2.2 </a:t>
-            </a:r>
-            <a:r>
-              <a:rPr lang="en-US" b="1" dirty="0" smtClean="0"/>
-              <a:t>E-16</a:t>
-            </a:r>
-            <a:r>
-              <a:rPr lang="en-US" dirty="0" smtClean="0"/>
-              <a:t/>
-            </a:r>
-            <a:br>
-              <a:rPr lang="en-US" dirty="0" smtClean="0"/>
-            </a:br>
-            <a:endParaRPr lang="en-US" dirty="0" smtClean="0"/>
-          </a:p>
-          <a:p>
-            <a:pPr lvl="1"/>
-            <a:endParaRPr lang="en-US" dirty="0" smtClean="0"/>
-          </a:p>
-          <a:p>
-            <a:r>
-              <a:rPr lang="en-US" dirty="0" smtClean="0"/>
-              <a:t>ClinVar-1000G </a:t>
-            </a:r>
-            <a:r>
-              <a:rPr lang="en-US" dirty="0"/>
-              <a:t>137 variant results: </a:t>
-            </a:r>
-          </a:p>
-          <a:p>
-            <a:pPr lvl="1"/>
-            <a:r>
-              <a:rPr lang="en-US" dirty="0"/>
-              <a:t>F-value = 58.685</a:t>
-            </a:r>
-            <a:br>
-              <a:rPr lang="en-US" dirty="0"/>
-            </a:br>
-            <a:r>
-              <a:rPr lang="en-US" dirty="0"/>
-              <a:t>P(&gt;F)     = </a:t>
-            </a:r>
-            <a:r>
-              <a:rPr lang="en-US" b="1" dirty="0"/>
-              <a:t>4.25 </a:t>
-            </a:r>
-            <a:r>
-              <a:rPr lang="en-US" b="1" dirty="0" smtClean="0"/>
-              <a:t>E-11</a:t>
-            </a:r>
-            <a:endParaRPr lang="en-US" dirty="0"/>
-          </a:p>
-          <a:p>
-            <a:pPr lvl="1"/>
-            <a:endParaRPr lang="en-US" b="1" dirty="0" smtClean="0"/>
-          </a:p>
-          <a:p>
-            <a:r>
-              <a:rPr lang="en-US" sz="2400" dirty="0" smtClean="0"/>
-              <a:t>F-statistic + p-values: </a:t>
-            </a:r>
-            <a:r>
-              <a:rPr lang="en-US" sz="2400" b="1" dirty="0" smtClean="0"/>
-              <a:t>H0 = all groups drawn from same distribution</a:t>
-            </a:r>
-            <a:endParaRPr lang="en-US" sz="2400" b="1" dirty="0"/>
-          </a:p>
-        </p:txBody>
-      </p:sp>
-      <p:pic>
-        <p:nvPicPr>
-          <p:cNvPr id="6" name="Picture 5"/>
-          <p:cNvPicPr>
-            <a:picLocks noChangeAspect="1"/>
-          </p:cNvPicPr>
-          <p:nvPr/>
-        </p:nvPicPr>
-        <p:blipFill>
-          <a:blip r:embed="rId2"/>
-          <a:stretch>
-            <a:fillRect/>
-          </a:stretch>
-        </p:blipFill>
-        <p:spPr>
-          <a:xfrm>
-            <a:off x="7417470" y="3521801"/>
-            <a:ext cx="3363532" cy="2947221"/>
-          </a:xfrm>
-          <a:prstGeom prst="rect">
-            <a:avLst/>
-          </a:prstGeom>
-        </p:spPr>
-      </p:pic>
-      <p:pic>
-        <p:nvPicPr>
-          <p:cNvPr id="7" name="Picture 6"/>
-          <p:cNvPicPr>
-            <a:picLocks noChangeAspect="1"/>
-          </p:cNvPicPr>
-          <p:nvPr/>
-        </p:nvPicPr>
-        <p:blipFill>
-          <a:blip r:embed="rId3"/>
-          <a:stretch>
-            <a:fillRect/>
-          </a:stretch>
-        </p:blipFill>
-        <p:spPr>
-          <a:xfrm>
-            <a:off x="7462546" y="468234"/>
-            <a:ext cx="3273380" cy="2857713"/>
-          </a:xfrm>
-          <a:prstGeom prst="rect">
-            <a:avLst/>
-          </a:prstGeom>
-        </p:spPr>
-      </p:pic>
-      <p:sp>
-        <p:nvSpPr>
-          <p:cNvPr id="9" name="Donut 8"/>
-          <p:cNvSpPr/>
-          <p:nvPr/>
-        </p:nvSpPr>
-        <p:spPr>
-          <a:xfrm>
-            <a:off x="7870786" y="468234"/>
-            <a:ext cx="925974" cy="700809"/>
-          </a:xfrm>
-          <a:prstGeom prst="donut">
-            <a:avLst>
-              <a:gd name="adj" fmla="val 3237"/>
-            </a:avLst>
-          </a:prstGeom>
-        </p:spPr>
-        <p:style>
-          <a:lnRef idx="2">
-            <a:schemeClr val="accent1">
-              <a:shade val="50000"/>
-            </a:schemeClr>
-          </a:lnRef>
-          <a:fillRef idx="1">
-            <a:schemeClr val="accent1"/>
-          </a:fillRef>
-          <a:effectRef idx="0">
-            <a:schemeClr val="accent1"/>
-          </a:effectRef>
-          <a:fontRef idx="minor">
-            <a:schemeClr val="lt1"/>
-          </a:fontRef>
-        </p:style>
-        <p:txBody>
-          <a:bodyPr rtlCol="0" anchor="ctr"/>
-          <a:lstStyle/>
-          <a:p>
-            <a:pPr algn="ctr"/>
-            <a:endParaRPr lang="en-US">
-              <a:solidFill>
-                <a:schemeClr val="tx1"/>
-              </a:solidFill>
-            </a:endParaRPr>
-          </a:p>
-        </p:txBody>
-      </p:sp>
-      <p:sp>
-        <p:nvSpPr>
-          <p:cNvPr id="10" name="Donut 9"/>
-          <p:cNvSpPr/>
-          <p:nvPr/>
-        </p:nvSpPr>
-        <p:spPr>
-          <a:xfrm>
-            <a:off x="8900932" y="5262297"/>
-            <a:ext cx="843023" cy="652368"/>
-          </a:xfrm>
-          <a:prstGeom prst="donut">
-            <a:avLst>
-              <a:gd name="adj" fmla="val 3237"/>
-            </a:avLst>
-          </a:prstGeom>
-        </p:spPr>
-        <p:style>
-          <a:lnRef idx="2">
-            <a:schemeClr val="accent1">
-              <a:shade val="50000"/>
-            </a:schemeClr>
-          </a:lnRef>
-          <a:fillRef idx="1">
-            <a:schemeClr val="accent1"/>
-          </a:fillRef>
-          <a:effectRef idx="0">
-            <a:schemeClr val="accent1"/>
-          </a:effectRef>
-          <a:fontRef idx="minor">
-            <a:schemeClr val="lt1"/>
-          </a:fontRef>
-        </p:style>
-        <p:txBody>
-          <a:bodyPr rtlCol="0" anchor="ctr"/>
-          <a:lstStyle/>
-          <a:p>
-            <a:pPr algn="ctr"/>
-            <a:endParaRPr lang="en-US">
-              <a:solidFill>
-                <a:schemeClr val="tx1"/>
-              </a:solidFill>
-            </a:endParaRPr>
-          </a:p>
-        </p:txBody>
-      </p:sp>
-    </p:spTree>
-    <p:extLst>
-      <p:ext uri="{BB962C8B-B14F-4D97-AF65-F5344CB8AC3E}">
-        <p14:creationId xmlns:p14="http://schemas.microsoft.com/office/powerpoint/2010/main" val="1511385201"/>
-      </p:ext>
-    </p:extLst>
-  </p:cSld>
-  <p:clrMapOvr>
-    <a:masterClrMapping/>
-  </p:clrMapOvr>
-  <mc:AlternateContent xmlns:mc="http://schemas.openxmlformats.org/markup-compatibility/2006">
-    <mc:Choice xmlns:p14="http://schemas.microsoft.com/office/powerpoint/2010/main" Requires="p14">
-      <p:transition spd="slow" p14:dur="2000"/>
-    </mc:Choice>
-    <mc:Fallback>
-      <p:transition spd="slow"/>
-    </mc:Fallback>
-  </mc:AlternateContent>
-  <p:timing>
-    <p:tnLst>
-      <p:par>
-        <p:cTn id="1" dur="indefinite" restart="never" nodeType="tmRoot"/>
-      </p:par>
-    </p:tnLst>
-  </p:timing>
-</p:sld>
-</file>
-
-<file path=ppt/slides/slide19.xml><?xml version="1.0" encoding="utf-8"?>
-<p:sld xmlns:a="http://schemas.openxmlformats.org/drawingml/2006/main" xmlns:r="http://schemas.openxmlformats.org/officeDocument/2006/relationships" xmlns:p="http://schemas.openxmlformats.org/presentationml/2006/main" show="0">
-  <p:cSld>
-    <p:spTree>
-      <p:nvGrpSpPr>
-        <p:cNvPr id="1" name=""/>
-        <p:cNvGrpSpPr/>
-        <p:nvPr/>
-      </p:nvGrpSpPr>
-      <p:grpSpPr>
-        <a:xfrm>
-          <a:off x="0" y="0"/>
-          <a:ext cx="0" cy="0"/>
-          <a:chOff x="0" y="0"/>
-          <a:chExt cx="0" cy="0"/>
-        </a:xfrm>
-      </p:grpSpPr>
-      <p:pic>
-        <p:nvPicPr>
-          <p:cNvPr id="8" name="Picture 7"/>
-          <p:cNvPicPr>
-            <a:picLocks noChangeAspect="1"/>
-          </p:cNvPicPr>
-          <p:nvPr/>
-        </p:nvPicPr>
-        <p:blipFill>
-          <a:blip r:embed="rId3"/>
-          <a:stretch>
-            <a:fillRect/>
-          </a:stretch>
-        </p:blipFill>
-        <p:spPr>
-          <a:xfrm>
-            <a:off x="7504112" y="3521800"/>
-            <a:ext cx="3276890" cy="2881850"/>
-          </a:xfrm>
-          <a:prstGeom prst="rect">
-            <a:avLst/>
-          </a:prstGeom>
-        </p:spPr>
-      </p:pic>
-      <p:sp>
-        <p:nvSpPr>
-          <p:cNvPr id="2" name="Title 1"/>
-          <p:cNvSpPr>
-            <a:spLocks noGrp="1"/>
-          </p:cNvSpPr>
-          <p:nvPr>
-            <p:ph type="title"/>
-          </p:nvPr>
-        </p:nvSpPr>
-        <p:spPr>
-          <a:xfrm>
-            <a:off x="657896" y="546046"/>
-            <a:ext cx="10515600" cy="1325563"/>
-          </a:xfrm>
-        </p:spPr>
-        <p:txBody>
-          <a:bodyPr>
-            <a:normAutofit fontScale="90000"/>
-          </a:bodyPr>
-          <a:lstStyle/>
-          <a:p>
-            <a:r>
-              <a:rPr lang="en-US" dirty="0" smtClean="0"/>
-              <a:t>ANOVA Table: F-statistic</a:t>
-            </a:r>
-            <a:br>
-              <a:rPr lang="en-US" dirty="0" smtClean="0"/>
-            </a:br>
-            <a:r>
-              <a:rPr lang="en-US" dirty="0" smtClean="0"/>
-              <a:t>comparing 1 group</a:t>
-            </a:r>
-            <a:br>
-              <a:rPr lang="en-US" dirty="0" smtClean="0"/>
-            </a:br>
-            <a:r>
-              <a:rPr lang="en-US" dirty="0" smtClean="0"/>
-              <a:t>to all other groups</a:t>
-            </a:r>
-            <a:endParaRPr lang="en-US" dirty="0"/>
-          </a:p>
-        </p:txBody>
-      </p:sp>
-      <p:sp>
-        <p:nvSpPr>
-          <p:cNvPr id="3" name="Content Placeholder 2"/>
-          <p:cNvSpPr>
-            <a:spLocks noGrp="1"/>
-          </p:cNvSpPr>
-          <p:nvPr>
-            <p:ph idx="1"/>
-          </p:nvPr>
-        </p:nvSpPr>
-        <p:spPr>
-          <a:xfrm>
-            <a:off x="657896" y="2145275"/>
-            <a:ext cx="6077755" cy="4323746"/>
-          </a:xfrm>
-        </p:spPr>
-        <p:txBody>
-          <a:bodyPr>
-            <a:normAutofit/>
-          </a:bodyPr>
-          <a:lstStyle/>
-          <a:p>
-            <a:r>
-              <a:rPr lang="en-US" dirty="0" smtClean="0"/>
-              <a:t>All 1000G 138,000 variants results: </a:t>
-            </a:r>
-          </a:p>
-          <a:p>
-            <a:pPr lvl="1"/>
-            <a:r>
-              <a:rPr lang="en-US" dirty="0" smtClean="0"/>
-              <a:t>Diff group = “AFR”</a:t>
-            </a:r>
-          </a:p>
-          <a:p>
-            <a:pPr lvl="1"/>
-            <a:r>
-              <a:rPr lang="en-US" dirty="0"/>
-              <a:t>F-value = 156.22</a:t>
-            </a:r>
-            <a:br>
-              <a:rPr lang="en-US" dirty="0"/>
-            </a:br>
-            <a:r>
-              <a:rPr lang="en-US" dirty="0"/>
-              <a:t>P(&gt;F)     = </a:t>
-            </a:r>
-            <a:r>
-              <a:rPr lang="en-US" b="1" dirty="0"/>
-              <a:t>5.35 E-12 </a:t>
-            </a:r>
-            <a:r>
-              <a:rPr lang="en-US" dirty="0" smtClean="0"/>
-              <a:t/>
-            </a:r>
-            <a:br>
-              <a:rPr lang="en-US" dirty="0" smtClean="0"/>
-            </a:br>
-            <a:endParaRPr lang="en-US" dirty="0" smtClean="0"/>
-          </a:p>
-          <a:p>
-            <a:r>
-              <a:rPr lang="en-US" dirty="0" smtClean="0"/>
-              <a:t>ClinVar-1000G </a:t>
-            </a:r>
-            <a:r>
-              <a:rPr lang="en-US" dirty="0"/>
-              <a:t>137 variant results: </a:t>
-            </a:r>
-            <a:endParaRPr lang="en-US" dirty="0" smtClean="0"/>
-          </a:p>
-          <a:p>
-            <a:pPr lvl="1"/>
-            <a:r>
-              <a:rPr lang="en-US" dirty="0" smtClean="0"/>
-              <a:t>Diff group = “EAS”</a:t>
-            </a:r>
-            <a:endParaRPr lang="en-US" dirty="0"/>
-          </a:p>
-          <a:p>
-            <a:pPr lvl="1"/>
-            <a:r>
-              <a:rPr lang="en-US" dirty="0"/>
-              <a:t>F-value = 30.869</a:t>
-            </a:r>
-            <a:br>
-              <a:rPr lang="en-US" dirty="0"/>
-            </a:br>
-            <a:r>
-              <a:rPr lang="en-US" dirty="0"/>
-              <a:t>P(&gt;F)     = </a:t>
-            </a:r>
-            <a:r>
-              <a:rPr lang="en-US" b="1" dirty="0">
-                <a:solidFill>
-                  <a:srgbClr val="FF0000"/>
-                </a:solidFill>
-              </a:rPr>
-              <a:t>1.025 E-5</a:t>
-            </a:r>
-            <a:endParaRPr lang="en-US" dirty="0">
-              <a:solidFill>
-                <a:srgbClr val="FF0000"/>
-              </a:solidFill>
-            </a:endParaRPr>
-          </a:p>
-          <a:p>
-            <a:pPr lvl="1"/>
-            <a:endParaRPr lang="en-US" b="1" dirty="0" smtClean="0"/>
-          </a:p>
-        </p:txBody>
-      </p:sp>
-      <p:pic>
-        <p:nvPicPr>
-          <p:cNvPr id="9" name="Picture 8"/>
-          <p:cNvPicPr>
-            <a:picLocks noChangeAspect="1"/>
-          </p:cNvPicPr>
-          <p:nvPr/>
-        </p:nvPicPr>
-        <p:blipFill>
-          <a:blip r:embed="rId4"/>
-          <a:stretch>
-            <a:fillRect/>
-          </a:stretch>
-        </p:blipFill>
-        <p:spPr>
-          <a:xfrm>
-            <a:off x="7453917" y="397999"/>
-            <a:ext cx="3327085" cy="2947221"/>
-          </a:xfrm>
-          <a:prstGeom prst="rect">
-            <a:avLst/>
-          </a:prstGeom>
-        </p:spPr>
-      </p:pic>
-    </p:spTree>
-    <p:extLst>
-      <p:ext uri="{BB962C8B-B14F-4D97-AF65-F5344CB8AC3E}">
-        <p14:creationId xmlns:p14="http://schemas.microsoft.com/office/powerpoint/2010/main" val="1931797742"/>
-      </p:ext>
-    </p:extLst>
-  </p:cSld>
-  <p:clrMapOvr>
-    <a:masterClrMapping/>
-  </p:clrMapOvr>
-  <mc:AlternateContent xmlns:mc="http://schemas.openxmlformats.org/markup-compatibility/2006">
-    <mc:Choice xmlns:p14="http://schemas.microsoft.com/office/powerpoint/2010/main" Requires="p14">
-      <p:transition spd="slow" p14:dur="2000"/>
-    </mc:Choice>
-    <mc:Fallback>
-      <p:transition spd="slow"/>
-    </mc:Fallback>
-  </mc:AlternateContent>
-  <p:timing>
-    <p:tnLst>
-      <p:par>
-        <p:cTn id="1" dur="indefinite" restart="never" nodeType="tmRoot"/>
-      </p:par>
-    </p:tnLst>
-  </p:timing>
-</p:sld>
-</file>
-
-<file path=ppt/slides/slide2.xml><?xml version="1.0" encoding="utf-8"?>
-<p:sld xmlns:a="http://schemas.openxmlformats.org/drawingml/2006/main" xmlns:r="http://schemas.openxmlformats.org/officeDocument/2006/relationships" xmlns:p="http://schemas.openxmlformats.org/presentationml/2006/main">
-  <p:cSld>
-    <p:spTree>
-      <p:nvGrpSpPr>
-        <p:cNvPr id="1" name=""/>
-        <p:cNvGrpSpPr/>
-        <p:nvPr/>
-      </p:nvGrpSpPr>
-      <p:grpSpPr>
-        <a:xfrm>
-          <a:off x="0" y="0"/>
-          <a:ext cx="0" cy="0"/>
-          <a:chOff x="0" y="0"/>
-          <a:chExt cx="0" cy="0"/>
-        </a:xfrm>
-      </p:grpSpPr>
-      <p:sp>
-        <p:nvSpPr>
-          <p:cNvPr id="2" name="Title 1"/>
-          <p:cNvSpPr>
-            <a:spLocks noGrp="1"/>
-          </p:cNvSpPr>
-          <p:nvPr>
-            <p:ph type="title"/>
-          </p:nvPr>
-        </p:nvSpPr>
-        <p:spPr/>
-        <p:txBody>
-          <a:bodyPr/>
-          <a:lstStyle/>
-          <a:p>
-            <a:r>
-              <a:rPr lang="en-US" dirty="0" smtClean="0"/>
-              <a:t>Background</a:t>
-            </a:r>
-            <a:endParaRPr lang="en-US" dirty="0"/>
-          </a:p>
-        </p:txBody>
-      </p:sp>
-      <p:sp>
-        <p:nvSpPr>
-          <p:cNvPr id="3" name="Content Placeholder 2"/>
-          <p:cNvSpPr>
-            <a:spLocks noGrp="1"/>
-          </p:cNvSpPr>
-          <p:nvPr>
-            <p:ph idx="1"/>
-          </p:nvPr>
-        </p:nvSpPr>
-        <p:spPr>
-          <a:xfrm>
-            <a:off x="838200" y="1825625"/>
-            <a:ext cx="10515600" cy="4529455"/>
-          </a:xfrm>
-        </p:spPr>
-        <p:txBody>
-          <a:bodyPr>
-            <a:normAutofit lnSpcReduction="10000"/>
-          </a:bodyPr>
-          <a:lstStyle/>
-          <a:p>
-            <a:r>
-              <a:rPr lang="en-US" b="1" dirty="0" smtClean="0"/>
-              <a:t>ACMG</a:t>
-            </a:r>
-            <a:r>
-              <a:rPr lang="en-US" dirty="0" smtClean="0"/>
-              <a:t>: </a:t>
-            </a:r>
-            <a:br>
-              <a:rPr lang="en-US" dirty="0" smtClean="0"/>
-            </a:br>
-            <a:r>
-              <a:rPr lang="en-US" dirty="0" smtClean="0"/>
-              <a:t>American College of Medical Genetics &amp; Genomics</a:t>
-            </a:r>
-          </a:p>
-          <a:p>
-            <a:r>
-              <a:rPr lang="en-US" b="1" dirty="0" smtClean="0"/>
-              <a:t>Incidental finding</a:t>
-            </a:r>
-            <a:r>
-              <a:rPr lang="en-US" dirty="0" smtClean="0"/>
-              <a:t>: </a:t>
-            </a:r>
-            <a:br>
-              <a:rPr lang="en-US" dirty="0" smtClean="0"/>
-            </a:br>
-            <a:r>
-              <a:rPr lang="en-US" dirty="0"/>
-              <a:t>R</a:t>
-            </a:r>
-            <a:r>
-              <a:rPr lang="en-US" dirty="0" smtClean="0"/>
-              <a:t>esults of a search for pathogenic alternations in genes that are not apparently relevant to a diagnostic indication for which the sequencing test was ordered. </a:t>
-            </a:r>
-          </a:p>
-          <a:p>
-            <a:r>
-              <a:rPr lang="en-US" b="1" dirty="0" smtClean="0"/>
-              <a:t>ACMG-56</a:t>
-            </a:r>
-            <a:r>
-              <a:rPr lang="en-US" dirty="0" smtClean="0"/>
-              <a:t>: </a:t>
-            </a:r>
-            <a:br>
-              <a:rPr lang="en-US" dirty="0" smtClean="0"/>
-            </a:br>
-            <a:r>
-              <a:rPr lang="en-US" dirty="0" smtClean="0"/>
-              <a:t>Set of 56 genes in which pathogenic variants should be reported even when discovered incidentally, as per ACMG recommendations. </a:t>
-            </a:r>
-          </a:p>
-          <a:p>
-            <a:r>
-              <a:rPr lang="en-US" b="1" dirty="0" smtClean="0"/>
-              <a:t>ClinVar</a:t>
-            </a:r>
-            <a:r>
-              <a:rPr lang="en-US" dirty="0" smtClean="0"/>
-              <a:t>: crowd-sourced public archive of reports of human variations and related phenotypes (disease states).</a:t>
-            </a:r>
-            <a:endParaRPr lang="en-US" b="1" dirty="0" smtClean="0"/>
-          </a:p>
-          <a:p>
-            <a:endParaRPr lang="en-US" dirty="0"/>
-          </a:p>
-        </p:txBody>
-      </p:sp>
-    </p:spTree>
-    <p:extLst>
-      <p:ext uri="{BB962C8B-B14F-4D97-AF65-F5344CB8AC3E}">
-        <p14:creationId xmlns:p14="http://schemas.microsoft.com/office/powerpoint/2010/main" val="859414243"/>
-      </p:ext>
-    </p:extLst>
-  </p:cSld>
-  <p:clrMapOvr>
-    <a:masterClrMapping/>
-  </p:clrMapOvr>
-</p:sld>
-</file>
-
-<file path=ppt/slides/slide20.xml><?xml version="1.0" encoding="utf-8"?>
-<p:sld xmlns:a="http://schemas.openxmlformats.org/drawingml/2006/main" xmlns:r="http://schemas.openxmlformats.org/officeDocument/2006/relationships" xmlns:p="http://schemas.openxmlformats.org/presentationml/2006/main">
-  <p:cSld>
-    <p:spTree>
-      <p:nvGrpSpPr>
-        <p:cNvPr id="1" name=""/>
-        <p:cNvGrpSpPr/>
-        <p:nvPr/>
-      </p:nvGrpSpPr>
-      <p:grpSpPr>
-        <a:xfrm>
-          <a:off x="0" y="0"/>
-          <a:ext cx="0" cy="0"/>
-          <a:chOff x="0" y="0"/>
-          <a:chExt cx="0" cy="0"/>
-        </a:xfrm>
-      </p:grpSpPr>
-      <p:sp>
-        <p:nvSpPr>
-          <p:cNvPr id="2" name="Title 1"/>
-          <p:cNvSpPr>
-            <a:spLocks noGrp="1"/>
-          </p:cNvSpPr>
-          <p:nvPr>
-            <p:ph type="title"/>
-          </p:nvPr>
-        </p:nvSpPr>
-        <p:spPr/>
-        <p:txBody>
-          <a:bodyPr>
-            <a:normAutofit/>
-          </a:bodyPr>
-          <a:lstStyle/>
-          <a:p>
-            <a:r>
-              <a:rPr lang="en-US" dirty="0" smtClean="0"/>
-              <a:t>Carrier fraction across 137 ClinVar-1000G variants</a:t>
-            </a:r>
-            <a:endParaRPr lang="en-US" dirty="0"/>
-          </a:p>
-        </p:txBody>
-      </p:sp>
-      <p:pic>
-        <p:nvPicPr>
-          <p:cNvPr id="6" name="Picture 5"/>
-          <p:cNvPicPr>
-            <a:picLocks noChangeAspect="1"/>
-          </p:cNvPicPr>
-          <p:nvPr/>
-        </p:nvPicPr>
-        <p:blipFill>
-          <a:blip r:embed="rId3"/>
-          <a:stretch>
-            <a:fillRect/>
-          </a:stretch>
-        </p:blipFill>
-        <p:spPr>
-          <a:xfrm>
-            <a:off x="5823360" y="1919080"/>
-            <a:ext cx="5844730" cy="4469020"/>
-          </a:xfrm>
-          <a:prstGeom prst="rect">
-            <a:avLst/>
-          </a:prstGeom>
-        </p:spPr>
-      </p:pic>
-      <p:sp>
-        <p:nvSpPr>
-          <p:cNvPr id="7" name="TextBox 6"/>
-          <p:cNvSpPr txBox="1"/>
-          <p:nvPr/>
-        </p:nvSpPr>
-        <p:spPr>
-          <a:xfrm>
-            <a:off x="1216277" y="1976562"/>
-            <a:ext cx="3820016" cy="3170099"/>
-          </a:xfrm>
-          <a:prstGeom prst="rect">
-            <a:avLst/>
-          </a:prstGeom>
-          <a:noFill/>
-        </p:spPr>
-        <p:txBody>
-          <a:bodyPr wrap="square" rtlCol="0">
-            <a:spAutoFit/>
-          </a:bodyPr>
-          <a:lstStyle/>
-          <a:p>
-            <a:r>
-              <a:rPr lang="en-US" sz="2800" b="1" dirty="0" smtClean="0"/>
-              <a:t>50-70% </a:t>
-            </a:r>
-            <a:r>
-              <a:rPr lang="en-US" sz="2400" dirty="0" smtClean="0"/>
-              <a:t>of people would be reported as having some disorder under ACMG guidelines.</a:t>
-            </a:r>
-          </a:p>
-          <a:p>
-            <a:r>
-              <a:rPr lang="en-US" sz="2400" dirty="0" smtClean="0"/>
-              <a:t> </a:t>
-            </a:r>
-          </a:p>
-          <a:p>
-            <a:r>
-              <a:rPr lang="en-US" sz="2400" dirty="0" smtClean="0">
-                <a:solidFill>
-                  <a:srgbClr val="00B050"/>
-                </a:solidFill>
-              </a:rPr>
-              <a:t>EAS (East Asian) </a:t>
-            </a:r>
-            <a:r>
-              <a:rPr lang="en-US" sz="2400" dirty="0" smtClean="0"/>
-              <a:t>groups seem to have the least pathogenic variants in ACMG-56</a:t>
-            </a:r>
-            <a:endParaRPr lang="en-US" sz="2400" dirty="0"/>
-          </a:p>
-        </p:txBody>
-      </p:sp>
-    </p:spTree>
-    <p:extLst>
-      <p:ext uri="{BB962C8B-B14F-4D97-AF65-F5344CB8AC3E}">
-        <p14:creationId xmlns:p14="http://schemas.microsoft.com/office/powerpoint/2010/main" val="226693620"/>
-      </p:ext>
-    </p:extLst>
-  </p:cSld>
-  <p:clrMapOvr>
-    <a:masterClrMapping/>
-  </p:clrMapOvr>
-  <p:timing>
-    <p:tnLst>
-      <p:par>
-        <p:cTn id="1" dur="indefinite" restart="never" nodeType="tmRoot"/>
-      </p:par>
-    </p:tnLst>
-  </p:timing>
-</p:sld>
-</file>
-
-<file path=ppt/slides/slide21.xml><?xml version="1.0" encoding="utf-8"?>
-<p:sld xmlns:a="http://schemas.openxmlformats.org/drawingml/2006/main" xmlns:r="http://schemas.openxmlformats.org/officeDocument/2006/relationships" xmlns:p="http://schemas.openxmlformats.org/presentationml/2006/main">
-  <p:cSld>
-    <p:spTree>
-      <p:nvGrpSpPr>
-        <p:cNvPr id="1" name=""/>
-        <p:cNvGrpSpPr/>
-        <p:nvPr/>
-      </p:nvGrpSpPr>
-      <p:grpSpPr>
-        <a:xfrm>
-          <a:off x="0" y="0"/>
-          <a:ext cx="0" cy="0"/>
-          <a:chOff x="0" y="0"/>
-          <a:chExt cx="0" cy="0"/>
-        </a:xfrm>
-      </p:grpSpPr>
-      <p:sp>
-        <p:nvSpPr>
-          <p:cNvPr id="3" name="Content Placeholder 2"/>
-          <p:cNvSpPr>
-            <a:spLocks noGrp="1"/>
-          </p:cNvSpPr>
-          <p:nvPr>
-            <p:ph idx="1"/>
-          </p:nvPr>
-        </p:nvSpPr>
-        <p:spPr>
-          <a:xfrm>
-            <a:off x="501779" y="692993"/>
-            <a:ext cx="6367372" cy="4713607"/>
-          </a:xfrm>
-        </p:spPr>
-        <p:txBody>
-          <a:bodyPr>
-            <a:noAutofit/>
-          </a:bodyPr>
-          <a:lstStyle/>
-          <a:p>
-            <a:r>
-              <a:rPr lang="en-US" sz="3200" dirty="0" smtClean="0"/>
-              <a:t>ClinVar-1000G Fraction Carriers:</a:t>
-            </a:r>
-            <a:br>
-              <a:rPr lang="en-US" sz="3200" dirty="0" smtClean="0"/>
-            </a:br>
-            <a:r>
-              <a:rPr lang="en-US" sz="3200" dirty="0" smtClean="0"/>
-              <a:t>between each group </a:t>
-            </a:r>
-          </a:p>
-          <a:p>
-            <a:pPr lvl="1"/>
-            <a:r>
-              <a:rPr lang="en-US" sz="2800" dirty="0" smtClean="0"/>
-              <a:t>F-value </a:t>
-            </a:r>
-            <a:r>
-              <a:rPr lang="en-US" sz="2800" dirty="0"/>
-              <a:t>= </a:t>
-            </a:r>
-            <a:r>
-              <a:rPr lang="en-US" sz="2800" dirty="0" smtClean="0"/>
-              <a:t>58.377</a:t>
-            </a:r>
-            <a:r>
-              <a:rPr lang="en-US" sz="2800" dirty="0"/>
-              <a:t/>
-            </a:r>
-            <a:br>
-              <a:rPr lang="en-US" sz="2800" dirty="0"/>
-            </a:br>
-            <a:r>
-              <a:rPr lang="en-US" sz="2800" dirty="0"/>
-              <a:t>P(&gt;F)     = </a:t>
-            </a:r>
-            <a:r>
-              <a:rPr lang="en-US" sz="2800" b="1" dirty="0" smtClean="0"/>
-              <a:t>4.47 E-11</a:t>
-            </a:r>
-            <a:endParaRPr lang="en-US" sz="2800" dirty="0"/>
-          </a:p>
-          <a:p>
-            <a:endParaRPr lang="en-US" sz="3200" dirty="0"/>
-          </a:p>
-          <a:p>
-            <a:endParaRPr lang="en-US" sz="3200" dirty="0" smtClean="0"/>
-          </a:p>
-          <a:p>
-            <a:r>
-              <a:rPr lang="en-US" sz="3200" dirty="0" smtClean="0"/>
-              <a:t>ClinVar-1000G Fraction Carriers: </a:t>
-            </a:r>
-            <a:br>
-              <a:rPr lang="en-US" sz="3200" dirty="0" smtClean="0"/>
-            </a:br>
-            <a:r>
-              <a:rPr lang="en-US" sz="3200" dirty="0" smtClean="0"/>
-              <a:t>between “EAS” and other groups</a:t>
-            </a:r>
-            <a:endParaRPr lang="en-US" sz="3200" dirty="0"/>
-          </a:p>
-          <a:p>
-            <a:pPr lvl="1"/>
-            <a:r>
-              <a:rPr lang="en-US" sz="2800" dirty="0"/>
-              <a:t>Diff group = “EAS”</a:t>
-            </a:r>
-          </a:p>
-          <a:p>
-            <a:pPr lvl="1"/>
-            <a:r>
-              <a:rPr lang="en-US" sz="2800" dirty="0"/>
-              <a:t>F-value = </a:t>
-            </a:r>
-            <a:r>
-              <a:rPr lang="en-US" sz="2800" dirty="0" smtClean="0"/>
-              <a:t>42.359</a:t>
-            </a:r>
-            <a:r>
-              <a:rPr lang="en-US" sz="2800" dirty="0"/>
-              <a:t/>
-            </a:r>
-            <a:br>
-              <a:rPr lang="en-US" sz="2800" dirty="0"/>
-            </a:br>
-            <a:r>
-              <a:rPr lang="en-US" sz="2800" dirty="0"/>
-              <a:t>P(&gt;F)     = </a:t>
-            </a:r>
-            <a:r>
-              <a:rPr lang="en-US" sz="2800" b="1" dirty="0" smtClean="0">
-                <a:solidFill>
-                  <a:srgbClr val="FF0000"/>
-                </a:solidFill>
-              </a:rPr>
-              <a:t>9.90 E-7</a:t>
-            </a:r>
-            <a:endParaRPr lang="en-US" sz="2800" dirty="0">
-              <a:solidFill>
-                <a:srgbClr val="FF0000"/>
-              </a:solidFill>
-            </a:endParaRPr>
-          </a:p>
-          <a:p>
-            <a:pPr lvl="1"/>
-            <a:endParaRPr lang="en-US" sz="2800" b="1" dirty="0" smtClean="0"/>
-          </a:p>
-        </p:txBody>
-      </p:sp>
-      <p:pic>
-        <p:nvPicPr>
-          <p:cNvPr id="4" name="Picture 3"/>
-          <p:cNvPicPr>
-            <a:picLocks noChangeAspect="1"/>
-          </p:cNvPicPr>
-          <p:nvPr/>
-        </p:nvPicPr>
-        <p:blipFill>
-          <a:blip r:embed="rId3"/>
-          <a:stretch>
-            <a:fillRect/>
-          </a:stretch>
-        </p:blipFill>
-        <p:spPr>
-          <a:xfrm>
-            <a:off x="7393567" y="3696738"/>
-            <a:ext cx="2999370" cy="2878119"/>
-          </a:xfrm>
-          <a:prstGeom prst="rect">
-            <a:avLst/>
-          </a:prstGeom>
-        </p:spPr>
-      </p:pic>
-      <p:pic>
-        <p:nvPicPr>
-          <p:cNvPr id="5" name="Picture 4"/>
-          <p:cNvPicPr>
-            <a:picLocks noChangeAspect="1"/>
-          </p:cNvPicPr>
-          <p:nvPr/>
-        </p:nvPicPr>
-        <p:blipFill>
-          <a:blip r:embed="rId4"/>
-          <a:stretch>
-            <a:fillRect/>
-          </a:stretch>
-        </p:blipFill>
-        <p:spPr>
-          <a:xfrm>
-            <a:off x="7393568" y="469968"/>
-            <a:ext cx="2999369" cy="2841175"/>
-          </a:xfrm>
-          <a:prstGeom prst="rect">
-            <a:avLst/>
-          </a:prstGeom>
-        </p:spPr>
-      </p:pic>
-    </p:spTree>
-    <p:extLst>
-      <p:ext uri="{BB962C8B-B14F-4D97-AF65-F5344CB8AC3E}">
-        <p14:creationId xmlns:p14="http://schemas.microsoft.com/office/powerpoint/2010/main" val="1120204041"/>
-      </p:ext>
-    </p:extLst>
-  </p:cSld>
-  <p:clrMapOvr>
-    <a:masterClrMapping/>
-  </p:clrMapOvr>
-  <p:timing>
-    <p:tnLst>
-      <p:par>
-        <p:cTn id="1" dur="indefinite" restart="never" nodeType="tmRoot"/>
-      </p:par>
-    </p:tnLst>
-  </p:timing>
-</p:sld>
-</file>
-
-<file path=ppt/slides/slide22.xml><?xml version="1.0" encoding="utf-8"?>
-<p:sld xmlns:a="http://schemas.openxmlformats.org/drawingml/2006/main" xmlns:r="http://schemas.openxmlformats.org/officeDocument/2006/relationships" xmlns:p="http://schemas.openxmlformats.org/presentationml/2006/main">
-  <p:cSld>
-    <p:spTree>
-      <p:nvGrpSpPr>
-        <p:cNvPr id="1" name=""/>
-        <p:cNvGrpSpPr/>
-        <p:nvPr/>
-      </p:nvGrpSpPr>
-      <p:grpSpPr>
-        <a:xfrm>
-          <a:off x="0" y="0"/>
-          <a:ext cx="0" cy="0"/>
-          <a:chOff x="0" y="0"/>
-          <a:chExt cx="0" cy="0"/>
-        </a:xfrm>
-      </p:grpSpPr>
       <p:sp>
         <p:nvSpPr>
           <p:cNvPr id="2" name="Title 1"/>
@@ -7338,8 +6679,8 @@
             </p:nvSpPr>
             <p:spPr>
               <a:xfrm>
-                <a:off x="685800" y="1531089"/>
-                <a:ext cx="10820400" cy="4922874"/>
+                <a:off x="685800" y="1531088"/>
+                <a:ext cx="10820400" cy="4553827"/>
               </a:xfrm>
             </p:spPr>
             <p:txBody>
@@ -7753,6 +7094,33 @@
                   </a:rPr>
                   <a:t> P(V|D)</a:t>
                 </a:r>
+                <a:br>
+                  <a:rPr lang="en-US" sz="2800" dirty="0" smtClean="0">
+                    <a:latin typeface="+mj-lt"/>
+                    <a:ea typeface="Cambria Math" charset="0"/>
+                    <a:cs typeface="Cambria Math" charset="0"/>
+                  </a:rPr>
+                </a:br>
+                <a:endParaRPr lang="en-US" sz="2800" dirty="0" smtClean="0">
+                  <a:latin typeface="+mj-lt"/>
+                  <a:ea typeface="Cambria Math" charset="0"/>
+                  <a:cs typeface="Cambria Math" charset="0"/>
+                </a:endParaRPr>
+              </a:p>
+              <a:p>
+                <a:r>
+                  <a:rPr lang="en-US" dirty="0" smtClean="0">
+                    <a:latin typeface="+mj-lt"/>
+                    <a:ea typeface="Cambria Math" charset="0"/>
+                    <a:cs typeface="Cambria Math" charset="0"/>
+                  </a:rPr>
+                  <a:t>Set low, high, and point values for these parameters, and simulate the effect on penetrance. </a:t>
+                </a:r>
+                <a:endParaRPr lang="en-US" sz="2800" dirty="0" smtClean="0">
+                  <a:latin typeface="+mj-lt"/>
+                  <a:ea typeface="Cambria Math" charset="0"/>
+                  <a:cs typeface="Cambria Math" charset="0"/>
+                </a:endParaRPr>
               </a:p>
             </p:txBody>
           </p:sp>
@@ -7770,13 +7138,13 @@
             </p:nvSpPr>
             <p:spPr>
               <a:xfrm>
-                <a:off x="685800" y="1531089"/>
-                <a:ext cx="10820400" cy="4922874"/>
+                <a:off x="685800" y="1531088"/>
+                <a:ext cx="10820400" cy="4553827"/>
               </a:xfrm>
               <a:blipFill rotWithShape="0">
                 <a:blip r:embed="rId3"/>
                 <a:stretch>
-                  <a:fillRect l="-1014" t="-1980"/>
+                  <a:fillRect l="-1014" t="-2142" b="-1339"/>
                 </a:stretch>
               </a:blipFill>
             </p:spPr>
@@ -7815,7 +7183,7 @@
 </p:sld>
 </file>
 
-<file path=ppt/slides/slide23.xml><?xml version="1.0" encoding="utf-8"?>
+<file path=ppt/slides/slide18.xml><?xml version="1.0" encoding="utf-8"?>
 <p:sld xmlns:a="http://schemas.openxmlformats.org/drawingml/2006/main" xmlns:r="http://schemas.openxmlformats.org/officeDocument/2006/relationships" xmlns:p="http://schemas.openxmlformats.org/presentationml/2006/main">
   <p:cSld>
     <p:spTree>
@@ -8388,7 +7756,7 @@
 </p:sld>
 </file>
 
-<file path=ppt/slides/slide24.xml><?xml version="1.0" encoding="utf-8"?>
+<file path=ppt/slides/slide19.xml><?xml version="1.0" encoding="utf-8"?>
 <p:sld xmlns:a="http://schemas.openxmlformats.org/drawingml/2006/main" xmlns:r="http://schemas.openxmlformats.org/officeDocument/2006/relationships" xmlns:p="http://schemas.openxmlformats.org/presentationml/2006/main">
   <p:cSld>
     <p:spTree>
@@ -8514,7 +7882,7 @@
 </p:sld>
 </file>
 
-<file path=ppt/slides/slide25.xml><?xml version="1.0" encoding="utf-8"?>
+<file path=ppt/slides/slide2.xml><?xml version="1.0" encoding="utf-8"?>
 <p:sld xmlns:a="http://schemas.openxmlformats.org/drawingml/2006/main" xmlns:r="http://schemas.openxmlformats.org/officeDocument/2006/relationships" xmlns:p="http://schemas.openxmlformats.org/presentationml/2006/main">
   <p:cSld>
     <p:spTree>
@@ -8543,6 +7911,188 @@
         </p:nvSpPr>
         <p:spPr>
           <a:xfrm>
+            <a:off x="579812" y="338470"/>
+            <a:ext cx="10515600" cy="1325563"/>
+          </a:xfrm>
+        </p:spPr>
+        <p:txBody>
+          <a:bodyPr/>
+          <a:lstStyle/>
+          <a:p>
+            <a:r>
+              <a:rPr lang="en-US" dirty="0" smtClean="0"/>
+              <a:t>Background</a:t>
+            </a:r>
+            <a:endParaRPr lang="en-US" dirty="0"/>
+          </a:p>
+        </p:txBody>
+      </p:sp>
+      <p:sp>
+        <p:nvSpPr>
+          <p:cNvPr id="3" name="Content Placeholder 2"/>
+          <p:cNvSpPr>
+            <a:spLocks noGrp="1"/>
+          </p:cNvSpPr>
+          <p:nvPr>
+            <p:ph idx="1"/>
+          </p:nvPr>
+        </p:nvSpPr>
+        <p:spPr>
+          <a:xfrm>
+            <a:off x="579812" y="1664033"/>
+            <a:ext cx="11032375" cy="4529455"/>
+          </a:xfrm>
+        </p:spPr>
+        <p:txBody>
+          <a:bodyPr>
+            <a:normAutofit fontScale="92500"/>
+          </a:bodyPr>
+          <a:lstStyle/>
+          <a:p>
+            <a:r>
+              <a:rPr lang="en-US" b="1" dirty="0" smtClean="0"/>
+              <a:t>ACMG</a:t>
+            </a:r>
+            <a:r>
+              <a:rPr lang="en-US" dirty="0" smtClean="0"/>
+              <a:t>: </a:t>
+            </a:r>
+            <a:br>
+              <a:rPr lang="en-US" dirty="0" smtClean="0"/>
+            </a:br>
+            <a:r>
+              <a:rPr lang="en-US" dirty="0" smtClean="0"/>
+              <a:t>American College of Medical Genetics &amp; Genomics</a:t>
+            </a:r>
+          </a:p>
+          <a:p>
+            <a:r>
+              <a:rPr lang="en-US" b="1" dirty="0" smtClean="0"/>
+              <a:t>Incidental </a:t>
+            </a:r>
+            <a:r>
+              <a:rPr lang="en-US" b="1" dirty="0" smtClean="0"/>
+              <a:t>finding</a:t>
+            </a:r>
+            <a:r>
+              <a:rPr lang="en-US" dirty="0" smtClean="0"/>
+              <a:t>: </a:t>
+            </a:r>
+            <a:br>
+              <a:rPr lang="en-US" dirty="0" smtClean="0"/>
+            </a:br>
+            <a:r>
+              <a:rPr lang="en-US" dirty="0"/>
+              <a:t>R</a:t>
+            </a:r>
+            <a:r>
+              <a:rPr lang="en-US" dirty="0" smtClean="0"/>
+              <a:t>esults of a search for pathogenic alternations in genes that are not apparently relevant to a diagnostic indication for which the sequencing test was ordered. </a:t>
+            </a:r>
+          </a:p>
+          <a:p>
+            <a:r>
+              <a:rPr lang="en-US" b="1" dirty="0" smtClean="0"/>
+              <a:t>ACMG-56</a:t>
+            </a:r>
+            <a:r>
+              <a:rPr lang="en-US" dirty="0" smtClean="0"/>
+              <a:t>: </a:t>
+            </a:r>
+            <a:br>
+              <a:rPr lang="en-US" dirty="0" smtClean="0"/>
+            </a:br>
+            <a:r>
+              <a:rPr lang="en-US" dirty="0" smtClean="0"/>
+              <a:t>According to ACMG recommendations, the set 56 </a:t>
+            </a:r>
+            <a:r>
+              <a:rPr lang="en-US" dirty="0" smtClean="0"/>
+              <a:t>genes in which pathogenic variants should be reported even when discovered </a:t>
+            </a:r>
+            <a:r>
+              <a:rPr lang="en-US" dirty="0" smtClean="0"/>
+              <a:t>incidentally. </a:t>
+            </a:r>
+            <a:endParaRPr lang="en-US" dirty="0" smtClean="0"/>
+          </a:p>
+          <a:p>
+            <a:r>
+              <a:rPr lang="en-US" b="1" dirty="0" smtClean="0"/>
+              <a:t>ClinVar</a:t>
+            </a:r>
+            <a:r>
+              <a:rPr lang="en-US" dirty="0" smtClean="0"/>
+              <a:t>: </a:t>
+            </a:r>
+            <a:r>
+              <a:rPr lang="en-US" dirty="0" smtClean="0"/>
+              <a:t>central repository for interpretations of clinically relevant variants.</a:t>
+            </a:r>
+            <a:endParaRPr lang="en-US" dirty="0"/>
+          </a:p>
+          <a:p>
+            <a:r>
+              <a:rPr lang="en-US" b="1" dirty="0" smtClean="0"/>
+              <a:t>1000 genomes</a:t>
+            </a:r>
+            <a:r>
+              <a:rPr lang="en-US" dirty="0" smtClean="0"/>
+              <a:t>: contains genotype data for 2,504 healthy individuals.</a:t>
+            </a:r>
+            <a:endParaRPr lang="en-US" b="1" dirty="0" smtClean="0"/>
+          </a:p>
+        </p:txBody>
+      </p:sp>
+    </p:spTree>
+    <p:extLst>
+      <p:ext uri="{BB962C8B-B14F-4D97-AF65-F5344CB8AC3E}">
+        <p14:creationId xmlns:p14="http://schemas.microsoft.com/office/powerpoint/2010/main" val="859414243"/>
+      </p:ext>
+    </p:extLst>
+  </p:cSld>
+  <p:clrMapOvr>
+    <a:masterClrMapping/>
+  </p:clrMapOvr>
+  <p:timing>
+    <p:tnLst>
+      <p:par>
+        <p:cTn id="1" dur="indefinite" restart="never" nodeType="tmRoot"/>
+      </p:par>
+    </p:tnLst>
+  </p:timing>
+</p:sld>
+</file>
+
+<file path=ppt/slides/slide20.xml><?xml version="1.0" encoding="utf-8"?>
+<p:sld xmlns:a="http://schemas.openxmlformats.org/drawingml/2006/main" xmlns:r="http://schemas.openxmlformats.org/officeDocument/2006/relationships" xmlns:p="http://schemas.openxmlformats.org/presentationml/2006/main">
+  <p:cSld>
+    <p:spTree>
+      <p:nvGrpSpPr>
+        <p:cNvPr id="1" name=""/>
+        <p:cNvGrpSpPr/>
+        <p:nvPr/>
+      </p:nvGrpSpPr>
+      <p:grpSpPr>
+        <a:xfrm>
+          <a:off x="0" y="0"/>
+          <a:ext cx="0" cy="0"/>
+          <a:chOff x="0" y="0"/>
+          <a:chExt cx="0" cy="0"/>
+        </a:xfrm>
+      </p:grpSpPr>
+      <p:sp>
+        <p:nvSpPr>
+          <p:cNvPr id="2" name="Title 1"/>
+          <p:cNvSpPr>
+            <a:spLocks noGrp="1"/>
+          </p:cNvSpPr>
+          <p:nvPr>
+            <p:ph type="title"/>
+          </p:nvPr>
+        </p:nvSpPr>
+        <p:spPr>
+          <a:xfrm>
             <a:off x="995062" y="384430"/>
             <a:ext cx="8610600" cy="1293028"/>
           </a:xfrm>
@@ -8714,15 +8264,7 @@
             </a:r>
             <a:r>
               <a:rPr lang="en-US" sz="2400" dirty="0" smtClean="0"/>
-              <a:t>key disease </a:t>
-            </a:r>
-            <a:r>
-              <a:rPr lang="en-US" sz="2400" dirty="0" smtClean="0"/>
-              <a:t>tags (substrings and synonyms) after </a:t>
-            </a:r>
-            <a:r>
-              <a:rPr lang="en-US" sz="2400" dirty="0" smtClean="0"/>
-              <a:t>manual curation.</a:t>
+              <a:t>key disease tags (substrings and synonyms) after manual curation.</a:t>
             </a:r>
           </a:p>
           <a:p>
@@ -8790,7 +8332,7 @@
 </p:sld>
 </file>
 
-<file path=ppt/slides/slide26.xml><?xml version="1.0" encoding="utf-8"?>
+<file path=ppt/slides/slide21.xml><?xml version="1.0" encoding="utf-8"?>
 <p:sld xmlns:a="http://schemas.openxmlformats.org/drawingml/2006/main" xmlns:r="http://schemas.openxmlformats.org/officeDocument/2006/relationships" xmlns:p="http://schemas.openxmlformats.org/presentationml/2006/main">
   <p:cSld>
     <p:spTree>
@@ -9241,6 +8783,12 @@
                               </m:sSub>
                             </m:e>
                           </m:d>
+                          <m:r>
+                            <a:rPr lang="en-US" sz="1600" b="0" i="1" smtClean="0">
+                              <a:latin typeface="Cambria Math" charset="0"/>
+                            </a:rPr>
+                            <m:t>)</m:t>
+                          </m:r>
                         </m:e>
                       </m:nary>
                     </m:oMath>
@@ -9261,7 +8809,6 @@
                   <a:rPr lang="en-US" sz="1600" dirty="0"/>
                   <a:t>that the variants are independent. </a:t>
                 </a:r>
-                <a:endParaRPr lang="en-US" sz="1600" dirty="0"/>
               </a:p>
             </p:txBody>
           </p:sp>
@@ -9316,7 +8863,7 @@
             <p:spPr>
               <a:xfrm>
                 <a:off x="6735096" y="5771366"/>
-                <a:ext cx="5182925" cy="830997"/>
+                <a:ext cx="5182925" cy="1569660"/>
               </a:xfrm>
               <a:prstGeom prst="rect">
                 <a:avLst/>
@@ -9328,7 +8875,6 @@
               </a:bodyPr>
               <a:lstStyle/>
               <a:p>
-                <a:pPr/>
                 <a14:m>
                   <m:oMath xmlns:m="http://schemas.openxmlformats.org/officeDocument/2006/math">
                     <m:r>
@@ -9343,7 +8889,7 @@
                     <m:d>
                       <m:dPr>
                         <m:ctrlPr>
-                          <a:rPr lang="en-US" sz="1600" b="0" i="0" smtClean="0">
+                          <a:rPr lang="en-US" sz="1600" b="0" i="1" smtClean="0">
                             <a:latin typeface="Cambria Math" charset="0"/>
                           </a:rPr>
                         </m:ctrlPr>
@@ -9403,9 +8949,31 @@
                 </a:br>
                 <a:r>
                   <a:rPr lang="en-US" sz="1600" dirty="0" smtClean="0"/>
-                  <a:t>*Fewer samples (2504 &lt; 60,000) = lower resolution.</a:t>
+                  <a:t>*Fewer samples (2504 &lt; 60,000) = lower resolution</a:t>
+                </a:r>
+                <a:r>
+                  <a:rPr lang="en-US" sz="1600" dirty="0" smtClean="0"/>
+                  <a:t>.</a:t>
+                </a:r>
+              </a:p>
+              <a:p>
+                <a:r>
+                  <a:rPr lang="en-US" sz="1600" dirty="0" smtClean="0"/>
+                  <a:t>*Many ExAC variants are not in 1000G</a:t>
+                </a:r>
+              </a:p>
+              <a:p>
+                <a:r>
+                  <a:rPr lang="en-US" sz="1600" dirty="0" smtClean="0"/>
+                  <a:t>*Disease status might be different</a:t>
                 </a:r>
                 <a:endParaRPr lang="en-US" sz="1600" dirty="0"/>
+              </a:p>
+              <a:p>
+                <a:r>
+                  <a:rPr lang="en-US" sz="1600" dirty="0" smtClean="0"/>
+                  <a:t>*Sensitivity to which cohort you use. </a:t>
+                </a:r>
               </a:p>
             </p:txBody>
           </p:sp>
@@ -9422,7 +8990,7 @@
             <p:spPr>
               <a:xfrm>
                 <a:off x="6735096" y="5771366"/>
-                <a:ext cx="5182925" cy="830997"/>
+                <a:ext cx="5182925" cy="1569660"/>
               </a:xfrm>
               <a:prstGeom prst="rect">
                 <a:avLst/>
@@ -9430,7 +8998,7 @@
               <a:blipFill rotWithShape="0">
                 <a:blip r:embed="rId6"/>
                 <a:stretch>
-                  <a:fillRect l="-706" t="-36765" b="-8824"/>
+                  <a:fillRect l="-706" t="-19455" b="-4280"/>
                 </a:stretch>
               </a:blipFill>
             </p:spPr>
@@ -9469,7 +9037,7 @@
 </p:sld>
 </file>
 
-<file path=ppt/slides/slide27.xml><?xml version="1.0" encoding="utf-8"?>
+<file path=ppt/slides/slide22.xml><?xml version="1.0" encoding="utf-8"?>
 <p:sld xmlns:a="http://schemas.openxmlformats.org/drawingml/2006/main" xmlns:r="http://schemas.openxmlformats.org/officeDocument/2006/relationships" xmlns:p="http://schemas.openxmlformats.org/presentationml/2006/main">
   <p:cSld>
     <p:spTree>
@@ -9518,8 +9086,8 @@
           </a:p>
         </p:txBody>
       </p:sp>
-      <mc:AlternateContent xmlns:mc="http://schemas.openxmlformats.org/markup-compatibility/2006">
-        <mc:Choice xmlns:a14="http://schemas.microsoft.com/office/drawing/2010/main" Requires="a14">
+      <mc:AlternateContent xmlns:mc="http://schemas.openxmlformats.org/markup-compatibility/2006" xmlns:a14="http://schemas.microsoft.com/office/drawing/2010/main">
+        <mc:Choice Requires="a14">
           <p:sp>
             <p:nvSpPr>
               <p:cNvPr id="8" name="Content Placeholder 7"/>
@@ -9590,7 +9158,7 @@
             </p:txBody>
           </p:sp>
         </mc:Choice>
-        <mc:Fallback>
+        <mc:Fallback xmlns="">
           <p:sp>
             <p:nvSpPr>
               <p:cNvPr id="8" name="Content Placeholder 7"/>
@@ -9607,7 +9175,7 @@
                 <a:ext cx="3670069" cy="2327564"/>
               </a:xfrm>
               <a:blipFill rotWithShape="0">
-                <a:blip r:embed="rId2"/>
+                <a:blip r:embed="rId3"/>
                 <a:stretch>
                   <a:fillRect l="-2326" t="-3665"/>
                 </a:stretch>
@@ -9637,7 +9205,7 @@
           <p:nvPr/>
         </p:nvPicPr>
         <p:blipFill>
-          <a:blip r:embed="rId3"/>
+          <a:blip r:embed="rId4"/>
           <a:stretch>
             <a:fillRect/>
           </a:stretch>
@@ -9672,7 +9240,7 @@
 </p:sld>
 </file>
 
-<file path=ppt/slides/slide28.xml><?xml version="1.0" encoding="utf-8"?>
+<file path=ppt/slides/slide23.xml><?xml version="1.0" encoding="utf-8"?>
 <p:sld xmlns:a="http://schemas.openxmlformats.org/drawingml/2006/main" xmlns:r="http://schemas.openxmlformats.org/officeDocument/2006/relationships" xmlns:p="http://schemas.openxmlformats.org/presentationml/2006/main">
   <p:cSld>
     <p:spTree>
@@ -9714,7 +9282,11 @@
             <a:pPr algn="ctr"/>
             <a:r>
               <a:rPr lang="en-US" dirty="0" smtClean="0"/>
-              <a:t>Rough Penetrance Estimates: ExAC</a:t>
+              <a:t>Rough Penetrance Estimates: </a:t>
+            </a:r>
+            <a:r>
+              <a:rPr lang="en-US" dirty="0" smtClean="0"/>
+              <a:t>ExAC (left) and 1000G (right)</a:t>
             </a:r>
             <a:endParaRPr lang="en-US" dirty="0"/>
           </a:p>
@@ -9768,21 +9340,13 @@
           <a:p>
             <a:r>
               <a:rPr lang="en-US" sz="1600" dirty="0" smtClean="0"/>
-              <a:t>*Penetrance </a:t>
-            </a:r>
+              <a:t>*Penetrance estimates have a similar shape, but are increased because 1000G has fewer individuals.</a:t>
+            </a:r>
+          </a:p>
+          <a:p>
             <a:r>
               <a:rPr lang="en-US" sz="1600" dirty="0" smtClean="0"/>
-              <a:t>estimates have a similar shape, but are increased because 1000G has fewer individuals.</a:t>
-            </a:r>
-          </a:p>
-          <a:p>
-            <a:r>
-              <a:rPr lang="en-US" sz="1600" dirty="0" smtClean="0"/>
-              <a:t>*Some </a:t>
-            </a:r>
-            <a:r>
-              <a:rPr lang="en-US" sz="1600" dirty="0" smtClean="0"/>
-              <a:t>values are </a:t>
+              <a:t>*Some values are </a:t>
             </a:r>
             <a:r>
               <a:rPr lang="en-US" sz="1600" dirty="0" err="1" smtClean="0"/>
@@ -9823,6 +9387,44 @@
           </a:prstGeom>
         </p:spPr>
       </p:pic>
+      <p:sp>
+        <p:nvSpPr>
+          <p:cNvPr id="3" name="TextBox 2"/>
+          <p:cNvSpPr txBox="1"/>
+          <p:nvPr/>
+        </p:nvSpPr>
+        <p:spPr>
+          <a:xfrm>
+            <a:off x="628651" y="5369827"/>
+            <a:ext cx="5257918" cy="1200329"/>
+          </a:xfrm>
+          <a:prstGeom prst="rect">
+            <a:avLst/>
+          </a:prstGeom>
+          <a:noFill/>
+        </p:spPr>
+        <p:txBody>
+          <a:bodyPr wrap="square" rtlCol="0">
+            <a:spAutoFit/>
+          </a:bodyPr>
+          <a:lstStyle/>
+          <a:p>
+            <a:r>
+              <a:rPr lang="en-US" dirty="0" smtClean="0"/>
+              <a:t>_ out of _ diseases have maximum penetrance &lt; 50%</a:t>
+            </a:r>
+          </a:p>
+          <a:p>
+            <a:r>
+              <a:rPr lang="en-US" dirty="0" smtClean="0"/>
+              <a:t>Asterisk those (coverage, representation in datasets), no estimate, assumed 0. </a:t>
+            </a:r>
+          </a:p>
+          <a:p>
+            <a:endParaRPr lang="en-US" dirty="0"/>
+          </a:p>
+        </p:txBody>
+      </p:sp>
     </p:spTree>
     <p:extLst>
       <p:ext uri="{BB962C8B-B14F-4D97-AF65-F5344CB8AC3E}">
@@ -9870,32 +9472,52 @@
             <p:ph type="title"/>
           </p:nvPr>
         </p:nvSpPr>
-        <p:spPr>
-          <a:xfrm>
-            <a:off x="838200" y="365125"/>
-            <a:ext cx="10515600" cy="6052608"/>
-          </a:xfrm>
-        </p:spPr>
+        <p:spPr/>
         <p:txBody>
           <a:bodyPr/>
           <a:lstStyle/>
           <a:p>
-            <a:pPr algn="ctr"/>
-            <a:r>
-              <a:rPr lang="en-US" dirty="0"/>
-              <a:t>1000 Genomes Population </a:t>
-            </a:r>
-            <a:r>
-              <a:rPr lang="en-US" dirty="0"/>
-              <a:t>Analysis Shiny App</a:t>
-            </a:r>
+            <a:r>
+              <a:rPr lang="en-US" dirty="0" smtClean="0"/>
+              <a:t>NEJM figure about importance of ancestry</a:t>
+            </a:r>
+            <a:endParaRPr lang="en-US" dirty="0"/>
+          </a:p>
+        </p:txBody>
+      </p:sp>
+      <p:sp>
+        <p:nvSpPr>
+          <p:cNvPr id="3" name="Content Placeholder 2"/>
+          <p:cNvSpPr>
+            <a:spLocks noGrp="1"/>
+          </p:cNvSpPr>
+          <p:nvPr>
+            <p:ph idx="1"/>
+          </p:nvPr>
+        </p:nvSpPr>
+        <p:spPr/>
+        <p:txBody>
+          <a:bodyPr/>
+          <a:lstStyle/>
+          <a:p>
+            <a:r>
+              <a:rPr lang="en-US" dirty="0" smtClean="0"/>
+              <a:t>Found in Zak lab previously</a:t>
+            </a:r>
+          </a:p>
+          <a:p>
+            <a:r>
+              <a:rPr lang="en-US" dirty="0" smtClean="0"/>
+              <a:t>Looking in diverse populations and in clinically relevant variants </a:t>
+            </a:r>
+            <a:endParaRPr lang="en-US" dirty="0"/>
           </a:p>
         </p:txBody>
       </p:sp>
     </p:spTree>
     <p:extLst>
       <p:ext uri="{BB962C8B-B14F-4D97-AF65-F5344CB8AC3E}">
-        <p14:creationId xmlns:p14="http://schemas.microsoft.com/office/powerpoint/2010/main" val="599241251"/>
+        <p14:creationId xmlns:p14="http://schemas.microsoft.com/office/powerpoint/2010/main" val="279809489"/>
       </p:ext>
     </p:extLst>
   </p:cSld>
@@ -9932,245 +9554,39 @@
             <p:ph type="title"/>
           </p:nvPr>
         </p:nvSpPr>
-        <p:spPr/>
+        <p:spPr>
+          <a:xfrm>
+            <a:off x="838200" y="365125"/>
+            <a:ext cx="10515600" cy="6052608"/>
+          </a:xfrm>
+        </p:spPr>
         <p:txBody>
           <a:bodyPr/>
           <a:lstStyle/>
           <a:p>
-            <a:r>
-              <a:rPr lang="en-US" smtClean="0"/>
-              <a:t>User Interface</a:t>
-            </a:r>
-            <a:endParaRPr lang="en-US"/>
-          </a:p>
-        </p:txBody>
-      </p:sp>
-      <p:pic>
-        <p:nvPicPr>
-          <p:cNvPr id="6" name="Picture 5"/>
-          <p:cNvPicPr>
-            <a:picLocks noChangeAspect="1"/>
-          </p:cNvPicPr>
-          <p:nvPr/>
-        </p:nvPicPr>
-        <p:blipFill rotWithShape="1">
-          <a:blip r:embed="rId2"/>
-          <a:srcRect t="7314"/>
-          <a:stretch/>
-        </p:blipFill>
-        <p:spPr>
-          <a:xfrm>
-            <a:off x="415296" y="1690688"/>
-            <a:ext cx="7528021" cy="4174655"/>
-          </a:xfrm>
-          <a:prstGeom prst="rect">
-            <a:avLst/>
-          </a:prstGeom>
-        </p:spPr>
-      </p:pic>
-      <p:sp>
-        <p:nvSpPr>
-          <p:cNvPr id="3" name="Rectangle 2"/>
-          <p:cNvSpPr/>
-          <p:nvPr/>
-        </p:nvSpPr>
-        <p:spPr>
-          <a:xfrm>
-            <a:off x="8205101" y="1080660"/>
-            <a:ext cx="3571603" cy="3108543"/>
-          </a:xfrm>
-          <a:prstGeom prst="rect">
-            <a:avLst/>
-          </a:prstGeom>
-        </p:spPr>
-        <p:txBody>
-          <a:bodyPr wrap="square">
-            <a:spAutoFit/>
-          </a:bodyPr>
-          <a:lstStyle/>
-          <a:p>
-            <a:r>
-              <a:rPr lang="en-US" sz="2800" dirty="0" smtClean="0">
-                <a:solidFill>
-                  <a:srgbClr val="FF0000"/>
-                </a:solidFill>
-              </a:rPr>
-              <a:t>Input list </a:t>
-            </a:r>
-            <a:r>
-              <a:rPr lang="en-US" sz="2800" dirty="0">
-                <a:solidFill>
-                  <a:srgbClr val="FF0000"/>
-                </a:solidFill>
-              </a:rPr>
-              <a:t>of </a:t>
-            </a:r>
-            <a:r>
-              <a:rPr lang="en-US" sz="2800" dirty="0" smtClean="0">
-                <a:solidFill>
-                  <a:srgbClr val="FF0000"/>
-                </a:solidFill>
-              </a:rPr>
-              <a:t>genes:</a:t>
-            </a:r>
-            <a:br>
-              <a:rPr lang="en-US" sz="2800" dirty="0" smtClean="0">
-                <a:solidFill>
-                  <a:srgbClr val="FF0000"/>
-                </a:solidFill>
-              </a:rPr>
-            </a:br>
-            <a:r>
-              <a:rPr lang="en-US" sz="2400" b="1" dirty="0" smtClean="0"/>
-              <a:t>Option </a:t>
-            </a:r>
-            <a:r>
-              <a:rPr lang="en-US" sz="2400" b="1" dirty="0"/>
-              <a:t>1</a:t>
-            </a:r>
-            <a:r>
-              <a:rPr lang="en-US" sz="2400" dirty="0"/>
-              <a:t>: manual </a:t>
-            </a:r>
-            <a:r>
-              <a:rPr lang="en-US" sz="2400" dirty="0" smtClean="0"/>
-              <a:t>entry</a:t>
-            </a:r>
-            <a:br>
-              <a:rPr lang="en-US" sz="2400" dirty="0" smtClean="0"/>
-            </a:br>
-            <a:r>
-              <a:rPr lang="en-US" sz="2400" b="1" dirty="0" smtClean="0"/>
-              <a:t>Option </a:t>
-            </a:r>
-            <a:r>
-              <a:rPr lang="en-US" sz="2400" b="1" dirty="0"/>
-              <a:t>2</a:t>
-            </a:r>
-            <a:r>
-              <a:rPr lang="en-US" sz="2400" dirty="0"/>
-              <a:t>: upload .</a:t>
-            </a:r>
-            <a:r>
-              <a:rPr lang="en-US" sz="2400" dirty="0" err="1" smtClean="0"/>
-              <a:t>RData</a:t>
-            </a:r>
-            <a:r>
-              <a:rPr lang="en-US" sz="2400" dirty="0" smtClean="0"/>
-              <a:t/>
-            </a:r>
-            <a:br>
-              <a:rPr lang="en-US" sz="2400" dirty="0" smtClean="0"/>
-            </a:br>
-            <a:r>
-              <a:rPr lang="en-US" sz="2400" b="1" dirty="0" smtClean="0"/>
-              <a:t>Option </a:t>
-            </a:r>
-            <a:r>
-              <a:rPr lang="en-US" sz="2400" b="1" dirty="0"/>
-              <a:t>3</a:t>
-            </a:r>
-            <a:r>
-              <a:rPr lang="en-US" sz="2400" dirty="0"/>
-              <a:t>: scrape </a:t>
-            </a:r>
-            <a:r>
-              <a:rPr lang="en-US" sz="2400" dirty="0" smtClean="0"/>
-              <a:t>ACMG-56 from ClinVar website.</a:t>
-            </a:r>
-            <a:br>
-              <a:rPr lang="en-US" sz="2400" dirty="0" smtClean="0"/>
-            </a:br>
-            <a:r>
-              <a:rPr lang="en-US" sz="2400" b="1" dirty="0" smtClean="0"/>
-              <a:t>Option </a:t>
-            </a:r>
-            <a:r>
-              <a:rPr lang="en-US" sz="2400" b="1" dirty="0"/>
-              <a:t>4</a:t>
-            </a:r>
-            <a:r>
-              <a:rPr lang="en-US" sz="2400" dirty="0"/>
-              <a:t>: scrape HCM </a:t>
-            </a:r>
-            <a:r>
-              <a:rPr lang="en-US" sz="2400" dirty="0" smtClean="0"/>
-              <a:t>panel test genes </a:t>
-            </a:r>
-            <a:r>
-              <a:rPr lang="en-US" sz="2400" dirty="0"/>
-              <a:t>from LMM </a:t>
-            </a:r>
-            <a:r>
-              <a:rPr lang="en-US" sz="2400" dirty="0" smtClean="0"/>
-              <a:t>website.</a:t>
-            </a:r>
-            <a:endParaRPr lang="en-US" sz="2400" dirty="0"/>
-          </a:p>
-        </p:txBody>
-      </p:sp>
-      <p:sp>
-        <p:nvSpPr>
-          <p:cNvPr id="5" name="Rectangle 4"/>
-          <p:cNvSpPr/>
-          <p:nvPr/>
-        </p:nvSpPr>
-        <p:spPr>
-          <a:xfrm>
-            <a:off x="8205101" y="4447827"/>
-            <a:ext cx="2987040" cy="1815882"/>
-          </a:xfrm>
-          <a:prstGeom prst="rect">
-            <a:avLst/>
-          </a:prstGeom>
-        </p:spPr>
-        <p:txBody>
-          <a:bodyPr wrap="square">
-            <a:spAutoFit/>
-          </a:bodyPr>
-          <a:lstStyle/>
-          <a:p>
-            <a:r>
-              <a:rPr lang="en-US" sz="2800" dirty="0">
-                <a:solidFill>
-                  <a:srgbClr val="FF0000"/>
-                </a:solidFill>
-              </a:rPr>
-              <a:t>App downloads VCF files from 1000 genomes and generates </a:t>
-            </a:r>
-            <a:r>
-              <a:rPr lang="en-US" sz="2800" dirty="0" smtClean="0">
-                <a:solidFill>
-                  <a:srgbClr val="FF0000"/>
-                </a:solidFill>
-              </a:rPr>
-              <a:t>plots</a:t>
-            </a:r>
-            <a:endParaRPr lang="en-US" sz="2800" dirty="0">
-              <a:solidFill>
-                <a:srgbClr val="FF0000"/>
-              </a:solidFill>
-            </a:endParaRPr>
+            <a:pPr algn="ctr"/>
+            <a:r>
+              <a:rPr lang="en-US" dirty="0"/>
+              <a:t>1000 Genomes Population </a:t>
+            </a:r>
+            <a:r>
+              <a:rPr lang="en-US" dirty="0" smtClean="0"/>
+              <a:t>Analysis</a:t>
+            </a:r>
+            <a:endParaRPr lang="en-US" dirty="0"/>
           </a:p>
         </p:txBody>
       </p:sp>
     </p:spTree>
     <p:extLst>
       <p:ext uri="{BB962C8B-B14F-4D97-AF65-F5344CB8AC3E}">
-        <p14:creationId xmlns:p14="http://schemas.microsoft.com/office/powerpoint/2010/main" val="1393085247"/>
+        <p14:creationId xmlns:p14="http://schemas.microsoft.com/office/powerpoint/2010/main" val="599241251"/>
       </p:ext>
     </p:extLst>
   </p:cSld>
   <p:clrMapOvr>
     <a:masterClrMapping/>
   </p:clrMapOvr>
-  <p:timing>
-    <p:tnLst>
-      <p:par>
-        <p:cTn id="1" dur="indefinite" restart="never" nodeType="tmRoot"/>
-      </p:par>
-    </p:tnLst>
-  </p:timing>
 </p:sld>
 </file>
 
@@ -10203,120 +9619,1202 @@
         </p:nvSpPr>
         <p:spPr>
           <a:xfrm>
-            <a:off x="838200" y="365125"/>
-            <a:ext cx="10568940" cy="1325563"/>
-          </a:xfrm>
-        </p:spPr>
-        <p:txBody>
-          <a:bodyPr>
-            <a:noAutofit/>
-          </a:bodyPr>
-          <a:lstStyle/>
-          <a:p>
-            <a:pPr lvl="1" algn="l" rtl="0">
-              <a:lnSpc>
-                <a:spcPct val="90000"/>
-              </a:lnSpc>
-              <a:spcBef>
-                <a:spcPct val="0"/>
-              </a:spcBef>
-            </a:pPr>
-            <a:r>
-              <a:rPr lang="en-US" sz="3600" dirty="0">
-                <a:latin typeface="+mj-lt"/>
-              </a:rPr>
-              <a:t>Output Plot 1: </a:t>
-            </a:r>
-            <a:r>
-              <a:rPr lang="en-US" sz="3600" dirty="0" smtClean="0">
-                <a:latin typeface="+mj-lt"/>
-              </a:rPr>
+            <a:off x="713651" y="277149"/>
+            <a:ext cx="2522439" cy="1325563"/>
+          </a:xfrm>
+        </p:spPr>
+        <p:txBody>
+          <a:bodyPr/>
+          <a:lstStyle/>
+          <a:p>
+            <a:r>
+              <a:rPr lang="en-US" dirty="0" smtClean="0"/>
+              <a:t>Workflow</a:t>
+            </a:r>
+            <a:endParaRPr lang="en-US" dirty="0"/>
+          </a:p>
+        </p:txBody>
+      </p:sp>
+      <p:sp>
+        <p:nvSpPr>
+          <p:cNvPr id="14" name="Rounded Rectangle 13"/>
+          <p:cNvSpPr/>
+          <p:nvPr/>
+        </p:nvSpPr>
+        <p:spPr>
+          <a:xfrm>
+            <a:off x="4792288" y="424647"/>
+            <a:ext cx="1623060" cy="914400"/>
+          </a:xfrm>
+          <a:prstGeom prst="roundRect">
+            <a:avLst/>
+          </a:prstGeom>
+        </p:spPr>
+        <p:style>
+          <a:lnRef idx="2">
+            <a:schemeClr val="accent2">
+              <a:shade val="50000"/>
+            </a:schemeClr>
+          </a:lnRef>
+          <a:fillRef idx="1">
+            <a:schemeClr val="accent2"/>
+          </a:fillRef>
+          <a:effectRef idx="0">
+            <a:schemeClr val="accent2"/>
+          </a:effectRef>
+          <a:fontRef idx="minor">
+            <a:schemeClr val="lt1"/>
+          </a:fontRef>
+        </p:style>
+        <p:txBody>
+          <a:bodyPr rtlCol="0" anchor="ctr"/>
+          <a:lstStyle/>
+          <a:p>
+            <a:pPr algn="ctr"/>
+            <a:r>
+              <a:rPr lang="en-US" dirty="0" smtClean="0"/>
+              <a:t>Manual Input</a:t>
+            </a:r>
+          </a:p>
+        </p:txBody>
+      </p:sp>
+      <p:sp>
+        <p:nvSpPr>
+          <p:cNvPr id="17" name="Rounded Rectangle 16"/>
+          <p:cNvSpPr/>
+          <p:nvPr/>
+        </p:nvSpPr>
+        <p:spPr>
+          <a:xfrm>
+            <a:off x="5094974" y="1667193"/>
+            <a:ext cx="2876550" cy="914400"/>
+          </a:xfrm>
+          <a:prstGeom prst="roundRect">
+            <a:avLst/>
+          </a:prstGeom>
+        </p:spPr>
+        <p:style>
+          <a:lnRef idx="2">
+            <a:schemeClr val="accent1">
+              <a:shade val="50000"/>
+            </a:schemeClr>
+          </a:lnRef>
+          <a:fillRef idx="1">
+            <a:schemeClr val="accent1"/>
+          </a:fillRef>
+          <a:effectRef idx="0">
+            <a:schemeClr val="accent1"/>
+          </a:effectRef>
+          <a:fontRef idx="minor">
+            <a:schemeClr val="lt1"/>
+          </a:fontRef>
+        </p:style>
+        <p:txBody>
+          <a:bodyPr rtlCol="0" anchor="ctr"/>
+          <a:lstStyle/>
+          <a:p>
+            <a:pPr algn="ctr"/>
+            <a:r>
+              <a:rPr lang="en-US" smtClean="0"/>
+              <a:t>Gene Inputs</a:t>
+            </a:r>
+            <a:endParaRPr lang="en-US" dirty="0" smtClean="0"/>
+          </a:p>
+        </p:txBody>
+      </p:sp>
+      <p:sp>
+        <p:nvSpPr>
+          <p:cNvPr id="21" name="Rounded Rectangle 20"/>
+          <p:cNvSpPr/>
+          <p:nvPr/>
+        </p:nvSpPr>
+        <p:spPr>
+          <a:xfrm>
+            <a:off x="3015780" y="1447801"/>
+            <a:ext cx="1623060" cy="914400"/>
+          </a:xfrm>
+          <a:prstGeom prst="roundRect">
+            <a:avLst/>
+          </a:prstGeom>
+        </p:spPr>
+        <p:style>
+          <a:lnRef idx="2">
+            <a:schemeClr val="accent2">
+              <a:shade val="50000"/>
+            </a:schemeClr>
+          </a:lnRef>
+          <a:fillRef idx="1">
+            <a:schemeClr val="accent2"/>
+          </a:fillRef>
+          <a:effectRef idx="0">
+            <a:schemeClr val="accent2"/>
+          </a:effectRef>
+          <a:fontRef idx="minor">
+            <a:schemeClr val="lt1"/>
+          </a:fontRef>
+        </p:style>
+        <p:txBody>
+          <a:bodyPr rtlCol="0" anchor="ctr"/>
+          <a:lstStyle/>
+          <a:p>
+            <a:pPr algn="ctr"/>
+            <a:r>
+              <a:rPr lang="en-US" dirty="0" smtClean="0"/>
+              <a:t>File Upload </a:t>
+            </a:r>
+            <a:br>
+              <a:rPr lang="en-US" dirty="0" smtClean="0"/>
+            </a:br>
+            <a:r>
+              <a:rPr lang="en-US" dirty="0" smtClean="0"/>
+              <a:t>(.txt, .</a:t>
+            </a:r>
+            <a:r>
+              <a:rPr lang="en-US" dirty="0" err="1" smtClean="0"/>
+              <a:t>Rdata</a:t>
+            </a:r>
+            <a:r>
+              <a:rPr lang="en-US" dirty="0" smtClean="0"/>
+              <a:t>)</a:t>
+            </a:r>
+          </a:p>
+        </p:txBody>
+      </p:sp>
+      <p:sp>
+        <p:nvSpPr>
+          <p:cNvPr id="22" name="Rounded Rectangle 21"/>
+          <p:cNvSpPr/>
+          <p:nvPr/>
+        </p:nvSpPr>
+        <p:spPr>
+          <a:xfrm>
+            <a:off x="6593361" y="427518"/>
+            <a:ext cx="1623060" cy="914400"/>
+          </a:xfrm>
+          <a:prstGeom prst="roundRect">
+            <a:avLst/>
+          </a:prstGeom>
+        </p:spPr>
+        <p:style>
+          <a:lnRef idx="2">
+            <a:schemeClr val="accent2">
+              <a:shade val="50000"/>
+            </a:schemeClr>
+          </a:lnRef>
+          <a:fillRef idx="1">
+            <a:schemeClr val="accent2"/>
+          </a:fillRef>
+          <a:effectRef idx="0">
+            <a:schemeClr val="accent2"/>
+          </a:effectRef>
+          <a:fontRef idx="minor">
+            <a:schemeClr val="lt1"/>
+          </a:fontRef>
+        </p:style>
+        <p:txBody>
+          <a:bodyPr rtlCol="0" anchor="ctr"/>
+          <a:lstStyle/>
+          <a:p>
+            <a:pPr algn="ctr"/>
+            <a:r>
+              <a:rPr lang="en-US" dirty="0" smtClean="0"/>
+              <a:t>Scrape ClinVar</a:t>
+            </a:r>
+            <a:br>
+              <a:rPr lang="en-US" dirty="0" smtClean="0"/>
+            </a:br>
+            <a:r>
+              <a:rPr lang="en-US" dirty="0" smtClean="0"/>
+              <a:t>(ACMG-56)</a:t>
+            </a:r>
+          </a:p>
+        </p:txBody>
+      </p:sp>
+      <p:sp>
+        <p:nvSpPr>
+          <p:cNvPr id="23" name="Rounded Rectangle 22"/>
+          <p:cNvSpPr/>
+          <p:nvPr/>
+        </p:nvSpPr>
+        <p:spPr>
+          <a:xfrm>
+            <a:off x="8394434" y="1447801"/>
+            <a:ext cx="1623060" cy="914400"/>
+          </a:xfrm>
+          <a:prstGeom prst="roundRect">
+            <a:avLst/>
+          </a:prstGeom>
+        </p:spPr>
+        <p:style>
+          <a:lnRef idx="2">
+            <a:schemeClr val="accent2">
+              <a:shade val="50000"/>
+            </a:schemeClr>
+          </a:lnRef>
+          <a:fillRef idx="1">
+            <a:schemeClr val="accent2"/>
+          </a:fillRef>
+          <a:effectRef idx="0">
+            <a:schemeClr val="accent2"/>
+          </a:effectRef>
+          <a:fontRef idx="minor">
+            <a:schemeClr val="lt1"/>
+          </a:fontRef>
+        </p:style>
+        <p:txBody>
+          <a:bodyPr rtlCol="0" anchor="ctr"/>
+          <a:lstStyle/>
+          <a:p>
+            <a:pPr algn="ctr"/>
+            <a:r>
+              <a:rPr lang="en-US" dirty="0" smtClean="0"/>
+              <a:t>Scrape LMM</a:t>
+            </a:r>
+            <a:br>
+              <a:rPr lang="en-US" dirty="0" smtClean="0"/>
+            </a:br>
+            <a:r>
+              <a:rPr lang="en-US" dirty="0" smtClean="0"/>
+              <a:t>(Panel Test)</a:t>
+            </a:r>
+          </a:p>
+        </p:txBody>
+      </p:sp>
+      <p:sp>
+        <p:nvSpPr>
+          <p:cNvPr id="24" name="Rounded Rectangle 23"/>
+          <p:cNvSpPr/>
+          <p:nvPr/>
+        </p:nvSpPr>
+        <p:spPr>
+          <a:xfrm>
+            <a:off x="4025109" y="2820133"/>
+            <a:ext cx="5061573" cy="1152940"/>
+          </a:xfrm>
+          <a:prstGeom prst="roundRect">
+            <a:avLst/>
+          </a:prstGeom>
+        </p:spPr>
+        <p:style>
+          <a:lnRef idx="2">
+            <a:schemeClr val="accent1">
+              <a:shade val="50000"/>
+            </a:schemeClr>
+          </a:lnRef>
+          <a:fillRef idx="1">
+            <a:schemeClr val="accent1"/>
+          </a:fillRef>
+          <a:effectRef idx="0">
+            <a:schemeClr val="accent1"/>
+          </a:effectRef>
+          <a:fontRef idx="minor">
+            <a:schemeClr val="lt1"/>
+          </a:fontRef>
+        </p:style>
+        <p:txBody>
+          <a:bodyPr rtlCol="0" anchor="ctr"/>
+          <a:lstStyle/>
+          <a:p>
+            <a:pPr algn="ctr"/>
+            <a:r>
+              <a:rPr lang="en-US" dirty="0" smtClean="0"/>
+              <a:t>Retrieve Transcription Coordinates from </a:t>
+            </a:r>
+            <a:br>
+              <a:rPr lang="en-US" dirty="0" smtClean="0"/>
+            </a:br>
+            <a:r>
+              <a:rPr lang="en-US" dirty="0" smtClean="0"/>
+              <a:t>UCSC Genome Browser </a:t>
+            </a:r>
+          </a:p>
+        </p:txBody>
+      </p:sp>
+      <p:sp>
+        <p:nvSpPr>
+          <p:cNvPr id="25" name="Rounded Rectangle 24"/>
+          <p:cNvSpPr/>
+          <p:nvPr/>
+        </p:nvSpPr>
+        <p:spPr>
+          <a:xfrm>
+            <a:off x="661769" y="4232600"/>
+            <a:ext cx="8424913" cy="914400"/>
+          </a:xfrm>
+          <a:prstGeom prst="roundRect">
+            <a:avLst/>
+          </a:prstGeom>
+        </p:spPr>
+        <p:style>
+          <a:lnRef idx="2">
+            <a:schemeClr val="accent1">
+              <a:shade val="50000"/>
+            </a:schemeClr>
+          </a:lnRef>
+          <a:fillRef idx="1">
+            <a:schemeClr val="accent1"/>
+          </a:fillRef>
+          <a:effectRef idx="0">
+            <a:schemeClr val="accent1"/>
+          </a:effectRef>
+          <a:fontRef idx="minor">
+            <a:schemeClr val="lt1"/>
+          </a:fontRef>
+        </p:style>
+        <p:txBody>
+          <a:bodyPr rtlCol="0" anchor="ctr"/>
+          <a:lstStyle/>
+          <a:p>
+            <a:pPr algn="ctr"/>
+            <a:r>
+              <a:rPr lang="en-US" dirty="0" smtClean="0"/>
+              <a:t>Download and Process VCF files from 1000 genomes</a:t>
+            </a:r>
+          </a:p>
+        </p:txBody>
+      </p:sp>
+      <p:sp>
+        <p:nvSpPr>
+          <p:cNvPr id="35" name="Right Arrow 34"/>
+          <p:cNvSpPr/>
+          <p:nvPr/>
+        </p:nvSpPr>
+        <p:spPr>
+          <a:xfrm rot="901699">
+            <a:off x="4559669" y="1897249"/>
+            <a:ext cx="647700" cy="205740"/>
+          </a:xfrm>
+          <a:prstGeom prst="rightArrow">
+            <a:avLst/>
+          </a:prstGeom>
+          <a:solidFill>
+            <a:srgbClr val="FFFF00"/>
+          </a:solidFill>
+        </p:spPr>
+        <p:style>
+          <a:lnRef idx="2">
+            <a:schemeClr val="accent1">
+              <a:shade val="50000"/>
+            </a:schemeClr>
+          </a:lnRef>
+          <a:fillRef idx="1">
+            <a:schemeClr val="accent1"/>
+          </a:fillRef>
+          <a:effectRef idx="0">
+            <a:schemeClr val="accent1"/>
+          </a:effectRef>
+          <a:fontRef idx="minor">
+            <a:schemeClr val="lt1"/>
+          </a:fontRef>
+        </p:style>
+        <p:txBody>
+          <a:bodyPr rtlCol="0" anchor="ctr"/>
+          <a:lstStyle/>
+          <a:p>
+            <a:pPr algn="ctr"/>
+            <a:endParaRPr lang="en-US"/>
+          </a:p>
+        </p:txBody>
+      </p:sp>
+      <p:sp>
+        <p:nvSpPr>
+          <p:cNvPr id="36" name="Right Arrow 35"/>
+          <p:cNvSpPr/>
+          <p:nvPr/>
+        </p:nvSpPr>
+        <p:spPr>
+          <a:xfrm rot="3536828">
+            <a:off x="5448531" y="1408133"/>
+            <a:ext cx="647700" cy="205740"/>
+          </a:xfrm>
+          <a:prstGeom prst="rightArrow">
+            <a:avLst/>
+          </a:prstGeom>
+          <a:solidFill>
+            <a:srgbClr val="FFFF00"/>
+          </a:solidFill>
+        </p:spPr>
+        <p:style>
+          <a:lnRef idx="2">
+            <a:schemeClr val="accent1">
+              <a:shade val="50000"/>
+            </a:schemeClr>
+          </a:lnRef>
+          <a:fillRef idx="1">
+            <a:schemeClr val="accent1"/>
+          </a:fillRef>
+          <a:effectRef idx="0">
+            <a:schemeClr val="accent1"/>
+          </a:effectRef>
+          <a:fontRef idx="minor">
+            <a:schemeClr val="lt1"/>
+          </a:fontRef>
+        </p:style>
+        <p:txBody>
+          <a:bodyPr rtlCol="0" anchor="ctr"/>
+          <a:lstStyle/>
+          <a:p>
+            <a:pPr algn="ctr"/>
+            <a:endParaRPr lang="en-US"/>
+          </a:p>
+        </p:txBody>
+      </p:sp>
+      <p:sp>
+        <p:nvSpPr>
+          <p:cNvPr id="40" name="Right Arrow 39"/>
+          <p:cNvSpPr/>
+          <p:nvPr/>
+        </p:nvSpPr>
+        <p:spPr>
+          <a:xfrm rot="20698301" flipH="1">
+            <a:off x="7859128" y="1897250"/>
+            <a:ext cx="647700" cy="205740"/>
+          </a:xfrm>
+          <a:prstGeom prst="rightArrow">
+            <a:avLst/>
+          </a:prstGeom>
+          <a:solidFill>
+            <a:srgbClr val="FFFF00"/>
+          </a:solidFill>
+        </p:spPr>
+        <p:style>
+          <a:lnRef idx="2">
+            <a:schemeClr val="accent1">
+              <a:shade val="50000"/>
+            </a:schemeClr>
+          </a:lnRef>
+          <a:fillRef idx="1">
+            <a:schemeClr val="accent1"/>
+          </a:fillRef>
+          <a:effectRef idx="0">
+            <a:schemeClr val="accent1"/>
+          </a:effectRef>
+          <a:fontRef idx="minor">
+            <a:schemeClr val="lt1"/>
+          </a:fontRef>
+        </p:style>
+        <p:txBody>
+          <a:bodyPr rtlCol="0" anchor="ctr"/>
+          <a:lstStyle/>
+          <a:p>
+            <a:pPr algn="ctr"/>
+            <a:endParaRPr lang="en-US"/>
+          </a:p>
+        </p:txBody>
+      </p:sp>
+      <p:sp>
+        <p:nvSpPr>
+          <p:cNvPr id="41" name="Right Arrow 40"/>
+          <p:cNvSpPr/>
+          <p:nvPr/>
+        </p:nvSpPr>
+        <p:spPr>
+          <a:xfrm rot="5400000">
+            <a:off x="7303926" y="2440572"/>
+            <a:ext cx="647700" cy="445770"/>
+          </a:xfrm>
+          <a:prstGeom prst="rightArrow">
+            <a:avLst/>
+          </a:prstGeom>
+          <a:solidFill>
+            <a:srgbClr val="FFFF00"/>
+          </a:solidFill>
+        </p:spPr>
+        <p:style>
+          <a:lnRef idx="2">
+            <a:schemeClr val="accent1">
+              <a:shade val="50000"/>
+            </a:schemeClr>
+          </a:lnRef>
+          <a:fillRef idx="1">
+            <a:schemeClr val="accent1"/>
+          </a:fillRef>
+          <a:effectRef idx="0">
+            <a:schemeClr val="accent1"/>
+          </a:effectRef>
+          <a:fontRef idx="minor">
+            <a:schemeClr val="lt1"/>
+          </a:fontRef>
+        </p:style>
+        <p:txBody>
+          <a:bodyPr rtlCol="0" anchor="ctr"/>
+          <a:lstStyle/>
+          <a:p>
+            <a:pPr algn="ctr"/>
+            <a:endParaRPr lang="en-US"/>
+          </a:p>
+        </p:txBody>
+      </p:sp>
+      <p:sp>
+        <p:nvSpPr>
+          <p:cNvPr id="42" name="Right Arrow 41"/>
+          <p:cNvSpPr/>
+          <p:nvPr/>
+        </p:nvSpPr>
+        <p:spPr>
+          <a:xfrm rot="5400000">
+            <a:off x="7303926" y="3863283"/>
+            <a:ext cx="647700" cy="445770"/>
+          </a:xfrm>
+          <a:prstGeom prst="rightArrow">
+            <a:avLst/>
+          </a:prstGeom>
+          <a:solidFill>
+            <a:srgbClr val="FFFF00"/>
+          </a:solidFill>
+        </p:spPr>
+        <p:style>
+          <a:lnRef idx="2">
+            <a:schemeClr val="accent1">
+              <a:shade val="50000"/>
+            </a:schemeClr>
+          </a:lnRef>
+          <a:fillRef idx="1">
+            <a:schemeClr val="accent1"/>
+          </a:fillRef>
+          <a:effectRef idx="0">
+            <a:schemeClr val="accent1"/>
+          </a:effectRef>
+          <a:fontRef idx="minor">
+            <a:schemeClr val="lt1"/>
+          </a:fontRef>
+        </p:style>
+        <p:txBody>
+          <a:bodyPr rtlCol="0" anchor="ctr"/>
+          <a:lstStyle/>
+          <a:p>
+            <a:pPr algn="ctr"/>
+            <a:endParaRPr lang="en-US"/>
+          </a:p>
+        </p:txBody>
+      </p:sp>
+      <p:sp>
+        <p:nvSpPr>
+          <p:cNvPr id="45" name="Right Arrow 44"/>
+          <p:cNvSpPr/>
+          <p:nvPr/>
+        </p:nvSpPr>
+        <p:spPr>
+          <a:xfrm rot="18063172" flipH="1">
+            <a:off x="6936635" y="1408134"/>
+            <a:ext cx="647700" cy="205740"/>
+          </a:xfrm>
+          <a:prstGeom prst="rightArrow">
+            <a:avLst/>
+          </a:prstGeom>
+          <a:solidFill>
+            <a:srgbClr val="FFFF00"/>
+          </a:solidFill>
+        </p:spPr>
+        <p:style>
+          <a:lnRef idx="2">
+            <a:schemeClr val="accent1">
+              <a:shade val="50000"/>
+            </a:schemeClr>
+          </a:lnRef>
+          <a:fillRef idx="1">
+            <a:schemeClr val="accent1"/>
+          </a:fillRef>
+          <a:effectRef idx="0">
+            <a:schemeClr val="accent1"/>
+          </a:effectRef>
+          <a:fontRef idx="minor">
+            <a:schemeClr val="lt1"/>
+          </a:fontRef>
+        </p:style>
+        <p:txBody>
+          <a:bodyPr rtlCol="0" anchor="ctr"/>
+          <a:lstStyle/>
+          <a:p>
+            <a:pPr algn="ctr"/>
+            <a:endParaRPr lang="en-US"/>
+          </a:p>
+        </p:txBody>
+      </p:sp>
+      <p:sp>
+        <p:nvSpPr>
+          <p:cNvPr id="46" name="Rounded Rectangle 45"/>
+          <p:cNvSpPr/>
+          <p:nvPr/>
+        </p:nvSpPr>
+        <p:spPr>
+          <a:xfrm>
+            <a:off x="661768" y="5490074"/>
+            <a:ext cx="2585785" cy="914400"/>
+          </a:xfrm>
+          <a:prstGeom prst="roundRect">
+            <a:avLst/>
+          </a:prstGeom>
+          <a:solidFill>
+            <a:srgbClr val="7030A0"/>
+          </a:solidFill>
+        </p:spPr>
+        <p:style>
+          <a:lnRef idx="2">
+            <a:schemeClr val="accent1">
+              <a:shade val="50000"/>
+            </a:schemeClr>
+          </a:lnRef>
+          <a:fillRef idx="1">
+            <a:schemeClr val="accent1"/>
+          </a:fillRef>
+          <a:effectRef idx="0">
+            <a:schemeClr val="accent1"/>
+          </a:effectRef>
+          <a:fontRef idx="minor">
+            <a:schemeClr val="lt1"/>
+          </a:fontRef>
+        </p:style>
+        <p:txBody>
+          <a:bodyPr rtlCol="0" anchor="ctr"/>
+          <a:lstStyle/>
+          <a:p>
+            <a:pPr algn="ctr"/>
+            <a:r>
+              <a:rPr lang="en-US" dirty="0" smtClean="0"/>
+              <a:t>Plot 1: Mean number of non-reference sites by </a:t>
+            </a:r>
+            <a:r>
+              <a:rPr lang="en-US" dirty="0"/>
+              <a:t>population</a:t>
+            </a:r>
+            <a:endParaRPr lang="en-US" dirty="0" smtClean="0"/>
+          </a:p>
+        </p:txBody>
+      </p:sp>
+      <p:sp>
+        <p:nvSpPr>
+          <p:cNvPr id="47" name="Rounded Rectangle 46"/>
+          <p:cNvSpPr/>
+          <p:nvPr/>
+        </p:nvSpPr>
+        <p:spPr>
+          <a:xfrm>
+            <a:off x="3516597" y="5486714"/>
+            <a:ext cx="2765133" cy="914400"/>
+          </a:xfrm>
+          <a:prstGeom prst="roundRect">
+            <a:avLst/>
+          </a:prstGeom>
+          <a:solidFill>
+            <a:srgbClr val="7030A0"/>
+          </a:solidFill>
+        </p:spPr>
+        <p:style>
+          <a:lnRef idx="2">
+            <a:schemeClr val="accent1">
+              <a:shade val="50000"/>
+            </a:schemeClr>
+          </a:lnRef>
+          <a:fillRef idx="1">
+            <a:schemeClr val="accent1"/>
+          </a:fillRef>
+          <a:effectRef idx="0">
+            <a:schemeClr val="accent1"/>
+          </a:effectRef>
+          <a:fontRef idx="minor">
+            <a:schemeClr val="lt1"/>
+          </a:fontRef>
+        </p:style>
+        <p:txBody>
+          <a:bodyPr rtlCol="0" anchor="ctr"/>
+          <a:lstStyle/>
+          <a:p>
+            <a:pPr algn="ctr"/>
+            <a:r>
+              <a:rPr lang="en-US" dirty="0" smtClean="0"/>
+              <a:t>Plot 2: </a:t>
+            </a:r>
+            <a:r>
+              <a:rPr lang="en-US" dirty="0"/>
+              <a:t>Number of </a:t>
+            </a:r>
+            <a:r>
+              <a:rPr lang="en-US" dirty="0" smtClean="0"/>
               <a:t/>
             </a:r>
             <a:br>
-              <a:rPr lang="en-US" sz="3600" dirty="0" smtClean="0">
-                <a:latin typeface="+mj-lt"/>
-              </a:rPr>
+              <a:rPr lang="en-US" dirty="0" smtClean="0"/>
             </a:br>
             <a:r>
-              <a:rPr lang="en-US" sz="3600" dirty="0" smtClean="0">
-                <a:latin typeface="+mj-lt"/>
-              </a:rPr>
-              <a:t>Mean </a:t>
-            </a:r>
-            <a:r>
-              <a:rPr lang="en-US" sz="3600" dirty="0">
-                <a:latin typeface="+mj-lt"/>
-              </a:rPr>
-              <a:t>number of </a:t>
-            </a:r>
-            <a:r>
-              <a:rPr lang="en-US" sz="3600" dirty="0" smtClean="0">
-                <a:latin typeface="+mj-lt"/>
-              </a:rPr>
-              <a:t>non-reference </a:t>
-            </a:r>
-            <a:r>
-              <a:rPr lang="en-US" sz="3600" dirty="0">
-                <a:latin typeface="+mj-lt"/>
-              </a:rPr>
-              <a:t>sites </a:t>
-            </a:r>
-            <a:r>
-              <a:rPr lang="en-US" sz="3600" dirty="0" smtClean="0">
-                <a:latin typeface="+mj-lt"/>
-              </a:rPr>
-              <a:t>by population</a:t>
-            </a:r>
-            <a:endParaRPr lang="en-US" sz="3600" dirty="0">
-              <a:latin typeface="+mj-lt"/>
-            </a:endParaRPr>
+              <a:rPr lang="en-US" dirty="0" smtClean="0"/>
+              <a:t>reference </a:t>
+            </a:r>
+            <a:r>
+              <a:rPr lang="en-US" dirty="0"/>
+              <a:t>sites per </a:t>
+            </a:r>
+            <a:r>
+              <a:rPr lang="en-US" dirty="0" smtClean="0"/>
+              <a:t>nucleotide by gene</a:t>
+            </a:r>
+          </a:p>
+        </p:txBody>
+      </p:sp>
+      <p:sp>
+        <p:nvSpPr>
+          <p:cNvPr id="48" name="Rounded Rectangle 47"/>
+          <p:cNvSpPr/>
+          <p:nvPr/>
+        </p:nvSpPr>
+        <p:spPr>
+          <a:xfrm>
+            <a:off x="6550773" y="5486714"/>
+            <a:ext cx="2535908" cy="914400"/>
+          </a:xfrm>
+          <a:prstGeom prst="roundRect">
+            <a:avLst/>
+          </a:prstGeom>
+          <a:solidFill>
+            <a:srgbClr val="7030A0"/>
+          </a:solidFill>
+        </p:spPr>
+        <p:style>
+          <a:lnRef idx="2">
+            <a:schemeClr val="accent1">
+              <a:shade val="50000"/>
+            </a:schemeClr>
+          </a:lnRef>
+          <a:fillRef idx="1">
+            <a:schemeClr val="accent1"/>
+          </a:fillRef>
+          <a:effectRef idx="0">
+            <a:schemeClr val="accent1"/>
+          </a:effectRef>
+          <a:fontRef idx="minor">
+            <a:schemeClr val="lt1"/>
+          </a:fontRef>
+        </p:style>
+        <p:txBody>
+          <a:bodyPr rtlCol="0" anchor="ctr"/>
+          <a:lstStyle/>
+          <a:p>
+            <a:pPr algn="ctr"/>
+            <a:r>
+              <a:rPr lang="en-US" dirty="0" smtClean="0"/>
+              <a:t>Plot 3: </a:t>
+            </a:r>
+            <a:r>
+              <a:rPr lang="en-US" dirty="0"/>
+              <a:t>Fraction with </a:t>
+            </a:r>
+            <a:r>
+              <a:rPr lang="en-US" dirty="0" smtClean="0"/>
+              <a:t/>
+            </a:r>
+            <a:br>
+              <a:rPr lang="en-US" dirty="0" smtClean="0"/>
+            </a:br>
+            <a:r>
+              <a:rPr lang="en-US" dirty="0" smtClean="0"/>
+              <a:t>at </a:t>
+            </a:r>
+            <a:r>
+              <a:rPr lang="en-US" dirty="0"/>
+              <a:t>least 1 non-reference </a:t>
+            </a:r>
+            <a:r>
+              <a:rPr lang="en-US" dirty="0" smtClean="0"/>
+              <a:t/>
+            </a:r>
+            <a:br>
+              <a:rPr lang="en-US" dirty="0" smtClean="0"/>
+            </a:br>
+            <a:r>
+              <a:rPr lang="en-US" dirty="0" smtClean="0"/>
+              <a:t>site by </a:t>
+            </a:r>
+            <a:r>
+              <a:rPr lang="en-US" dirty="0"/>
+              <a:t>population</a:t>
+            </a:r>
+            <a:endParaRPr lang="en-US" dirty="0" smtClean="0"/>
+          </a:p>
+        </p:txBody>
+      </p:sp>
+      <p:sp>
+        <p:nvSpPr>
+          <p:cNvPr id="50" name="Right Arrow 49"/>
+          <p:cNvSpPr/>
+          <p:nvPr/>
+        </p:nvSpPr>
+        <p:spPr>
+          <a:xfrm rot="5400000">
+            <a:off x="5652536" y="5038156"/>
+            <a:ext cx="647700" cy="445770"/>
+          </a:xfrm>
+          <a:prstGeom prst="rightArrow">
+            <a:avLst/>
+          </a:prstGeom>
+          <a:solidFill>
+            <a:srgbClr val="FFFF00"/>
+          </a:solidFill>
+        </p:spPr>
+        <p:style>
+          <a:lnRef idx="2">
+            <a:schemeClr val="accent1">
+              <a:shade val="50000"/>
+            </a:schemeClr>
+          </a:lnRef>
+          <a:fillRef idx="1">
+            <a:schemeClr val="accent1"/>
+          </a:fillRef>
+          <a:effectRef idx="0">
+            <a:schemeClr val="accent1"/>
+          </a:effectRef>
+          <a:fontRef idx="minor">
+            <a:schemeClr val="lt1"/>
+          </a:fontRef>
+        </p:style>
+        <p:txBody>
+          <a:bodyPr rtlCol="0" anchor="ctr"/>
+          <a:lstStyle/>
+          <a:p>
+            <a:pPr algn="ctr"/>
+            <a:endParaRPr lang="en-US"/>
+          </a:p>
+        </p:txBody>
+      </p:sp>
+      <p:sp>
+        <p:nvSpPr>
+          <p:cNvPr id="51" name="Right Arrow 50"/>
+          <p:cNvSpPr/>
+          <p:nvPr/>
+        </p:nvSpPr>
+        <p:spPr>
+          <a:xfrm rot="5400000">
+            <a:off x="2636510" y="5038156"/>
+            <a:ext cx="647700" cy="445770"/>
+          </a:xfrm>
+          <a:prstGeom prst="rightArrow">
+            <a:avLst/>
+          </a:prstGeom>
+          <a:solidFill>
+            <a:srgbClr val="FFFF00"/>
+          </a:solidFill>
+        </p:spPr>
+        <p:style>
+          <a:lnRef idx="2">
+            <a:schemeClr val="accent1">
+              <a:shade val="50000"/>
+            </a:schemeClr>
+          </a:lnRef>
+          <a:fillRef idx="1">
+            <a:schemeClr val="accent1"/>
+          </a:fillRef>
+          <a:effectRef idx="0">
+            <a:schemeClr val="accent1"/>
+          </a:effectRef>
+          <a:fontRef idx="minor">
+            <a:schemeClr val="lt1"/>
+          </a:fontRef>
+        </p:style>
+        <p:txBody>
+          <a:bodyPr rtlCol="0" anchor="ctr"/>
+          <a:lstStyle/>
+          <a:p>
+            <a:pPr algn="ctr"/>
+            <a:endParaRPr lang="en-US"/>
+          </a:p>
+        </p:txBody>
+      </p:sp>
+      <p:sp>
+        <p:nvSpPr>
+          <p:cNvPr id="52" name="Right Arrow 51"/>
+          <p:cNvSpPr/>
+          <p:nvPr/>
+        </p:nvSpPr>
+        <p:spPr>
+          <a:xfrm rot="5400000">
+            <a:off x="8483738" y="5038156"/>
+            <a:ext cx="647700" cy="445770"/>
+          </a:xfrm>
+          <a:prstGeom prst="rightArrow">
+            <a:avLst/>
+          </a:prstGeom>
+          <a:solidFill>
+            <a:srgbClr val="FFFF00"/>
+          </a:solidFill>
+        </p:spPr>
+        <p:style>
+          <a:lnRef idx="2">
+            <a:schemeClr val="accent1">
+              <a:shade val="50000"/>
+            </a:schemeClr>
+          </a:lnRef>
+          <a:fillRef idx="1">
+            <a:schemeClr val="accent1"/>
+          </a:fillRef>
+          <a:effectRef idx="0">
+            <a:schemeClr val="accent1"/>
+          </a:effectRef>
+          <a:fontRef idx="minor">
+            <a:schemeClr val="lt1"/>
+          </a:fontRef>
+        </p:style>
+        <p:txBody>
+          <a:bodyPr rtlCol="0" anchor="ctr"/>
+          <a:lstStyle/>
+          <a:p>
+            <a:pPr algn="ctr"/>
+            <a:endParaRPr lang="en-US"/>
+          </a:p>
+        </p:txBody>
+      </p:sp>
+      <p:sp>
+        <p:nvSpPr>
+          <p:cNvPr id="53" name="Rounded Rectangle 52"/>
+          <p:cNvSpPr/>
+          <p:nvPr/>
+        </p:nvSpPr>
+        <p:spPr>
+          <a:xfrm>
+            <a:off x="661769" y="2841120"/>
+            <a:ext cx="2720340" cy="1152940"/>
+          </a:xfrm>
+          <a:prstGeom prst="roundRect">
+            <a:avLst/>
+          </a:prstGeom>
+        </p:spPr>
+        <p:style>
+          <a:lnRef idx="2">
+            <a:schemeClr val="accent1">
+              <a:shade val="50000"/>
+            </a:schemeClr>
+          </a:lnRef>
+          <a:fillRef idx="1">
+            <a:schemeClr val="accent1"/>
+          </a:fillRef>
+          <a:effectRef idx="0">
+            <a:schemeClr val="accent1"/>
+          </a:effectRef>
+          <a:fontRef idx="minor">
+            <a:schemeClr val="lt1"/>
+          </a:fontRef>
+        </p:style>
+        <p:txBody>
+          <a:bodyPr rtlCol="0" anchor="ctr"/>
+          <a:lstStyle/>
+          <a:p>
+            <a:pPr algn="ctr"/>
+            <a:r>
+              <a:rPr lang="en-US" dirty="0" smtClean="0"/>
+              <a:t>Download 1000 Genomes Phase 3 Populations Map</a:t>
+            </a:r>
+          </a:p>
+        </p:txBody>
+      </p:sp>
+      <p:sp>
+        <p:nvSpPr>
+          <p:cNvPr id="54" name="Right Arrow 53"/>
+          <p:cNvSpPr/>
+          <p:nvPr/>
+        </p:nvSpPr>
+        <p:spPr>
+          <a:xfrm rot="5400000">
+            <a:off x="2636510" y="3912382"/>
+            <a:ext cx="647700" cy="445770"/>
+          </a:xfrm>
+          <a:prstGeom prst="rightArrow">
+            <a:avLst/>
+          </a:prstGeom>
+          <a:solidFill>
+            <a:srgbClr val="FFFF00"/>
+          </a:solidFill>
+        </p:spPr>
+        <p:style>
+          <a:lnRef idx="2">
+            <a:schemeClr val="accent1">
+              <a:shade val="50000"/>
+            </a:schemeClr>
+          </a:lnRef>
+          <a:fillRef idx="1">
+            <a:schemeClr val="accent1"/>
+          </a:fillRef>
+          <a:effectRef idx="0">
+            <a:schemeClr val="accent1"/>
+          </a:effectRef>
+          <a:fontRef idx="minor">
+            <a:schemeClr val="lt1"/>
+          </a:fontRef>
+        </p:style>
+        <p:txBody>
+          <a:bodyPr rtlCol="0" anchor="ctr"/>
+          <a:lstStyle/>
+          <a:p>
+            <a:pPr algn="ctr"/>
+            <a:endParaRPr lang="en-US"/>
           </a:p>
         </p:txBody>
       </p:sp>
       <p:pic>
         <p:nvPicPr>
-          <p:cNvPr id="4" name="Content Placeholder 3"/>
+          <p:cNvPr id="2050" name="Picture 2" descr="ttps://ncbiinsights.files.wordpress.com/2014/09/gtr_clinvar_medgen-image.png?w=584&amp;h=543"/>
           <p:cNvPicPr>
-            <a:picLocks noGrp="1" noChangeAspect="1"/>
+            <a:picLocks noChangeAspect="1" noChangeArrowheads="1"/>
           </p:cNvPicPr>
-          <p:nvPr>
-            <p:ph idx="1"/>
-          </p:nvPr>
+          <p:nvPr/>
+        </p:nvPicPr>
+        <p:blipFill rotWithShape="1">
+          <a:blip r:embed="rId2">
+            <a:extLst>
+              <a:ext uri="{28A0092B-C50C-407E-A947-70E740481C1C}">
+                <a14:useLocalDpi xmlns:a14="http://schemas.microsoft.com/office/drawing/2010/main" val="0"/>
+              </a:ext>
+            </a:extLst>
+          </a:blip>
+          <a:srcRect l="9105" t="40255" r="44109" b="40433"/>
+          <a:stretch/>
+        </p:blipFill>
+        <p:spPr bwMode="auto">
+          <a:xfrm>
+            <a:off x="8538141" y="563000"/>
+            <a:ext cx="1603718" cy="615482"/>
+          </a:xfrm>
+          <a:prstGeom prst="rect">
+            <a:avLst/>
+          </a:prstGeom>
+          <a:noFill/>
+          <a:extLst>
+            <a:ext uri="{909E8E84-426E-40DD-AFC4-6F175D3DCCD1}">
+              <a14:hiddenFill xmlns:a14="http://schemas.microsoft.com/office/drawing/2010/main">
+                <a:solidFill>
+                  <a:srgbClr val="FFFFFF"/>
+                </a:solidFill>
+              </a14:hiddenFill>
+            </a:ext>
+          </a:extLst>
+        </p:spPr>
+      </p:pic>
+      <p:pic>
+        <p:nvPicPr>
+          <p:cNvPr id="2052" name="Picture 4" descr="ttps://upload.wikimedia.org/wikipedia/commons/thumb/2/22/Partners_HealthCare_logo.svg/800px-Partners_Hea"/>
+          <p:cNvPicPr>
+            <a:picLocks noChangeAspect="1" noChangeArrowheads="1"/>
+          </p:cNvPicPr>
+          <p:nvPr/>
         </p:nvPicPr>
         <p:blipFill>
-          <a:blip r:embed="rId2"/>
+          <a:blip r:embed="rId3">
+            <a:extLst>
+              <a:ext uri="{28A0092B-C50C-407E-A947-70E740481C1C}">
+                <a14:useLocalDpi xmlns:a14="http://schemas.microsoft.com/office/drawing/2010/main" val="0"/>
+              </a:ext>
+            </a:extLst>
+          </a:blip>
+          <a:srcRect/>
           <a:stretch>
             <a:fillRect/>
           </a:stretch>
         </p:blipFill>
-        <p:spPr>
-          <a:xfrm>
-            <a:off x="1066800" y="1690688"/>
-            <a:ext cx="10111740" cy="4548573"/>
+        <p:spPr bwMode="auto">
+          <a:xfrm>
+            <a:off x="10264221" y="1552860"/>
+            <a:ext cx="1547446" cy="630584"/>
           </a:xfrm>
           <a:prstGeom prst="rect">
             <a:avLst/>
           </a:prstGeom>
+          <a:noFill/>
+          <a:extLst>
+            <a:ext uri="{909E8E84-426E-40DD-AFC4-6F175D3DCCD1}">
+              <a14:hiddenFill xmlns:a14="http://schemas.microsoft.com/office/drawing/2010/main">
+                <a:solidFill>
+                  <a:srgbClr val="FFFFFF"/>
+                </a:solidFill>
+              </a14:hiddenFill>
+            </a:ext>
+          </a:extLst>
+        </p:spPr>
+      </p:pic>
+      <p:pic>
+        <p:nvPicPr>
+          <p:cNvPr id="2054" name="Picture 6" descr="ttp://news.ucsc.edu/2014/10/images/browser-logo.jpg?t=0"/>
+          <p:cNvPicPr>
+            <a:picLocks noChangeAspect="1" noChangeArrowheads="1"/>
+          </p:cNvPicPr>
+          <p:nvPr/>
+        </p:nvPicPr>
+        <p:blipFill rotWithShape="1">
+          <a:blip r:embed="rId4">
+            <a:extLst>
+              <a:ext uri="{28A0092B-C50C-407E-A947-70E740481C1C}">
+                <a14:useLocalDpi xmlns:a14="http://schemas.microsoft.com/office/drawing/2010/main" val="0"/>
+              </a:ext>
+            </a:extLst>
+          </a:blip>
+          <a:srcRect t="-1090" r="57439"/>
+          <a:stretch/>
+        </p:blipFill>
+        <p:spPr bwMode="auto">
+          <a:xfrm>
+            <a:off x="9340000" y="3073421"/>
+            <a:ext cx="1474906" cy="561732"/>
+          </a:xfrm>
+          <a:prstGeom prst="rect">
+            <a:avLst/>
+          </a:prstGeom>
+          <a:noFill/>
+          <a:extLst>
+            <a:ext uri="{909E8E84-426E-40DD-AFC4-6F175D3DCCD1}">
+              <a14:hiddenFill xmlns:a14="http://schemas.microsoft.com/office/drawing/2010/main">
+                <a:solidFill>
+                  <a:srgbClr val="FFFFFF"/>
+                </a:solidFill>
+              </a14:hiddenFill>
+            </a:ext>
+          </a:extLst>
+        </p:spPr>
+      </p:pic>
+      <p:pic>
+        <p:nvPicPr>
+          <p:cNvPr id="2056" name="Picture 8" descr="ttps://www.genome.gov/images/content/1000genomes.jpg"/>
+          <p:cNvPicPr>
+            <a:picLocks noChangeAspect="1" noChangeArrowheads="1"/>
+          </p:cNvPicPr>
+          <p:nvPr/>
+        </p:nvPicPr>
+        <p:blipFill rotWithShape="1">
+          <a:blip r:embed="rId5">
+            <a:extLst>
+              <a:ext uri="{28A0092B-C50C-407E-A947-70E740481C1C}">
+                <a14:useLocalDpi xmlns:a14="http://schemas.microsoft.com/office/drawing/2010/main" val="0"/>
+              </a:ext>
+            </a:extLst>
+          </a:blip>
+          <a:srcRect t="6846" b="5771"/>
+          <a:stretch/>
+        </p:blipFill>
+        <p:spPr bwMode="auto">
+          <a:xfrm>
+            <a:off x="9367662" y="4276724"/>
+            <a:ext cx="1419582" cy="826151"/>
+          </a:xfrm>
+          <a:prstGeom prst="rect">
+            <a:avLst/>
+          </a:prstGeom>
+          <a:noFill/>
+          <a:extLst>
+            <a:ext uri="{909E8E84-426E-40DD-AFC4-6F175D3DCCD1}">
+              <a14:hiddenFill xmlns:a14="http://schemas.microsoft.com/office/drawing/2010/main">
+                <a:solidFill>
+                  <a:srgbClr val="FFFFFF"/>
+                </a:solidFill>
+              </a14:hiddenFill>
+            </a:ext>
+          </a:extLst>
         </p:spPr>
       </p:pic>
     </p:spTree>
     <p:extLst>
       <p:ext uri="{BB962C8B-B14F-4D97-AF65-F5344CB8AC3E}">
-        <p14:creationId xmlns:p14="http://schemas.microsoft.com/office/powerpoint/2010/main" val="1373118900"/>
+        <p14:creationId xmlns:p14="http://schemas.microsoft.com/office/powerpoint/2010/main" val="2074897463"/>
       </p:ext>
     </p:extLst>
   </p:cSld>
   <p:clrMapOvr>
     <a:masterClrMapping/>
   </p:clrMapOvr>
-  <p:timing>
-    <p:tnLst>
-      <p:par>
-        <p:cTn id="1" dur="indefinite" restart="never" nodeType="tmRoot"/>
-      </p:par>
-    </p:tnLst>
-  </p:timing>
 </p:sld>
 </file>
 
@@ -10347,80 +10845,194 @@
             <p:ph type="title"/>
           </p:nvPr>
         </p:nvSpPr>
-        <p:spPr/>
+        <p:spPr>
+          <a:xfrm>
+            <a:off x="903965" y="642337"/>
+            <a:ext cx="11288035" cy="1113719"/>
+          </a:xfrm>
+        </p:spPr>
         <p:txBody>
           <a:bodyPr>
-            <a:normAutofit/>
+            <a:normAutofit fontScale="90000"/>
           </a:bodyPr>
           <a:lstStyle/>
           <a:p>
-            <a:pPr lvl="1" algn="l" rtl="0">
-              <a:lnSpc>
-                <a:spcPct val="90000"/>
-              </a:lnSpc>
-              <a:spcBef>
-                <a:spcPct val="0"/>
-              </a:spcBef>
-            </a:pPr>
-            <a:r>
-              <a:rPr lang="en-US" sz="3600" dirty="0">
-                <a:latin typeface="+mj-lt"/>
-              </a:rPr>
-              <a:t>Output Plot 2: </a:t>
+            <a:r>
+              <a:rPr lang="en-US" dirty="0" smtClean="0"/>
+              <a:t>Pretty much all 1000G patients </a:t>
             </a:r>
             <a:br>
-              <a:rPr lang="en-US" sz="3600" dirty="0">
-                <a:latin typeface="+mj-lt"/>
-              </a:rPr>
+              <a:rPr lang="en-US" dirty="0" smtClean="0"/>
             </a:br>
             <a:r>
-              <a:rPr lang="en-US" sz="3600" dirty="0">
-                <a:latin typeface="+mj-lt"/>
-              </a:rPr>
-              <a:t>Number of reference sites per nt for each gene</a:t>
-            </a:r>
-            <a:endParaRPr lang="en-US" sz="3600" dirty="0">
-              <a:latin typeface="+mj-lt"/>
-            </a:endParaRPr>
+              <a:rPr lang="en-US" dirty="0" smtClean="0"/>
+              <a:t>have some variants in each ACMG genes</a:t>
+            </a:r>
+            <a:endParaRPr lang="en-US" dirty="0"/>
           </a:p>
         </p:txBody>
       </p:sp>
       <p:pic>
         <p:nvPicPr>
-          <p:cNvPr id="4" name="Content Placeholder 3"/>
+          <p:cNvPr id="3" name="Picture 2"/>
           <p:cNvPicPr>
-            <a:picLocks noGrp="1" noChangeAspect="1"/>
+            <a:picLocks noChangeAspect="1"/>
           </p:cNvPicPr>
-          <p:nvPr>
-            <p:ph idx="1"/>
-          </p:nvPr>
+          <p:nvPr/>
         </p:nvPicPr>
-        <p:blipFill>
-          <a:blip r:embed="rId2"/>
-          <a:stretch>
-            <a:fillRect/>
-          </a:stretch>
+        <p:blipFill rotWithShape="1">
+          <a:blip r:embed="rId3"/>
+          <a:srcRect b="1049"/>
+          <a:stretch/>
         </p:blipFill>
         <p:spPr>
           <a:xfrm>
-            <a:off x="1218378" y="1825625"/>
-            <a:ext cx="9755244" cy="4351338"/>
+            <a:off x="3143441" y="2190816"/>
+            <a:ext cx="8403516" cy="4071439"/>
           </a:xfrm>
           <a:prstGeom prst="rect">
             <a:avLst/>
           </a:prstGeom>
         </p:spPr>
       </p:pic>
+      <p:sp>
+        <p:nvSpPr>
+          <p:cNvPr id="5" name="Frame 4"/>
+          <p:cNvSpPr/>
+          <p:nvPr/>
+        </p:nvSpPr>
+        <p:spPr>
+          <a:xfrm>
+            <a:off x="11088278" y="5417604"/>
+            <a:ext cx="379611" cy="616761"/>
+          </a:xfrm>
+          <a:prstGeom prst="frame">
+            <a:avLst>
+              <a:gd name="adj1" fmla="val 9851"/>
+            </a:avLst>
+          </a:prstGeom>
+        </p:spPr>
+        <p:style>
+          <a:lnRef idx="2">
+            <a:schemeClr val="accent1">
+              <a:shade val="50000"/>
+            </a:schemeClr>
+          </a:lnRef>
+          <a:fillRef idx="1">
+            <a:schemeClr val="accent1"/>
+          </a:fillRef>
+          <a:effectRef idx="0">
+            <a:schemeClr val="accent1"/>
+          </a:effectRef>
+          <a:fontRef idx="minor">
+            <a:schemeClr val="lt1"/>
+          </a:fontRef>
+        </p:style>
+        <p:txBody>
+          <a:bodyPr rtlCol="0" anchor="ctr"/>
+          <a:lstStyle/>
+          <a:p>
+            <a:pPr algn="ctr"/>
+            <a:endParaRPr lang="en-US">
+              <a:solidFill>
+                <a:schemeClr val="tx1"/>
+              </a:solidFill>
+            </a:endParaRPr>
+          </a:p>
+        </p:txBody>
+      </p:sp>
+      <p:sp>
+        <p:nvSpPr>
+          <p:cNvPr id="4" name="TextBox 3"/>
+          <p:cNvSpPr txBox="1"/>
+          <p:nvPr/>
+        </p:nvSpPr>
+        <p:spPr>
+          <a:xfrm>
+            <a:off x="519005" y="3788433"/>
+            <a:ext cx="2624436" cy="646331"/>
+          </a:xfrm>
+          <a:prstGeom prst="rect">
+            <a:avLst/>
+          </a:prstGeom>
+          <a:noFill/>
+        </p:spPr>
+        <p:txBody>
+          <a:bodyPr wrap="none" rtlCol="0">
+            <a:spAutoFit/>
+          </a:bodyPr>
+          <a:lstStyle/>
+          <a:p>
+            <a:r>
+              <a:rPr lang="en-US" dirty="0" smtClean="0"/>
+              <a:t>Doesn’t differentiate</a:t>
+            </a:r>
+            <a:br>
+              <a:rPr lang="en-US" dirty="0" smtClean="0"/>
+            </a:br>
+            <a:r>
+              <a:rPr lang="en-US" dirty="0" smtClean="0"/>
+              <a:t>benign v. pathogenic</a:t>
+            </a:r>
+            <a:endParaRPr lang="en-US" dirty="0"/>
+          </a:p>
+        </p:txBody>
+      </p:sp>
+      <p:sp>
+        <p:nvSpPr>
+          <p:cNvPr id="6" name="TextBox 5"/>
+          <p:cNvSpPr txBox="1"/>
+          <p:nvPr/>
+        </p:nvSpPr>
+        <p:spPr>
+          <a:xfrm>
+            <a:off x="519005" y="2968051"/>
+            <a:ext cx="2443398" cy="646331"/>
+          </a:xfrm>
+          <a:prstGeom prst="rect">
+            <a:avLst/>
+          </a:prstGeom>
+          <a:noFill/>
+        </p:spPr>
+        <p:txBody>
+          <a:bodyPr wrap="square" rtlCol="0">
+            <a:spAutoFit/>
+          </a:bodyPr>
+          <a:lstStyle/>
+          <a:p>
+            <a:r>
+              <a:rPr lang="en-US" dirty="0" smtClean="0"/>
+              <a:t>Exceptions: </a:t>
+            </a:r>
+            <a:br>
+              <a:rPr lang="en-US" dirty="0" smtClean="0"/>
+            </a:br>
+            <a:r>
+              <a:rPr lang="en-US" dirty="0" smtClean="0"/>
+              <a:t>the 2 shortest genes</a:t>
+            </a:r>
+            <a:endParaRPr lang="en-US" dirty="0"/>
+          </a:p>
+        </p:txBody>
+      </p:sp>
     </p:spTree>
     <p:extLst>
       <p:ext uri="{BB962C8B-B14F-4D97-AF65-F5344CB8AC3E}">
-        <p14:creationId xmlns:p14="http://schemas.microsoft.com/office/powerpoint/2010/main" val="2065562045"/>
+        <p14:creationId xmlns:p14="http://schemas.microsoft.com/office/powerpoint/2010/main" val="767117028"/>
       </p:ext>
     </p:extLst>
   </p:cSld>
   <p:clrMapOvr>
     <a:masterClrMapping/>
   </p:clrMapOvr>
+  <mc:AlternateContent xmlns:mc="http://schemas.openxmlformats.org/markup-compatibility/2006">
+    <mc:Choice xmlns:p14="http://schemas.microsoft.com/office/powerpoint/2010/main" Requires="p14">
+      <p:transition spd="slow" p14:dur="2000"/>
+    </mc:Choice>
+    <mc:Fallback>
+      <p:transition spd="slow"/>
+    </mc:Fallback>
+  </mc:AlternateContent>
   <p:timing>
     <p:tnLst>
       <p:par>
@@ -10460,112 +11072,63 @@
         </p:nvSpPr>
         <p:spPr>
           <a:xfrm>
-            <a:off x="838200" y="548005"/>
-            <a:ext cx="11049000" cy="1325563"/>
+            <a:off x="838200" y="365125"/>
+            <a:ext cx="10515600" cy="6035675"/>
           </a:xfrm>
         </p:spPr>
         <p:txBody>
           <a:bodyPr>
-            <a:noAutofit/>
+            <a:normAutofit/>
           </a:bodyPr>
           <a:lstStyle/>
           <a:p>
-            <a:pPr lvl="1" algn="l" rtl="0">
-              <a:lnSpc>
-                <a:spcPct val="90000"/>
-              </a:lnSpc>
-              <a:spcBef>
-                <a:spcPct val="0"/>
-              </a:spcBef>
-            </a:pPr>
-            <a:r>
-              <a:rPr lang="en-US" sz="3200" dirty="0">
-                <a:latin typeface="+mj-lt"/>
-              </a:rPr>
-              <a:t>Output Plot </a:t>
-            </a:r>
-            <a:r>
-              <a:rPr lang="en-US" sz="3200" dirty="0">
-                <a:latin typeface="+mj-lt"/>
-              </a:rPr>
-              <a:t>3:</a:t>
+            <a:pPr algn="ctr"/>
+            <a:r>
+              <a:rPr lang="en-US" sz="4200" dirty="0" smtClean="0"/>
+              <a:t>Joining </a:t>
+            </a:r>
+            <a:r>
+              <a:rPr lang="en-US" sz="4200" b="1" i="1" dirty="0" smtClean="0"/>
+              <a:t>individual-level </a:t>
+            </a:r>
+            <a:r>
+              <a:rPr lang="en-US" sz="4200" dirty="0" smtClean="0"/>
+              <a:t>data from diverse populations (1000 genomes) </a:t>
             </a:r>
             <a:br>
-              <a:rPr lang="en-US" sz="3200" dirty="0">
-                <a:latin typeface="+mj-lt"/>
-              </a:rPr>
+              <a:rPr lang="en-US" sz="4200" dirty="0" smtClean="0"/>
             </a:br>
             <a:r>
-              <a:rPr lang="en-US" sz="3200" dirty="0">
-                <a:latin typeface="+mj-lt"/>
-              </a:rPr>
-              <a:t>Fraction </a:t>
-            </a:r>
-            <a:r>
-              <a:rPr lang="en-US" sz="3200" dirty="0" smtClean="0">
-                <a:latin typeface="+mj-lt"/>
-              </a:rPr>
+              <a:rPr lang="en-US" sz="4200" dirty="0" smtClean="0"/>
               <a:t>with </a:t>
             </a:r>
             <a:r>
-              <a:rPr lang="en-US" sz="3200" dirty="0">
-                <a:latin typeface="+mj-lt"/>
-              </a:rPr>
-              <a:t>at least 1 non-reference </a:t>
-            </a:r>
-            <a:r>
-              <a:rPr lang="en-US" sz="3200" dirty="0" smtClean="0">
-                <a:latin typeface="+mj-lt"/>
-              </a:rPr>
-              <a:t>site </a:t>
+              <a:rPr lang="en-US" sz="4200" b="1" i="1" dirty="0" smtClean="0"/>
+              <a:t>pathogenicity</a:t>
+            </a:r>
+            <a:r>
+              <a:rPr lang="en-US" sz="4200" dirty="0" smtClean="0"/>
+              <a:t> data </a:t>
+            </a:r>
+            <a:r>
+              <a:rPr lang="en-US" sz="4200" dirty="0" smtClean="0"/>
+              <a:t>(ClinVar)</a:t>
+            </a:r>
+            <a:r>
+              <a:rPr lang="en-US" sz="4200" dirty="0" smtClean="0"/>
+              <a:t/>
             </a:r>
             <a:br>
-              <a:rPr lang="en-US" sz="3200" dirty="0" smtClean="0">
-                <a:latin typeface="+mj-lt"/>
-              </a:rPr>
+              <a:rPr lang="en-US" sz="4200" dirty="0" smtClean="0"/>
             </a:br>
-            <a:r>
-              <a:rPr lang="en-US" sz="3200" dirty="0" smtClean="0">
-                <a:latin typeface="+mj-lt"/>
-              </a:rPr>
-              <a:t>for a specified gene, by population</a:t>
-            </a:r>
-            <a:endParaRPr lang="en-US" sz="3200" dirty="0">
-              <a:latin typeface="+mj-lt"/>
-            </a:endParaRPr>
-          </a:p>
-        </p:txBody>
-      </p:sp>
-      <p:pic>
-        <p:nvPicPr>
-          <p:cNvPr id="4" name="Content Placeholder 3"/>
-          <p:cNvPicPr>
-            <a:picLocks noGrp="1" noChangeAspect="1"/>
-          </p:cNvPicPr>
-          <p:nvPr>
-            <p:ph idx="1"/>
-          </p:nvPr>
-        </p:nvPicPr>
-        <p:blipFill>
-          <a:blip r:embed="rId2"/>
-          <a:stretch>
-            <a:fillRect/>
-          </a:stretch>
-        </p:blipFill>
-        <p:spPr>
-          <a:xfrm>
-            <a:off x="1195518" y="2122805"/>
-            <a:ext cx="9755244" cy="4351338"/>
-          </a:xfrm>
-          <a:prstGeom prst="rect">
-            <a:avLst/>
-          </a:prstGeom>
-        </p:spPr>
-      </p:pic>
+            <a:endParaRPr lang="en-US" sz="4200" dirty="0"/>
+          </a:p>
+        </p:txBody>
+      </p:sp>
     </p:spTree>
     <p:extLst>
       <p:ext uri="{BB962C8B-B14F-4D97-AF65-F5344CB8AC3E}">
-        <p14:creationId xmlns:p14="http://schemas.microsoft.com/office/powerpoint/2010/main" val="1338810592"/>
+        <p14:creationId xmlns:p14="http://schemas.microsoft.com/office/powerpoint/2010/main" val="588371276"/>
       </p:ext>
     </p:extLst>
   </p:cSld>
@@ -10601,152 +11164,339 @@
       </p:grpSpPr>
       <p:sp>
         <p:nvSpPr>
-          <p:cNvPr id="2" name="Title 1"/>
-          <p:cNvSpPr>
-            <a:spLocks noGrp="1"/>
-          </p:cNvSpPr>
-          <p:nvPr>
-            <p:ph type="title"/>
-          </p:nvPr>
-        </p:nvSpPr>
-        <p:spPr>
-          <a:xfrm>
-            <a:off x="805755" y="875630"/>
-            <a:ext cx="8610600" cy="980466"/>
-          </a:xfrm>
-        </p:spPr>
-        <p:txBody>
-          <a:bodyPr/>
-          <a:lstStyle/>
-          <a:p>
-            <a:r>
-              <a:rPr lang="en-US" dirty="0" smtClean="0"/>
-              <a:t>Runtime</a:t>
-            </a:r>
-            <a:endParaRPr lang="en-US" dirty="0"/>
-          </a:p>
-        </p:txBody>
-      </p:sp>
-      <p:pic>
-        <p:nvPicPr>
-          <p:cNvPr id="5" name="Content Placeholder 4"/>
-          <p:cNvPicPr>
-            <a:picLocks noGrp="1" noChangeAspect="1"/>
-          </p:cNvPicPr>
-          <p:nvPr>
-            <p:ph idx="1"/>
-          </p:nvPr>
-        </p:nvPicPr>
-        <p:blipFill rotWithShape="1">
-          <a:blip r:embed="rId3">
-            <a:extLst>
-              <a:ext uri="{28A0092B-C50C-407E-A947-70E740481C1C}">
-                <a14:useLocalDpi xmlns:a14="http://schemas.microsoft.com/office/drawing/2010/main" val="0"/>
-              </a:ext>
-            </a:extLst>
-          </a:blip>
-          <a:srcRect t="13384"/>
-          <a:stretch/>
-        </p:blipFill>
-        <p:spPr>
-          <a:xfrm>
-            <a:off x="6502400" y="1856096"/>
-            <a:ext cx="5362970" cy="4082701"/>
-          </a:xfrm>
-        </p:spPr>
-      </p:pic>
-      <p:sp>
-        <p:nvSpPr>
-          <p:cNvPr id="8" name="Rectangle 7"/>
+          <p:cNvPr id="21" name="Rounded Rectangle 20"/>
           <p:cNvSpPr/>
           <p:nvPr/>
         </p:nvSpPr>
         <p:spPr>
           <a:xfrm>
-            <a:off x="744309" y="1959399"/>
-            <a:ext cx="6096000" cy="1692771"/>
+            <a:off x="8285871" y="3128364"/>
+            <a:ext cx="3638691" cy="914400"/>
+          </a:xfrm>
+          <a:prstGeom prst="roundRect">
+            <a:avLst/>
+          </a:prstGeom>
+          <a:solidFill>
+            <a:schemeClr val="accent1">
+              <a:lumMod val="75000"/>
+            </a:schemeClr>
+          </a:solidFill>
+        </p:spPr>
+        <p:style>
+          <a:lnRef idx="2">
+            <a:schemeClr val="accent1">
+              <a:shade val="50000"/>
+            </a:schemeClr>
+          </a:lnRef>
+          <a:fillRef idx="1">
+            <a:schemeClr val="accent1"/>
+          </a:fillRef>
+          <a:effectRef idx="0">
+            <a:schemeClr val="accent1"/>
+          </a:effectRef>
+          <a:fontRef idx="minor">
+            <a:schemeClr val="lt1"/>
+          </a:fontRef>
+        </p:style>
+        <p:txBody>
+          <a:bodyPr rtlCol="0" anchor="ctr"/>
+          <a:lstStyle/>
+          <a:p>
+            <a:pPr algn="r"/>
+            <a:r>
+              <a:rPr lang="en-US" sz="2400" dirty="0" smtClean="0"/>
+              <a:t>Take only pathogenic  variants in ClinVar</a:t>
+            </a:r>
+          </a:p>
+        </p:txBody>
+      </p:sp>
+      <p:sp>
+        <p:nvSpPr>
+          <p:cNvPr id="2" name="Title 1"/>
+          <p:cNvSpPr>
+            <a:spLocks noGrp="1"/>
+          </p:cNvSpPr>
+          <p:nvPr>
+            <p:ph type="title"/>
+          </p:nvPr>
+        </p:nvSpPr>
+        <p:spPr>
+          <a:xfrm>
+            <a:off x="777922" y="407614"/>
+            <a:ext cx="10866500" cy="1293028"/>
+          </a:xfrm>
+        </p:spPr>
+        <p:txBody>
+          <a:bodyPr>
+            <a:normAutofit/>
+          </a:bodyPr>
+          <a:lstStyle/>
+          <a:p>
+            <a:r>
+              <a:rPr lang="en-US" dirty="0" smtClean="0"/>
+              <a:t>Joining Pathogenic Clinvar Variants with 1000G</a:t>
+            </a:r>
+            <a:endParaRPr lang="en-US" dirty="0"/>
+          </a:p>
+        </p:txBody>
+      </p:sp>
+      <p:sp>
+        <p:nvSpPr>
+          <p:cNvPr id="5" name="TextBox 4"/>
+          <p:cNvSpPr txBox="1"/>
+          <p:nvPr/>
+        </p:nvSpPr>
+        <p:spPr>
+          <a:xfrm>
+            <a:off x="777922" y="1770092"/>
+            <a:ext cx="4916822" cy="3416320"/>
           </a:xfrm>
           <a:prstGeom prst="rect">
             <a:avLst/>
           </a:prstGeom>
-        </p:spPr>
-        <p:txBody>
-          <a:bodyPr>
+          <a:noFill/>
+        </p:spPr>
+        <p:txBody>
+          <a:bodyPr wrap="square" rtlCol="0">
             <a:spAutoFit/>
           </a:bodyPr>
           <a:lstStyle/>
           <a:p>
             <a:r>
-              <a:rPr lang="en-US" sz="3200" dirty="0" smtClean="0">
+              <a:rPr lang="en-US" sz="2400" dirty="0" smtClean="0">
                 <a:solidFill>
                   <a:srgbClr val="FF0000"/>
                 </a:solidFill>
               </a:rPr>
-              <a:t>15-22 </a:t>
-            </a:r>
-            <a:r>
-              <a:rPr lang="en-US" sz="3200" dirty="0">
+              <a:t>1000 genomes: </a:t>
+            </a:r>
+            <a:r>
+              <a:rPr lang="en-US" sz="2400" dirty="0" smtClean="0"/>
+              <a:t/>
+            </a:r>
+            <a:br>
+              <a:rPr lang="en-US" sz="2400" dirty="0" smtClean="0"/>
+            </a:br>
+            <a:r>
+              <a:rPr lang="en-US" sz="2400" dirty="0" smtClean="0"/>
+              <a:t>139,388 unique variants in ACMG-56.</a:t>
+            </a:r>
+          </a:p>
+          <a:p>
+            <a:endParaRPr lang="en-US" sz="2400" dirty="0"/>
+          </a:p>
+          <a:p>
+            <a:r>
+              <a:rPr lang="en-US" sz="2400" dirty="0" smtClean="0">
                 <a:solidFill>
                   <a:srgbClr val="FF0000"/>
                 </a:solidFill>
               </a:rPr>
-              <a:t>seconds per </a:t>
-            </a:r>
-            <a:r>
-              <a:rPr lang="en-US" sz="3200" dirty="0" smtClean="0">
+              <a:t>ClinVar: </a:t>
+            </a:r>
+            <a:r>
+              <a:rPr lang="en-US" sz="2400" dirty="0" smtClean="0"/>
+              <a:t/>
+            </a:r>
+            <a:br>
+              <a:rPr lang="en-US" sz="2400" dirty="0" smtClean="0"/>
+            </a:br>
+            <a:r>
+              <a:rPr lang="en-US" sz="2400" dirty="0" smtClean="0"/>
+              <a:t>8,441 unique pathogenic variants</a:t>
+            </a:r>
+            <a:r>
+              <a:rPr lang="en-US" sz="2400" dirty="0"/>
+              <a:t> </a:t>
+            </a:r>
+            <a:r>
+              <a:rPr lang="en-US" sz="2400" dirty="0" smtClean="0"/>
+              <a:t>across 27,000 </a:t>
+            </a:r>
+            <a:r>
+              <a:rPr lang="en-US" sz="2400" dirty="0" smtClean="0"/>
+              <a:t>genes</a:t>
+            </a:r>
+          </a:p>
+          <a:p>
+            <a:endParaRPr lang="en-US" sz="2400" dirty="0"/>
+          </a:p>
+          <a:p>
+            <a:r>
+              <a:rPr lang="en-US" sz="2400" dirty="0" smtClean="0">
                 <a:solidFill>
                   <a:srgbClr val="FF0000"/>
                 </a:solidFill>
               </a:rPr>
-              <a:t>gene: </a:t>
-            </a:r>
-            <a:endParaRPr lang="en-US" sz="3200" dirty="0">
-              <a:solidFill>
-                <a:srgbClr val="FF0000"/>
-              </a:solidFill>
-            </a:endParaRPr>
-          </a:p>
-          <a:p>
-            <a:pPr lvl="1"/>
+              <a:t>Intersection: </a:t>
+            </a:r>
             <a:r>
               <a:rPr lang="en-US" sz="2400" dirty="0" smtClean="0"/>
-              <a:t>1. Depends </a:t>
-            </a:r>
-            <a:r>
-              <a:rPr lang="en-US" sz="2400" dirty="0"/>
-              <a:t>on gene </a:t>
-            </a:r>
-            <a:r>
+              <a:t/>
+            </a:r>
+            <a:br>
               <a:rPr lang="en-US" sz="2400" dirty="0" smtClean="0"/>
-              <a:t>length.</a:t>
+            </a:br>
+            <a:r>
+              <a:rPr lang="en-US" sz="2400" dirty="0" smtClean="0"/>
+              <a:t>137 unique variants </a:t>
+            </a:r>
+            <a:r>
+              <a:rPr lang="en-US" sz="2400" dirty="0" smtClean="0"/>
+              <a:t>in </a:t>
+            </a:r>
+            <a:r>
+              <a:rPr lang="en-US" sz="2400" dirty="0" smtClean="0"/>
+              <a:t>both </a:t>
+            </a:r>
+            <a:r>
+              <a:rPr lang="en-US" sz="2400" dirty="0" smtClean="0"/>
+              <a:t>datasets</a:t>
             </a:r>
             <a:endParaRPr lang="en-US" sz="2400" dirty="0"/>
           </a:p>
-          <a:p>
-            <a:pPr lvl="1"/>
+        </p:txBody>
+      </p:sp>
+      <p:sp>
+        <p:nvSpPr>
+          <p:cNvPr id="17" name="Rounded Rectangle 16"/>
+          <p:cNvSpPr/>
+          <p:nvPr/>
+        </p:nvSpPr>
+        <p:spPr>
+          <a:xfrm>
+            <a:off x="6023141" y="1770092"/>
+            <a:ext cx="3246420" cy="928163"/>
+          </a:xfrm>
+          <a:prstGeom prst="roundRect">
+            <a:avLst/>
+          </a:prstGeom>
+        </p:spPr>
+        <p:style>
+          <a:lnRef idx="2">
+            <a:schemeClr val="accent1">
+              <a:shade val="50000"/>
+            </a:schemeClr>
+          </a:lnRef>
+          <a:fillRef idx="1">
+            <a:schemeClr val="accent1"/>
+          </a:fillRef>
+          <a:effectRef idx="0">
+            <a:schemeClr val="accent1"/>
+          </a:effectRef>
+          <a:fontRef idx="minor">
+            <a:schemeClr val="lt1"/>
+          </a:fontRef>
+        </p:style>
+        <p:txBody>
+          <a:bodyPr rtlCol="0" anchor="ctr"/>
+          <a:lstStyle/>
+          <a:p>
+            <a:pPr algn="r"/>
             <a:r>
               <a:rPr lang="en-US" sz="2400" dirty="0" smtClean="0"/>
-              <a:t>2. Under 1 sec / gene with file upload</a:t>
-            </a:r>
+              <a:t>140,000 variants in 1000 genomes</a:t>
+            </a:r>
+          </a:p>
+        </p:txBody>
+      </p:sp>
+      <p:sp>
+        <p:nvSpPr>
+          <p:cNvPr id="18" name="Rounded Rectangle 17"/>
+          <p:cNvSpPr/>
+          <p:nvPr/>
+        </p:nvSpPr>
+        <p:spPr>
+          <a:xfrm>
+            <a:off x="6023141" y="4472873"/>
+            <a:ext cx="3246420" cy="914400"/>
+          </a:xfrm>
+          <a:prstGeom prst="roundRect">
+            <a:avLst/>
+          </a:prstGeom>
+        </p:spPr>
+        <p:style>
+          <a:lnRef idx="2">
+            <a:schemeClr val="accent1">
+              <a:shade val="50000"/>
+            </a:schemeClr>
+          </a:lnRef>
+          <a:fillRef idx="1">
+            <a:schemeClr val="accent1"/>
+          </a:fillRef>
+          <a:effectRef idx="0">
+            <a:schemeClr val="accent1"/>
+          </a:effectRef>
+          <a:fontRef idx="minor">
+            <a:schemeClr val="lt1"/>
+          </a:fontRef>
+        </p:style>
+        <p:txBody>
+          <a:bodyPr rtlCol="0" anchor="ctr"/>
+          <a:lstStyle/>
+          <a:p>
+            <a:pPr algn="r"/>
             <a:r>
               <a:rPr lang="en-US" sz="2400" dirty="0" smtClean="0"/>
-              <a:t>.</a:t>
-            </a:r>
-          </a:p>
-          <a:p>
-            <a:pPr lvl="1"/>
-            <a:r>
+              <a:t>137 pathogenic </a:t>
+            </a:r>
+            <a:br>
               <a:rPr lang="en-US" sz="2400" dirty="0" smtClean="0"/>
-              <a:t>3. 20,000 genes in 3-4 days</a:t>
-            </a:r>
-            <a:endParaRPr lang="en-US" sz="2400" dirty="0"/>
+            </a:br>
+            <a:r>
+              <a:rPr lang="en-US" sz="2400" dirty="0" smtClean="0"/>
+              <a:t>ACMG-56 variants</a:t>
+            </a:r>
+          </a:p>
+        </p:txBody>
+      </p:sp>
+      <p:sp>
+        <p:nvSpPr>
+          <p:cNvPr id="19" name="Right Arrow 18"/>
+          <p:cNvSpPr/>
+          <p:nvPr/>
+        </p:nvSpPr>
+        <p:spPr>
+          <a:xfrm rot="5400000">
+            <a:off x="7679482" y="3412169"/>
+            <a:ext cx="2320455" cy="467901"/>
+          </a:xfrm>
+          <a:prstGeom prst="rightArrow">
+            <a:avLst/>
+          </a:prstGeom>
+          <a:solidFill>
+            <a:srgbClr val="FFFF00"/>
+          </a:solidFill>
+        </p:spPr>
+        <p:style>
+          <a:lnRef idx="2">
+            <a:schemeClr val="accent1">
+              <a:shade val="50000"/>
+            </a:schemeClr>
+          </a:lnRef>
+          <a:fillRef idx="1">
+            <a:schemeClr val="accent1"/>
+          </a:fillRef>
+          <a:effectRef idx="0">
+            <a:schemeClr val="accent1"/>
+          </a:effectRef>
+          <a:fontRef idx="minor">
+            <a:schemeClr val="lt1"/>
+          </a:fontRef>
+        </p:style>
+        <p:txBody>
+          <a:bodyPr rtlCol="0" anchor="ctr"/>
+          <a:lstStyle/>
+          <a:p>
+            <a:pPr algn="ctr"/>
+            <a:endParaRPr lang="en-US"/>
           </a:p>
         </p:txBody>
       </p:sp>
     </p:spTree>
     <p:extLst>
       <p:ext uri="{BB962C8B-B14F-4D97-AF65-F5344CB8AC3E}">
-        <p14:creationId xmlns:p14="http://schemas.microsoft.com/office/powerpoint/2010/main" val="852935010"/>
+        <p14:creationId xmlns:p14="http://schemas.microsoft.com/office/powerpoint/2010/main" val="2049117130"/>
       </p:ext>
     </p:extLst>
   </p:cSld>
@@ -10792,26 +11542,139 @@
         </p:nvSpPr>
         <p:spPr>
           <a:xfrm>
-            <a:off x="838200" y="365125"/>
-            <a:ext cx="10515600" cy="5934075"/>
-          </a:xfrm>
-        </p:spPr>
-        <p:txBody>
-          <a:bodyPr/>
-          <a:lstStyle/>
-          <a:p>
-            <a:r>
-              <a:rPr lang="en-US" dirty="0" smtClean="0"/>
-              <a:t>Exploring the ACMG-recommended incidental report genes in 1000 genomes data </a:t>
+            <a:off x="777922" y="407614"/>
+            <a:ext cx="10866500" cy="1293028"/>
+          </a:xfrm>
+        </p:spPr>
+        <p:txBody>
+          <a:bodyPr>
+            <a:normAutofit fontScale="90000"/>
+          </a:bodyPr>
+          <a:lstStyle/>
+          <a:p>
+            <a:r>
+              <a:rPr lang="en-US" dirty="0" smtClean="0"/>
+              <a:t>Pathogenic ACMG-56 Variants by Gene and Disease</a:t>
             </a:r>
             <a:endParaRPr lang="en-US" dirty="0"/>
           </a:p>
         </p:txBody>
       </p:sp>
+      <p:pic>
+        <p:nvPicPr>
+          <p:cNvPr id="4" name="Content Placeholder 3"/>
+          <p:cNvPicPr>
+            <a:picLocks noGrp="1" noChangeAspect="1"/>
+          </p:cNvPicPr>
+          <p:nvPr>
+            <p:ph idx="1"/>
+          </p:nvPr>
+        </p:nvPicPr>
+        <p:blipFill rotWithShape="1">
+          <a:blip r:embed="rId3"/>
+          <a:srcRect b="1080"/>
+          <a:stretch/>
+        </p:blipFill>
+        <p:spPr>
+          <a:xfrm>
+            <a:off x="1727859" y="1700642"/>
+            <a:ext cx="8847419" cy="4304373"/>
+          </a:xfrm>
+          <a:prstGeom prst="rect">
+            <a:avLst/>
+          </a:prstGeom>
+        </p:spPr>
+      </p:pic>
+      <p:sp>
+        <p:nvSpPr>
+          <p:cNvPr id="6" name="TextBox 5"/>
+          <p:cNvSpPr txBox="1"/>
+          <p:nvPr/>
+        </p:nvSpPr>
+        <p:spPr>
+          <a:xfrm>
+            <a:off x="6028737" y="2617373"/>
+            <a:ext cx="3973581" cy="923330"/>
+          </a:xfrm>
+          <a:prstGeom prst="rect">
+            <a:avLst/>
+          </a:prstGeom>
+          <a:noFill/>
+        </p:spPr>
+        <p:txBody>
+          <a:bodyPr wrap="square" rtlCol="0">
+            <a:spAutoFit/>
+          </a:bodyPr>
+          <a:lstStyle/>
+          <a:p>
+            <a:r>
+              <a:rPr lang="en-US" dirty="0" smtClean="0">
+                <a:solidFill>
+                  <a:schemeClr val="bg1"/>
+                </a:solidFill>
+              </a:rPr>
+              <a:t>37/56 have at least 1 variant</a:t>
+            </a:r>
+            <a:br>
+              <a:rPr lang="en-US" dirty="0" smtClean="0">
+                <a:solidFill>
+                  <a:schemeClr val="bg1"/>
+                </a:solidFill>
+              </a:rPr>
+            </a:br>
+            <a:r>
+              <a:rPr lang="en-US" dirty="0" smtClean="0">
+                <a:solidFill>
+                  <a:srgbClr val="FF0000"/>
+                </a:solidFill>
+              </a:rPr>
+              <a:t>19/56 are not associated with any pathogenic variants in 1000G. </a:t>
+            </a:r>
+            <a:endParaRPr lang="en-US" dirty="0">
+              <a:solidFill>
+                <a:srgbClr val="FF0000"/>
+              </a:solidFill>
+            </a:endParaRPr>
+          </a:p>
+        </p:txBody>
+      </p:sp>
+      <p:cxnSp>
+        <p:nvCxnSpPr>
+          <p:cNvPr id="15" name="Straight Arrow Connector 14"/>
+          <p:cNvCxnSpPr/>
+          <p:nvPr/>
+        </p:nvCxnSpPr>
+        <p:spPr>
+          <a:xfrm flipH="1">
+            <a:off x="7865512" y="3639053"/>
+            <a:ext cx="1" cy="1319588"/>
+          </a:xfrm>
+          <a:prstGeom prst="straightConnector1">
+            <a:avLst/>
+          </a:prstGeom>
+          <a:ln>
+            <a:tailEnd type="triangle"/>
+          </a:ln>
+        </p:spPr>
+        <p:style>
+          <a:lnRef idx="1">
+            <a:schemeClr val="accent1"/>
+          </a:lnRef>
+          <a:fillRef idx="0">
+            <a:schemeClr val="accent1"/>
+          </a:fillRef>
+          <a:effectRef idx="0">
+            <a:schemeClr val="accent1"/>
+          </a:effectRef>
+          <a:fontRef idx="minor">
+            <a:schemeClr val="tx1"/>
+          </a:fontRef>
+        </p:style>
+      </p:cxnSp>
     </p:spTree>
     <p:extLst>
       <p:ext uri="{BB962C8B-B14F-4D97-AF65-F5344CB8AC3E}">
-        <p14:creationId xmlns:p14="http://schemas.microsoft.com/office/powerpoint/2010/main" val="1642393824"/>
+        <p14:creationId xmlns:p14="http://schemas.microsoft.com/office/powerpoint/2010/main" val="418743099"/>
       </p:ext>
     </p:extLst>
   </p:cSld>
